--- a/Startups/Startup Session 1.pptx
+++ b/Startups/Startup Session 1.pptx
@@ -11,6 +11,8 @@
     <p:sldId id="264" r:id="rId5"/>
     <p:sldId id="265" r:id="rId6"/>
     <p:sldId id="266" r:id="rId7"/>
+    <p:sldId id="267" r:id="rId8"/>
+    <p:sldId id="268" r:id="rId9"/>
   </p:sldIdLst>
   <p:sldSz cx="12192000" cy="6858000"/>
   <p:notesSz cx="6858000" cy="9144000"/>
@@ -4600,6 +4602,753 @@
 </file>
 
 <file path=ppt/diagrams/colors7.xml><?xml version="1.0" encoding="utf-8"?>
+<dgm:colorsDef xmlns:dgm="http://schemas.openxmlformats.org/drawingml/2006/diagram" xmlns:a="http://schemas.openxmlformats.org/drawingml/2006/main" uniqueId="urn:microsoft.com/office/officeart/2005/8/colors/accent1_2">
+  <dgm:title val=""/>
+  <dgm:desc val=""/>
+  <dgm:catLst>
+    <dgm:cat type="accent1" pri="11200"/>
+  </dgm:catLst>
+  <dgm:styleLbl name="node0">
+    <dgm:fillClrLst meth="repeat">
+      <a:schemeClr val="accent1"/>
+    </dgm:fillClrLst>
+    <dgm:linClrLst meth="repeat">
+      <a:schemeClr val="lt1"/>
+    </dgm:linClrLst>
+    <dgm:effectClrLst/>
+    <dgm:txLinClrLst/>
+    <dgm:txFillClrLst/>
+    <dgm:txEffectClrLst/>
+  </dgm:styleLbl>
+  <dgm:styleLbl name="alignNode1">
+    <dgm:fillClrLst meth="repeat">
+      <a:schemeClr val="accent1"/>
+    </dgm:fillClrLst>
+    <dgm:linClrLst meth="repeat">
+      <a:schemeClr val="accent1"/>
+    </dgm:linClrLst>
+    <dgm:effectClrLst/>
+    <dgm:txLinClrLst/>
+    <dgm:txFillClrLst/>
+    <dgm:txEffectClrLst/>
+  </dgm:styleLbl>
+  <dgm:styleLbl name="node1">
+    <dgm:fillClrLst meth="repeat">
+      <a:schemeClr val="accent1"/>
+    </dgm:fillClrLst>
+    <dgm:linClrLst meth="repeat">
+      <a:schemeClr val="lt1"/>
+    </dgm:linClrLst>
+    <dgm:effectClrLst/>
+    <dgm:txLinClrLst/>
+    <dgm:txFillClrLst/>
+    <dgm:txEffectClrLst/>
+  </dgm:styleLbl>
+  <dgm:styleLbl name="lnNode1">
+    <dgm:fillClrLst meth="repeat">
+      <a:schemeClr val="accent1"/>
+    </dgm:fillClrLst>
+    <dgm:linClrLst meth="repeat">
+      <a:schemeClr val="lt1"/>
+    </dgm:linClrLst>
+    <dgm:effectClrLst/>
+    <dgm:txLinClrLst/>
+    <dgm:txFillClrLst/>
+    <dgm:txEffectClrLst/>
+  </dgm:styleLbl>
+  <dgm:styleLbl name="vennNode1">
+    <dgm:fillClrLst meth="repeat">
+      <a:schemeClr val="accent1">
+        <a:alpha val="50000"/>
+      </a:schemeClr>
+    </dgm:fillClrLst>
+    <dgm:linClrLst meth="repeat">
+      <a:schemeClr val="lt1"/>
+    </dgm:linClrLst>
+    <dgm:effectClrLst/>
+    <dgm:txLinClrLst/>
+    <dgm:txFillClrLst/>
+    <dgm:txEffectClrLst/>
+  </dgm:styleLbl>
+  <dgm:styleLbl name="node2">
+    <dgm:fillClrLst meth="repeat">
+      <a:schemeClr val="accent1"/>
+    </dgm:fillClrLst>
+    <dgm:linClrLst meth="repeat">
+      <a:schemeClr val="lt1"/>
+    </dgm:linClrLst>
+    <dgm:effectClrLst/>
+    <dgm:txLinClrLst/>
+    <dgm:txFillClrLst/>
+    <dgm:txEffectClrLst/>
+  </dgm:styleLbl>
+  <dgm:styleLbl name="node3">
+    <dgm:fillClrLst meth="repeat">
+      <a:schemeClr val="accent1"/>
+    </dgm:fillClrLst>
+    <dgm:linClrLst meth="repeat">
+      <a:schemeClr val="lt1"/>
+    </dgm:linClrLst>
+    <dgm:effectClrLst/>
+    <dgm:txLinClrLst/>
+    <dgm:txFillClrLst/>
+    <dgm:txEffectClrLst/>
+  </dgm:styleLbl>
+  <dgm:styleLbl name="node4">
+    <dgm:fillClrLst meth="repeat">
+      <a:schemeClr val="accent1"/>
+    </dgm:fillClrLst>
+    <dgm:linClrLst meth="repeat">
+      <a:schemeClr val="lt1"/>
+    </dgm:linClrLst>
+    <dgm:effectClrLst/>
+    <dgm:txLinClrLst/>
+    <dgm:txFillClrLst/>
+    <dgm:txEffectClrLst/>
+  </dgm:styleLbl>
+  <dgm:styleLbl name="fgImgPlace1">
+    <dgm:fillClrLst meth="repeat">
+      <a:schemeClr val="accent1">
+        <a:tint val="50000"/>
+      </a:schemeClr>
+    </dgm:fillClrLst>
+    <dgm:linClrLst meth="repeat">
+      <a:schemeClr val="lt1"/>
+    </dgm:linClrLst>
+    <dgm:effectClrLst/>
+    <dgm:txLinClrLst/>
+    <dgm:txFillClrLst meth="repeat">
+      <a:schemeClr val="lt1"/>
+    </dgm:txFillClrLst>
+    <dgm:txEffectClrLst/>
+  </dgm:styleLbl>
+  <dgm:styleLbl name="alignImgPlace1">
+    <dgm:fillClrLst meth="repeat">
+      <a:schemeClr val="accent1">
+        <a:tint val="50000"/>
+      </a:schemeClr>
+    </dgm:fillClrLst>
+    <dgm:linClrLst meth="repeat">
+      <a:schemeClr val="lt1"/>
+    </dgm:linClrLst>
+    <dgm:effectClrLst/>
+    <dgm:txLinClrLst/>
+    <dgm:txFillClrLst meth="repeat">
+      <a:schemeClr val="lt1"/>
+    </dgm:txFillClrLst>
+    <dgm:txEffectClrLst/>
+  </dgm:styleLbl>
+  <dgm:styleLbl name="bgImgPlace1">
+    <dgm:fillClrLst meth="repeat">
+      <a:schemeClr val="accent1">
+        <a:tint val="50000"/>
+      </a:schemeClr>
+    </dgm:fillClrLst>
+    <dgm:linClrLst meth="repeat">
+      <a:schemeClr val="lt1"/>
+    </dgm:linClrLst>
+    <dgm:effectClrLst/>
+    <dgm:txLinClrLst/>
+    <dgm:txFillClrLst meth="repeat">
+      <a:schemeClr val="lt1"/>
+    </dgm:txFillClrLst>
+    <dgm:txEffectClrLst/>
+  </dgm:styleLbl>
+  <dgm:styleLbl name="sibTrans2D1">
+    <dgm:fillClrLst meth="repeat">
+      <a:schemeClr val="accent1">
+        <a:tint val="60000"/>
+      </a:schemeClr>
+    </dgm:fillClrLst>
+    <dgm:linClrLst meth="repeat">
+      <a:schemeClr val="accent1">
+        <a:tint val="60000"/>
+      </a:schemeClr>
+    </dgm:linClrLst>
+    <dgm:effectClrLst/>
+    <dgm:txLinClrLst/>
+    <dgm:txFillClrLst/>
+    <dgm:txEffectClrLst/>
+  </dgm:styleLbl>
+  <dgm:styleLbl name="fgSibTrans2D1">
+    <dgm:fillClrLst meth="repeat">
+      <a:schemeClr val="accent1">
+        <a:tint val="60000"/>
+      </a:schemeClr>
+    </dgm:fillClrLst>
+    <dgm:linClrLst meth="repeat">
+      <a:schemeClr val="accent1">
+        <a:tint val="60000"/>
+      </a:schemeClr>
+    </dgm:linClrLst>
+    <dgm:effectClrLst/>
+    <dgm:txLinClrLst/>
+    <dgm:txFillClrLst/>
+    <dgm:txEffectClrLst/>
+  </dgm:styleLbl>
+  <dgm:styleLbl name="bgSibTrans2D1">
+    <dgm:fillClrLst meth="repeat">
+      <a:schemeClr val="accent1">
+        <a:tint val="60000"/>
+      </a:schemeClr>
+    </dgm:fillClrLst>
+    <dgm:linClrLst meth="repeat">
+      <a:schemeClr val="accent1">
+        <a:tint val="60000"/>
+      </a:schemeClr>
+    </dgm:linClrLst>
+    <dgm:effectClrLst/>
+    <dgm:txLinClrLst/>
+    <dgm:txFillClrLst/>
+    <dgm:txEffectClrLst/>
+  </dgm:styleLbl>
+  <dgm:styleLbl name="sibTrans1D1">
+    <dgm:fillClrLst meth="repeat">
+      <a:schemeClr val="accent1"/>
+    </dgm:fillClrLst>
+    <dgm:linClrLst meth="repeat">
+      <a:schemeClr val="accent1"/>
+    </dgm:linClrLst>
+    <dgm:effectClrLst/>
+    <dgm:txLinClrLst/>
+    <dgm:txFillClrLst meth="repeat">
+      <a:schemeClr val="tx1"/>
+    </dgm:txFillClrLst>
+    <dgm:txEffectClrLst/>
+  </dgm:styleLbl>
+  <dgm:styleLbl name="callout">
+    <dgm:fillClrLst meth="repeat">
+      <a:schemeClr val="accent1"/>
+    </dgm:fillClrLst>
+    <dgm:linClrLst meth="repeat">
+      <a:schemeClr val="accent1">
+        <a:tint val="50000"/>
+      </a:schemeClr>
+    </dgm:linClrLst>
+    <dgm:effectClrLst/>
+    <dgm:txLinClrLst/>
+    <dgm:txFillClrLst meth="repeat">
+      <a:schemeClr val="tx1"/>
+    </dgm:txFillClrLst>
+    <dgm:txEffectClrLst/>
+  </dgm:styleLbl>
+  <dgm:styleLbl name="asst0">
+    <dgm:fillClrLst meth="repeat">
+      <a:schemeClr val="accent1"/>
+    </dgm:fillClrLst>
+    <dgm:linClrLst meth="repeat">
+      <a:schemeClr val="lt1"/>
+    </dgm:linClrLst>
+    <dgm:effectClrLst/>
+    <dgm:txLinClrLst/>
+    <dgm:txFillClrLst/>
+    <dgm:txEffectClrLst/>
+  </dgm:styleLbl>
+  <dgm:styleLbl name="asst1">
+    <dgm:fillClrLst meth="repeat">
+      <a:schemeClr val="accent1"/>
+    </dgm:fillClrLst>
+    <dgm:linClrLst meth="repeat">
+      <a:schemeClr val="lt1"/>
+    </dgm:linClrLst>
+    <dgm:effectClrLst/>
+    <dgm:txLinClrLst/>
+    <dgm:txFillClrLst/>
+    <dgm:txEffectClrLst/>
+  </dgm:styleLbl>
+  <dgm:styleLbl name="asst2">
+    <dgm:fillClrLst meth="repeat">
+      <a:schemeClr val="accent1"/>
+    </dgm:fillClrLst>
+    <dgm:linClrLst meth="repeat">
+      <a:schemeClr val="lt1"/>
+    </dgm:linClrLst>
+    <dgm:effectClrLst/>
+    <dgm:txLinClrLst/>
+    <dgm:txFillClrLst/>
+    <dgm:txEffectClrLst/>
+  </dgm:styleLbl>
+  <dgm:styleLbl name="asst3">
+    <dgm:fillClrLst meth="repeat">
+      <a:schemeClr val="accent1"/>
+    </dgm:fillClrLst>
+    <dgm:linClrLst meth="repeat">
+      <a:schemeClr val="lt1"/>
+    </dgm:linClrLst>
+    <dgm:effectClrLst/>
+    <dgm:txLinClrLst/>
+    <dgm:txFillClrLst/>
+    <dgm:txEffectClrLst/>
+  </dgm:styleLbl>
+  <dgm:styleLbl name="asst4">
+    <dgm:fillClrLst meth="repeat">
+      <a:schemeClr val="accent1"/>
+    </dgm:fillClrLst>
+    <dgm:linClrLst meth="repeat">
+      <a:schemeClr val="lt1"/>
+    </dgm:linClrLst>
+    <dgm:effectClrLst/>
+    <dgm:txLinClrLst/>
+    <dgm:txFillClrLst/>
+    <dgm:txEffectClrLst/>
+  </dgm:styleLbl>
+  <dgm:styleLbl name="parChTrans2D1">
+    <dgm:fillClrLst meth="repeat">
+      <a:schemeClr val="accent1">
+        <a:tint val="60000"/>
+      </a:schemeClr>
+    </dgm:fillClrLst>
+    <dgm:linClrLst meth="repeat">
+      <a:schemeClr val="accent1">
+        <a:tint val="60000"/>
+      </a:schemeClr>
+    </dgm:linClrLst>
+    <dgm:effectClrLst/>
+    <dgm:txLinClrLst/>
+    <dgm:txFillClrLst meth="repeat">
+      <a:schemeClr val="lt1"/>
+    </dgm:txFillClrLst>
+    <dgm:txEffectClrLst/>
+  </dgm:styleLbl>
+  <dgm:styleLbl name="parChTrans2D2">
+    <dgm:fillClrLst meth="repeat">
+      <a:schemeClr val="accent1"/>
+    </dgm:fillClrLst>
+    <dgm:linClrLst meth="repeat">
+      <a:schemeClr val="accent1"/>
+    </dgm:linClrLst>
+    <dgm:effectClrLst/>
+    <dgm:txLinClrLst/>
+    <dgm:txFillClrLst meth="repeat">
+      <a:schemeClr val="lt1"/>
+    </dgm:txFillClrLst>
+    <dgm:txEffectClrLst/>
+  </dgm:styleLbl>
+  <dgm:styleLbl name="parChTrans2D3">
+    <dgm:fillClrLst meth="repeat">
+      <a:schemeClr val="accent1"/>
+    </dgm:fillClrLst>
+    <dgm:linClrLst meth="repeat">
+      <a:schemeClr val="accent1"/>
+    </dgm:linClrLst>
+    <dgm:effectClrLst/>
+    <dgm:txLinClrLst/>
+    <dgm:txFillClrLst meth="repeat">
+      <a:schemeClr val="lt1"/>
+    </dgm:txFillClrLst>
+    <dgm:txEffectClrLst/>
+  </dgm:styleLbl>
+  <dgm:styleLbl name="parChTrans2D4">
+    <dgm:fillClrLst meth="repeat">
+      <a:schemeClr val="accent1"/>
+    </dgm:fillClrLst>
+    <dgm:linClrLst meth="repeat">
+      <a:schemeClr val="accent1"/>
+    </dgm:linClrLst>
+    <dgm:effectClrLst/>
+    <dgm:txLinClrLst/>
+    <dgm:txFillClrLst meth="repeat">
+      <a:schemeClr val="lt1"/>
+    </dgm:txFillClrLst>
+    <dgm:txEffectClrLst/>
+  </dgm:styleLbl>
+  <dgm:styleLbl name="parChTrans1D1">
+    <dgm:fillClrLst meth="repeat">
+      <a:schemeClr val="accent1"/>
+    </dgm:fillClrLst>
+    <dgm:linClrLst meth="repeat">
+      <a:schemeClr val="accent1">
+        <a:shade val="60000"/>
+      </a:schemeClr>
+    </dgm:linClrLst>
+    <dgm:effectClrLst/>
+    <dgm:txLinClrLst/>
+    <dgm:txFillClrLst meth="repeat">
+      <a:schemeClr val="tx1"/>
+    </dgm:txFillClrLst>
+    <dgm:txEffectClrLst/>
+  </dgm:styleLbl>
+  <dgm:styleLbl name="parChTrans1D2">
+    <dgm:fillClrLst meth="repeat">
+      <a:schemeClr val="accent1"/>
+    </dgm:fillClrLst>
+    <dgm:linClrLst meth="repeat">
+      <a:schemeClr val="accent1">
+        <a:shade val="60000"/>
+      </a:schemeClr>
+    </dgm:linClrLst>
+    <dgm:effectClrLst/>
+    <dgm:txLinClrLst/>
+    <dgm:txFillClrLst meth="repeat">
+      <a:schemeClr val="tx1"/>
+    </dgm:txFillClrLst>
+    <dgm:txEffectClrLst/>
+  </dgm:styleLbl>
+  <dgm:styleLbl name="parChTrans1D3">
+    <dgm:fillClrLst meth="repeat">
+      <a:schemeClr val="accent1"/>
+    </dgm:fillClrLst>
+    <dgm:linClrLst meth="repeat">
+      <a:schemeClr val="accent1">
+        <a:shade val="80000"/>
+      </a:schemeClr>
+    </dgm:linClrLst>
+    <dgm:effectClrLst/>
+    <dgm:txLinClrLst/>
+    <dgm:txFillClrLst meth="repeat">
+      <a:schemeClr val="tx1"/>
+    </dgm:txFillClrLst>
+    <dgm:txEffectClrLst/>
+  </dgm:styleLbl>
+  <dgm:styleLbl name="parChTrans1D4">
+    <dgm:fillClrLst meth="repeat">
+      <a:schemeClr val="accent1"/>
+    </dgm:fillClrLst>
+    <dgm:linClrLst meth="repeat">
+      <a:schemeClr val="accent1">
+        <a:shade val="80000"/>
+      </a:schemeClr>
+    </dgm:linClrLst>
+    <dgm:effectClrLst/>
+    <dgm:txLinClrLst/>
+    <dgm:txFillClrLst meth="repeat">
+      <a:schemeClr val="tx1"/>
+    </dgm:txFillClrLst>
+    <dgm:txEffectClrLst/>
+  </dgm:styleLbl>
+  <dgm:styleLbl name="fgAcc1">
+    <dgm:fillClrLst meth="repeat">
+      <a:schemeClr val="lt1">
+        <a:alpha val="90000"/>
+      </a:schemeClr>
+    </dgm:fillClrLst>
+    <dgm:linClrLst meth="repeat">
+      <a:schemeClr val="accent1"/>
+    </dgm:linClrLst>
+    <dgm:effectClrLst/>
+    <dgm:txLinClrLst/>
+    <dgm:txFillClrLst meth="repeat">
+      <a:schemeClr val="dk1"/>
+    </dgm:txFillClrLst>
+    <dgm:txEffectClrLst/>
+  </dgm:styleLbl>
+  <dgm:styleLbl name="conFgAcc1">
+    <dgm:fillClrLst meth="repeat">
+      <a:schemeClr val="lt1">
+        <a:alpha val="90000"/>
+      </a:schemeClr>
+    </dgm:fillClrLst>
+    <dgm:linClrLst meth="repeat">
+      <a:schemeClr val="accent1"/>
+    </dgm:linClrLst>
+    <dgm:effectClrLst/>
+    <dgm:txLinClrLst/>
+    <dgm:txFillClrLst meth="repeat">
+      <a:schemeClr val="dk1"/>
+    </dgm:txFillClrLst>
+    <dgm:txEffectClrLst/>
+  </dgm:styleLbl>
+  <dgm:styleLbl name="alignAcc1">
+    <dgm:fillClrLst meth="repeat">
+      <a:schemeClr val="lt1">
+        <a:alpha val="90000"/>
+      </a:schemeClr>
+    </dgm:fillClrLst>
+    <dgm:linClrLst meth="repeat">
+      <a:schemeClr val="accent1"/>
+    </dgm:linClrLst>
+    <dgm:effectClrLst/>
+    <dgm:txLinClrLst/>
+    <dgm:txFillClrLst meth="repeat">
+      <a:schemeClr val="dk1"/>
+    </dgm:txFillClrLst>
+    <dgm:txEffectClrLst/>
+  </dgm:styleLbl>
+  <dgm:styleLbl name="trAlignAcc1">
+    <dgm:fillClrLst meth="repeat">
+      <a:schemeClr val="lt1">
+        <a:alpha val="40000"/>
+      </a:schemeClr>
+    </dgm:fillClrLst>
+    <dgm:linClrLst meth="repeat">
+      <a:schemeClr val="accent1"/>
+    </dgm:linClrLst>
+    <dgm:effectClrLst/>
+    <dgm:txLinClrLst/>
+    <dgm:txFillClrLst meth="repeat">
+      <a:schemeClr val="dk1"/>
+    </dgm:txFillClrLst>
+    <dgm:txEffectClrLst/>
+  </dgm:styleLbl>
+  <dgm:styleLbl name="bgAcc1">
+    <dgm:fillClrLst meth="repeat">
+      <a:schemeClr val="lt1">
+        <a:alpha val="90000"/>
+      </a:schemeClr>
+    </dgm:fillClrLst>
+    <dgm:linClrLst meth="repeat">
+      <a:schemeClr val="accent1"/>
+    </dgm:linClrLst>
+    <dgm:effectClrLst/>
+    <dgm:txLinClrLst/>
+    <dgm:txFillClrLst meth="repeat">
+      <a:schemeClr val="dk1"/>
+    </dgm:txFillClrLst>
+    <dgm:txEffectClrLst/>
+  </dgm:styleLbl>
+  <dgm:styleLbl name="solidFgAcc1">
+    <dgm:fillClrLst meth="repeat">
+      <a:schemeClr val="lt1"/>
+    </dgm:fillClrLst>
+    <dgm:linClrLst meth="repeat">
+      <a:schemeClr val="accent1"/>
+    </dgm:linClrLst>
+    <dgm:effectClrLst/>
+    <dgm:txLinClrLst/>
+    <dgm:txFillClrLst meth="repeat">
+      <a:schemeClr val="dk1"/>
+    </dgm:txFillClrLst>
+    <dgm:txEffectClrLst/>
+  </dgm:styleLbl>
+  <dgm:styleLbl name="solidAlignAcc1">
+    <dgm:fillClrLst meth="repeat">
+      <a:schemeClr val="lt1"/>
+    </dgm:fillClrLst>
+    <dgm:linClrLst meth="repeat">
+      <a:schemeClr val="accent1"/>
+    </dgm:linClrLst>
+    <dgm:effectClrLst/>
+    <dgm:txLinClrLst/>
+    <dgm:txFillClrLst meth="repeat">
+      <a:schemeClr val="dk1"/>
+    </dgm:txFillClrLst>
+    <dgm:txEffectClrLst/>
+  </dgm:styleLbl>
+  <dgm:styleLbl name="solidBgAcc1">
+    <dgm:fillClrLst meth="repeat">
+      <a:schemeClr val="lt1"/>
+    </dgm:fillClrLst>
+    <dgm:linClrLst meth="repeat">
+      <a:schemeClr val="accent1"/>
+    </dgm:linClrLst>
+    <dgm:effectClrLst/>
+    <dgm:txLinClrLst/>
+    <dgm:txFillClrLst meth="repeat">
+      <a:schemeClr val="dk1"/>
+    </dgm:txFillClrLst>
+    <dgm:txEffectClrLst/>
+  </dgm:styleLbl>
+  <dgm:styleLbl name="fgAccFollowNode1">
+    <dgm:fillClrLst meth="repeat">
+      <a:schemeClr val="accent1">
+        <a:alpha val="90000"/>
+        <a:tint val="40000"/>
+      </a:schemeClr>
+    </dgm:fillClrLst>
+    <dgm:linClrLst meth="repeat">
+      <a:schemeClr val="accent1">
+        <a:alpha val="90000"/>
+        <a:tint val="40000"/>
+      </a:schemeClr>
+    </dgm:linClrLst>
+    <dgm:effectClrLst/>
+    <dgm:txLinClrLst/>
+    <dgm:txFillClrLst meth="repeat">
+      <a:schemeClr val="dk1"/>
+    </dgm:txFillClrLst>
+    <dgm:txEffectClrLst/>
+  </dgm:styleLbl>
+  <dgm:styleLbl name="alignAccFollowNode1">
+    <dgm:fillClrLst meth="repeat">
+      <a:schemeClr val="accent1">
+        <a:alpha val="90000"/>
+        <a:tint val="40000"/>
+      </a:schemeClr>
+    </dgm:fillClrLst>
+    <dgm:linClrLst meth="repeat">
+      <a:schemeClr val="accent1">
+        <a:alpha val="90000"/>
+        <a:tint val="40000"/>
+      </a:schemeClr>
+    </dgm:linClrLst>
+    <dgm:effectClrLst/>
+    <dgm:txLinClrLst/>
+    <dgm:txFillClrLst meth="repeat">
+      <a:schemeClr val="dk1"/>
+    </dgm:txFillClrLst>
+    <dgm:txEffectClrLst/>
+  </dgm:styleLbl>
+  <dgm:styleLbl name="bgAccFollowNode1">
+    <dgm:fillClrLst meth="repeat">
+      <a:schemeClr val="accent1">
+        <a:alpha val="90000"/>
+        <a:tint val="40000"/>
+      </a:schemeClr>
+    </dgm:fillClrLst>
+    <dgm:linClrLst meth="repeat">
+      <a:schemeClr val="accent1">
+        <a:alpha val="90000"/>
+        <a:tint val="40000"/>
+      </a:schemeClr>
+    </dgm:linClrLst>
+    <dgm:effectClrLst/>
+    <dgm:txLinClrLst/>
+    <dgm:txFillClrLst meth="repeat">
+      <a:schemeClr val="dk1"/>
+    </dgm:txFillClrLst>
+    <dgm:txEffectClrLst/>
+  </dgm:styleLbl>
+  <dgm:styleLbl name="fgAcc0">
+    <dgm:fillClrLst meth="repeat">
+      <a:schemeClr val="lt1">
+        <a:alpha val="90000"/>
+      </a:schemeClr>
+    </dgm:fillClrLst>
+    <dgm:linClrLst meth="repeat">
+      <a:schemeClr val="accent1"/>
+    </dgm:linClrLst>
+    <dgm:effectClrLst/>
+    <dgm:txLinClrLst/>
+    <dgm:txFillClrLst meth="repeat">
+      <a:schemeClr val="dk1"/>
+    </dgm:txFillClrLst>
+    <dgm:txEffectClrLst/>
+  </dgm:styleLbl>
+  <dgm:styleLbl name="fgAcc2">
+    <dgm:fillClrLst meth="repeat">
+      <a:schemeClr val="lt1">
+        <a:alpha val="90000"/>
+      </a:schemeClr>
+    </dgm:fillClrLst>
+    <dgm:linClrLst meth="repeat">
+      <a:schemeClr val="accent1"/>
+    </dgm:linClrLst>
+    <dgm:effectClrLst/>
+    <dgm:txLinClrLst/>
+    <dgm:txFillClrLst meth="repeat">
+      <a:schemeClr val="dk1"/>
+    </dgm:txFillClrLst>
+    <dgm:txEffectClrLst/>
+  </dgm:styleLbl>
+  <dgm:styleLbl name="fgAcc3">
+    <dgm:fillClrLst meth="repeat">
+      <a:schemeClr val="lt1">
+        <a:alpha val="90000"/>
+      </a:schemeClr>
+    </dgm:fillClrLst>
+    <dgm:linClrLst meth="repeat">
+      <a:schemeClr val="accent1"/>
+    </dgm:linClrLst>
+    <dgm:effectClrLst/>
+    <dgm:txLinClrLst/>
+    <dgm:txFillClrLst meth="repeat">
+      <a:schemeClr val="dk1"/>
+    </dgm:txFillClrLst>
+    <dgm:txEffectClrLst/>
+  </dgm:styleLbl>
+  <dgm:styleLbl name="fgAcc4">
+    <dgm:fillClrLst meth="repeat">
+      <a:schemeClr val="lt1">
+        <a:alpha val="90000"/>
+      </a:schemeClr>
+    </dgm:fillClrLst>
+    <dgm:linClrLst meth="repeat">
+      <a:schemeClr val="accent1"/>
+    </dgm:linClrLst>
+    <dgm:effectClrLst/>
+    <dgm:txLinClrLst/>
+    <dgm:txFillClrLst meth="repeat">
+      <a:schemeClr val="dk1"/>
+    </dgm:txFillClrLst>
+    <dgm:txEffectClrLst/>
+  </dgm:styleLbl>
+  <dgm:styleLbl name="bgShp">
+    <dgm:fillClrLst meth="repeat">
+      <a:schemeClr val="accent1">
+        <a:tint val="40000"/>
+      </a:schemeClr>
+    </dgm:fillClrLst>
+    <dgm:linClrLst meth="repeat">
+      <a:schemeClr val="accent1"/>
+    </dgm:linClrLst>
+    <dgm:effectClrLst/>
+    <dgm:txLinClrLst/>
+    <dgm:txFillClrLst meth="repeat">
+      <a:schemeClr val="dk1"/>
+    </dgm:txFillClrLst>
+    <dgm:txEffectClrLst/>
+  </dgm:styleLbl>
+  <dgm:styleLbl name="dkBgShp">
+    <dgm:fillClrLst meth="repeat">
+      <a:schemeClr val="accent1">
+        <a:shade val="80000"/>
+      </a:schemeClr>
+    </dgm:fillClrLst>
+    <dgm:linClrLst meth="repeat">
+      <a:schemeClr val="accent1"/>
+    </dgm:linClrLst>
+    <dgm:effectClrLst/>
+    <dgm:txLinClrLst/>
+    <dgm:txFillClrLst meth="repeat">
+      <a:schemeClr val="lt1"/>
+    </dgm:txFillClrLst>
+    <dgm:txEffectClrLst/>
+  </dgm:styleLbl>
+  <dgm:styleLbl name="trBgShp">
+    <dgm:fillClrLst meth="repeat">
+      <a:schemeClr val="accent1">
+        <a:tint val="50000"/>
+        <a:alpha val="40000"/>
+      </a:schemeClr>
+    </dgm:fillClrLst>
+    <dgm:linClrLst meth="repeat">
+      <a:schemeClr val="accent1"/>
+    </dgm:linClrLst>
+    <dgm:effectClrLst/>
+    <dgm:txLinClrLst/>
+    <dgm:txFillClrLst meth="repeat">
+      <a:schemeClr val="lt1"/>
+    </dgm:txFillClrLst>
+    <dgm:txEffectClrLst/>
+  </dgm:styleLbl>
+  <dgm:styleLbl name="fgShp">
+    <dgm:fillClrLst meth="repeat">
+      <a:schemeClr val="accent1">
+        <a:tint val="60000"/>
+      </a:schemeClr>
+    </dgm:fillClrLst>
+    <dgm:linClrLst meth="repeat">
+      <a:schemeClr val="lt1"/>
+    </dgm:linClrLst>
+    <dgm:effectClrLst/>
+    <dgm:txLinClrLst/>
+    <dgm:txFillClrLst meth="repeat">
+      <a:schemeClr val="dk1"/>
+    </dgm:txFillClrLst>
+    <dgm:txEffectClrLst/>
+  </dgm:styleLbl>
+  <dgm:styleLbl name="revTx">
+    <dgm:fillClrLst meth="repeat">
+      <a:schemeClr val="lt1">
+        <a:alpha val="0"/>
+      </a:schemeClr>
+    </dgm:fillClrLst>
+    <dgm:linClrLst meth="repeat">
+      <a:schemeClr val="dk1">
+        <a:alpha val="0"/>
+      </a:schemeClr>
+    </dgm:linClrLst>
+    <dgm:effectClrLst/>
+    <dgm:txLinClrLst/>
+    <dgm:txFillClrLst meth="repeat">
+      <a:schemeClr val="tx1"/>
+    </dgm:txFillClrLst>
+    <dgm:txEffectClrLst/>
+  </dgm:styleLbl>
+</dgm:colorsDef>
+</file>
+
+<file path=ppt/diagrams/colors8.xml><?xml version="1.0" encoding="utf-8"?>
 <dgm:colorsDef xmlns:dgm="http://schemas.openxmlformats.org/drawingml/2006/diagram" xmlns:a="http://schemas.openxmlformats.org/drawingml/2006/main" uniqueId="urn:microsoft.com/office/officeart/2005/8/colors/accent1_2">
   <dgm:title val=""/>
   <dgm:desc val=""/>
@@ -6230,7 +6979,7 @@
   <dgm:whole/>
   <dgm:extLst>
     <a:ext uri="http://schemas.microsoft.com/office/drawing/2008/diagram">
-      <dsp:dataModelExt xmlns:dsp="http://schemas.microsoft.com/office/drawing/2008/diagram" relId="rId12" minVer="http://schemas.openxmlformats.org/drawingml/2006/diagram"/>
+      <dsp:dataModelExt xmlns:dsp="http://schemas.microsoft.com/office/drawing/2008/diagram" relId="rId11" minVer="http://schemas.openxmlformats.org/drawingml/2006/diagram"/>
     </a:ext>
   </dgm:extLst>
 </dgm:dataModel>
@@ -6314,47 +7063,6 @@
       </dgm:t>
     </dgm:pt>
     <dgm:pt modelId="{7160949C-7E20-45B8-A161-29C3853B38FB}" type="sibTrans" cxnId="{5FEEE3DD-0E07-41D4-BEB7-434762910DBE}">
-      <dgm:prSet/>
-      <dgm:spPr/>
-      <dgm:t>
-        <a:bodyPr/>
-        <a:lstStyle/>
-        <a:p>
-          <a:endParaRPr lang="fr-FR"/>
-        </a:p>
-      </dgm:t>
-    </dgm:pt>
-    <dgm:pt modelId="{6BF8B4B5-5FAC-480F-97F5-B758B691F135}">
-      <dgm:prSet/>
-      <dgm:spPr/>
-      <dgm:t>
-        <a:bodyPr/>
-        <a:lstStyle/>
-        <a:p>
-          <a:pPr>
-            <a:buFont typeface="Arial" panose="020B0604020202020204" pitchFamily="34" charset="0"/>
-            <a:buChar char="•"/>
-          </a:pPr>
-          <a:r>
-            <a:rPr lang="en-US" b="1" i="0" dirty="0"/>
-            <a:t>Detail Staffing Structure:</a:t>
-          </a:r>
-          <a:endParaRPr lang="en-US" b="0" i="0" dirty="0"/>
-        </a:p>
-      </dgm:t>
-    </dgm:pt>
-    <dgm:pt modelId="{945893FE-D36A-47FD-B52C-F9696AF0FC5C}" type="parTrans" cxnId="{E9512845-9A0F-451B-9F9C-2EFACD27810D}">
-      <dgm:prSet/>
-      <dgm:spPr/>
-      <dgm:t>
-        <a:bodyPr/>
-        <a:lstStyle/>
-        <a:p>
-          <a:endParaRPr lang="fr-FR"/>
-        </a:p>
-      </dgm:t>
-    </dgm:pt>
-    <dgm:pt modelId="{7C51852A-F8AC-4594-B50D-F91D75D3CD1E}" type="sibTrans" cxnId="{E9512845-9A0F-451B-9F9C-2EFACD27810D}">
       <dgm:prSet/>
       <dgm:spPr/>
       <dgm:t>
@@ -6450,50 +7158,6 @@
         </a:p>
       </dgm:t>
     </dgm:pt>
-    <dgm:pt modelId="{11DAFE34-A7F0-405E-BDD3-1B6F876403C4}">
-      <dgm:prSet/>
-      <dgm:spPr/>
-      <dgm:t>
-        <a:bodyPr/>
-        <a:lstStyle/>
-        <a:p>
-          <a:pPr>
-            <a:buFont typeface="Arial" panose="020B0604020202020204" pitchFamily="34" charset="0"/>
-            <a:buChar char="•"/>
-          </a:pPr>
-          <a:r>
-            <a:rPr lang="en-US" b="0" i="0"/>
-            <a:t> </a:t>
-          </a:r>
-          <a:r>
-            <a:rPr lang="en-US" b="0" i="0" dirty="0"/>
-            <a:t>Investors and lenders want to know who will manage your business. Include an organizational chart showing roles, responsibilities, and reporting lines.</a:t>
-          </a:r>
-        </a:p>
-      </dgm:t>
-    </dgm:pt>
-    <dgm:pt modelId="{7DC0E110-E561-497D-9E14-88581D59FA67}" type="parTrans" cxnId="{FF5CE8F6-E9CE-4DE5-BAC9-C42DFAE9BF4A}">
-      <dgm:prSet/>
-      <dgm:spPr/>
-      <dgm:t>
-        <a:bodyPr/>
-        <a:lstStyle/>
-        <a:p>
-          <a:endParaRPr lang="fr-FR"/>
-        </a:p>
-      </dgm:t>
-    </dgm:pt>
-    <dgm:pt modelId="{D14D5A69-EFC8-44A4-A895-B89FD17F04B1}" type="sibTrans" cxnId="{FF5CE8F6-E9CE-4DE5-BAC9-C42DFAE9BF4A}">
-      <dgm:prSet/>
-      <dgm:spPr/>
-      <dgm:t>
-        <a:bodyPr/>
-        <a:lstStyle/>
-        <a:p>
-          <a:endParaRPr lang="fr-FR"/>
-        </a:p>
-      </dgm:t>
-    </dgm:pt>
     <dgm:pt modelId="{6E3C21BB-A9CF-4743-85FB-F1895657C6B7}">
       <dgm:prSet/>
       <dgm:spPr/>
@@ -6545,7 +7209,7 @@
       <dgm:spPr/>
     </dgm:pt>
     <dgm:pt modelId="{2EFE80C3-975D-4EA6-9780-6941D450A262}" type="pres">
-      <dgm:prSet presAssocID="{CA9F957A-9195-4534-B98A-AA0D764BCEA7}" presName="parentText" presStyleLbl="node1" presStyleIdx="0" presStyleCnt="3" custLinFactY="-125074" custLinFactNeighborY="-200000">
+      <dgm:prSet presAssocID="{CA9F957A-9195-4534-B98A-AA0D764BCEA7}" presName="parentText" presStyleLbl="node1" presStyleIdx="0" presStyleCnt="2" custLinFactY="-125074" custLinFactNeighborY="-200000">
         <dgm:presLayoutVars>
           <dgm:chMax val="0"/>
           <dgm:bulletEnabled val="1"/>
@@ -6554,24 +7218,7 @@
       <dgm:spPr/>
     </dgm:pt>
     <dgm:pt modelId="{D7CA0345-60E7-4B6C-BBF4-D90BF33E2594}" type="pres">
-      <dgm:prSet presAssocID="{CA9F957A-9195-4534-B98A-AA0D764BCEA7}" presName="childText" presStyleLbl="revTx" presStyleIdx="0" presStyleCnt="3">
-        <dgm:presLayoutVars>
-          <dgm:bulletEnabled val="1"/>
-        </dgm:presLayoutVars>
-      </dgm:prSet>
-      <dgm:spPr/>
-    </dgm:pt>
-    <dgm:pt modelId="{D9D551D8-B9A6-4ACA-B155-A463316F2E00}" type="pres">
-      <dgm:prSet presAssocID="{6BF8B4B5-5FAC-480F-97F5-B758B691F135}" presName="parentText" presStyleLbl="node1" presStyleIdx="1" presStyleCnt="3">
-        <dgm:presLayoutVars>
-          <dgm:chMax val="0"/>
-          <dgm:bulletEnabled val="1"/>
-        </dgm:presLayoutVars>
-      </dgm:prSet>
-      <dgm:spPr/>
-    </dgm:pt>
-    <dgm:pt modelId="{1428E318-451A-401B-8EAD-C11238B88BFF}" type="pres">
-      <dgm:prSet presAssocID="{6BF8B4B5-5FAC-480F-97F5-B758B691F135}" presName="childText" presStyleLbl="revTx" presStyleIdx="1" presStyleCnt="3">
+      <dgm:prSet presAssocID="{CA9F957A-9195-4534-B98A-AA0D764BCEA7}" presName="childText" presStyleLbl="revTx" presStyleIdx="0" presStyleCnt="2">
         <dgm:presLayoutVars>
           <dgm:bulletEnabled val="1"/>
         </dgm:presLayoutVars>
@@ -6579,7 +7226,7 @@
       <dgm:spPr/>
     </dgm:pt>
     <dgm:pt modelId="{B4B9D2EC-D628-4609-92A2-62F4E2AEDAA0}" type="pres">
-      <dgm:prSet presAssocID="{53CFD804-1BF3-4726-B344-29169B04A137}" presName="parentText" presStyleLbl="node1" presStyleIdx="2" presStyleCnt="3">
+      <dgm:prSet presAssocID="{53CFD804-1BF3-4726-B344-29169B04A137}" presName="parentText" presStyleLbl="node1" presStyleIdx="1" presStyleCnt="2">
         <dgm:presLayoutVars>
           <dgm:chMax val="0"/>
           <dgm:bulletEnabled val="1"/>
@@ -6588,7 +7235,7 @@
       <dgm:spPr/>
     </dgm:pt>
     <dgm:pt modelId="{8C3A38B4-95EE-4D86-B13F-3A9123BCB905}" type="pres">
-      <dgm:prSet presAssocID="{53CFD804-1BF3-4726-B344-29169B04A137}" presName="childText" presStyleLbl="revTx" presStyleIdx="2" presStyleCnt="3">
+      <dgm:prSet presAssocID="{53CFD804-1BF3-4726-B344-29169B04A137}" presName="childText" presStyleLbl="revTx" presStyleIdx="1" presStyleCnt="2">
         <dgm:presLayoutVars>
           <dgm:bulletEnabled val="1"/>
         </dgm:presLayoutVars>
@@ -6599,29 +7246,481 @@
   <dgm:cxnLst>
     <dgm:cxn modelId="{9C1C3705-99E4-42B1-A885-19C7DA5D4307}" type="presOf" srcId="{6E3C21BB-A9CF-4743-85FB-F1895657C6B7}" destId="{D7CA0345-60E7-4B6C-BBF4-D90BF33E2594}" srcOrd="0" destOrd="0" presId="urn:microsoft.com/office/officeart/2005/8/layout/vList2"/>
     <dgm:cxn modelId="{CD8F4F3E-38E1-472A-A2D3-75FEDCAB5066}" type="presOf" srcId="{D67DA014-FAF9-4739-8870-89F2DE1B627B}" destId="{34531F56-3CF7-41FD-B2A8-6A49C09DA43B}" srcOrd="0" destOrd="0" presId="urn:microsoft.com/office/officeart/2005/8/layout/vList2"/>
-    <dgm:cxn modelId="{E9512845-9A0F-451B-9F9C-2EFACD27810D}" srcId="{D67DA014-FAF9-4739-8870-89F2DE1B627B}" destId="{6BF8B4B5-5FAC-480F-97F5-B758B691F135}" srcOrd="1" destOrd="0" parTransId="{945893FE-D36A-47FD-B52C-F9696AF0FC5C}" sibTransId="{7C51852A-F8AC-4594-B50D-F91D75D3CD1E}"/>
     <dgm:cxn modelId="{13B06374-B698-40D8-9BE9-D8648E54F299}" srcId="{CA9F957A-9195-4534-B98A-AA0D764BCEA7}" destId="{6E3C21BB-A9CF-4743-85FB-F1895657C6B7}" srcOrd="0" destOrd="0" parTransId="{6AAB0651-992C-49CE-A11B-7B47A286E5C7}" sibTransId="{02D72469-F045-408F-877A-DA6142795907}"/>
     <dgm:cxn modelId="{AE59C786-AD0D-4D28-B22C-CD391A4EE966}" srcId="{53CFD804-1BF3-4726-B344-29169B04A137}" destId="{3F9B4C46-352F-418A-9897-D9F4F7A5EFAA}" srcOrd="0" destOrd="0" parTransId="{8CEAF818-D644-4A4F-895B-A99E8331065E}" sibTransId="{C8AAEC92-2396-42FB-A782-5EFE2C466DD7}"/>
     <dgm:cxn modelId="{C72003AF-F70B-43D7-946F-4CA530E5ECE5}" type="presOf" srcId="{CA9F957A-9195-4534-B98A-AA0D764BCEA7}" destId="{2EFE80C3-975D-4EA6-9780-6941D450A262}" srcOrd="0" destOrd="0" presId="urn:microsoft.com/office/officeart/2005/8/layout/vList2"/>
     <dgm:cxn modelId="{03EF66AF-D97E-4E4D-8A84-4FC2C1781288}" type="presOf" srcId="{3F9B4C46-352F-418A-9897-D9F4F7A5EFAA}" destId="{8C3A38B4-95EE-4D86-B13F-3A9123BCB905}" srcOrd="0" destOrd="0" presId="urn:microsoft.com/office/officeart/2005/8/layout/vList2"/>
-    <dgm:cxn modelId="{6C0C59C5-7331-4F3F-9E82-3A22DA58E019}" srcId="{D67DA014-FAF9-4739-8870-89F2DE1B627B}" destId="{53CFD804-1BF3-4726-B344-29169B04A137}" srcOrd="2" destOrd="0" parTransId="{E9757B24-8796-43C0-A6B7-6F694D906248}" sibTransId="{BF0763F9-00E3-4030-91DD-785135C27E17}"/>
-    <dgm:cxn modelId="{466CE0CC-2389-4ADE-AF74-324781788FED}" type="presOf" srcId="{6BF8B4B5-5FAC-480F-97F5-B758B691F135}" destId="{D9D551D8-B9A6-4ACA-B155-A463316F2E00}" srcOrd="0" destOrd="0" presId="urn:microsoft.com/office/officeart/2005/8/layout/vList2"/>
+    <dgm:cxn modelId="{6C0C59C5-7331-4F3F-9E82-3A22DA58E019}" srcId="{D67DA014-FAF9-4739-8870-89F2DE1B627B}" destId="{53CFD804-1BF3-4726-B344-29169B04A137}" srcOrd="1" destOrd="0" parTransId="{E9757B24-8796-43C0-A6B7-6F694D906248}" sibTransId="{BF0763F9-00E3-4030-91DD-785135C27E17}"/>
     <dgm:cxn modelId="{DEED8FD9-D2EB-4945-891C-DC62651502EA}" type="presOf" srcId="{53CFD804-1BF3-4726-B344-29169B04A137}" destId="{B4B9D2EC-D628-4609-92A2-62F4E2AEDAA0}" srcOrd="0" destOrd="0" presId="urn:microsoft.com/office/officeart/2005/8/layout/vList2"/>
     <dgm:cxn modelId="{5FEEE3DD-0E07-41D4-BEB7-434762910DBE}" srcId="{D67DA014-FAF9-4739-8870-89F2DE1B627B}" destId="{CA9F957A-9195-4534-B98A-AA0D764BCEA7}" srcOrd="0" destOrd="0" parTransId="{05F7A61E-2C82-4FA1-BFFA-A646EC750FC9}" sibTransId="{7160949C-7E20-45B8-A161-29C3853B38FB}"/>
-    <dgm:cxn modelId="{F14AE6E3-AC34-4CB8-BF48-373891D76C28}" type="presOf" srcId="{11DAFE34-A7F0-405E-BDD3-1B6F876403C4}" destId="{1428E318-451A-401B-8EAD-C11238B88BFF}" srcOrd="0" destOrd="0" presId="urn:microsoft.com/office/officeart/2005/8/layout/vList2"/>
-    <dgm:cxn modelId="{FF5CE8F6-E9CE-4DE5-BAC9-C42DFAE9BF4A}" srcId="{6BF8B4B5-5FAC-480F-97F5-B758B691F135}" destId="{11DAFE34-A7F0-405E-BDD3-1B6F876403C4}" srcOrd="0" destOrd="0" parTransId="{7DC0E110-E561-497D-9E14-88581D59FA67}" sibTransId="{D14D5A69-EFC8-44A4-A895-B89FD17F04B1}"/>
     <dgm:cxn modelId="{5FBD3360-F49F-43EC-9CD6-8620F25AD400}" type="presParOf" srcId="{34531F56-3CF7-41FD-B2A8-6A49C09DA43B}" destId="{2EFE80C3-975D-4EA6-9780-6941D450A262}" srcOrd="0" destOrd="0" presId="urn:microsoft.com/office/officeart/2005/8/layout/vList2"/>
     <dgm:cxn modelId="{463D960F-2CC0-47EB-9D4A-50F05B9A4C16}" type="presParOf" srcId="{34531F56-3CF7-41FD-B2A8-6A49C09DA43B}" destId="{D7CA0345-60E7-4B6C-BBF4-D90BF33E2594}" srcOrd="1" destOrd="0" presId="urn:microsoft.com/office/officeart/2005/8/layout/vList2"/>
-    <dgm:cxn modelId="{54B751EF-4FB0-43AF-8C5B-F45FD1A7121E}" type="presParOf" srcId="{34531F56-3CF7-41FD-B2A8-6A49C09DA43B}" destId="{D9D551D8-B9A6-4ACA-B155-A463316F2E00}" srcOrd="2" destOrd="0" presId="urn:microsoft.com/office/officeart/2005/8/layout/vList2"/>
-    <dgm:cxn modelId="{C10AD3AE-5A12-4D6A-AFA4-1B0AFB2DD0D1}" type="presParOf" srcId="{34531F56-3CF7-41FD-B2A8-6A49C09DA43B}" destId="{1428E318-451A-401B-8EAD-C11238B88BFF}" srcOrd="3" destOrd="0" presId="urn:microsoft.com/office/officeart/2005/8/layout/vList2"/>
-    <dgm:cxn modelId="{DCE116B6-CB4B-4888-A37B-29F96F3B14B2}" type="presParOf" srcId="{34531F56-3CF7-41FD-B2A8-6A49C09DA43B}" destId="{B4B9D2EC-D628-4609-92A2-62F4E2AEDAA0}" srcOrd="4" destOrd="0" presId="urn:microsoft.com/office/officeart/2005/8/layout/vList2"/>
-    <dgm:cxn modelId="{7FEDBBDC-FFC8-4114-9B40-E6F83A179BA8}" type="presParOf" srcId="{34531F56-3CF7-41FD-B2A8-6A49C09DA43B}" destId="{8C3A38B4-95EE-4D86-B13F-3A9123BCB905}" srcOrd="5" destOrd="0" presId="urn:microsoft.com/office/officeart/2005/8/layout/vList2"/>
+    <dgm:cxn modelId="{DCE116B6-CB4B-4888-A37B-29F96F3B14B2}" type="presParOf" srcId="{34531F56-3CF7-41FD-B2A8-6A49C09DA43B}" destId="{B4B9D2EC-D628-4609-92A2-62F4E2AEDAA0}" srcOrd="2" destOrd="0" presId="urn:microsoft.com/office/officeart/2005/8/layout/vList2"/>
+    <dgm:cxn modelId="{7FEDBBDC-FFC8-4114-9B40-E6F83A179BA8}" type="presParOf" srcId="{34531F56-3CF7-41FD-B2A8-6A49C09DA43B}" destId="{8C3A38B4-95EE-4D86-B13F-3A9123BCB905}" srcOrd="3" destOrd="0" presId="urn:microsoft.com/office/officeart/2005/8/layout/vList2"/>
   </dgm:cxnLst>
   <dgm:bg/>
   <dgm:whole/>
   <dgm:extLst>
     <a:ext uri="http://schemas.microsoft.com/office/drawing/2008/diagram">
-      <dsp:dataModelExt xmlns:dsp="http://schemas.microsoft.com/office/drawing/2008/diagram" relId="rId12" minVer="http://schemas.openxmlformats.org/drawingml/2006/diagram"/>
+      <dsp:dataModelExt xmlns:dsp="http://schemas.microsoft.com/office/drawing/2008/diagram" relId="rId11" minVer="http://schemas.openxmlformats.org/drawingml/2006/diagram"/>
+    </a:ext>
+  </dgm:extLst>
+</dgm:dataModel>
+</file>
+
+<file path=ppt/diagrams/data8.xml><?xml version="1.0" encoding="utf-8"?>
+<dgm:dataModel xmlns:dgm="http://schemas.openxmlformats.org/drawingml/2006/diagram" xmlns:a="http://schemas.openxmlformats.org/drawingml/2006/main">
+  <dgm:ptLst>
+    <dgm:pt modelId="{DBCD91CC-5BB3-4DBF-B41C-2B6D3FD4EF59}" type="doc">
+      <dgm:prSet loTypeId="urn:microsoft.com/office/officeart/2005/8/layout/vList2" loCatId="list" qsTypeId="urn:microsoft.com/office/officeart/2005/8/quickstyle/simple1" qsCatId="simple" csTypeId="urn:microsoft.com/office/officeart/2005/8/colors/accent1_2" csCatId="accent1" phldr="1"/>
+      <dgm:spPr/>
+      <dgm:t>
+        <a:bodyPr/>
+        <a:lstStyle/>
+        <a:p>
+          <a:endParaRPr lang="fr-FR"/>
+        </a:p>
+      </dgm:t>
+    </dgm:pt>
+    <dgm:pt modelId="{8DC2C2BE-AFCF-4736-8379-6CE880F1A28E}">
+      <dgm:prSet/>
+      <dgm:spPr/>
+      <dgm:t>
+        <a:bodyPr/>
+        <a:lstStyle/>
+        <a:p>
+          <a:pPr>
+            <a:buFont typeface="+mj-lt"/>
+            <a:buAutoNum type="arabicPeriod"/>
+          </a:pPr>
+          <a:r>
+            <a:rPr lang="fr-FR" b="0" i="0" dirty="0" err="1"/>
+            <a:t>Avoid</a:t>
+          </a:r>
+          <a:r>
+            <a:rPr lang="fr-FR" b="0" i="0" dirty="0"/>
+            <a:t> </a:t>
+          </a:r>
+          <a:r>
+            <a:rPr lang="fr-FR" b="0" i="0" dirty="0" err="1"/>
+            <a:t>offering</a:t>
+          </a:r>
+          <a:r>
+            <a:rPr lang="fr-FR" b="0" i="0" dirty="0"/>
+            <a:t> free trials.</a:t>
+          </a:r>
+          <a:endParaRPr lang="en-US" b="0" i="0" dirty="0"/>
+        </a:p>
+      </dgm:t>
+    </dgm:pt>
+    <dgm:pt modelId="{40C461F6-641F-471C-9535-609B012A5ED5}" type="parTrans" cxnId="{164757DD-54BF-4D37-9FAE-6DDBC31CE0BD}">
+      <dgm:prSet/>
+      <dgm:spPr/>
+      <dgm:t>
+        <a:bodyPr/>
+        <a:lstStyle/>
+        <a:p>
+          <a:endParaRPr lang="fr-FR"/>
+        </a:p>
+      </dgm:t>
+    </dgm:pt>
+    <dgm:pt modelId="{B238E38E-BDB7-4BD2-BC2B-D45FB3CF2064}" type="sibTrans" cxnId="{164757DD-54BF-4D37-9FAE-6DDBC31CE0BD}">
+      <dgm:prSet/>
+      <dgm:spPr/>
+      <dgm:t>
+        <a:bodyPr/>
+        <a:lstStyle/>
+        <a:p>
+          <a:endParaRPr lang="fr-FR"/>
+        </a:p>
+      </dgm:t>
+    </dgm:pt>
+    <dgm:pt modelId="{DAAB932A-102B-41A5-BABB-B2DE2DDA26C8}">
+      <dgm:prSet/>
+      <dgm:spPr/>
+      <dgm:t>
+        <a:bodyPr/>
+        <a:lstStyle/>
+        <a:p>
+          <a:pPr>
+            <a:buFont typeface="Arial" panose="020B0604020202020204" pitchFamily="34" charset="0"/>
+            <a:buChar char="•"/>
+          </a:pPr>
+          <a:r>
+            <a:rPr lang="en-US" b="0" i="0" dirty="0"/>
+            <a:t>Prioritize upfront cash payments, with a preference for longer commitments</a:t>
+          </a:r>
+        </a:p>
+      </dgm:t>
+    </dgm:pt>
+    <dgm:pt modelId="{A94540A3-9810-4985-80D6-17934B702253}" type="parTrans" cxnId="{2128E9E3-AB1C-4BF8-8439-69C2CBF47AD9}">
+      <dgm:prSet/>
+      <dgm:spPr/>
+      <dgm:t>
+        <a:bodyPr/>
+        <a:lstStyle/>
+        <a:p>
+          <a:endParaRPr lang="fr-FR"/>
+        </a:p>
+      </dgm:t>
+    </dgm:pt>
+    <dgm:pt modelId="{8361D6AF-60D9-4347-8E83-45F0988B7E45}" type="sibTrans" cxnId="{2128E9E3-AB1C-4BF8-8439-69C2CBF47AD9}">
+      <dgm:prSet/>
+      <dgm:spPr/>
+      <dgm:t>
+        <a:bodyPr/>
+        <a:lstStyle/>
+        <a:p>
+          <a:endParaRPr lang="fr-FR"/>
+        </a:p>
+      </dgm:t>
+    </dgm:pt>
+    <dgm:pt modelId="{B1518CFB-999F-4EF5-8601-3F418A3CB078}">
+      <dgm:prSet/>
+      <dgm:spPr/>
+      <dgm:t>
+        <a:bodyPr/>
+        <a:lstStyle/>
+        <a:p>
+          <a:pPr>
+            <a:buFont typeface="Arial" panose="020B0604020202020204" pitchFamily="34" charset="0"/>
+            <a:buChar char="•"/>
+          </a:pPr>
+          <a:r>
+            <a:rPr lang="en-US" b="0" i="0" dirty="0"/>
+            <a:t>Steer clear of monthly subscription models.</a:t>
+          </a:r>
+        </a:p>
+      </dgm:t>
+    </dgm:pt>
+    <dgm:pt modelId="{C7376FDD-0B64-47C2-944F-54880A67F248}" type="parTrans" cxnId="{99CE1D1C-2657-4A71-97AC-C3820DE39954}">
+      <dgm:prSet/>
+      <dgm:spPr/>
+      <dgm:t>
+        <a:bodyPr/>
+        <a:lstStyle/>
+        <a:p>
+          <a:endParaRPr lang="fr-FR"/>
+        </a:p>
+      </dgm:t>
+    </dgm:pt>
+    <dgm:pt modelId="{51427EAC-2BD0-42EE-8B99-AF06D82E8513}" type="sibTrans" cxnId="{99CE1D1C-2657-4A71-97AC-C3820DE39954}">
+      <dgm:prSet/>
+      <dgm:spPr/>
+      <dgm:t>
+        <a:bodyPr/>
+        <a:lstStyle/>
+        <a:p>
+          <a:endParaRPr lang="fr-FR"/>
+        </a:p>
+      </dgm:t>
+    </dgm:pt>
+    <dgm:pt modelId="{CE7EC3DA-8C4D-493D-A388-1561E9D84B69}">
+      <dgm:prSet/>
+      <dgm:spPr/>
+      <dgm:t>
+        <a:bodyPr/>
+        <a:lstStyle/>
+        <a:p>
+          <a:pPr>
+            <a:buFont typeface="Arial" panose="020B0604020202020204" pitchFamily="34" charset="0"/>
+            <a:buChar char="•"/>
+          </a:pPr>
+          <a:r>
+            <a:rPr lang="en-US" b="0" i="0" dirty="0"/>
+            <a:t>Directly target the decision-maker when selling your product or service,</a:t>
+          </a:r>
+        </a:p>
+      </dgm:t>
+    </dgm:pt>
+    <dgm:pt modelId="{4574D85A-6F96-46C5-AA6E-D06DA56ECBB6}" type="parTrans" cxnId="{A43D5487-AC05-407E-8493-E018F90729D6}">
+      <dgm:prSet/>
+      <dgm:spPr/>
+      <dgm:t>
+        <a:bodyPr/>
+        <a:lstStyle/>
+        <a:p>
+          <a:endParaRPr lang="fr-FR"/>
+        </a:p>
+      </dgm:t>
+    </dgm:pt>
+    <dgm:pt modelId="{7C2092DB-1548-49BD-88A4-147B2CA1A77B}" type="sibTrans" cxnId="{A43D5487-AC05-407E-8493-E018F90729D6}">
+      <dgm:prSet/>
+      <dgm:spPr/>
+      <dgm:t>
+        <a:bodyPr/>
+        <a:lstStyle/>
+        <a:p>
+          <a:endParaRPr lang="fr-FR"/>
+        </a:p>
+      </dgm:t>
+    </dgm:pt>
+    <dgm:pt modelId="{6A60947C-C7F4-4F33-88A4-E5EFD7399704}">
+      <dgm:prSet/>
+      <dgm:spPr/>
+      <dgm:t>
+        <a:bodyPr/>
+        <a:lstStyle/>
+        <a:p>
+          <a:pPr>
+            <a:buFont typeface="+mj-lt"/>
+            <a:buAutoNum type="arabicPeriod"/>
+          </a:pPr>
+          <a:r>
+            <a:rPr lang="en-US" b="0" i="0" dirty="0"/>
+            <a:t>If a trial is necessary, limit its duration, </a:t>
+          </a:r>
+        </a:p>
+      </dgm:t>
+    </dgm:pt>
+    <dgm:pt modelId="{F1AB9084-9EC0-463E-9CD3-D547D00F70FD}" type="parTrans" cxnId="{91A0D551-2174-4FC2-A76A-48524B41967A}">
+      <dgm:prSet/>
+      <dgm:spPr/>
+      <dgm:t>
+        <a:bodyPr/>
+        <a:lstStyle/>
+        <a:p>
+          <a:endParaRPr lang="fr-FR"/>
+        </a:p>
+      </dgm:t>
+    </dgm:pt>
+    <dgm:pt modelId="{869FF6D2-4A2F-44B6-9C6A-1085D99C98CE}" type="sibTrans" cxnId="{91A0D551-2174-4FC2-A76A-48524B41967A}">
+      <dgm:prSet/>
+      <dgm:spPr/>
+      <dgm:t>
+        <a:bodyPr/>
+        <a:lstStyle/>
+        <a:p>
+          <a:endParaRPr lang="fr-FR"/>
+        </a:p>
+      </dgm:t>
+    </dgm:pt>
+    <dgm:pt modelId="{A2A15AA6-132D-4823-AEC3-5854C37C9E86}">
+      <dgm:prSet/>
+      <dgm:spPr/>
+      <dgm:t>
+        <a:bodyPr/>
+        <a:lstStyle/>
+        <a:p>
+          <a:pPr>
+            <a:buFont typeface="+mj-lt"/>
+            <a:buAutoNum type="arabicPeriod"/>
+          </a:pPr>
+          <a:r>
+            <a:rPr lang="en-US" b="0" i="0" dirty="0"/>
+            <a:t>with preference for shorter periods (1 day or 1 week).</a:t>
+          </a:r>
+        </a:p>
+      </dgm:t>
+    </dgm:pt>
+    <dgm:pt modelId="{EB0D6F7A-114C-4983-B180-13BAFE891F69}" type="parTrans" cxnId="{E15B7A37-69EA-4CBF-A912-78214BD52CFD}">
+      <dgm:prSet/>
+      <dgm:spPr/>
+      <dgm:t>
+        <a:bodyPr/>
+        <a:lstStyle/>
+        <a:p>
+          <a:endParaRPr lang="fr-FR"/>
+        </a:p>
+      </dgm:t>
+    </dgm:pt>
+    <dgm:pt modelId="{D3AF26C4-A6DF-4539-A257-6F77ED50A995}" type="sibTrans" cxnId="{E15B7A37-69EA-4CBF-A912-78214BD52CFD}">
+      <dgm:prSet/>
+      <dgm:spPr/>
+      <dgm:t>
+        <a:bodyPr/>
+        <a:lstStyle/>
+        <a:p>
+          <a:endParaRPr lang="fr-FR"/>
+        </a:p>
+      </dgm:t>
+    </dgm:pt>
+    <dgm:pt modelId="{2C1F9B34-3BAC-473C-A758-5426DA79905F}">
+      <dgm:prSet/>
+      <dgm:spPr/>
+      <dgm:t>
+        <a:bodyPr/>
+        <a:lstStyle/>
+        <a:p>
+          <a:pPr>
+            <a:buFont typeface="Arial" panose="020B0604020202020204" pitchFamily="34" charset="0"/>
+            <a:buChar char="•"/>
+          </a:pPr>
+          <a:r>
+            <a:rPr lang="en-US" b="0" i="0" dirty="0"/>
+            <a:t>(2 years, 1 year, 6 months).</a:t>
+          </a:r>
+        </a:p>
+      </dgm:t>
+    </dgm:pt>
+    <dgm:pt modelId="{FA93245D-252C-4807-B66E-03FAC5C8C30E}" type="parTrans" cxnId="{CC260BE6-97D9-4443-BDF5-37EAB68E42E5}">
+      <dgm:prSet/>
+      <dgm:spPr/>
+      <dgm:t>
+        <a:bodyPr/>
+        <a:lstStyle/>
+        <a:p>
+          <a:endParaRPr lang="fr-FR"/>
+        </a:p>
+      </dgm:t>
+    </dgm:pt>
+    <dgm:pt modelId="{727EA7BC-C399-4A88-A631-5B23944B1235}" type="sibTrans" cxnId="{CC260BE6-97D9-4443-BDF5-37EAB68E42E5}">
+      <dgm:prSet/>
+      <dgm:spPr/>
+      <dgm:t>
+        <a:bodyPr/>
+        <a:lstStyle/>
+        <a:p>
+          <a:endParaRPr lang="fr-FR"/>
+        </a:p>
+      </dgm:t>
+    </dgm:pt>
+    <dgm:pt modelId="{2394B9A0-938B-4770-B3D9-44DCC36170F6}">
+      <dgm:prSet/>
+      <dgm:spPr/>
+      <dgm:t>
+        <a:bodyPr/>
+        <a:lstStyle/>
+        <a:p>
+          <a:pPr>
+            <a:buFont typeface="Arial" panose="020B0604020202020204" pitchFamily="34" charset="0"/>
+            <a:buChar char="•"/>
+          </a:pPr>
+          <a:r>
+            <a:rPr lang="en-US" b="0" i="0" dirty="0"/>
+            <a:t>rather than relying on their subordinates.</a:t>
+          </a:r>
+        </a:p>
+      </dgm:t>
+    </dgm:pt>
+    <dgm:pt modelId="{F7391EC5-818A-4D66-92C2-F2B06ABF4D7D}" type="parTrans" cxnId="{785D752F-C00D-488A-B56E-887ADF3DD14A}">
+      <dgm:prSet/>
+      <dgm:spPr/>
+      <dgm:t>
+        <a:bodyPr/>
+        <a:lstStyle/>
+        <a:p>
+          <a:endParaRPr lang="fr-FR"/>
+        </a:p>
+      </dgm:t>
+    </dgm:pt>
+    <dgm:pt modelId="{E94B4509-22F9-4EEB-B5AD-C2E5459A7D16}" type="sibTrans" cxnId="{785D752F-C00D-488A-B56E-887ADF3DD14A}">
+      <dgm:prSet/>
+      <dgm:spPr/>
+      <dgm:t>
+        <a:bodyPr/>
+        <a:lstStyle/>
+        <a:p>
+          <a:endParaRPr lang="fr-FR"/>
+        </a:p>
+      </dgm:t>
+    </dgm:pt>
+    <dgm:pt modelId="{225E4BFE-4856-4B6D-9C0E-79DC14D9FCE4}" type="pres">
+      <dgm:prSet presAssocID="{DBCD91CC-5BB3-4DBF-B41C-2B6D3FD4EF59}" presName="linear" presStyleCnt="0">
+        <dgm:presLayoutVars>
+          <dgm:animLvl val="lvl"/>
+          <dgm:resizeHandles val="exact"/>
+        </dgm:presLayoutVars>
+      </dgm:prSet>
+      <dgm:spPr/>
+    </dgm:pt>
+    <dgm:pt modelId="{97A8D912-BAF9-4DB8-90D6-2E69BE632765}" type="pres">
+      <dgm:prSet presAssocID="{8DC2C2BE-AFCF-4736-8379-6CE880F1A28E}" presName="parentText" presStyleLbl="node1" presStyleIdx="0" presStyleCnt="4">
+        <dgm:presLayoutVars>
+          <dgm:chMax val="0"/>
+          <dgm:bulletEnabled val="1"/>
+        </dgm:presLayoutVars>
+      </dgm:prSet>
+      <dgm:spPr/>
+    </dgm:pt>
+    <dgm:pt modelId="{6DE6DD6C-FA3C-42C5-8E23-A61C7B682F93}" type="pres">
+      <dgm:prSet presAssocID="{8DC2C2BE-AFCF-4736-8379-6CE880F1A28E}" presName="childText" presStyleLbl="revTx" presStyleIdx="0" presStyleCnt="3">
+        <dgm:presLayoutVars>
+          <dgm:bulletEnabled val="1"/>
+        </dgm:presLayoutVars>
+      </dgm:prSet>
+      <dgm:spPr/>
+    </dgm:pt>
+    <dgm:pt modelId="{66C1553B-F46B-482C-B4DE-101963AB477B}" type="pres">
+      <dgm:prSet presAssocID="{DAAB932A-102B-41A5-BABB-B2DE2DDA26C8}" presName="parentText" presStyleLbl="node1" presStyleIdx="1" presStyleCnt="4">
+        <dgm:presLayoutVars>
+          <dgm:chMax val="0"/>
+          <dgm:bulletEnabled val="1"/>
+        </dgm:presLayoutVars>
+      </dgm:prSet>
+      <dgm:spPr/>
+    </dgm:pt>
+    <dgm:pt modelId="{CD476CE6-213A-4B2D-B17E-E70AF7DB43C5}" type="pres">
+      <dgm:prSet presAssocID="{DAAB932A-102B-41A5-BABB-B2DE2DDA26C8}" presName="childText" presStyleLbl="revTx" presStyleIdx="1" presStyleCnt="3">
+        <dgm:presLayoutVars>
+          <dgm:bulletEnabled val="1"/>
+        </dgm:presLayoutVars>
+      </dgm:prSet>
+      <dgm:spPr/>
+    </dgm:pt>
+    <dgm:pt modelId="{19AC1DEF-7944-427F-8720-A423822989FE}" type="pres">
+      <dgm:prSet presAssocID="{B1518CFB-999F-4EF5-8601-3F418A3CB078}" presName="parentText" presStyleLbl="node1" presStyleIdx="2" presStyleCnt="4">
+        <dgm:presLayoutVars>
+          <dgm:chMax val="0"/>
+          <dgm:bulletEnabled val="1"/>
+        </dgm:presLayoutVars>
+      </dgm:prSet>
+      <dgm:spPr/>
+    </dgm:pt>
+    <dgm:pt modelId="{A1C3140B-BE94-4AD1-A8BE-D2F17740EEF0}" type="pres">
+      <dgm:prSet presAssocID="{51427EAC-2BD0-42EE-8B99-AF06D82E8513}" presName="spacer" presStyleCnt="0"/>
+      <dgm:spPr/>
+    </dgm:pt>
+    <dgm:pt modelId="{F381C6A1-7D6D-425B-9AE2-59B3990DA98B}" type="pres">
+      <dgm:prSet presAssocID="{CE7EC3DA-8C4D-493D-A388-1561E9D84B69}" presName="parentText" presStyleLbl="node1" presStyleIdx="3" presStyleCnt="4">
+        <dgm:presLayoutVars>
+          <dgm:chMax val="0"/>
+          <dgm:bulletEnabled val="1"/>
+        </dgm:presLayoutVars>
+      </dgm:prSet>
+      <dgm:spPr/>
+    </dgm:pt>
+    <dgm:pt modelId="{7A90926B-ABDF-45CE-8F11-4333F49EECD4}" type="pres">
+      <dgm:prSet presAssocID="{CE7EC3DA-8C4D-493D-A388-1561E9D84B69}" presName="childText" presStyleLbl="revTx" presStyleIdx="2" presStyleCnt="3">
+        <dgm:presLayoutVars>
+          <dgm:bulletEnabled val="1"/>
+        </dgm:presLayoutVars>
+      </dgm:prSet>
+      <dgm:spPr/>
+    </dgm:pt>
+  </dgm:ptLst>
+  <dgm:cxnLst>
+    <dgm:cxn modelId="{28611700-BA23-4741-A582-D315FAF35748}" type="presOf" srcId="{DBCD91CC-5BB3-4DBF-B41C-2B6D3FD4EF59}" destId="{225E4BFE-4856-4B6D-9C0E-79DC14D9FCE4}" srcOrd="0" destOrd="0" presId="urn:microsoft.com/office/officeart/2005/8/layout/vList2"/>
+    <dgm:cxn modelId="{CA8CEB14-CDD1-48D0-B743-FA676B561436}" type="presOf" srcId="{2394B9A0-938B-4770-B3D9-44DCC36170F6}" destId="{7A90926B-ABDF-45CE-8F11-4333F49EECD4}" srcOrd="0" destOrd="0" presId="urn:microsoft.com/office/officeart/2005/8/layout/vList2"/>
+    <dgm:cxn modelId="{99CE1D1C-2657-4A71-97AC-C3820DE39954}" srcId="{DBCD91CC-5BB3-4DBF-B41C-2B6D3FD4EF59}" destId="{B1518CFB-999F-4EF5-8601-3F418A3CB078}" srcOrd="2" destOrd="0" parTransId="{C7376FDD-0B64-47C2-944F-54880A67F248}" sibTransId="{51427EAC-2BD0-42EE-8B99-AF06D82E8513}"/>
+    <dgm:cxn modelId="{94903820-BFCC-400B-8BA7-4C8115874236}" type="presOf" srcId="{2C1F9B34-3BAC-473C-A758-5426DA79905F}" destId="{CD476CE6-213A-4B2D-B17E-E70AF7DB43C5}" srcOrd="0" destOrd="0" presId="urn:microsoft.com/office/officeart/2005/8/layout/vList2"/>
+    <dgm:cxn modelId="{785D752F-C00D-488A-B56E-887ADF3DD14A}" srcId="{CE7EC3DA-8C4D-493D-A388-1561E9D84B69}" destId="{2394B9A0-938B-4770-B3D9-44DCC36170F6}" srcOrd="0" destOrd="0" parTransId="{F7391EC5-818A-4D66-92C2-F2B06ABF4D7D}" sibTransId="{E94B4509-22F9-4EEB-B5AD-C2E5459A7D16}"/>
+    <dgm:cxn modelId="{E15B7A37-69EA-4CBF-A912-78214BD52CFD}" srcId="{6A60947C-C7F4-4F33-88A4-E5EFD7399704}" destId="{A2A15AA6-132D-4823-AEC3-5854C37C9E86}" srcOrd="0" destOrd="0" parTransId="{EB0D6F7A-114C-4983-B180-13BAFE891F69}" sibTransId="{D3AF26C4-A6DF-4539-A257-6F77ED50A995}"/>
+    <dgm:cxn modelId="{47E2D939-4E2F-4BE8-BF76-9B4DE8005BFC}" type="presOf" srcId="{A2A15AA6-132D-4823-AEC3-5854C37C9E86}" destId="{6DE6DD6C-FA3C-42C5-8E23-A61C7B682F93}" srcOrd="0" destOrd="1" presId="urn:microsoft.com/office/officeart/2005/8/layout/vList2"/>
+    <dgm:cxn modelId="{91A0D551-2174-4FC2-A76A-48524B41967A}" srcId="{8DC2C2BE-AFCF-4736-8379-6CE880F1A28E}" destId="{6A60947C-C7F4-4F33-88A4-E5EFD7399704}" srcOrd="0" destOrd="0" parTransId="{F1AB9084-9EC0-463E-9CD3-D547D00F70FD}" sibTransId="{869FF6D2-4A2F-44B6-9C6A-1085D99C98CE}"/>
+    <dgm:cxn modelId="{A43D5487-AC05-407E-8493-E018F90729D6}" srcId="{DBCD91CC-5BB3-4DBF-B41C-2B6D3FD4EF59}" destId="{CE7EC3DA-8C4D-493D-A388-1561E9D84B69}" srcOrd="3" destOrd="0" parTransId="{4574D85A-6F96-46C5-AA6E-D06DA56ECBB6}" sibTransId="{7C2092DB-1548-49BD-88A4-147B2CA1A77B}"/>
+    <dgm:cxn modelId="{B6DB888D-24CD-41B7-B15F-E8395DA22D63}" type="presOf" srcId="{DAAB932A-102B-41A5-BABB-B2DE2DDA26C8}" destId="{66C1553B-F46B-482C-B4DE-101963AB477B}" srcOrd="0" destOrd="0" presId="urn:microsoft.com/office/officeart/2005/8/layout/vList2"/>
+    <dgm:cxn modelId="{299A63B1-1C87-4C86-BAB1-873720BD1429}" type="presOf" srcId="{6A60947C-C7F4-4F33-88A4-E5EFD7399704}" destId="{6DE6DD6C-FA3C-42C5-8E23-A61C7B682F93}" srcOrd="0" destOrd="0" presId="urn:microsoft.com/office/officeart/2005/8/layout/vList2"/>
+    <dgm:cxn modelId="{8EBCCECB-C974-49D0-9F93-F2E04D82E591}" type="presOf" srcId="{8DC2C2BE-AFCF-4736-8379-6CE880F1A28E}" destId="{97A8D912-BAF9-4DB8-90D6-2E69BE632765}" srcOrd="0" destOrd="0" presId="urn:microsoft.com/office/officeart/2005/8/layout/vList2"/>
+    <dgm:cxn modelId="{6F1F19CE-BD28-4E06-9A9A-BC9F98878CD8}" type="presOf" srcId="{B1518CFB-999F-4EF5-8601-3F418A3CB078}" destId="{19AC1DEF-7944-427F-8720-A423822989FE}" srcOrd="0" destOrd="0" presId="urn:microsoft.com/office/officeart/2005/8/layout/vList2"/>
+    <dgm:cxn modelId="{164757DD-54BF-4D37-9FAE-6DDBC31CE0BD}" srcId="{DBCD91CC-5BB3-4DBF-B41C-2B6D3FD4EF59}" destId="{8DC2C2BE-AFCF-4736-8379-6CE880F1A28E}" srcOrd="0" destOrd="0" parTransId="{40C461F6-641F-471C-9535-609B012A5ED5}" sibTransId="{B238E38E-BDB7-4BD2-BC2B-D45FB3CF2064}"/>
+    <dgm:cxn modelId="{FDE646DE-CD74-4504-8A82-3672505F1EF7}" type="presOf" srcId="{CE7EC3DA-8C4D-493D-A388-1561E9D84B69}" destId="{F381C6A1-7D6D-425B-9AE2-59B3990DA98B}" srcOrd="0" destOrd="0" presId="urn:microsoft.com/office/officeart/2005/8/layout/vList2"/>
+    <dgm:cxn modelId="{2128E9E3-AB1C-4BF8-8439-69C2CBF47AD9}" srcId="{DBCD91CC-5BB3-4DBF-B41C-2B6D3FD4EF59}" destId="{DAAB932A-102B-41A5-BABB-B2DE2DDA26C8}" srcOrd="1" destOrd="0" parTransId="{A94540A3-9810-4985-80D6-17934B702253}" sibTransId="{8361D6AF-60D9-4347-8E83-45F0988B7E45}"/>
+    <dgm:cxn modelId="{CC260BE6-97D9-4443-BDF5-37EAB68E42E5}" srcId="{DAAB932A-102B-41A5-BABB-B2DE2DDA26C8}" destId="{2C1F9B34-3BAC-473C-A758-5426DA79905F}" srcOrd="0" destOrd="0" parTransId="{FA93245D-252C-4807-B66E-03FAC5C8C30E}" sibTransId="{727EA7BC-C399-4A88-A631-5B23944B1235}"/>
+    <dgm:cxn modelId="{B0844DDE-03E1-48AB-9450-0856AEEB864D}" type="presParOf" srcId="{225E4BFE-4856-4B6D-9C0E-79DC14D9FCE4}" destId="{97A8D912-BAF9-4DB8-90D6-2E69BE632765}" srcOrd="0" destOrd="0" presId="urn:microsoft.com/office/officeart/2005/8/layout/vList2"/>
+    <dgm:cxn modelId="{21A72156-05D4-4B17-9038-E99C3064292E}" type="presParOf" srcId="{225E4BFE-4856-4B6D-9C0E-79DC14D9FCE4}" destId="{6DE6DD6C-FA3C-42C5-8E23-A61C7B682F93}" srcOrd="1" destOrd="0" presId="urn:microsoft.com/office/officeart/2005/8/layout/vList2"/>
+    <dgm:cxn modelId="{B9C6FA4C-0956-447F-9D6C-C0A5BB2CCB3E}" type="presParOf" srcId="{225E4BFE-4856-4B6D-9C0E-79DC14D9FCE4}" destId="{66C1553B-F46B-482C-B4DE-101963AB477B}" srcOrd="2" destOrd="0" presId="urn:microsoft.com/office/officeart/2005/8/layout/vList2"/>
+    <dgm:cxn modelId="{967B4831-6730-4EE2-A14A-4003F33800FF}" type="presParOf" srcId="{225E4BFE-4856-4B6D-9C0E-79DC14D9FCE4}" destId="{CD476CE6-213A-4B2D-B17E-E70AF7DB43C5}" srcOrd="3" destOrd="0" presId="urn:microsoft.com/office/officeart/2005/8/layout/vList2"/>
+    <dgm:cxn modelId="{4B8E1525-AEFE-4216-A05A-95D212659343}" type="presParOf" srcId="{225E4BFE-4856-4B6D-9C0E-79DC14D9FCE4}" destId="{19AC1DEF-7944-427F-8720-A423822989FE}" srcOrd="4" destOrd="0" presId="urn:microsoft.com/office/officeart/2005/8/layout/vList2"/>
+    <dgm:cxn modelId="{6291FFCE-53C7-47C5-8B79-0B447CAEE1E8}" type="presParOf" srcId="{225E4BFE-4856-4B6D-9C0E-79DC14D9FCE4}" destId="{A1C3140B-BE94-4AD1-A8BE-D2F17740EEF0}" srcOrd="5" destOrd="0" presId="urn:microsoft.com/office/officeart/2005/8/layout/vList2"/>
+    <dgm:cxn modelId="{F57B9F85-A3E3-44D3-B6EE-C7551284D510}" type="presParOf" srcId="{225E4BFE-4856-4B6D-9C0E-79DC14D9FCE4}" destId="{F381C6A1-7D6D-425B-9AE2-59B3990DA98B}" srcOrd="6" destOrd="0" presId="urn:microsoft.com/office/officeart/2005/8/layout/vList2"/>
+    <dgm:cxn modelId="{5B19EDC3-6095-4CA8-9202-0B194B7B7FC7}" type="presParOf" srcId="{225E4BFE-4856-4B6D-9C0E-79DC14D9FCE4}" destId="{7A90926B-ABDF-45CE-8F11-4333F49EECD4}" srcOrd="7" destOrd="0" presId="urn:microsoft.com/office/officeart/2005/8/layout/vList2"/>
+  </dgm:cxnLst>
+  <dgm:bg/>
+  <dgm:whole/>
+  <dgm:extLst>
+    <a:ext uri="http://schemas.microsoft.com/office/drawing/2008/diagram">
+      <dsp:dataModelExt xmlns:dsp="http://schemas.microsoft.com/office/drawing/2008/diagram" relId="rId6" minVer="http://schemas.openxmlformats.org/drawingml/2006/diagram"/>
     </a:ext>
   </dgm:extLst>
 </dgm:dataModel>
@@ -7729,7 +8828,7 @@
       <dsp:spPr>
         <a:xfrm>
           <a:off x="0" y="0"/>
-          <a:ext cx="10058399" cy="719549"/>
+          <a:ext cx="10058399" cy="983384"/>
         </a:xfrm>
         <a:prstGeom prst="roundRect">
           <a:avLst/>
@@ -7770,12 +8869,12 @@
         </a:fontRef>
       </dsp:style>
       <dsp:txBody>
-        <a:bodyPr spcFirstLastPara="0" vert="horz" wrap="square" lIns="114300" tIns="114300" rIns="114300" bIns="114300" numCol="1" spcCol="1270" anchor="ctr" anchorCtr="0">
+        <a:bodyPr spcFirstLastPara="0" vert="horz" wrap="square" lIns="156210" tIns="156210" rIns="156210" bIns="156210" numCol="1" spcCol="1270" anchor="ctr" anchorCtr="0">
           <a:noAutofit/>
         </a:bodyPr>
         <a:lstStyle/>
         <a:p>
-          <a:pPr marL="0" lvl="0" indent="0" algn="l" defTabSz="1333500">
+          <a:pPr marL="0" lvl="0" indent="0" algn="l" defTabSz="1822450">
             <a:lnSpc>
               <a:spcPct val="90000"/>
             </a:lnSpc>
@@ -7788,15 +8887,15 @@
             <a:buNone/>
           </a:pPr>
           <a:r>
-            <a:rPr lang="en-US" sz="3000" b="1" i="0" kern="1200" dirty="0"/>
+            <a:rPr lang="en-US" sz="4100" b="1" i="0" kern="1200" dirty="0"/>
             <a:t>Conduct Comparative Analysis:</a:t>
           </a:r>
-          <a:endParaRPr lang="fr-FR" sz="3000" kern="1200" dirty="0"/>
+          <a:endParaRPr lang="fr-FR" sz="4100" kern="1200" dirty="0"/>
         </a:p>
       </dsp:txBody>
       <dsp:txXfrm>
-        <a:off x="35125" y="35125"/>
-        <a:ext cx="9988149" cy="649299"/>
+        <a:off x="48005" y="48005"/>
+        <a:ext cx="9962389" cy="887374"/>
       </dsp:txXfrm>
     </dsp:sp>
     <dsp:sp modelId="{D7CA0345-60E7-4B6C-BBF4-D90BF33E2594}">
@@ -7806,8 +8905,8 @@
       </dsp:nvSpPr>
       <dsp:spPr>
         <a:xfrm>
-          <a:off x="0" y="784666"/>
-          <a:ext cx="10058399" cy="729675"/>
+          <a:off x="0" y="997730"/>
+          <a:ext cx="10058399" cy="997222"/>
         </a:xfrm>
         <a:prstGeom prst="rect">
           <a:avLst/>
@@ -7831,12 +8930,12 @@
         <a:fontRef idx="minor"/>
       </dsp:style>
       <dsp:txBody>
-        <a:bodyPr spcFirstLastPara="0" vert="horz" wrap="square" lIns="319354" tIns="38100" rIns="213360" bIns="38100" numCol="1" spcCol="1270" anchor="t" anchorCtr="0">
+        <a:bodyPr spcFirstLastPara="0" vert="horz" wrap="square" lIns="319354" tIns="52070" rIns="291592" bIns="52070" numCol="1" spcCol="1270" anchor="t" anchorCtr="0">
           <a:noAutofit/>
         </a:bodyPr>
         <a:lstStyle/>
         <a:p>
-          <a:pPr marL="228600" lvl="1" indent="-228600" algn="l" defTabSz="1022350">
+          <a:pPr marL="285750" lvl="1" indent="-285750" algn="l" defTabSz="1422400">
             <a:lnSpc>
               <a:spcPct val="90000"/>
             </a:lnSpc>
@@ -7849,30 +8948,30 @@
             <a:buChar char="•"/>
           </a:pPr>
           <a:r>
-            <a:rPr lang="en-US" sz="2300" b="0" i="0" kern="1200"/>
+            <a:rPr lang="en-US" sz="3200" b="0" i="0" kern="1200"/>
             <a:t> </a:t>
           </a:r>
           <a:r>
-            <a:rPr lang="en-US" sz="2300" b="0" i="0" kern="1200" dirty="0"/>
+            <a:rPr lang="en-US" sz="3200" b="0" i="0" kern="1200" dirty="0"/>
             <a:t>include a comparative analysis that examines indirect competitors and alternative choices customers make.</a:t>
           </a:r>
-          <a:endParaRPr lang="fr-FR" sz="2300" kern="1200" dirty="0"/>
+          <a:endParaRPr lang="fr-FR" sz="3200" kern="1200" dirty="0"/>
         </a:p>
       </dsp:txBody>
       <dsp:txXfrm>
-        <a:off x="0" y="784666"/>
-        <a:ext cx="10058399" cy="729675"/>
+        <a:off x="0" y="997730"/>
+        <a:ext cx="10058399" cy="997222"/>
       </dsp:txXfrm>
     </dsp:sp>
-    <dsp:sp modelId="{D9D551D8-B9A6-4ACA-B155-A463316F2E00}">
+    <dsp:sp modelId="{B4B9D2EC-D628-4609-92A2-62F4E2AEDAA0}">
       <dsp:nvSpPr>
         <dsp:cNvPr id="0" name=""/>
         <dsp:cNvSpPr/>
       </dsp:nvSpPr>
       <dsp:spPr>
         <a:xfrm>
-          <a:off x="0" y="1514341"/>
-          <a:ext cx="10058399" cy="719549"/>
+          <a:off x="0" y="1994953"/>
+          <a:ext cx="10058399" cy="983384"/>
         </a:xfrm>
         <a:prstGeom prst="roundRect">
           <a:avLst/>
@@ -7913,12 +9012,12 @@
         </a:fontRef>
       </dsp:style>
       <dsp:txBody>
-        <a:bodyPr spcFirstLastPara="0" vert="horz" wrap="square" lIns="114300" tIns="114300" rIns="114300" bIns="114300" numCol="1" spcCol="1270" anchor="ctr" anchorCtr="0">
+        <a:bodyPr spcFirstLastPara="0" vert="horz" wrap="square" lIns="156210" tIns="156210" rIns="156210" bIns="156210" numCol="1" spcCol="1270" anchor="ctr" anchorCtr="0">
           <a:noAutofit/>
         </a:bodyPr>
         <a:lstStyle/>
         <a:p>
-          <a:pPr marL="0" lvl="0" indent="0" algn="l" defTabSz="1333500">
+          <a:pPr marL="0" lvl="0" indent="0" algn="l" defTabSz="1822450">
             <a:lnSpc>
               <a:spcPct val="90000"/>
             </a:lnSpc>
@@ -7932,26 +9031,26 @@
             <a:buNone/>
           </a:pPr>
           <a:r>
-            <a:rPr lang="en-US" sz="3000" b="1" i="0" kern="1200" dirty="0"/>
-            <a:t>Detail Staffing Structure:</a:t>
+            <a:rPr lang="en-US" sz="4100" b="1" i="0" kern="1200" dirty="0"/>
+            <a:t>Analyze Financial Projections:</a:t>
           </a:r>
-          <a:endParaRPr lang="en-US" sz="3000" b="0" i="0" kern="1200" dirty="0"/>
+          <a:endParaRPr lang="en-US" sz="4100" b="0" i="0" kern="1200" dirty="0"/>
         </a:p>
       </dsp:txBody>
       <dsp:txXfrm>
-        <a:off x="35125" y="1549466"/>
-        <a:ext cx="9988149" cy="649299"/>
+        <a:off x="48005" y="2042958"/>
+        <a:ext cx="9962389" cy="887374"/>
       </dsp:txXfrm>
     </dsp:sp>
-    <dsp:sp modelId="{1428E318-451A-401B-8EAD-C11238B88BFF}">
+    <dsp:sp modelId="{8C3A38B4-95EE-4D86-B13F-3A9123BCB905}">
       <dsp:nvSpPr>
         <dsp:cNvPr id="0" name=""/>
         <dsp:cNvSpPr/>
       </dsp:nvSpPr>
       <dsp:spPr>
         <a:xfrm>
-          <a:off x="0" y="2233891"/>
-          <a:ext cx="10058399" cy="729675"/>
+          <a:off x="0" y="2978338"/>
+          <a:ext cx="10058399" cy="1485225"/>
         </a:xfrm>
         <a:prstGeom prst="rect">
           <a:avLst/>
@@ -7975,12 +9074,12 @@
         <a:fontRef idx="minor"/>
       </dsp:style>
       <dsp:txBody>
-        <a:bodyPr spcFirstLastPara="0" vert="horz" wrap="square" lIns="319354" tIns="38100" rIns="213360" bIns="38100" numCol="1" spcCol="1270" anchor="t" anchorCtr="0">
+        <a:bodyPr spcFirstLastPara="0" vert="horz" wrap="square" lIns="319354" tIns="52070" rIns="291592" bIns="52070" numCol="1" spcCol="1270" anchor="t" anchorCtr="0">
           <a:noAutofit/>
         </a:bodyPr>
         <a:lstStyle/>
         <a:p>
-          <a:pPr marL="228600" lvl="1" indent="-228600" algn="l" defTabSz="1022350">
+          <a:pPr marL="285750" lvl="1" indent="-285750" algn="l" defTabSz="1422400">
             <a:lnSpc>
               <a:spcPct val="90000"/>
             </a:lnSpc>
@@ -7994,29 +9093,41 @@
             <a:buChar char="•"/>
           </a:pPr>
           <a:r>
-            <a:rPr lang="en-US" sz="2300" b="0" i="0" kern="1200"/>
+            <a:rPr lang="en-US" sz="3200" b="0" i="0" kern="1200"/>
             <a:t> </a:t>
           </a:r>
           <a:r>
-            <a:rPr lang="en-US" sz="2300" b="0" i="0" kern="1200" dirty="0"/>
-            <a:t>Investors and lenders want to know who will manage your business. Include an organizational chart showing roles, responsibilities, and reporting lines.</a:t>
+            <a:rPr lang="en-US" sz="3200" b="0" i="0" kern="1200" dirty="0"/>
+            <a:t>Create thorough financial projections that encompass startup and operational costs, including production expenses, business running costs, and overhead.  </a:t>
           </a:r>
         </a:p>
       </dsp:txBody>
       <dsp:txXfrm>
-        <a:off x="0" y="2233891"/>
-        <a:ext cx="10058399" cy="729675"/>
+        <a:off x="0" y="2978338"/>
+        <a:ext cx="10058399" cy="1485225"/>
       </dsp:txXfrm>
     </dsp:sp>
-    <dsp:sp modelId="{B4B9D2EC-D628-4609-92A2-62F4E2AEDAA0}">
+  </dsp:spTree>
+</dsp:drawing>
+</file>
+
+<file path=ppt/diagrams/drawing8.xml><?xml version="1.0" encoding="utf-8"?>
+<dsp:drawing xmlns:dgm="http://schemas.openxmlformats.org/drawingml/2006/diagram" xmlns:dsp="http://schemas.microsoft.com/office/drawing/2008/diagram" xmlns:a="http://schemas.openxmlformats.org/drawingml/2006/main">
+  <dsp:spTree>
+    <dsp:nvGrpSpPr>
+      <dsp:cNvPr id="0" name=""/>
+      <dsp:cNvGrpSpPr/>
+    </dsp:nvGrpSpPr>
+    <dsp:grpSpPr/>
+    <dsp:sp modelId="{97A8D912-BAF9-4DB8-90D6-2E69BE632765}">
       <dsp:nvSpPr>
         <dsp:cNvPr id="0" name=""/>
         <dsp:cNvSpPr/>
       </dsp:nvSpPr>
       <dsp:spPr>
         <a:xfrm>
-          <a:off x="0" y="2963567"/>
-          <a:ext cx="10058399" cy="719549"/>
+          <a:off x="0" y="19586"/>
+          <a:ext cx="10058399" cy="599625"/>
         </a:xfrm>
         <a:prstGeom prst="roundRect">
           <a:avLst/>
@@ -8057,12 +9168,12 @@
         </a:fontRef>
       </dsp:style>
       <dsp:txBody>
-        <a:bodyPr spcFirstLastPara="0" vert="horz" wrap="square" lIns="114300" tIns="114300" rIns="114300" bIns="114300" numCol="1" spcCol="1270" anchor="ctr" anchorCtr="0">
+        <a:bodyPr spcFirstLastPara="0" vert="horz" wrap="square" lIns="95250" tIns="95250" rIns="95250" bIns="95250" numCol="1" spcCol="1270" anchor="ctr" anchorCtr="0">
           <a:noAutofit/>
         </a:bodyPr>
         <a:lstStyle/>
         <a:p>
-          <a:pPr marL="0" lvl="0" indent="0" algn="l" defTabSz="1333500">
+          <a:pPr marL="0" lvl="0" indent="0" algn="l" defTabSz="1111250">
             <a:lnSpc>
               <a:spcPct val="90000"/>
             </a:lnSpc>
@@ -8072,30 +9183,42 @@
             <a:spcAft>
               <a:spcPct val="35000"/>
             </a:spcAft>
-            <a:buFont typeface="Arial" panose="020B0604020202020204" pitchFamily="34" charset="0"/>
+            <a:buFont typeface="+mj-lt"/>
             <a:buNone/>
           </a:pPr>
           <a:r>
-            <a:rPr lang="en-US" sz="3000" b="1" i="0" kern="1200" dirty="0"/>
-            <a:t>Analyze Financial Projections:</a:t>
+            <a:rPr lang="fr-FR" sz="2500" b="0" i="0" kern="1200" dirty="0" err="1"/>
+            <a:t>Avoid</a:t>
           </a:r>
-          <a:endParaRPr lang="en-US" sz="3000" b="0" i="0" kern="1200" dirty="0"/>
+          <a:r>
+            <a:rPr lang="fr-FR" sz="2500" b="0" i="0" kern="1200" dirty="0"/>
+            <a:t> </a:t>
+          </a:r>
+          <a:r>
+            <a:rPr lang="fr-FR" sz="2500" b="0" i="0" kern="1200" dirty="0" err="1"/>
+            <a:t>offering</a:t>
+          </a:r>
+          <a:r>
+            <a:rPr lang="fr-FR" sz="2500" b="0" i="0" kern="1200" dirty="0"/>
+            <a:t> free trials.</a:t>
+          </a:r>
+          <a:endParaRPr lang="en-US" sz="2500" b="0" i="0" kern="1200" dirty="0"/>
         </a:p>
       </dsp:txBody>
       <dsp:txXfrm>
-        <a:off x="35125" y="2998692"/>
-        <a:ext cx="9988149" cy="649299"/>
+        <a:off x="29271" y="48857"/>
+        <a:ext cx="9999857" cy="541083"/>
       </dsp:txXfrm>
     </dsp:sp>
-    <dsp:sp modelId="{8C3A38B4-95EE-4D86-B13F-3A9123BCB905}">
+    <dsp:sp modelId="{6DE6DD6C-FA3C-42C5-8E23-A61C7B682F93}">
       <dsp:nvSpPr>
         <dsp:cNvPr id="0" name=""/>
         <dsp:cNvSpPr/>
       </dsp:nvSpPr>
       <dsp:spPr>
         <a:xfrm>
-          <a:off x="0" y="3683117"/>
-          <a:ext cx="10058399" cy="729675"/>
+          <a:off x="0" y="619211"/>
+          <a:ext cx="10058399" cy="685687"/>
         </a:xfrm>
         <a:prstGeom prst="rect">
           <a:avLst/>
@@ -8119,12 +9242,170 @@
         <a:fontRef idx="minor"/>
       </dsp:style>
       <dsp:txBody>
-        <a:bodyPr spcFirstLastPara="0" vert="horz" wrap="square" lIns="319354" tIns="38100" rIns="213360" bIns="38100" numCol="1" spcCol="1270" anchor="t" anchorCtr="0">
+        <a:bodyPr spcFirstLastPara="0" vert="horz" wrap="square" lIns="319354" tIns="31750" rIns="177800" bIns="31750" numCol="1" spcCol="1270" anchor="t" anchorCtr="0">
           <a:noAutofit/>
         </a:bodyPr>
         <a:lstStyle/>
         <a:p>
-          <a:pPr marL="228600" lvl="1" indent="-228600" algn="l" defTabSz="1022350">
+          <a:pPr marL="228600" lvl="1" indent="-228600" algn="l" defTabSz="889000">
+            <a:lnSpc>
+              <a:spcPct val="90000"/>
+            </a:lnSpc>
+            <a:spcBef>
+              <a:spcPct val="0"/>
+            </a:spcBef>
+            <a:spcAft>
+              <a:spcPct val="20000"/>
+            </a:spcAft>
+            <a:buFont typeface="+mj-lt"/>
+            <a:buAutoNum type="arabicPeriod"/>
+          </a:pPr>
+          <a:r>
+            <a:rPr lang="en-US" sz="2000" b="0" i="0" kern="1200" dirty="0"/>
+            <a:t>If a trial is necessary, limit its duration, </a:t>
+          </a:r>
+        </a:p>
+        <a:p>
+          <a:pPr marL="457200" lvl="2" indent="-228600" algn="l" defTabSz="889000">
+            <a:lnSpc>
+              <a:spcPct val="90000"/>
+            </a:lnSpc>
+            <a:spcBef>
+              <a:spcPct val="0"/>
+            </a:spcBef>
+            <a:spcAft>
+              <a:spcPct val="20000"/>
+            </a:spcAft>
+            <a:buFont typeface="+mj-lt"/>
+            <a:buAutoNum type="arabicPeriod"/>
+          </a:pPr>
+          <a:r>
+            <a:rPr lang="en-US" sz="2000" b="0" i="0" kern="1200" dirty="0"/>
+            <a:t>with preference for shorter periods (1 day or 1 week).</a:t>
+          </a:r>
+        </a:p>
+      </dsp:txBody>
+      <dsp:txXfrm>
+        <a:off x="0" y="619211"/>
+        <a:ext cx="10058399" cy="685687"/>
+      </dsp:txXfrm>
+    </dsp:sp>
+    <dsp:sp modelId="{66C1553B-F46B-482C-B4DE-101963AB477B}">
+      <dsp:nvSpPr>
+        <dsp:cNvPr id="0" name=""/>
+        <dsp:cNvSpPr/>
+      </dsp:nvSpPr>
+      <dsp:spPr>
+        <a:xfrm>
+          <a:off x="0" y="1304898"/>
+          <a:ext cx="10058399" cy="599625"/>
+        </a:xfrm>
+        <a:prstGeom prst="roundRect">
+          <a:avLst/>
+        </a:prstGeom>
+        <a:solidFill>
+          <a:schemeClr val="accent1">
+            <a:hueOff val="0"/>
+            <a:satOff val="0"/>
+            <a:lumOff val="0"/>
+            <a:alphaOff val="0"/>
+          </a:schemeClr>
+        </a:solidFill>
+        <a:ln w="15875" cap="flat" cmpd="sng" algn="ctr">
+          <a:solidFill>
+            <a:schemeClr val="lt1">
+              <a:hueOff val="0"/>
+              <a:satOff val="0"/>
+              <a:lumOff val="0"/>
+              <a:alphaOff val="0"/>
+            </a:schemeClr>
+          </a:solidFill>
+          <a:prstDash val="solid"/>
+        </a:ln>
+        <a:effectLst/>
+      </dsp:spPr>
+      <dsp:style>
+        <a:lnRef idx="2">
+          <a:scrgbClr r="0" g="0" b="0"/>
+        </a:lnRef>
+        <a:fillRef idx="1">
+          <a:scrgbClr r="0" g="0" b="0"/>
+        </a:fillRef>
+        <a:effectRef idx="0">
+          <a:scrgbClr r="0" g="0" b="0"/>
+        </a:effectRef>
+        <a:fontRef idx="minor">
+          <a:schemeClr val="lt1"/>
+        </a:fontRef>
+      </dsp:style>
+      <dsp:txBody>
+        <a:bodyPr spcFirstLastPara="0" vert="horz" wrap="square" lIns="95250" tIns="95250" rIns="95250" bIns="95250" numCol="1" spcCol="1270" anchor="ctr" anchorCtr="0">
+          <a:noAutofit/>
+        </a:bodyPr>
+        <a:lstStyle/>
+        <a:p>
+          <a:pPr marL="0" lvl="0" indent="0" algn="l" defTabSz="1111250">
+            <a:lnSpc>
+              <a:spcPct val="90000"/>
+            </a:lnSpc>
+            <a:spcBef>
+              <a:spcPct val="0"/>
+            </a:spcBef>
+            <a:spcAft>
+              <a:spcPct val="35000"/>
+            </a:spcAft>
+            <a:buFont typeface="Arial" panose="020B0604020202020204" pitchFamily="34" charset="0"/>
+            <a:buNone/>
+          </a:pPr>
+          <a:r>
+            <a:rPr lang="en-US" sz="2500" b="0" i="0" kern="1200" dirty="0"/>
+            <a:t>Prioritize upfront cash payments, with a preference for longer commitments</a:t>
+          </a:r>
+        </a:p>
+      </dsp:txBody>
+      <dsp:txXfrm>
+        <a:off x="29271" y="1334169"/>
+        <a:ext cx="9999857" cy="541083"/>
+      </dsp:txXfrm>
+    </dsp:sp>
+    <dsp:sp modelId="{CD476CE6-213A-4B2D-B17E-E70AF7DB43C5}">
+      <dsp:nvSpPr>
+        <dsp:cNvPr id="0" name=""/>
+        <dsp:cNvSpPr/>
+      </dsp:nvSpPr>
+      <dsp:spPr>
+        <a:xfrm>
+          <a:off x="0" y="1904523"/>
+          <a:ext cx="10058399" cy="414000"/>
+        </a:xfrm>
+        <a:prstGeom prst="rect">
+          <a:avLst/>
+        </a:prstGeom>
+        <a:noFill/>
+        <a:ln>
+          <a:noFill/>
+        </a:ln>
+        <a:effectLst/>
+      </dsp:spPr>
+      <dsp:style>
+        <a:lnRef idx="0">
+          <a:scrgbClr r="0" g="0" b="0"/>
+        </a:lnRef>
+        <a:fillRef idx="0">
+          <a:scrgbClr r="0" g="0" b="0"/>
+        </a:fillRef>
+        <a:effectRef idx="0">
+          <a:scrgbClr r="0" g="0" b="0"/>
+        </a:effectRef>
+        <a:fontRef idx="minor"/>
+      </dsp:style>
+      <dsp:txBody>
+        <a:bodyPr spcFirstLastPara="0" vert="horz" wrap="square" lIns="319354" tIns="31750" rIns="177800" bIns="31750" numCol="1" spcCol="1270" anchor="t" anchorCtr="0">
+          <a:noAutofit/>
+        </a:bodyPr>
+        <a:lstStyle/>
+        <a:p>
+          <a:pPr marL="228600" lvl="1" indent="-228600" algn="l" defTabSz="889000">
             <a:lnSpc>
               <a:spcPct val="90000"/>
             </a:lnSpc>
@@ -8138,18 +9419,231 @@
             <a:buChar char="•"/>
           </a:pPr>
           <a:r>
-            <a:rPr lang="en-US" sz="2300" b="0" i="0" kern="1200"/>
-            <a:t> </a:t>
-          </a:r>
-          <a:r>
-            <a:rPr lang="en-US" sz="2300" b="0" i="0" kern="1200" dirty="0"/>
-            <a:t>Create thorough financial projections that encompass startup and operational costs, including production expenses, business running costs, and overhead.  </a:t>
+            <a:rPr lang="en-US" sz="2000" b="0" i="0" kern="1200" dirty="0"/>
+            <a:t>(2 years, 1 year, 6 months).</a:t>
           </a:r>
         </a:p>
       </dsp:txBody>
       <dsp:txXfrm>
-        <a:off x="0" y="3683117"/>
-        <a:ext cx="10058399" cy="729675"/>
+        <a:off x="0" y="1904523"/>
+        <a:ext cx="10058399" cy="414000"/>
+      </dsp:txXfrm>
+    </dsp:sp>
+    <dsp:sp modelId="{19AC1DEF-7944-427F-8720-A423822989FE}">
+      <dsp:nvSpPr>
+        <dsp:cNvPr id="0" name=""/>
+        <dsp:cNvSpPr/>
+      </dsp:nvSpPr>
+      <dsp:spPr>
+        <a:xfrm>
+          <a:off x="0" y="2318523"/>
+          <a:ext cx="10058399" cy="599625"/>
+        </a:xfrm>
+        <a:prstGeom prst="roundRect">
+          <a:avLst/>
+        </a:prstGeom>
+        <a:solidFill>
+          <a:schemeClr val="accent1">
+            <a:hueOff val="0"/>
+            <a:satOff val="0"/>
+            <a:lumOff val="0"/>
+            <a:alphaOff val="0"/>
+          </a:schemeClr>
+        </a:solidFill>
+        <a:ln w="15875" cap="flat" cmpd="sng" algn="ctr">
+          <a:solidFill>
+            <a:schemeClr val="lt1">
+              <a:hueOff val="0"/>
+              <a:satOff val="0"/>
+              <a:lumOff val="0"/>
+              <a:alphaOff val="0"/>
+            </a:schemeClr>
+          </a:solidFill>
+          <a:prstDash val="solid"/>
+        </a:ln>
+        <a:effectLst/>
+      </dsp:spPr>
+      <dsp:style>
+        <a:lnRef idx="2">
+          <a:scrgbClr r="0" g="0" b="0"/>
+        </a:lnRef>
+        <a:fillRef idx="1">
+          <a:scrgbClr r="0" g="0" b="0"/>
+        </a:fillRef>
+        <a:effectRef idx="0">
+          <a:scrgbClr r="0" g="0" b="0"/>
+        </a:effectRef>
+        <a:fontRef idx="minor">
+          <a:schemeClr val="lt1"/>
+        </a:fontRef>
+      </dsp:style>
+      <dsp:txBody>
+        <a:bodyPr spcFirstLastPara="0" vert="horz" wrap="square" lIns="95250" tIns="95250" rIns="95250" bIns="95250" numCol="1" spcCol="1270" anchor="ctr" anchorCtr="0">
+          <a:noAutofit/>
+        </a:bodyPr>
+        <a:lstStyle/>
+        <a:p>
+          <a:pPr marL="0" lvl="0" indent="0" algn="l" defTabSz="1111250">
+            <a:lnSpc>
+              <a:spcPct val="90000"/>
+            </a:lnSpc>
+            <a:spcBef>
+              <a:spcPct val="0"/>
+            </a:spcBef>
+            <a:spcAft>
+              <a:spcPct val="35000"/>
+            </a:spcAft>
+            <a:buFont typeface="Arial" panose="020B0604020202020204" pitchFamily="34" charset="0"/>
+            <a:buNone/>
+          </a:pPr>
+          <a:r>
+            <a:rPr lang="en-US" sz="2500" b="0" i="0" kern="1200" dirty="0"/>
+            <a:t>Steer clear of monthly subscription models.</a:t>
+          </a:r>
+        </a:p>
+      </dsp:txBody>
+      <dsp:txXfrm>
+        <a:off x="29271" y="2347794"/>
+        <a:ext cx="9999857" cy="541083"/>
+      </dsp:txXfrm>
+    </dsp:sp>
+    <dsp:sp modelId="{F381C6A1-7D6D-425B-9AE2-59B3990DA98B}">
+      <dsp:nvSpPr>
+        <dsp:cNvPr id="0" name=""/>
+        <dsp:cNvSpPr/>
+      </dsp:nvSpPr>
+      <dsp:spPr>
+        <a:xfrm>
+          <a:off x="0" y="2990148"/>
+          <a:ext cx="10058399" cy="599625"/>
+        </a:xfrm>
+        <a:prstGeom prst="roundRect">
+          <a:avLst/>
+        </a:prstGeom>
+        <a:solidFill>
+          <a:schemeClr val="accent1">
+            <a:hueOff val="0"/>
+            <a:satOff val="0"/>
+            <a:lumOff val="0"/>
+            <a:alphaOff val="0"/>
+          </a:schemeClr>
+        </a:solidFill>
+        <a:ln w="15875" cap="flat" cmpd="sng" algn="ctr">
+          <a:solidFill>
+            <a:schemeClr val="lt1">
+              <a:hueOff val="0"/>
+              <a:satOff val="0"/>
+              <a:lumOff val="0"/>
+              <a:alphaOff val="0"/>
+            </a:schemeClr>
+          </a:solidFill>
+          <a:prstDash val="solid"/>
+        </a:ln>
+        <a:effectLst/>
+      </dsp:spPr>
+      <dsp:style>
+        <a:lnRef idx="2">
+          <a:scrgbClr r="0" g="0" b="0"/>
+        </a:lnRef>
+        <a:fillRef idx="1">
+          <a:scrgbClr r="0" g="0" b="0"/>
+        </a:fillRef>
+        <a:effectRef idx="0">
+          <a:scrgbClr r="0" g="0" b="0"/>
+        </a:effectRef>
+        <a:fontRef idx="minor">
+          <a:schemeClr val="lt1"/>
+        </a:fontRef>
+      </dsp:style>
+      <dsp:txBody>
+        <a:bodyPr spcFirstLastPara="0" vert="horz" wrap="square" lIns="95250" tIns="95250" rIns="95250" bIns="95250" numCol="1" spcCol="1270" anchor="ctr" anchorCtr="0">
+          <a:noAutofit/>
+        </a:bodyPr>
+        <a:lstStyle/>
+        <a:p>
+          <a:pPr marL="0" lvl="0" indent="0" algn="l" defTabSz="1111250">
+            <a:lnSpc>
+              <a:spcPct val="90000"/>
+            </a:lnSpc>
+            <a:spcBef>
+              <a:spcPct val="0"/>
+            </a:spcBef>
+            <a:spcAft>
+              <a:spcPct val="35000"/>
+            </a:spcAft>
+            <a:buFont typeface="Arial" panose="020B0604020202020204" pitchFamily="34" charset="0"/>
+            <a:buNone/>
+          </a:pPr>
+          <a:r>
+            <a:rPr lang="en-US" sz="2500" b="0" i="0" kern="1200" dirty="0"/>
+            <a:t>Directly target the decision-maker when selling your product or service,</a:t>
+          </a:r>
+        </a:p>
+      </dsp:txBody>
+      <dsp:txXfrm>
+        <a:off x="29271" y="3019419"/>
+        <a:ext cx="9999857" cy="541083"/>
+      </dsp:txXfrm>
+    </dsp:sp>
+    <dsp:sp modelId="{7A90926B-ABDF-45CE-8F11-4333F49EECD4}">
+      <dsp:nvSpPr>
+        <dsp:cNvPr id="0" name=""/>
+        <dsp:cNvSpPr/>
+      </dsp:nvSpPr>
+      <dsp:spPr>
+        <a:xfrm>
+          <a:off x="0" y="3589773"/>
+          <a:ext cx="10058399" cy="414000"/>
+        </a:xfrm>
+        <a:prstGeom prst="rect">
+          <a:avLst/>
+        </a:prstGeom>
+        <a:noFill/>
+        <a:ln>
+          <a:noFill/>
+        </a:ln>
+        <a:effectLst/>
+      </dsp:spPr>
+      <dsp:style>
+        <a:lnRef idx="0">
+          <a:scrgbClr r="0" g="0" b="0"/>
+        </a:lnRef>
+        <a:fillRef idx="0">
+          <a:scrgbClr r="0" g="0" b="0"/>
+        </a:fillRef>
+        <a:effectRef idx="0">
+          <a:scrgbClr r="0" g="0" b="0"/>
+        </a:effectRef>
+        <a:fontRef idx="minor"/>
+      </dsp:style>
+      <dsp:txBody>
+        <a:bodyPr spcFirstLastPara="0" vert="horz" wrap="square" lIns="319354" tIns="31750" rIns="177800" bIns="31750" numCol="1" spcCol="1270" anchor="t" anchorCtr="0">
+          <a:noAutofit/>
+        </a:bodyPr>
+        <a:lstStyle/>
+        <a:p>
+          <a:pPr marL="228600" lvl="1" indent="-228600" algn="l" defTabSz="889000">
+            <a:lnSpc>
+              <a:spcPct val="90000"/>
+            </a:lnSpc>
+            <a:spcBef>
+              <a:spcPct val="0"/>
+            </a:spcBef>
+            <a:spcAft>
+              <a:spcPct val="20000"/>
+            </a:spcAft>
+            <a:buFont typeface="Arial" panose="020B0604020202020204" pitchFamily="34" charset="0"/>
+            <a:buChar char="•"/>
+          </a:pPr>
+          <a:r>
+            <a:rPr lang="en-US" sz="2000" b="0" i="0" kern="1200" dirty="0"/>
+            <a:t>rather than relying on their subordinates.</a:t>
+          </a:r>
+        </a:p>
+      </dsp:txBody>
+      <dsp:txXfrm>
+        <a:off x="0" y="3589773"/>
+        <a:ext cx="10058399" cy="414000"/>
       </dsp:txXfrm>
     </dsp:sp>
   </dsp:spTree>
@@ -9325,6 +10819,173 @@
 </dgm:layoutDef>
 </file>
 
+<file path=ppt/diagrams/layout8.xml><?xml version="1.0" encoding="utf-8"?>
+<dgm:layoutDef xmlns:dgm="http://schemas.openxmlformats.org/drawingml/2006/diagram" xmlns:a="http://schemas.openxmlformats.org/drawingml/2006/main" uniqueId="urn:microsoft.com/office/officeart/2005/8/layout/vList2">
+  <dgm:title val=""/>
+  <dgm:desc val=""/>
+  <dgm:catLst>
+    <dgm:cat type="list" pri="3000"/>
+    <dgm:cat type="convert" pri="1000"/>
+  </dgm:catLst>
+  <dgm:sampData>
+    <dgm:dataModel>
+      <dgm:ptLst>
+        <dgm:pt modelId="0" type="doc"/>
+        <dgm:pt modelId="1">
+          <dgm:prSet phldr="1"/>
+        </dgm:pt>
+        <dgm:pt modelId="11">
+          <dgm:prSet phldr="1"/>
+        </dgm:pt>
+        <dgm:pt modelId="2">
+          <dgm:prSet phldr="1"/>
+        </dgm:pt>
+        <dgm:pt modelId="21">
+          <dgm:prSet phldr="1"/>
+        </dgm:pt>
+      </dgm:ptLst>
+      <dgm:cxnLst>
+        <dgm:cxn modelId="4" srcId="0" destId="1" srcOrd="0" destOrd="0"/>
+        <dgm:cxn modelId="5" srcId="0" destId="2" srcOrd="1" destOrd="0"/>
+        <dgm:cxn modelId="12" srcId="1" destId="11" srcOrd="0" destOrd="0"/>
+        <dgm:cxn modelId="23" srcId="2" destId="21" srcOrd="0" destOrd="0"/>
+      </dgm:cxnLst>
+      <dgm:bg/>
+      <dgm:whole/>
+    </dgm:dataModel>
+  </dgm:sampData>
+  <dgm:styleData>
+    <dgm:dataModel>
+      <dgm:ptLst>
+        <dgm:pt modelId="0" type="doc"/>
+        <dgm:pt modelId="1"/>
+        <dgm:pt modelId="2"/>
+      </dgm:ptLst>
+      <dgm:cxnLst>
+        <dgm:cxn modelId="3" srcId="0" destId="1" srcOrd="0" destOrd="0"/>
+        <dgm:cxn modelId="4" srcId="0" destId="2" srcOrd="1" destOrd="0"/>
+      </dgm:cxnLst>
+      <dgm:bg/>
+      <dgm:whole/>
+    </dgm:dataModel>
+  </dgm:styleData>
+  <dgm:clrData>
+    <dgm:dataModel>
+      <dgm:ptLst>
+        <dgm:pt modelId="0" type="doc"/>
+        <dgm:pt modelId="1"/>
+        <dgm:pt modelId="2"/>
+        <dgm:pt modelId="3"/>
+        <dgm:pt modelId="4"/>
+      </dgm:ptLst>
+      <dgm:cxnLst>
+        <dgm:cxn modelId="5" srcId="0" destId="1" srcOrd="0" destOrd="0"/>
+        <dgm:cxn modelId="6" srcId="0" destId="2" srcOrd="1" destOrd="0"/>
+        <dgm:cxn modelId="7" srcId="0" destId="3" srcOrd="2" destOrd="0"/>
+        <dgm:cxn modelId="8" srcId="0" destId="4" srcOrd="3" destOrd="0"/>
+      </dgm:cxnLst>
+      <dgm:bg/>
+      <dgm:whole/>
+    </dgm:dataModel>
+  </dgm:clrData>
+  <dgm:layoutNode name="linear">
+    <dgm:varLst>
+      <dgm:animLvl val="lvl"/>
+      <dgm:resizeHandles val="exact"/>
+    </dgm:varLst>
+    <dgm:alg type="lin">
+      <dgm:param type="linDir" val="fromT"/>
+      <dgm:param type="vertAlign" val="mid"/>
+    </dgm:alg>
+    <dgm:shape xmlns:r="http://schemas.openxmlformats.org/officeDocument/2006/relationships" r:blip="">
+      <dgm:adjLst/>
+    </dgm:shape>
+    <dgm:presOf/>
+    <dgm:constrLst>
+      <dgm:constr type="w" for="ch" forName="parentText" refType="w"/>
+      <dgm:constr type="h" for="ch" forName="parentText" refType="primFontSz" refFor="ch" refForName="parentText" fact="0.52"/>
+      <dgm:constr type="w" for="ch" forName="childText" refType="w"/>
+      <dgm:constr type="h" for="ch" forName="childText" refType="primFontSz" refFor="ch" refForName="parentText" fact="0.46"/>
+      <dgm:constr type="h" for="ch" forName="parentText" op="equ"/>
+      <dgm:constr type="primFontSz" for="ch" forName="parentText" op="equ" val="65"/>
+      <dgm:constr type="primFontSz" for="ch" forName="childText" refType="primFontSz" refFor="ch" refForName="parentText" op="equ"/>
+      <dgm:constr type="h" for="ch" forName="spacer" refType="primFontSz" refFor="ch" refForName="parentText" fact="0.08"/>
+    </dgm:constrLst>
+    <dgm:ruleLst>
+      <dgm:rule type="primFontSz" for="ch" forName="parentText" val="5" fact="NaN" max="NaN"/>
+    </dgm:ruleLst>
+    <dgm:forEach name="Name0" axis="ch" ptType="node">
+      <dgm:layoutNode name="parentText" styleLbl="node1">
+        <dgm:varLst>
+          <dgm:chMax val="0"/>
+          <dgm:bulletEnabled val="1"/>
+        </dgm:varLst>
+        <dgm:alg type="tx">
+          <dgm:param type="parTxLTRAlign" val="l"/>
+          <dgm:param type="parTxRTLAlign" val="r"/>
+        </dgm:alg>
+        <dgm:shape xmlns:r="http://schemas.openxmlformats.org/officeDocument/2006/relationships" type="roundRect" r:blip="">
+          <dgm:adjLst/>
+        </dgm:shape>
+        <dgm:presOf axis="self"/>
+        <dgm:constrLst>
+          <dgm:constr type="tMarg" refType="primFontSz" fact="0.3"/>
+          <dgm:constr type="bMarg" refType="primFontSz" fact="0.3"/>
+          <dgm:constr type="lMarg" refType="primFontSz" fact="0.3"/>
+          <dgm:constr type="rMarg" refType="primFontSz" fact="0.3"/>
+        </dgm:constrLst>
+        <dgm:ruleLst>
+          <dgm:rule type="h" val="INF" fact="NaN" max="NaN"/>
+        </dgm:ruleLst>
+      </dgm:layoutNode>
+      <dgm:choose name="Name1">
+        <dgm:if name="Name2" axis="ch" ptType="node" func="cnt" op="gte" val="1">
+          <dgm:layoutNode name="childText" styleLbl="revTx">
+            <dgm:varLst>
+              <dgm:bulletEnabled val="1"/>
+            </dgm:varLst>
+            <dgm:alg type="tx">
+              <dgm:param type="stBulletLvl" val="1"/>
+              <dgm:param type="lnSpAfChP" val="20"/>
+            </dgm:alg>
+            <dgm:shape xmlns:r="http://schemas.openxmlformats.org/officeDocument/2006/relationships" type="rect" r:blip="">
+              <dgm:adjLst/>
+            </dgm:shape>
+            <dgm:presOf axis="des" ptType="node"/>
+            <dgm:constrLst>
+              <dgm:constr type="tMarg" refType="primFontSz" fact="0.1"/>
+              <dgm:constr type="bMarg" refType="primFontSz" fact="0.1"/>
+              <dgm:constr type="lMarg" refType="w" fact="0.09"/>
+            </dgm:constrLst>
+            <dgm:ruleLst>
+              <dgm:rule type="h" val="INF" fact="NaN" max="NaN"/>
+            </dgm:ruleLst>
+          </dgm:layoutNode>
+        </dgm:if>
+        <dgm:else name="Name3">
+          <dgm:choose name="Name4">
+            <dgm:if name="Name5" axis="par ch" ptType="doc node" func="cnt" op="gte" val="2">
+              <dgm:forEach name="Name6" axis="followSib" ptType="sibTrans" cnt="1">
+                <dgm:layoutNode name="spacer">
+                  <dgm:alg type="sp"/>
+                  <dgm:shape xmlns:r="http://schemas.openxmlformats.org/officeDocument/2006/relationships" r:blip="">
+                    <dgm:adjLst/>
+                  </dgm:shape>
+                  <dgm:presOf/>
+                  <dgm:constrLst/>
+                  <dgm:ruleLst/>
+                </dgm:layoutNode>
+              </dgm:forEach>
+            </dgm:if>
+            <dgm:else name="Name7"/>
+          </dgm:choose>
+        </dgm:else>
+      </dgm:choose>
+    </dgm:forEach>
+  </dgm:layoutNode>
+</dgm:layoutDef>
+</file>
+
 <file path=ppt/diagrams/quickStyle1.xml><?xml version="1.0" encoding="utf-8"?>
 <dgm:styleDef xmlns:dgm="http://schemas.openxmlformats.org/drawingml/2006/diagram" xmlns:a="http://schemas.openxmlformats.org/drawingml/2006/main" uniqueId="urn:microsoft.com/office/officeart/2005/8/quickstyle/simple1">
   <dgm:title val=""/>
@@ -15530,6 +17191,1040 @@
 </file>
 
 <file path=ppt/diagrams/quickStyle7.xml><?xml version="1.0" encoding="utf-8"?>
+<dgm:styleDef xmlns:dgm="http://schemas.openxmlformats.org/drawingml/2006/diagram" xmlns:a="http://schemas.openxmlformats.org/drawingml/2006/main" uniqueId="urn:microsoft.com/office/officeart/2005/8/quickstyle/simple1">
+  <dgm:title val=""/>
+  <dgm:desc val=""/>
+  <dgm:catLst>
+    <dgm:cat type="simple" pri="10100"/>
+  </dgm:catLst>
+  <dgm:scene3d>
+    <a:camera prst="orthographicFront"/>
+    <a:lightRig rig="threePt" dir="t"/>
+  </dgm:scene3d>
+  <dgm:styleLbl name="node0">
+    <dgm:scene3d>
+      <a:camera prst="orthographicFront"/>
+      <a:lightRig rig="threePt" dir="t"/>
+    </dgm:scene3d>
+    <dgm:sp3d/>
+    <dgm:txPr/>
+    <dgm:style>
+      <a:lnRef idx="2">
+        <a:scrgbClr r="0" g="0" b="0"/>
+      </a:lnRef>
+      <a:fillRef idx="1">
+        <a:scrgbClr r="0" g="0" b="0"/>
+      </a:fillRef>
+      <a:effectRef idx="0">
+        <a:scrgbClr r="0" g="0" b="0"/>
+      </a:effectRef>
+      <a:fontRef idx="minor">
+        <a:schemeClr val="lt1"/>
+      </a:fontRef>
+    </dgm:style>
+  </dgm:styleLbl>
+  <dgm:styleLbl name="lnNode1">
+    <dgm:scene3d>
+      <a:camera prst="orthographicFront"/>
+      <a:lightRig rig="threePt" dir="t"/>
+    </dgm:scene3d>
+    <dgm:sp3d/>
+    <dgm:txPr/>
+    <dgm:style>
+      <a:lnRef idx="2">
+        <a:scrgbClr r="0" g="0" b="0"/>
+      </a:lnRef>
+      <a:fillRef idx="1">
+        <a:scrgbClr r="0" g="0" b="0"/>
+      </a:fillRef>
+      <a:effectRef idx="0">
+        <a:scrgbClr r="0" g="0" b="0"/>
+      </a:effectRef>
+      <a:fontRef idx="minor">
+        <a:schemeClr val="lt1"/>
+      </a:fontRef>
+    </dgm:style>
+  </dgm:styleLbl>
+  <dgm:styleLbl name="vennNode1">
+    <dgm:scene3d>
+      <a:camera prst="orthographicFront"/>
+      <a:lightRig rig="threePt" dir="t"/>
+    </dgm:scene3d>
+    <dgm:sp3d/>
+    <dgm:txPr/>
+    <dgm:style>
+      <a:lnRef idx="2">
+        <a:scrgbClr r="0" g="0" b="0"/>
+      </a:lnRef>
+      <a:fillRef idx="1">
+        <a:scrgbClr r="0" g="0" b="0"/>
+      </a:fillRef>
+      <a:effectRef idx="0">
+        <a:scrgbClr r="0" g="0" b="0"/>
+      </a:effectRef>
+      <a:fontRef idx="minor">
+        <a:schemeClr val="tx1"/>
+      </a:fontRef>
+    </dgm:style>
+  </dgm:styleLbl>
+  <dgm:styleLbl name="alignNode1">
+    <dgm:scene3d>
+      <a:camera prst="orthographicFront"/>
+      <a:lightRig rig="threePt" dir="t"/>
+    </dgm:scene3d>
+    <dgm:sp3d/>
+    <dgm:txPr/>
+    <dgm:style>
+      <a:lnRef idx="2">
+        <a:scrgbClr r="0" g="0" b="0"/>
+      </a:lnRef>
+      <a:fillRef idx="1">
+        <a:scrgbClr r="0" g="0" b="0"/>
+      </a:fillRef>
+      <a:effectRef idx="0">
+        <a:scrgbClr r="0" g="0" b="0"/>
+      </a:effectRef>
+      <a:fontRef idx="minor">
+        <a:schemeClr val="lt1"/>
+      </a:fontRef>
+    </dgm:style>
+  </dgm:styleLbl>
+  <dgm:styleLbl name="node1">
+    <dgm:scene3d>
+      <a:camera prst="orthographicFront"/>
+      <a:lightRig rig="threePt" dir="t"/>
+    </dgm:scene3d>
+    <dgm:sp3d/>
+    <dgm:txPr/>
+    <dgm:style>
+      <a:lnRef idx="2">
+        <a:scrgbClr r="0" g="0" b="0"/>
+      </a:lnRef>
+      <a:fillRef idx="1">
+        <a:scrgbClr r="0" g="0" b="0"/>
+      </a:fillRef>
+      <a:effectRef idx="0">
+        <a:scrgbClr r="0" g="0" b="0"/>
+      </a:effectRef>
+      <a:fontRef idx="minor">
+        <a:schemeClr val="lt1"/>
+      </a:fontRef>
+    </dgm:style>
+  </dgm:styleLbl>
+  <dgm:styleLbl name="node2">
+    <dgm:scene3d>
+      <a:camera prst="orthographicFront"/>
+      <a:lightRig rig="threePt" dir="t"/>
+    </dgm:scene3d>
+    <dgm:sp3d/>
+    <dgm:txPr/>
+    <dgm:style>
+      <a:lnRef idx="2">
+        <a:scrgbClr r="0" g="0" b="0"/>
+      </a:lnRef>
+      <a:fillRef idx="1">
+        <a:scrgbClr r="0" g="0" b="0"/>
+      </a:fillRef>
+      <a:effectRef idx="0">
+        <a:scrgbClr r="0" g="0" b="0"/>
+      </a:effectRef>
+      <a:fontRef idx="minor">
+        <a:schemeClr val="lt1"/>
+      </a:fontRef>
+    </dgm:style>
+  </dgm:styleLbl>
+  <dgm:styleLbl name="node3">
+    <dgm:scene3d>
+      <a:camera prst="orthographicFront"/>
+      <a:lightRig rig="threePt" dir="t"/>
+    </dgm:scene3d>
+    <dgm:sp3d/>
+    <dgm:txPr/>
+    <dgm:style>
+      <a:lnRef idx="2">
+        <a:scrgbClr r="0" g="0" b="0"/>
+      </a:lnRef>
+      <a:fillRef idx="1">
+        <a:scrgbClr r="0" g="0" b="0"/>
+      </a:fillRef>
+      <a:effectRef idx="0">
+        <a:scrgbClr r="0" g="0" b="0"/>
+      </a:effectRef>
+      <a:fontRef idx="minor">
+        <a:schemeClr val="lt1"/>
+      </a:fontRef>
+    </dgm:style>
+  </dgm:styleLbl>
+  <dgm:styleLbl name="node4">
+    <dgm:scene3d>
+      <a:camera prst="orthographicFront"/>
+      <a:lightRig rig="threePt" dir="t"/>
+    </dgm:scene3d>
+    <dgm:sp3d/>
+    <dgm:txPr/>
+    <dgm:style>
+      <a:lnRef idx="2">
+        <a:scrgbClr r="0" g="0" b="0"/>
+      </a:lnRef>
+      <a:fillRef idx="1">
+        <a:scrgbClr r="0" g="0" b="0"/>
+      </a:fillRef>
+      <a:effectRef idx="0">
+        <a:scrgbClr r="0" g="0" b="0"/>
+      </a:effectRef>
+      <a:fontRef idx="minor">
+        <a:schemeClr val="lt1"/>
+      </a:fontRef>
+    </dgm:style>
+  </dgm:styleLbl>
+  <dgm:styleLbl name="fgImgPlace1">
+    <dgm:scene3d>
+      <a:camera prst="orthographicFront"/>
+      <a:lightRig rig="threePt" dir="t"/>
+    </dgm:scene3d>
+    <dgm:sp3d/>
+    <dgm:txPr/>
+    <dgm:style>
+      <a:lnRef idx="2">
+        <a:scrgbClr r="0" g="0" b="0"/>
+      </a:lnRef>
+      <a:fillRef idx="1">
+        <a:scrgbClr r="0" g="0" b="0"/>
+      </a:fillRef>
+      <a:effectRef idx="0">
+        <a:scrgbClr r="0" g="0" b="0"/>
+      </a:effectRef>
+      <a:fontRef idx="minor"/>
+    </dgm:style>
+  </dgm:styleLbl>
+  <dgm:styleLbl name="alignImgPlace1">
+    <dgm:scene3d>
+      <a:camera prst="orthographicFront"/>
+      <a:lightRig rig="threePt" dir="t"/>
+    </dgm:scene3d>
+    <dgm:sp3d/>
+    <dgm:txPr/>
+    <dgm:style>
+      <a:lnRef idx="2">
+        <a:scrgbClr r="0" g="0" b="0"/>
+      </a:lnRef>
+      <a:fillRef idx="1">
+        <a:scrgbClr r="0" g="0" b="0"/>
+      </a:fillRef>
+      <a:effectRef idx="0">
+        <a:scrgbClr r="0" g="0" b="0"/>
+      </a:effectRef>
+      <a:fontRef idx="minor"/>
+    </dgm:style>
+  </dgm:styleLbl>
+  <dgm:styleLbl name="bgImgPlace1">
+    <dgm:scene3d>
+      <a:camera prst="orthographicFront"/>
+      <a:lightRig rig="threePt" dir="t"/>
+    </dgm:scene3d>
+    <dgm:sp3d/>
+    <dgm:txPr/>
+    <dgm:style>
+      <a:lnRef idx="2">
+        <a:scrgbClr r="0" g="0" b="0"/>
+      </a:lnRef>
+      <a:fillRef idx="1">
+        <a:scrgbClr r="0" g="0" b="0"/>
+      </a:fillRef>
+      <a:effectRef idx="0">
+        <a:scrgbClr r="0" g="0" b="0"/>
+      </a:effectRef>
+      <a:fontRef idx="minor"/>
+    </dgm:style>
+  </dgm:styleLbl>
+  <dgm:styleLbl name="sibTrans2D1">
+    <dgm:scene3d>
+      <a:camera prst="orthographicFront"/>
+      <a:lightRig rig="threePt" dir="t"/>
+    </dgm:scene3d>
+    <dgm:sp3d/>
+    <dgm:txPr/>
+    <dgm:style>
+      <a:lnRef idx="0">
+        <a:scrgbClr r="0" g="0" b="0"/>
+      </a:lnRef>
+      <a:fillRef idx="1">
+        <a:scrgbClr r="0" g="0" b="0"/>
+      </a:fillRef>
+      <a:effectRef idx="0">
+        <a:scrgbClr r="0" g="0" b="0"/>
+      </a:effectRef>
+      <a:fontRef idx="minor">
+        <a:schemeClr val="lt1"/>
+      </a:fontRef>
+    </dgm:style>
+  </dgm:styleLbl>
+  <dgm:styleLbl name="fgSibTrans2D1">
+    <dgm:scene3d>
+      <a:camera prst="orthographicFront"/>
+      <a:lightRig rig="threePt" dir="t"/>
+    </dgm:scene3d>
+    <dgm:sp3d/>
+    <dgm:txPr/>
+    <dgm:style>
+      <a:lnRef idx="0">
+        <a:scrgbClr r="0" g="0" b="0"/>
+      </a:lnRef>
+      <a:fillRef idx="1">
+        <a:scrgbClr r="0" g="0" b="0"/>
+      </a:fillRef>
+      <a:effectRef idx="0">
+        <a:scrgbClr r="0" g="0" b="0"/>
+      </a:effectRef>
+      <a:fontRef idx="minor">
+        <a:schemeClr val="lt1"/>
+      </a:fontRef>
+    </dgm:style>
+  </dgm:styleLbl>
+  <dgm:styleLbl name="bgSibTrans2D1">
+    <dgm:scene3d>
+      <a:camera prst="orthographicFront"/>
+      <a:lightRig rig="threePt" dir="t"/>
+    </dgm:scene3d>
+    <dgm:sp3d/>
+    <dgm:txPr/>
+    <dgm:style>
+      <a:lnRef idx="0">
+        <a:scrgbClr r="0" g="0" b="0"/>
+      </a:lnRef>
+      <a:fillRef idx="1">
+        <a:scrgbClr r="0" g="0" b="0"/>
+      </a:fillRef>
+      <a:effectRef idx="0">
+        <a:scrgbClr r="0" g="0" b="0"/>
+      </a:effectRef>
+      <a:fontRef idx="minor">
+        <a:schemeClr val="lt1"/>
+      </a:fontRef>
+    </dgm:style>
+  </dgm:styleLbl>
+  <dgm:styleLbl name="sibTrans1D1">
+    <dgm:scene3d>
+      <a:camera prst="orthographicFront"/>
+      <a:lightRig rig="threePt" dir="t"/>
+    </dgm:scene3d>
+    <dgm:sp3d/>
+    <dgm:txPr/>
+    <dgm:style>
+      <a:lnRef idx="1">
+        <a:scrgbClr r="0" g="0" b="0"/>
+      </a:lnRef>
+      <a:fillRef idx="0">
+        <a:scrgbClr r="0" g="0" b="0"/>
+      </a:fillRef>
+      <a:effectRef idx="0">
+        <a:scrgbClr r="0" g="0" b="0"/>
+      </a:effectRef>
+      <a:fontRef idx="minor"/>
+    </dgm:style>
+  </dgm:styleLbl>
+  <dgm:styleLbl name="callout">
+    <dgm:scene3d>
+      <a:camera prst="orthographicFront"/>
+      <a:lightRig rig="threePt" dir="t"/>
+    </dgm:scene3d>
+    <dgm:sp3d/>
+    <dgm:txPr/>
+    <dgm:style>
+      <a:lnRef idx="2">
+        <a:scrgbClr r="0" g="0" b="0"/>
+      </a:lnRef>
+      <a:fillRef idx="1">
+        <a:scrgbClr r="0" g="0" b="0"/>
+      </a:fillRef>
+      <a:effectRef idx="0">
+        <a:scrgbClr r="0" g="0" b="0"/>
+      </a:effectRef>
+      <a:fontRef idx="minor"/>
+    </dgm:style>
+  </dgm:styleLbl>
+  <dgm:styleLbl name="asst0">
+    <dgm:scene3d>
+      <a:camera prst="orthographicFront"/>
+      <a:lightRig rig="threePt" dir="t"/>
+    </dgm:scene3d>
+    <dgm:sp3d/>
+    <dgm:txPr/>
+    <dgm:style>
+      <a:lnRef idx="2">
+        <a:scrgbClr r="0" g="0" b="0"/>
+      </a:lnRef>
+      <a:fillRef idx="1">
+        <a:scrgbClr r="0" g="0" b="0"/>
+      </a:fillRef>
+      <a:effectRef idx="0">
+        <a:scrgbClr r="0" g="0" b="0"/>
+      </a:effectRef>
+      <a:fontRef idx="minor">
+        <a:schemeClr val="lt1"/>
+      </a:fontRef>
+    </dgm:style>
+  </dgm:styleLbl>
+  <dgm:styleLbl name="asst1">
+    <dgm:scene3d>
+      <a:camera prst="orthographicFront"/>
+      <a:lightRig rig="threePt" dir="t"/>
+    </dgm:scene3d>
+    <dgm:sp3d/>
+    <dgm:txPr/>
+    <dgm:style>
+      <a:lnRef idx="2">
+        <a:scrgbClr r="0" g="0" b="0"/>
+      </a:lnRef>
+      <a:fillRef idx="1">
+        <a:scrgbClr r="0" g="0" b="0"/>
+      </a:fillRef>
+      <a:effectRef idx="0">
+        <a:scrgbClr r="0" g="0" b="0"/>
+      </a:effectRef>
+      <a:fontRef idx="minor">
+        <a:schemeClr val="lt1"/>
+      </a:fontRef>
+    </dgm:style>
+  </dgm:styleLbl>
+  <dgm:styleLbl name="asst2">
+    <dgm:scene3d>
+      <a:camera prst="orthographicFront"/>
+      <a:lightRig rig="threePt" dir="t"/>
+    </dgm:scene3d>
+    <dgm:sp3d/>
+    <dgm:txPr/>
+    <dgm:style>
+      <a:lnRef idx="2">
+        <a:scrgbClr r="0" g="0" b="0"/>
+      </a:lnRef>
+      <a:fillRef idx="1">
+        <a:scrgbClr r="0" g="0" b="0"/>
+      </a:fillRef>
+      <a:effectRef idx="0">
+        <a:scrgbClr r="0" g="0" b="0"/>
+      </a:effectRef>
+      <a:fontRef idx="minor">
+        <a:schemeClr val="lt1"/>
+      </a:fontRef>
+    </dgm:style>
+  </dgm:styleLbl>
+  <dgm:styleLbl name="asst3">
+    <dgm:scene3d>
+      <a:camera prst="orthographicFront"/>
+      <a:lightRig rig="threePt" dir="t"/>
+    </dgm:scene3d>
+    <dgm:sp3d/>
+    <dgm:txPr/>
+    <dgm:style>
+      <a:lnRef idx="2">
+        <a:scrgbClr r="0" g="0" b="0"/>
+      </a:lnRef>
+      <a:fillRef idx="1">
+        <a:scrgbClr r="0" g="0" b="0"/>
+      </a:fillRef>
+      <a:effectRef idx="0">
+        <a:scrgbClr r="0" g="0" b="0"/>
+      </a:effectRef>
+      <a:fontRef idx="minor">
+        <a:schemeClr val="lt1"/>
+      </a:fontRef>
+    </dgm:style>
+  </dgm:styleLbl>
+  <dgm:styleLbl name="asst4">
+    <dgm:scene3d>
+      <a:camera prst="orthographicFront"/>
+      <a:lightRig rig="threePt" dir="t"/>
+    </dgm:scene3d>
+    <dgm:sp3d/>
+    <dgm:txPr/>
+    <dgm:style>
+      <a:lnRef idx="2">
+        <a:scrgbClr r="0" g="0" b="0"/>
+      </a:lnRef>
+      <a:fillRef idx="1">
+        <a:scrgbClr r="0" g="0" b="0"/>
+      </a:fillRef>
+      <a:effectRef idx="0">
+        <a:scrgbClr r="0" g="0" b="0"/>
+      </a:effectRef>
+      <a:fontRef idx="minor">
+        <a:schemeClr val="lt1"/>
+      </a:fontRef>
+    </dgm:style>
+  </dgm:styleLbl>
+  <dgm:styleLbl name="parChTrans2D1">
+    <dgm:scene3d>
+      <a:camera prst="orthographicFront"/>
+      <a:lightRig rig="threePt" dir="t"/>
+    </dgm:scene3d>
+    <dgm:sp3d/>
+    <dgm:txPr/>
+    <dgm:style>
+      <a:lnRef idx="2">
+        <a:scrgbClr r="0" g="0" b="0"/>
+      </a:lnRef>
+      <a:fillRef idx="1">
+        <a:scrgbClr r="0" g="0" b="0"/>
+      </a:fillRef>
+      <a:effectRef idx="0">
+        <a:scrgbClr r="0" g="0" b="0"/>
+      </a:effectRef>
+      <a:fontRef idx="minor">
+        <a:schemeClr val="lt1"/>
+      </a:fontRef>
+    </dgm:style>
+  </dgm:styleLbl>
+  <dgm:styleLbl name="parChTrans2D2">
+    <dgm:scene3d>
+      <a:camera prst="orthographicFront"/>
+      <a:lightRig rig="threePt" dir="t"/>
+    </dgm:scene3d>
+    <dgm:sp3d/>
+    <dgm:txPr/>
+    <dgm:style>
+      <a:lnRef idx="2">
+        <a:scrgbClr r="0" g="0" b="0"/>
+      </a:lnRef>
+      <a:fillRef idx="1">
+        <a:scrgbClr r="0" g="0" b="0"/>
+      </a:fillRef>
+      <a:effectRef idx="0">
+        <a:scrgbClr r="0" g="0" b="0"/>
+      </a:effectRef>
+      <a:fontRef idx="minor">
+        <a:schemeClr val="lt1"/>
+      </a:fontRef>
+    </dgm:style>
+  </dgm:styleLbl>
+  <dgm:styleLbl name="parChTrans2D3">
+    <dgm:scene3d>
+      <a:camera prst="orthographicFront"/>
+      <a:lightRig rig="threePt" dir="t"/>
+    </dgm:scene3d>
+    <dgm:sp3d/>
+    <dgm:txPr/>
+    <dgm:style>
+      <a:lnRef idx="2">
+        <a:scrgbClr r="0" g="0" b="0"/>
+      </a:lnRef>
+      <a:fillRef idx="1">
+        <a:scrgbClr r="0" g="0" b="0"/>
+      </a:fillRef>
+      <a:effectRef idx="0">
+        <a:scrgbClr r="0" g="0" b="0"/>
+      </a:effectRef>
+      <a:fontRef idx="minor">
+        <a:schemeClr val="lt1"/>
+      </a:fontRef>
+    </dgm:style>
+  </dgm:styleLbl>
+  <dgm:styleLbl name="parChTrans2D4">
+    <dgm:scene3d>
+      <a:camera prst="orthographicFront"/>
+      <a:lightRig rig="threePt" dir="t"/>
+    </dgm:scene3d>
+    <dgm:sp3d/>
+    <dgm:txPr/>
+    <dgm:style>
+      <a:lnRef idx="2">
+        <a:scrgbClr r="0" g="0" b="0"/>
+      </a:lnRef>
+      <a:fillRef idx="1">
+        <a:scrgbClr r="0" g="0" b="0"/>
+      </a:fillRef>
+      <a:effectRef idx="0">
+        <a:scrgbClr r="0" g="0" b="0"/>
+      </a:effectRef>
+      <a:fontRef idx="minor">
+        <a:schemeClr val="lt1"/>
+      </a:fontRef>
+    </dgm:style>
+  </dgm:styleLbl>
+  <dgm:styleLbl name="parChTrans1D1">
+    <dgm:scene3d>
+      <a:camera prst="orthographicFront"/>
+      <a:lightRig rig="threePt" dir="t"/>
+    </dgm:scene3d>
+    <dgm:sp3d/>
+    <dgm:txPr/>
+    <dgm:style>
+      <a:lnRef idx="2">
+        <a:scrgbClr r="0" g="0" b="0"/>
+      </a:lnRef>
+      <a:fillRef idx="0">
+        <a:scrgbClr r="0" g="0" b="0"/>
+      </a:fillRef>
+      <a:effectRef idx="0">
+        <a:scrgbClr r="0" g="0" b="0"/>
+      </a:effectRef>
+      <a:fontRef idx="minor"/>
+    </dgm:style>
+  </dgm:styleLbl>
+  <dgm:styleLbl name="parChTrans1D2">
+    <dgm:scene3d>
+      <a:camera prst="orthographicFront"/>
+      <a:lightRig rig="threePt" dir="t"/>
+    </dgm:scene3d>
+    <dgm:sp3d/>
+    <dgm:txPr/>
+    <dgm:style>
+      <a:lnRef idx="2">
+        <a:scrgbClr r="0" g="0" b="0"/>
+      </a:lnRef>
+      <a:fillRef idx="0">
+        <a:scrgbClr r="0" g="0" b="0"/>
+      </a:fillRef>
+      <a:effectRef idx="0">
+        <a:scrgbClr r="0" g="0" b="0"/>
+      </a:effectRef>
+      <a:fontRef idx="minor"/>
+    </dgm:style>
+  </dgm:styleLbl>
+  <dgm:styleLbl name="parChTrans1D3">
+    <dgm:scene3d>
+      <a:camera prst="orthographicFront"/>
+      <a:lightRig rig="threePt" dir="t"/>
+    </dgm:scene3d>
+    <dgm:sp3d/>
+    <dgm:txPr/>
+    <dgm:style>
+      <a:lnRef idx="2">
+        <a:scrgbClr r="0" g="0" b="0"/>
+      </a:lnRef>
+      <a:fillRef idx="0">
+        <a:scrgbClr r="0" g="0" b="0"/>
+      </a:fillRef>
+      <a:effectRef idx="0">
+        <a:scrgbClr r="0" g="0" b="0"/>
+      </a:effectRef>
+      <a:fontRef idx="minor"/>
+    </dgm:style>
+  </dgm:styleLbl>
+  <dgm:styleLbl name="parChTrans1D4">
+    <dgm:scene3d>
+      <a:camera prst="orthographicFront"/>
+      <a:lightRig rig="threePt" dir="t"/>
+    </dgm:scene3d>
+    <dgm:sp3d/>
+    <dgm:txPr/>
+    <dgm:style>
+      <a:lnRef idx="2">
+        <a:scrgbClr r="0" g="0" b="0"/>
+      </a:lnRef>
+      <a:fillRef idx="0">
+        <a:scrgbClr r="0" g="0" b="0"/>
+      </a:fillRef>
+      <a:effectRef idx="0">
+        <a:scrgbClr r="0" g="0" b="0"/>
+      </a:effectRef>
+      <a:fontRef idx="minor"/>
+    </dgm:style>
+  </dgm:styleLbl>
+  <dgm:styleLbl name="fgAcc1">
+    <dgm:scene3d>
+      <a:camera prst="orthographicFront"/>
+      <a:lightRig rig="threePt" dir="t"/>
+    </dgm:scene3d>
+    <dgm:sp3d/>
+    <dgm:txPr/>
+    <dgm:style>
+      <a:lnRef idx="2">
+        <a:scrgbClr r="0" g="0" b="0"/>
+      </a:lnRef>
+      <a:fillRef idx="1">
+        <a:scrgbClr r="0" g="0" b="0"/>
+      </a:fillRef>
+      <a:effectRef idx="0">
+        <a:scrgbClr r="0" g="0" b="0"/>
+      </a:effectRef>
+      <a:fontRef idx="minor"/>
+    </dgm:style>
+  </dgm:styleLbl>
+  <dgm:styleLbl name="conFgAcc1">
+    <dgm:scene3d>
+      <a:camera prst="orthographicFront"/>
+      <a:lightRig rig="threePt" dir="t"/>
+    </dgm:scene3d>
+    <dgm:sp3d/>
+    <dgm:txPr/>
+    <dgm:style>
+      <a:lnRef idx="2">
+        <a:scrgbClr r="0" g="0" b="0"/>
+      </a:lnRef>
+      <a:fillRef idx="1">
+        <a:scrgbClr r="0" g="0" b="0"/>
+      </a:fillRef>
+      <a:effectRef idx="0">
+        <a:scrgbClr r="0" g="0" b="0"/>
+      </a:effectRef>
+      <a:fontRef idx="minor"/>
+    </dgm:style>
+  </dgm:styleLbl>
+  <dgm:styleLbl name="alignAcc1">
+    <dgm:scene3d>
+      <a:camera prst="orthographicFront"/>
+      <a:lightRig rig="threePt" dir="t"/>
+    </dgm:scene3d>
+    <dgm:sp3d/>
+    <dgm:txPr/>
+    <dgm:style>
+      <a:lnRef idx="2">
+        <a:scrgbClr r="0" g="0" b="0"/>
+      </a:lnRef>
+      <a:fillRef idx="1">
+        <a:scrgbClr r="0" g="0" b="0"/>
+      </a:fillRef>
+      <a:effectRef idx="0">
+        <a:scrgbClr r="0" g="0" b="0"/>
+      </a:effectRef>
+      <a:fontRef idx="minor"/>
+    </dgm:style>
+  </dgm:styleLbl>
+  <dgm:styleLbl name="trAlignAcc1">
+    <dgm:scene3d>
+      <a:camera prst="orthographicFront"/>
+      <a:lightRig rig="threePt" dir="t"/>
+    </dgm:scene3d>
+    <dgm:sp3d/>
+    <dgm:txPr/>
+    <dgm:style>
+      <a:lnRef idx="1">
+        <a:scrgbClr r="0" g="0" b="0"/>
+      </a:lnRef>
+      <a:fillRef idx="1">
+        <a:scrgbClr r="0" g="0" b="0"/>
+      </a:fillRef>
+      <a:effectRef idx="0">
+        <a:scrgbClr r="0" g="0" b="0"/>
+      </a:effectRef>
+      <a:fontRef idx="minor"/>
+    </dgm:style>
+  </dgm:styleLbl>
+  <dgm:styleLbl name="bgAcc1">
+    <dgm:scene3d>
+      <a:camera prst="orthographicFront"/>
+      <a:lightRig rig="threePt" dir="t"/>
+    </dgm:scene3d>
+    <dgm:sp3d/>
+    <dgm:txPr/>
+    <dgm:style>
+      <a:lnRef idx="2">
+        <a:scrgbClr r="0" g="0" b="0"/>
+      </a:lnRef>
+      <a:fillRef idx="1">
+        <a:scrgbClr r="0" g="0" b="0"/>
+      </a:fillRef>
+      <a:effectRef idx="0">
+        <a:scrgbClr r="0" g="0" b="0"/>
+      </a:effectRef>
+      <a:fontRef idx="minor"/>
+    </dgm:style>
+  </dgm:styleLbl>
+  <dgm:styleLbl name="solidFgAcc1">
+    <dgm:scene3d>
+      <a:camera prst="orthographicFront"/>
+      <a:lightRig rig="threePt" dir="t"/>
+    </dgm:scene3d>
+    <dgm:sp3d/>
+    <dgm:txPr/>
+    <dgm:style>
+      <a:lnRef idx="2">
+        <a:scrgbClr r="0" g="0" b="0"/>
+      </a:lnRef>
+      <a:fillRef idx="1">
+        <a:scrgbClr r="0" g="0" b="0"/>
+      </a:fillRef>
+      <a:effectRef idx="0">
+        <a:scrgbClr r="0" g="0" b="0"/>
+      </a:effectRef>
+      <a:fontRef idx="minor"/>
+    </dgm:style>
+  </dgm:styleLbl>
+  <dgm:styleLbl name="solidAlignAcc1">
+    <dgm:scene3d>
+      <a:camera prst="orthographicFront"/>
+      <a:lightRig rig="threePt" dir="t"/>
+    </dgm:scene3d>
+    <dgm:sp3d/>
+    <dgm:txPr/>
+    <dgm:style>
+      <a:lnRef idx="2">
+        <a:scrgbClr r="0" g="0" b="0"/>
+      </a:lnRef>
+      <a:fillRef idx="1">
+        <a:scrgbClr r="0" g="0" b="0"/>
+      </a:fillRef>
+      <a:effectRef idx="0">
+        <a:scrgbClr r="0" g="0" b="0"/>
+      </a:effectRef>
+      <a:fontRef idx="minor"/>
+    </dgm:style>
+  </dgm:styleLbl>
+  <dgm:styleLbl name="solidBgAcc1">
+    <dgm:scene3d>
+      <a:camera prst="orthographicFront"/>
+      <a:lightRig rig="threePt" dir="t"/>
+    </dgm:scene3d>
+    <dgm:sp3d/>
+    <dgm:txPr/>
+    <dgm:style>
+      <a:lnRef idx="2">
+        <a:scrgbClr r="0" g="0" b="0"/>
+      </a:lnRef>
+      <a:fillRef idx="1">
+        <a:scrgbClr r="0" g="0" b="0"/>
+      </a:fillRef>
+      <a:effectRef idx="0">
+        <a:scrgbClr r="0" g="0" b="0"/>
+      </a:effectRef>
+      <a:fontRef idx="minor"/>
+    </dgm:style>
+  </dgm:styleLbl>
+  <dgm:styleLbl name="fgAccFollowNode1">
+    <dgm:scene3d>
+      <a:camera prst="orthographicFront"/>
+      <a:lightRig rig="threePt" dir="t"/>
+    </dgm:scene3d>
+    <dgm:sp3d/>
+    <dgm:txPr/>
+    <dgm:style>
+      <a:lnRef idx="2">
+        <a:scrgbClr r="0" g="0" b="0"/>
+      </a:lnRef>
+      <a:fillRef idx="1">
+        <a:scrgbClr r="0" g="0" b="0"/>
+      </a:fillRef>
+      <a:effectRef idx="0">
+        <a:scrgbClr r="0" g="0" b="0"/>
+      </a:effectRef>
+      <a:fontRef idx="minor"/>
+    </dgm:style>
+  </dgm:styleLbl>
+  <dgm:styleLbl name="alignAccFollowNode1">
+    <dgm:scene3d>
+      <a:camera prst="orthographicFront"/>
+      <a:lightRig rig="threePt" dir="t"/>
+    </dgm:scene3d>
+    <dgm:sp3d/>
+    <dgm:txPr/>
+    <dgm:style>
+      <a:lnRef idx="2">
+        <a:scrgbClr r="0" g="0" b="0"/>
+      </a:lnRef>
+      <a:fillRef idx="1">
+        <a:scrgbClr r="0" g="0" b="0"/>
+      </a:fillRef>
+      <a:effectRef idx="0">
+        <a:scrgbClr r="0" g="0" b="0"/>
+      </a:effectRef>
+      <a:fontRef idx="minor"/>
+    </dgm:style>
+  </dgm:styleLbl>
+  <dgm:styleLbl name="bgAccFollowNode1">
+    <dgm:scene3d>
+      <a:camera prst="orthographicFront"/>
+      <a:lightRig rig="threePt" dir="t"/>
+    </dgm:scene3d>
+    <dgm:sp3d/>
+    <dgm:txPr/>
+    <dgm:style>
+      <a:lnRef idx="2">
+        <a:scrgbClr r="0" g="0" b="0"/>
+      </a:lnRef>
+      <a:fillRef idx="1">
+        <a:scrgbClr r="0" g="0" b="0"/>
+      </a:fillRef>
+      <a:effectRef idx="0">
+        <a:scrgbClr r="0" g="0" b="0"/>
+      </a:effectRef>
+      <a:fontRef idx="minor"/>
+    </dgm:style>
+  </dgm:styleLbl>
+  <dgm:styleLbl name="fgAcc0">
+    <dgm:scene3d>
+      <a:camera prst="orthographicFront"/>
+      <a:lightRig rig="threePt" dir="t"/>
+    </dgm:scene3d>
+    <dgm:sp3d/>
+    <dgm:txPr/>
+    <dgm:style>
+      <a:lnRef idx="2">
+        <a:scrgbClr r="0" g="0" b="0"/>
+      </a:lnRef>
+      <a:fillRef idx="1">
+        <a:scrgbClr r="0" g="0" b="0"/>
+      </a:fillRef>
+      <a:effectRef idx="0">
+        <a:scrgbClr r="0" g="0" b="0"/>
+      </a:effectRef>
+      <a:fontRef idx="minor"/>
+    </dgm:style>
+  </dgm:styleLbl>
+  <dgm:styleLbl name="fgAcc2">
+    <dgm:scene3d>
+      <a:camera prst="orthographicFront"/>
+      <a:lightRig rig="threePt" dir="t"/>
+    </dgm:scene3d>
+    <dgm:sp3d/>
+    <dgm:txPr/>
+    <dgm:style>
+      <a:lnRef idx="2">
+        <a:scrgbClr r="0" g="0" b="0"/>
+      </a:lnRef>
+      <a:fillRef idx="1">
+        <a:scrgbClr r="0" g="0" b="0"/>
+      </a:fillRef>
+      <a:effectRef idx="0">
+        <a:scrgbClr r="0" g="0" b="0"/>
+      </a:effectRef>
+      <a:fontRef idx="minor"/>
+    </dgm:style>
+  </dgm:styleLbl>
+  <dgm:styleLbl name="fgAcc3">
+    <dgm:scene3d>
+      <a:camera prst="orthographicFront"/>
+      <a:lightRig rig="threePt" dir="t"/>
+    </dgm:scene3d>
+    <dgm:sp3d/>
+    <dgm:txPr/>
+    <dgm:style>
+      <a:lnRef idx="2">
+        <a:scrgbClr r="0" g="0" b="0"/>
+      </a:lnRef>
+      <a:fillRef idx="1">
+        <a:scrgbClr r="0" g="0" b="0"/>
+      </a:fillRef>
+      <a:effectRef idx="0">
+        <a:scrgbClr r="0" g="0" b="0"/>
+      </a:effectRef>
+      <a:fontRef idx="minor"/>
+    </dgm:style>
+  </dgm:styleLbl>
+  <dgm:styleLbl name="fgAcc4">
+    <dgm:scene3d>
+      <a:camera prst="orthographicFront"/>
+      <a:lightRig rig="threePt" dir="t"/>
+    </dgm:scene3d>
+    <dgm:sp3d/>
+    <dgm:txPr/>
+    <dgm:style>
+      <a:lnRef idx="2">
+        <a:scrgbClr r="0" g="0" b="0"/>
+      </a:lnRef>
+      <a:fillRef idx="1">
+        <a:scrgbClr r="0" g="0" b="0"/>
+      </a:fillRef>
+      <a:effectRef idx="0">
+        <a:scrgbClr r="0" g="0" b="0"/>
+      </a:effectRef>
+      <a:fontRef idx="minor"/>
+    </dgm:style>
+  </dgm:styleLbl>
+  <dgm:styleLbl name="bgShp">
+    <dgm:scene3d>
+      <a:camera prst="orthographicFront"/>
+      <a:lightRig rig="threePt" dir="t"/>
+    </dgm:scene3d>
+    <dgm:sp3d/>
+    <dgm:txPr/>
+    <dgm:style>
+      <a:lnRef idx="0">
+        <a:scrgbClr r="0" g="0" b="0"/>
+      </a:lnRef>
+      <a:fillRef idx="1">
+        <a:scrgbClr r="0" g="0" b="0"/>
+      </a:fillRef>
+      <a:effectRef idx="0">
+        <a:scrgbClr r="0" g="0" b="0"/>
+      </a:effectRef>
+      <a:fontRef idx="minor"/>
+    </dgm:style>
+  </dgm:styleLbl>
+  <dgm:styleLbl name="dkBgShp">
+    <dgm:scene3d>
+      <a:camera prst="orthographicFront"/>
+      <a:lightRig rig="threePt" dir="t"/>
+    </dgm:scene3d>
+    <dgm:sp3d/>
+    <dgm:txPr/>
+    <dgm:style>
+      <a:lnRef idx="0">
+        <a:scrgbClr r="0" g="0" b="0"/>
+      </a:lnRef>
+      <a:fillRef idx="1">
+        <a:scrgbClr r="0" g="0" b="0"/>
+      </a:fillRef>
+      <a:effectRef idx="0">
+        <a:scrgbClr r="0" g="0" b="0"/>
+      </a:effectRef>
+      <a:fontRef idx="minor"/>
+    </dgm:style>
+  </dgm:styleLbl>
+  <dgm:styleLbl name="trBgShp">
+    <dgm:scene3d>
+      <a:camera prst="orthographicFront"/>
+      <a:lightRig rig="threePt" dir="t"/>
+    </dgm:scene3d>
+    <dgm:sp3d/>
+    <dgm:txPr/>
+    <dgm:style>
+      <a:lnRef idx="0">
+        <a:scrgbClr r="0" g="0" b="0"/>
+      </a:lnRef>
+      <a:fillRef idx="1">
+        <a:scrgbClr r="0" g="0" b="0"/>
+      </a:fillRef>
+      <a:effectRef idx="0">
+        <a:scrgbClr r="0" g="0" b="0"/>
+      </a:effectRef>
+      <a:fontRef idx="minor"/>
+    </dgm:style>
+  </dgm:styleLbl>
+  <dgm:styleLbl name="fgShp">
+    <dgm:scene3d>
+      <a:camera prst="orthographicFront"/>
+      <a:lightRig rig="threePt" dir="t"/>
+    </dgm:scene3d>
+    <dgm:sp3d/>
+    <dgm:txPr/>
+    <dgm:style>
+      <a:lnRef idx="2">
+        <a:scrgbClr r="0" g="0" b="0"/>
+      </a:lnRef>
+      <a:fillRef idx="1">
+        <a:scrgbClr r="0" g="0" b="0"/>
+      </a:fillRef>
+      <a:effectRef idx="0">
+        <a:scrgbClr r="0" g="0" b="0"/>
+      </a:effectRef>
+      <a:fontRef idx="minor"/>
+    </dgm:style>
+  </dgm:styleLbl>
+  <dgm:styleLbl name="revTx">
+    <dgm:scene3d>
+      <a:camera prst="orthographicFront"/>
+      <a:lightRig rig="threePt" dir="t"/>
+    </dgm:scene3d>
+    <dgm:sp3d/>
+    <dgm:txPr/>
+    <dgm:style>
+      <a:lnRef idx="0">
+        <a:scrgbClr r="0" g="0" b="0"/>
+      </a:lnRef>
+      <a:fillRef idx="0">
+        <a:scrgbClr r="0" g="0" b="0"/>
+      </a:fillRef>
+      <a:effectRef idx="0">
+        <a:scrgbClr r="0" g="0" b="0"/>
+      </a:effectRef>
+      <a:fontRef idx="minor"/>
+    </dgm:style>
+  </dgm:styleLbl>
+</dgm:styleDef>
+</file>
+
+<file path=ppt/diagrams/quickStyle8.xml><?xml version="1.0" encoding="utf-8"?>
 <dgm:styleDef xmlns:dgm="http://schemas.openxmlformats.org/drawingml/2006/diagram" xmlns:a="http://schemas.openxmlformats.org/drawingml/2006/main" uniqueId="urn:microsoft.com/office/officeart/2005/8/quickstyle/simple1">
   <dgm:title val=""/>
   <dgm:desc val=""/>
@@ -21322,61 +24017,6 @@
           </a:p>
         </p:txBody>
       </p:sp>
-      <p:sp>
-        <p:nvSpPr>
-          <p:cNvPr id="8" name="TextBox 7">
-            <a:extLst>
-              <a:ext uri="{FF2B5EF4-FFF2-40B4-BE49-F238E27FC236}">
-                <a16:creationId xmlns:a16="http://schemas.microsoft.com/office/drawing/2014/main" id="{5881E5E4-1BA8-4958-8B0C-51278A76562C}"/>
-              </a:ext>
-            </a:extLst>
-          </p:cNvPr>
-          <p:cNvSpPr txBox="1"/>
-          <p:nvPr/>
-        </p:nvSpPr>
-        <p:spPr>
-          <a:xfrm>
-            <a:off x="4655051" y="6423568"/>
-            <a:ext cx="7668472" cy="369332"/>
-          </a:xfrm>
-          <a:prstGeom prst="rect">
-            <a:avLst/>
-          </a:prstGeom>
-          <a:noFill/>
-        </p:spPr>
-        <p:txBody>
-          <a:bodyPr wrap="square">
-            <a:spAutoFit/>
-          </a:bodyPr>
-          <a:lstStyle/>
-          <a:p>
-            <a:r>
-              <a:rPr lang="en-US" dirty="0">
-                <a:solidFill>
-                  <a:schemeClr val="accent1">
-                    <a:lumMod val="50000"/>
-                  </a:schemeClr>
-                </a:solidFill>
-                <a:hlinkClick r:id="rId7">
-                  <a:extLst>
-                    <a:ext uri="{A12FA001-AC4F-418D-AE19-62706E023703}">
-                      <ahyp:hlinkClr xmlns:ahyp="http://schemas.microsoft.com/office/drawing/2018/hyperlinkcolor" val="tx"/>
-                    </a:ext>
-                  </a:extLst>
-                </a:hlinkClick>
-              </a:rPr>
-              <a:t>5 Steps To Choose Your Customer Acquisition Channel — Brian Balfour</a:t>
-            </a:r>
-            <a:endParaRPr lang="fr-FR" dirty="0">
-              <a:solidFill>
-                <a:schemeClr val="accent1">
-                  <a:lumMod val="50000"/>
-                </a:schemeClr>
-              </a:solidFill>
-            </a:endParaRPr>
-          </a:p>
-        </p:txBody>
-      </p:sp>
       <p:graphicFrame>
         <p:nvGraphicFramePr>
           <p:cNvPr id="3" name="Diagram 2">
@@ -21401,7 +24041,7 @@
         </p:xfrm>
         <a:graphic>
           <a:graphicData uri="http://schemas.openxmlformats.org/drawingml/2006/diagram">
-            <dgm:relIds xmlns:dgm="http://schemas.openxmlformats.org/drawingml/2006/diagram" xmlns:r="http://schemas.openxmlformats.org/officeDocument/2006/relationships" r:dm="rId8" r:lo="rId9" r:qs="rId10" r:cs="rId11"/>
+            <dgm:relIds xmlns:dgm="http://schemas.openxmlformats.org/drawingml/2006/diagram" xmlns:r="http://schemas.openxmlformats.org/officeDocument/2006/relationships" r:dm="rId7" r:lo="rId8" r:qs="rId9" r:cs="rId10"/>
           </a:graphicData>
         </a:graphic>
       </p:graphicFrame>
@@ -21560,12 +24200,138 @@
           </a:p>
         </p:txBody>
       </p:sp>
+      <p:graphicFrame>
+        <p:nvGraphicFramePr>
+          <p:cNvPr id="3" name="Diagram 2">
+            <a:extLst>
+              <a:ext uri="{FF2B5EF4-FFF2-40B4-BE49-F238E27FC236}">
+                <a16:creationId xmlns:a16="http://schemas.microsoft.com/office/drawing/2014/main" id="{41EFFADD-75C0-44A7-A416-68C79D3671A3}"/>
+              </a:ext>
+            </a:extLst>
+          </p:cNvPr>
+          <p:cNvGraphicFramePr/>
+          <p:nvPr>
+            <p:extLst>
+              <p:ext uri="{D42A27DB-BD31-4B8C-83A1-F6EECF244321}">
+                <p14:modId xmlns:p14="http://schemas.microsoft.com/office/powerpoint/2010/main" val="2465235274"/>
+              </p:ext>
+            </p:extLst>
+          </p:nvPr>
+        </p:nvGraphicFramePr>
+        <p:xfrm>
+          <a:off x="1097281" y="1737361"/>
+          <a:ext cx="10058400" cy="4477909"/>
+        </p:xfrm>
+        <a:graphic>
+          <a:graphicData uri="http://schemas.openxmlformats.org/drawingml/2006/diagram">
+            <dgm:relIds xmlns:dgm="http://schemas.openxmlformats.org/drawingml/2006/diagram" xmlns:r="http://schemas.openxmlformats.org/officeDocument/2006/relationships" r:dm="rId7" r:lo="rId8" r:qs="rId9" r:cs="rId10"/>
+          </a:graphicData>
+        </a:graphic>
+      </p:graphicFrame>
+    </p:spTree>
+    <p:extLst>
+      <p:ext uri="{BB962C8B-B14F-4D97-AF65-F5344CB8AC3E}">
+        <p14:creationId xmlns:p14="http://schemas.microsoft.com/office/powerpoint/2010/main" val="3598334352"/>
+      </p:ext>
+    </p:extLst>
+  </p:cSld>
+  <p:clrMapOvr>
+    <a:masterClrMapping/>
+  </p:clrMapOvr>
+</p:sld>
+</file>
+
+<file path=ppt/slides/slide7.xml><?xml version="1.0" encoding="utf-8"?>
+<p:sld xmlns:a="http://schemas.openxmlformats.org/drawingml/2006/main" xmlns:r="http://schemas.openxmlformats.org/officeDocument/2006/relationships" xmlns:p="http://schemas.openxmlformats.org/presentationml/2006/main">
+  <p:cSld>
+    <p:spTree>
+      <p:nvGrpSpPr>
+        <p:cNvPr id="1" name=""/>
+        <p:cNvGrpSpPr/>
+        <p:nvPr/>
+      </p:nvGrpSpPr>
+      <p:grpSpPr>
+        <a:xfrm>
+          <a:off x="0" y="0"/>
+          <a:ext cx="0" cy="0"/>
+          <a:chOff x="0" y="0"/>
+          <a:chExt cx="0" cy="0"/>
+        </a:xfrm>
+      </p:grpSpPr>
       <p:sp>
         <p:nvSpPr>
-          <p:cNvPr id="8" name="TextBox 7">
+          <p:cNvPr id="2" name="Title 1">
             <a:extLst>
               <a:ext uri="{FF2B5EF4-FFF2-40B4-BE49-F238E27FC236}">
-                <a16:creationId xmlns:a16="http://schemas.microsoft.com/office/drawing/2014/main" id="{5881E5E4-1BA8-4958-8B0C-51278A76562C}"/>
+                <a16:creationId xmlns:a16="http://schemas.microsoft.com/office/drawing/2014/main" id="{BBB435CB-D6E6-4C1D-93E6-79FA33C9B111}"/>
+              </a:ext>
+            </a:extLst>
+          </p:cNvPr>
+          <p:cNvSpPr>
+            <a:spLocks noGrp="1"/>
+          </p:cNvSpPr>
+          <p:nvPr>
+            <p:ph type="title"/>
+          </p:nvPr>
+        </p:nvSpPr>
+        <p:spPr/>
+        <p:txBody>
+          <a:bodyPr/>
+          <a:lstStyle/>
+          <a:p>
+            <a:r>
+              <a:rPr lang="en-GB" dirty="0"/>
+              <a:t>Micro SAAS Best practices for </a:t>
+            </a:r>
+            <a:r>
+              <a:rPr lang="en-GB" dirty="0" err="1"/>
+              <a:t>startups</a:t>
+            </a:r>
+            <a:endParaRPr lang="fr-FR" dirty="0">
+              <a:solidFill>
+                <a:schemeClr val="tx1"/>
+              </a:solidFill>
+            </a:endParaRPr>
+          </a:p>
+        </p:txBody>
+      </p:sp>
+      <p:graphicFrame>
+        <p:nvGraphicFramePr>
+          <p:cNvPr id="4" name="Content Placeholder 3">
+            <a:extLst>
+              <a:ext uri="{FF2B5EF4-FFF2-40B4-BE49-F238E27FC236}">
+                <a16:creationId xmlns:a16="http://schemas.microsoft.com/office/drawing/2014/main" id="{9B326CB2-D4A2-4B5C-8E3B-CCDFAF47BF16}"/>
+              </a:ext>
+            </a:extLst>
+          </p:cNvPr>
+          <p:cNvGraphicFramePr>
+            <a:graphicFrameLocks noGrp="1"/>
+          </p:cNvGraphicFramePr>
+          <p:nvPr>
+            <p:ph idx="1"/>
+            <p:extLst>
+              <p:ext uri="{D42A27DB-BD31-4B8C-83A1-F6EECF244321}">
+                <p14:modId xmlns:p14="http://schemas.microsoft.com/office/powerpoint/2010/main" val="2791520939"/>
+              </p:ext>
+            </p:extLst>
+          </p:nvPr>
+        </p:nvGraphicFramePr>
+        <p:xfrm>
+          <a:off x="1097280" y="1845734"/>
+          <a:ext cx="10058400" cy="4023360"/>
+        </p:xfrm>
+        <a:graphic>
+          <a:graphicData uri="http://schemas.openxmlformats.org/drawingml/2006/diagram">
+            <dgm:relIds xmlns:dgm="http://schemas.openxmlformats.org/drawingml/2006/diagram" xmlns:r="http://schemas.openxmlformats.org/officeDocument/2006/relationships" r:dm="rId2" r:lo="rId3" r:qs="rId4" r:cs="rId5"/>
+          </a:graphicData>
+        </a:graphic>
+      </p:graphicFrame>
+      <p:sp>
+        <p:nvSpPr>
+          <p:cNvPr id="7" name="TextBox 6">
+            <a:extLst>
+              <a:ext uri="{FF2B5EF4-FFF2-40B4-BE49-F238E27FC236}">
+                <a16:creationId xmlns:a16="http://schemas.microsoft.com/office/drawing/2014/main" id="{47C4D2BB-C617-4D6F-8C89-1E69FDB0903C}"/>
               </a:ext>
             </a:extLst>
           </p:cNvPr>
@@ -21574,8 +24340,8 @@
         </p:nvSpPr>
         <p:spPr>
           <a:xfrm>
-            <a:off x="4655051" y="6423568"/>
-            <a:ext cx="7668472" cy="369332"/>
+            <a:off x="1097280" y="6409081"/>
+            <a:ext cx="7115542" cy="369332"/>
           </a:xfrm>
           <a:prstGeom prst="rect">
             <a:avLst/>
@@ -21589,12 +24355,817 @@
           <a:lstStyle/>
           <a:p>
             <a:r>
-              <a:rPr lang="en-US" dirty="0">
+              <a:rPr lang="en-GB" dirty="0">
                 <a:solidFill>
                   <a:schemeClr val="accent1">
                     <a:lumMod val="50000"/>
                   </a:schemeClr>
                 </a:solidFill>
+              </a:rPr>
+              <a:t>SAAS </a:t>
+            </a:r>
+            <a:r>
+              <a:rPr lang="en-GB" dirty="0" err="1">
+                <a:solidFill>
+                  <a:schemeClr val="accent1">
+                    <a:lumMod val="50000"/>
+                  </a:schemeClr>
+                </a:solidFill>
+              </a:rPr>
+              <a:t>Startup</a:t>
+            </a:r>
+            <a:r>
+              <a:rPr lang="en-GB" dirty="0">
+                <a:solidFill>
+                  <a:schemeClr val="accent1">
+                    <a:lumMod val="50000"/>
+                  </a:schemeClr>
+                </a:solidFill>
+              </a:rPr>
+              <a:t> Session</a:t>
+            </a:r>
+            <a:endParaRPr lang="fr-FR" dirty="0"/>
+          </a:p>
+        </p:txBody>
+      </p:sp>
+    </p:spTree>
+    <p:extLst>
+      <p:ext uri="{BB962C8B-B14F-4D97-AF65-F5344CB8AC3E}">
+        <p14:creationId xmlns:p14="http://schemas.microsoft.com/office/powerpoint/2010/main" val="1787505228"/>
+      </p:ext>
+    </p:extLst>
+  </p:cSld>
+  <p:clrMapOvr>
+    <a:masterClrMapping/>
+  </p:clrMapOvr>
+</p:sld>
+</file>
+
+<file path=ppt/slides/slide8.xml><?xml version="1.0" encoding="utf-8"?>
+<p:sld xmlns:a="http://schemas.openxmlformats.org/drawingml/2006/main" xmlns:r="http://schemas.openxmlformats.org/officeDocument/2006/relationships" xmlns:p="http://schemas.openxmlformats.org/presentationml/2006/main">
+  <p:cSld>
+    <p:spTree>
+      <p:nvGrpSpPr>
+        <p:cNvPr id="1" name=""/>
+        <p:cNvGrpSpPr/>
+        <p:nvPr/>
+      </p:nvGrpSpPr>
+      <p:grpSpPr>
+        <a:xfrm>
+          <a:off x="0" y="0"/>
+          <a:ext cx="0" cy="0"/>
+          <a:chOff x="0" y="0"/>
+          <a:chExt cx="0" cy="0"/>
+        </a:xfrm>
+      </p:grpSpPr>
+      <p:sp>
+        <p:nvSpPr>
+          <p:cNvPr id="2" name="Title 1">
+            <a:extLst>
+              <a:ext uri="{FF2B5EF4-FFF2-40B4-BE49-F238E27FC236}">
+                <a16:creationId xmlns:a16="http://schemas.microsoft.com/office/drawing/2014/main" id="{BBB435CB-D6E6-4C1D-93E6-79FA33C9B111}"/>
+              </a:ext>
+            </a:extLst>
+          </p:cNvPr>
+          <p:cNvSpPr>
+            <a:spLocks noGrp="1"/>
+          </p:cNvSpPr>
+          <p:nvPr>
+            <p:ph type="title"/>
+          </p:nvPr>
+        </p:nvSpPr>
+        <p:spPr/>
+        <p:txBody>
+          <a:bodyPr/>
+          <a:lstStyle/>
+          <a:p>
+            <a:r>
+              <a:rPr lang="en-GB" dirty="0">
+                <a:solidFill>
+                  <a:schemeClr val="tx1">
+                    <a:lumMod val="85000"/>
+                    <a:lumOff val="15000"/>
+                  </a:schemeClr>
+                </a:solidFill>
+              </a:rPr>
+              <a:t>Cutting costs </a:t>
+            </a:r>
+            <a:endParaRPr lang="fr-FR" dirty="0">
+              <a:solidFill>
+                <a:schemeClr val="tx1">
+                  <a:lumMod val="85000"/>
+                  <a:lumOff val="15000"/>
+                </a:schemeClr>
+              </a:solidFill>
+            </a:endParaRPr>
+          </a:p>
+        </p:txBody>
+      </p:sp>
+      <p:sp>
+        <p:nvSpPr>
+          <p:cNvPr id="7" name="TextBox 6">
+            <a:extLst>
+              <a:ext uri="{FF2B5EF4-FFF2-40B4-BE49-F238E27FC236}">
+                <a16:creationId xmlns:a16="http://schemas.microsoft.com/office/drawing/2014/main" id="{47C4D2BB-C617-4D6F-8C89-1E69FDB0903C}"/>
+              </a:ext>
+            </a:extLst>
+          </p:cNvPr>
+          <p:cNvSpPr txBox="1"/>
+          <p:nvPr/>
+        </p:nvSpPr>
+        <p:spPr>
+          <a:xfrm>
+            <a:off x="1097280" y="6409081"/>
+            <a:ext cx="7115542" cy="369332"/>
+          </a:xfrm>
+          <a:prstGeom prst="rect">
+            <a:avLst/>
+          </a:prstGeom>
+          <a:noFill/>
+        </p:spPr>
+        <p:txBody>
+          <a:bodyPr wrap="square">
+            <a:spAutoFit/>
+          </a:bodyPr>
+          <a:lstStyle/>
+          <a:p>
+            <a:r>
+              <a:rPr lang="en-GB" dirty="0">
+                <a:solidFill>
+                  <a:schemeClr val="accent1">
+                    <a:lumMod val="50000"/>
+                  </a:schemeClr>
+                </a:solidFill>
+              </a:rPr>
+              <a:t>SAAS </a:t>
+            </a:r>
+            <a:r>
+              <a:rPr lang="en-GB" dirty="0" err="1">
+                <a:solidFill>
+                  <a:schemeClr val="accent1">
+                    <a:lumMod val="50000"/>
+                  </a:schemeClr>
+                </a:solidFill>
+              </a:rPr>
+              <a:t>Startup</a:t>
+            </a:r>
+            <a:r>
+              <a:rPr lang="en-GB" dirty="0">
+                <a:solidFill>
+                  <a:schemeClr val="accent1">
+                    <a:lumMod val="50000"/>
+                  </a:schemeClr>
+                </a:solidFill>
+              </a:rPr>
+              <a:t> Session</a:t>
+            </a:r>
+            <a:endParaRPr lang="fr-FR" dirty="0"/>
+          </a:p>
+        </p:txBody>
+      </p:sp>
+      <p:sp>
+        <p:nvSpPr>
+          <p:cNvPr id="5" name="Content Placeholder 4">
+            <a:extLst>
+              <a:ext uri="{FF2B5EF4-FFF2-40B4-BE49-F238E27FC236}">
+                <a16:creationId xmlns:a16="http://schemas.microsoft.com/office/drawing/2014/main" id="{86C76010-9829-48E2-9864-62FBBBBBF5E5}"/>
+              </a:ext>
+            </a:extLst>
+          </p:cNvPr>
+          <p:cNvSpPr>
+            <a:spLocks noGrp="1"/>
+          </p:cNvSpPr>
+          <p:nvPr>
+            <p:ph idx="1"/>
+          </p:nvPr>
+        </p:nvSpPr>
+        <p:spPr/>
+        <p:txBody>
+          <a:bodyPr>
+            <a:normAutofit lnSpcReduction="10000"/>
+          </a:bodyPr>
+          <a:lstStyle/>
+          <a:p>
+            <a:pPr algn="l">
+              <a:buFont typeface="Arial" panose="020B0604020202020204" pitchFamily="34" charset="0"/>
+              <a:buChar char="•"/>
+            </a:pPr>
+            <a:r>
+              <a:rPr lang="fr-FR" b="0" i="0" dirty="0">
+                <a:solidFill>
+                  <a:schemeClr val="tx1">
+                    <a:lumMod val="85000"/>
+                    <a:lumOff val="15000"/>
+                  </a:schemeClr>
+                </a:solidFill>
+                <a:effectLst/>
+                <a:latin typeface="source-serif-pro"/>
+              </a:rPr>
+              <a:t>"Software </a:t>
+            </a:r>
+            <a:r>
+              <a:rPr lang="fr-FR" b="0" i="0" dirty="0" err="1">
+                <a:solidFill>
+                  <a:schemeClr val="tx1">
+                    <a:lumMod val="85000"/>
+                    <a:lumOff val="15000"/>
+                  </a:schemeClr>
+                </a:solidFill>
+                <a:effectLst/>
+                <a:latin typeface="source-serif-pro"/>
+              </a:rPr>
+              <a:t>hosting</a:t>
+            </a:r>
+            <a:r>
+              <a:rPr lang="fr-FR" b="0" i="0" dirty="0">
+                <a:solidFill>
+                  <a:schemeClr val="tx1">
+                    <a:lumMod val="85000"/>
+                    <a:lumOff val="15000"/>
+                  </a:schemeClr>
+                </a:solidFill>
+                <a:effectLst/>
+                <a:latin typeface="source-serif-pro"/>
+              </a:rPr>
+              <a:t> and </a:t>
+            </a:r>
+            <a:r>
+              <a:rPr lang="fr-FR" b="0" i="0" dirty="0" err="1">
+                <a:solidFill>
+                  <a:schemeClr val="tx1">
+                    <a:lumMod val="85000"/>
+                    <a:lumOff val="15000"/>
+                  </a:schemeClr>
+                </a:solidFill>
+                <a:effectLst/>
+                <a:latin typeface="source-serif-pro"/>
+              </a:rPr>
+              <a:t>database</a:t>
+            </a:r>
+            <a:r>
+              <a:rPr lang="fr-FR" b="0" i="0" dirty="0">
+                <a:solidFill>
+                  <a:schemeClr val="tx1">
+                    <a:lumMod val="85000"/>
+                    <a:lumOff val="15000"/>
+                  </a:schemeClr>
+                </a:solidFill>
+                <a:effectLst/>
+                <a:latin typeface="source-serif-pro"/>
+              </a:rPr>
+              <a:t> — </a:t>
+            </a:r>
+            <a:r>
+              <a:rPr lang="fr-FR" b="0" i="0" dirty="0" err="1">
+                <a:solidFill>
+                  <a:schemeClr val="tx1">
+                    <a:lumMod val="85000"/>
+                    <a:lumOff val="15000"/>
+                  </a:schemeClr>
+                </a:solidFill>
+                <a:effectLst/>
+                <a:latin typeface="source-serif-pro"/>
+              </a:rPr>
+              <a:t>Managed</a:t>
+            </a:r>
+            <a:r>
+              <a:rPr lang="fr-FR" b="0" i="0" dirty="0">
+                <a:solidFill>
+                  <a:schemeClr val="tx1">
+                    <a:lumMod val="85000"/>
+                    <a:lumOff val="15000"/>
+                  </a:schemeClr>
+                </a:solidFill>
+                <a:effectLst/>
+                <a:latin typeface="source-serif-pro"/>
+              </a:rPr>
+              <a:t> </a:t>
+            </a:r>
+            <a:r>
+              <a:rPr lang="fr-FR" b="0" i="0" dirty="0" err="1">
+                <a:solidFill>
+                  <a:schemeClr val="tx1">
+                    <a:lumMod val="85000"/>
+                    <a:lumOff val="15000"/>
+                  </a:schemeClr>
+                </a:solidFill>
+                <a:effectLst/>
+                <a:latin typeface="source-serif-pro"/>
+              </a:rPr>
+              <a:t>with</a:t>
+            </a:r>
+            <a:r>
+              <a:rPr lang="fr-FR" b="0" i="0" dirty="0">
+                <a:solidFill>
+                  <a:schemeClr val="tx1">
+                    <a:lumMod val="85000"/>
+                    <a:lumOff val="15000"/>
+                  </a:schemeClr>
+                </a:solidFill>
+                <a:effectLst/>
+                <a:latin typeface="source-serif-pro"/>
+              </a:rPr>
+              <a:t> free </a:t>
+            </a:r>
+            <a:r>
+              <a:rPr lang="fr-FR" b="0" i="0" dirty="0" err="1">
+                <a:solidFill>
+                  <a:schemeClr val="tx1">
+                    <a:lumMod val="85000"/>
+                    <a:lumOff val="15000"/>
+                  </a:schemeClr>
+                </a:solidFill>
+                <a:effectLst/>
+                <a:latin typeface="source-serif-pro"/>
+              </a:rPr>
+              <a:t>credits</a:t>
+            </a:r>
+            <a:r>
+              <a:rPr lang="fr-FR" b="0" i="0" dirty="0">
+                <a:solidFill>
+                  <a:schemeClr val="tx1">
+                    <a:lumMod val="85000"/>
+                    <a:lumOff val="15000"/>
+                  </a:schemeClr>
+                </a:solidFill>
+                <a:effectLst/>
+                <a:latin typeface="source-serif-pro"/>
+              </a:rPr>
+              <a:t> </a:t>
+            </a:r>
+            <a:r>
+              <a:rPr lang="fr-FR" b="0" i="0" dirty="0" err="1">
+                <a:solidFill>
+                  <a:schemeClr val="tx1">
+                    <a:lumMod val="85000"/>
+                    <a:lumOff val="15000"/>
+                  </a:schemeClr>
+                </a:solidFill>
+                <a:effectLst/>
+                <a:latin typeface="source-serif-pro"/>
+              </a:rPr>
+              <a:t>from</a:t>
+            </a:r>
+            <a:r>
+              <a:rPr lang="fr-FR" b="0" i="0" dirty="0">
+                <a:solidFill>
+                  <a:schemeClr val="tx1">
+                    <a:lumMod val="85000"/>
+                    <a:lumOff val="15000"/>
+                  </a:schemeClr>
+                </a:solidFill>
+                <a:effectLst/>
+                <a:latin typeface="source-serif-pro"/>
+              </a:rPr>
+              <a:t> </a:t>
+            </a:r>
+            <a:r>
+              <a:rPr lang="fr-FR" b="0" i="0" u="sng" dirty="0">
+                <a:solidFill>
+                  <a:schemeClr val="tx1">
+                    <a:lumMod val="85000"/>
+                    <a:lumOff val="15000"/>
+                  </a:schemeClr>
+                </a:solidFill>
+                <a:effectLst/>
+                <a:latin typeface="source-serif-pro"/>
+                <a:hlinkClick r:id="rId2">
+                  <a:extLst>
+                    <a:ext uri="{A12FA001-AC4F-418D-AE19-62706E023703}">
+                      <ahyp:hlinkClr xmlns:ahyp="http://schemas.microsoft.com/office/drawing/2018/hyperlinkcolor" val="tx"/>
+                    </a:ext>
+                  </a:extLst>
+                </a:hlinkClick>
+              </a:rPr>
+              <a:t>AWS </a:t>
+            </a:r>
+            <a:r>
+              <a:rPr lang="fr-FR" b="0" i="0" u="sng" dirty="0" err="1">
+                <a:solidFill>
+                  <a:schemeClr val="tx1">
+                    <a:lumMod val="85000"/>
+                    <a:lumOff val="15000"/>
+                  </a:schemeClr>
+                </a:solidFill>
+                <a:effectLst/>
+                <a:latin typeface="source-serif-pro"/>
+                <a:hlinkClick r:id="rId2">
+                  <a:extLst>
+                    <a:ext uri="{A12FA001-AC4F-418D-AE19-62706E023703}">
+                      <ahyp:hlinkClr xmlns:ahyp="http://schemas.microsoft.com/office/drawing/2018/hyperlinkcolor" val="tx"/>
+                    </a:ext>
+                  </a:extLst>
+                </a:hlinkClick>
+              </a:rPr>
+              <a:t>Activate</a:t>
+            </a:r>
+            <a:r>
+              <a:rPr lang="fr-FR" b="0" i="0" dirty="0">
+                <a:solidFill>
+                  <a:schemeClr val="tx1">
+                    <a:lumMod val="85000"/>
+                    <a:lumOff val="15000"/>
+                  </a:schemeClr>
+                </a:solidFill>
+                <a:effectLst/>
+                <a:latin typeface="source-serif-pro"/>
+              </a:rPr>
+              <a:t> + </a:t>
+            </a:r>
+            <a:r>
+              <a:rPr lang="fr-FR" b="0" i="0" u="sng" dirty="0">
+                <a:solidFill>
+                  <a:schemeClr val="tx1">
+                    <a:lumMod val="85000"/>
+                    <a:lumOff val="15000"/>
+                  </a:schemeClr>
+                </a:solidFill>
+                <a:effectLst/>
+                <a:latin typeface="source-serif-pro"/>
+                <a:hlinkClick r:id="rId3">
+                  <a:extLst>
+                    <a:ext uri="{A12FA001-AC4F-418D-AE19-62706E023703}">
+                      <ahyp:hlinkClr xmlns:ahyp="http://schemas.microsoft.com/office/drawing/2018/hyperlinkcolor" val="tx"/>
+                    </a:ext>
+                  </a:extLst>
+                </a:hlinkClick>
+              </a:rPr>
+              <a:t>Azure </a:t>
+            </a:r>
+            <a:r>
+              <a:rPr lang="fr-FR" b="0" i="0" u="sng" dirty="0" err="1">
+                <a:solidFill>
+                  <a:schemeClr val="tx1">
+                    <a:lumMod val="85000"/>
+                    <a:lumOff val="15000"/>
+                  </a:schemeClr>
+                </a:solidFill>
+                <a:effectLst/>
+                <a:latin typeface="source-serif-pro"/>
+                <a:hlinkClick r:id="rId3">
+                  <a:extLst>
+                    <a:ext uri="{A12FA001-AC4F-418D-AE19-62706E023703}">
+                      <ahyp:hlinkClr xmlns:ahyp="http://schemas.microsoft.com/office/drawing/2018/hyperlinkcolor" val="tx"/>
+                    </a:ext>
+                  </a:extLst>
+                </a:hlinkClick>
+              </a:rPr>
+              <a:t>Bizspark</a:t>
+            </a:r>
+            <a:r>
+              <a:rPr lang="fr-FR" b="0" i="0" dirty="0">
+                <a:solidFill>
+                  <a:schemeClr val="tx1">
+                    <a:lumMod val="85000"/>
+                    <a:lumOff val="15000"/>
+                  </a:schemeClr>
+                </a:solidFill>
+                <a:effectLst/>
+                <a:latin typeface="source-serif-pro"/>
+              </a:rPr>
+              <a:t>.</a:t>
+            </a:r>
+          </a:p>
+          <a:p>
+            <a:pPr algn="l">
+              <a:buFont typeface="Arial" panose="020B0604020202020204" pitchFamily="34" charset="0"/>
+              <a:buChar char="•"/>
+            </a:pPr>
+            <a:r>
+              <a:rPr lang="fr-FR" b="0" i="0" dirty="0" err="1">
+                <a:solidFill>
+                  <a:schemeClr val="tx1">
+                    <a:lumMod val="85000"/>
+                    <a:lumOff val="15000"/>
+                  </a:schemeClr>
+                </a:solidFill>
+                <a:effectLst/>
+                <a:latin typeface="source-serif-pro"/>
+              </a:rPr>
+              <a:t>Authentication</a:t>
+            </a:r>
+            <a:r>
+              <a:rPr lang="fr-FR" b="0" i="0" dirty="0">
+                <a:solidFill>
+                  <a:schemeClr val="tx1">
+                    <a:lumMod val="85000"/>
+                    <a:lumOff val="15000"/>
+                  </a:schemeClr>
+                </a:solidFill>
+                <a:effectLst/>
+                <a:latin typeface="source-serif-pro"/>
+              </a:rPr>
+              <a:t> service </a:t>
+            </a:r>
+            <a:r>
+              <a:rPr lang="fr-FR" b="0" i="0" dirty="0" err="1">
+                <a:solidFill>
+                  <a:schemeClr val="tx1">
+                    <a:lumMod val="85000"/>
+                    <a:lumOff val="15000"/>
+                  </a:schemeClr>
+                </a:solidFill>
+                <a:effectLst/>
+                <a:latin typeface="source-serif-pro"/>
+              </a:rPr>
+              <a:t>with</a:t>
+            </a:r>
+            <a:r>
+              <a:rPr lang="fr-FR" b="0" i="0" dirty="0">
+                <a:solidFill>
+                  <a:schemeClr val="tx1">
+                    <a:lumMod val="85000"/>
+                    <a:lumOff val="15000"/>
+                  </a:schemeClr>
+                </a:solidFill>
+                <a:effectLst/>
+                <a:latin typeface="source-serif-pro"/>
+              </a:rPr>
+              <a:t> </a:t>
+            </a:r>
+            <a:r>
+              <a:rPr lang="fr-FR" b="0" i="0" u="sng" dirty="0">
+                <a:solidFill>
+                  <a:schemeClr val="tx1">
+                    <a:lumMod val="85000"/>
+                    <a:lumOff val="15000"/>
+                  </a:schemeClr>
+                </a:solidFill>
+                <a:effectLst/>
+                <a:latin typeface="source-serif-pro"/>
+                <a:hlinkClick r:id="rId4">
+                  <a:extLst>
+                    <a:ext uri="{A12FA001-AC4F-418D-AE19-62706E023703}">
+                      <ahyp:hlinkClr xmlns:ahyp="http://schemas.microsoft.com/office/drawing/2018/hyperlinkcolor" val="tx"/>
+                    </a:ext>
+                  </a:extLst>
+                </a:hlinkClick>
+              </a:rPr>
+              <a:t>Auth0</a:t>
+            </a:r>
+            <a:r>
+              <a:rPr lang="fr-FR" b="0" i="0" dirty="0">
+                <a:solidFill>
+                  <a:schemeClr val="tx1">
+                    <a:lumMod val="85000"/>
+                    <a:lumOff val="15000"/>
+                  </a:schemeClr>
+                </a:solidFill>
+                <a:effectLst/>
+                <a:latin typeface="source-serif-pro"/>
+              </a:rPr>
+              <a:t>, free </a:t>
+            </a:r>
+            <a:r>
+              <a:rPr lang="fr-FR" b="0" i="0" dirty="0" err="1">
+                <a:solidFill>
+                  <a:schemeClr val="tx1">
+                    <a:lumMod val="85000"/>
+                    <a:lumOff val="15000"/>
+                  </a:schemeClr>
+                </a:solidFill>
+                <a:effectLst/>
+                <a:latin typeface="source-serif-pro"/>
+              </a:rPr>
+              <a:t>upto</a:t>
+            </a:r>
+            <a:r>
+              <a:rPr lang="fr-FR" b="0" i="0" dirty="0">
+                <a:solidFill>
+                  <a:schemeClr val="tx1">
+                    <a:lumMod val="85000"/>
+                    <a:lumOff val="15000"/>
+                  </a:schemeClr>
+                </a:solidFill>
+                <a:effectLst/>
+                <a:latin typeface="source-serif-pro"/>
+              </a:rPr>
+              <a:t> 7000 </a:t>
+            </a:r>
+            <a:r>
+              <a:rPr lang="fr-FR" b="0" i="0" dirty="0" err="1">
+                <a:solidFill>
+                  <a:schemeClr val="tx1">
+                    <a:lumMod val="85000"/>
+                    <a:lumOff val="15000"/>
+                  </a:schemeClr>
+                </a:solidFill>
+                <a:effectLst/>
+                <a:latin typeface="source-serif-pro"/>
+              </a:rPr>
+              <a:t>users</a:t>
+            </a:r>
+            <a:r>
+              <a:rPr lang="fr-FR" b="0" i="0" dirty="0">
+                <a:solidFill>
+                  <a:schemeClr val="tx1">
+                    <a:lumMod val="85000"/>
+                    <a:lumOff val="15000"/>
+                  </a:schemeClr>
+                </a:solidFill>
+                <a:effectLst/>
+                <a:latin typeface="source-serif-pro"/>
+              </a:rPr>
+              <a:t>.</a:t>
+            </a:r>
+          </a:p>
+          <a:p>
+            <a:pPr algn="l">
+              <a:buFont typeface="Arial" panose="020B0604020202020204" pitchFamily="34" charset="0"/>
+              <a:buChar char="•"/>
+            </a:pPr>
+            <a:r>
+              <a:rPr lang="fr-FR" b="0" i="0" u="sng" dirty="0">
+                <a:solidFill>
+                  <a:schemeClr val="tx1">
+                    <a:lumMod val="85000"/>
+                    <a:lumOff val="15000"/>
+                  </a:schemeClr>
+                </a:solidFill>
+                <a:effectLst/>
+                <a:latin typeface="source-serif-pro"/>
+                <a:hlinkClick r:id="rId5">
+                  <a:extLst>
+                    <a:ext uri="{A12FA001-AC4F-418D-AE19-62706E023703}">
+                      <ahyp:hlinkClr xmlns:ahyp="http://schemas.microsoft.com/office/drawing/2018/hyperlinkcolor" val="tx"/>
+                    </a:ext>
+                  </a:extLst>
+                </a:hlinkClick>
+              </a:rPr>
+              <a:t>Google Analytics</a:t>
+            </a:r>
+            <a:r>
+              <a:rPr lang="fr-FR" b="0" i="0" dirty="0">
+                <a:solidFill>
+                  <a:schemeClr val="tx1">
+                    <a:lumMod val="85000"/>
+                    <a:lumOff val="15000"/>
+                  </a:schemeClr>
+                </a:solidFill>
+                <a:effectLst/>
+                <a:latin typeface="source-serif-pro"/>
+              </a:rPr>
+              <a:t> for </a:t>
+            </a:r>
+            <a:r>
+              <a:rPr lang="fr-FR" b="0" i="0" dirty="0" err="1">
+                <a:solidFill>
+                  <a:schemeClr val="tx1">
+                    <a:lumMod val="85000"/>
+                    <a:lumOff val="15000"/>
+                  </a:schemeClr>
+                </a:solidFill>
+                <a:effectLst/>
+                <a:latin typeface="source-serif-pro"/>
+              </a:rPr>
+              <a:t>clickstream</a:t>
+            </a:r>
+            <a:r>
+              <a:rPr lang="fr-FR" b="0" i="0" dirty="0">
+                <a:solidFill>
+                  <a:schemeClr val="tx1">
+                    <a:lumMod val="85000"/>
+                    <a:lumOff val="15000"/>
+                  </a:schemeClr>
+                </a:solidFill>
+                <a:effectLst/>
+                <a:latin typeface="source-serif-pro"/>
+              </a:rPr>
+              <a:t> </a:t>
+            </a:r>
+            <a:r>
+              <a:rPr lang="fr-FR" b="0" i="0" dirty="0" err="1">
+                <a:solidFill>
+                  <a:schemeClr val="tx1">
+                    <a:lumMod val="85000"/>
+                    <a:lumOff val="15000"/>
+                  </a:schemeClr>
+                </a:solidFill>
+                <a:effectLst/>
+                <a:latin typeface="source-serif-pro"/>
+              </a:rPr>
+              <a:t>analytics</a:t>
+            </a:r>
+            <a:r>
+              <a:rPr lang="fr-FR" b="0" i="0" dirty="0">
+                <a:solidFill>
+                  <a:schemeClr val="tx1">
+                    <a:lumMod val="85000"/>
+                    <a:lumOff val="15000"/>
+                  </a:schemeClr>
+                </a:solidFill>
+                <a:effectLst/>
+                <a:latin typeface="source-serif-pro"/>
+              </a:rPr>
+              <a:t>.</a:t>
+            </a:r>
+          </a:p>
+          <a:p>
+            <a:pPr algn="l">
+              <a:buFont typeface="Arial" panose="020B0604020202020204" pitchFamily="34" charset="0"/>
+              <a:buChar char="•"/>
+            </a:pPr>
+            <a:r>
+              <a:rPr lang="fr-FR" b="0" i="0" u="sng" dirty="0" err="1">
+                <a:solidFill>
+                  <a:schemeClr val="tx1">
+                    <a:lumMod val="85000"/>
+                    <a:lumOff val="15000"/>
+                  </a:schemeClr>
+                </a:solidFill>
+                <a:effectLst/>
+                <a:latin typeface="source-serif-pro"/>
+                <a:hlinkClick r:id="rId6">
+                  <a:extLst>
+                    <a:ext uri="{A12FA001-AC4F-418D-AE19-62706E023703}">
+                      <ahyp:hlinkClr xmlns:ahyp="http://schemas.microsoft.com/office/drawing/2018/hyperlinkcolor" val="tx"/>
+                    </a:ext>
+                  </a:extLst>
+                </a:hlinkClick>
+              </a:rPr>
+              <a:t>Loggly</a:t>
+            </a:r>
+            <a:r>
+              <a:rPr lang="fr-FR" b="0" i="0" dirty="0">
+                <a:solidFill>
+                  <a:schemeClr val="tx1">
+                    <a:lumMod val="85000"/>
+                    <a:lumOff val="15000"/>
+                  </a:schemeClr>
+                </a:solidFill>
+                <a:effectLst/>
+                <a:latin typeface="source-serif-pro"/>
+              </a:rPr>
+              <a:t> — </a:t>
+            </a:r>
+            <a:r>
+              <a:rPr lang="fr-FR" b="0" i="0" dirty="0" err="1">
+                <a:solidFill>
+                  <a:schemeClr val="tx1">
+                    <a:lumMod val="85000"/>
+                    <a:lumOff val="15000"/>
+                  </a:schemeClr>
+                </a:solidFill>
+                <a:effectLst/>
+                <a:latin typeface="source-serif-pro"/>
+              </a:rPr>
+              <a:t>used</a:t>
+            </a:r>
+            <a:r>
+              <a:rPr lang="fr-FR" b="0" i="0" dirty="0">
+                <a:solidFill>
+                  <a:schemeClr val="tx1">
+                    <a:lumMod val="85000"/>
+                    <a:lumOff val="15000"/>
+                  </a:schemeClr>
+                </a:solidFill>
+                <a:effectLst/>
+                <a:latin typeface="source-serif-pro"/>
+              </a:rPr>
+              <a:t> the free plan for log </a:t>
+            </a:r>
+            <a:r>
+              <a:rPr lang="fr-FR" b="0" i="0" dirty="0" err="1">
+                <a:solidFill>
+                  <a:schemeClr val="tx1">
+                    <a:lumMod val="85000"/>
+                    <a:lumOff val="15000"/>
+                  </a:schemeClr>
+                </a:solidFill>
+                <a:effectLst/>
+                <a:latin typeface="source-serif-pro"/>
+              </a:rPr>
+              <a:t>analysis</a:t>
+            </a:r>
+            <a:r>
+              <a:rPr lang="fr-FR" b="0" i="0" dirty="0">
+                <a:solidFill>
+                  <a:schemeClr val="tx1">
+                    <a:lumMod val="85000"/>
+                    <a:lumOff val="15000"/>
+                  </a:schemeClr>
+                </a:solidFill>
+                <a:effectLst/>
+                <a:latin typeface="source-serif-pro"/>
+              </a:rPr>
+              <a:t>.</a:t>
+            </a:r>
+          </a:p>
+          <a:p>
+            <a:pPr algn="l">
+              <a:buFont typeface="Arial" panose="020B0604020202020204" pitchFamily="34" charset="0"/>
+              <a:buChar char="•"/>
+            </a:pPr>
+            <a:r>
+              <a:rPr lang="fr-FR" b="0" i="0" u="sng" dirty="0" err="1">
+                <a:solidFill>
+                  <a:schemeClr val="tx1">
+                    <a:lumMod val="85000"/>
+                    <a:lumOff val="15000"/>
+                  </a:schemeClr>
+                </a:solidFill>
+                <a:effectLst/>
+                <a:latin typeface="source-serif-pro"/>
                 <a:hlinkClick r:id="rId7">
                   <a:extLst>
                     <a:ext uri="{A12FA001-AC4F-418D-AE19-62706E023703}">
@@ -21603,50 +25174,722 @@
                   </a:extLst>
                 </a:hlinkClick>
               </a:rPr>
-              <a:t>5 Steps To Choose Your Customer Acquisition Channel — Brian Balfour</a:t>
+              <a:t>ElasticEmail</a:t>
             </a:r>
+            <a:r>
+              <a:rPr lang="fr-FR" b="0" i="0" dirty="0">
+                <a:solidFill>
+                  <a:schemeClr val="tx1">
+                    <a:lumMod val="85000"/>
+                    <a:lumOff val="15000"/>
+                  </a:schemeClr>
+                </a:solidFill>
+                <a:effectLst/>
+                <a:latin typeface="source-serif-pro"/>
+              </a:rPr>
+              <a:t> </a:t>
+            </a:r>
+            <a:r>
+              <a:rPr lang="fr-FR" b="0" i="0" dirty="0" err="1">
+                <a:solidFill>
+                  <a:schemeClr val="tx1">
+                    <a:lumMod val="85000"/>
+                    <a:lumOff val="15000"/>
+                  </a:schemeClr>
+                </a:solidFill>
+                <a:effectLst/>
+                <a:latin typeface="source-serif-pro"/>
+              </a:rPr>
+              <a:t>offers</a:t>
+            </a:r>
+            <a:r>
+              <a:rPr lang="fr-FR" b="0" i="0" dirty="0">
+                <a:solidFill>
+                  <a:schemeClr val="tx1">
+                    <a:lumMod val="85000"/>
+                    <a:lumOff val="15000"/>
+                  </a:schemeClr>
+                </a:solidFill>
+                <a:effectLst/>
+                <a:latin typeface="source-serif-pro"/>
+              </a:rPr>
+              <a:t> </a:t>
+            </a:r>
+            <a:r>
+              <a:rPr lang="fr-FR" b="0" i="0" dirty="0" err="1">
+                <a:solidFill>
+                  <a:schemeClr val="tx1">
+                    <a:lumMod val="85000"/>
+                    <a:lumOff val="15000"/>
+                  </a:schemeClr>
+                </a:solidFill>
+                <a:effectLst/>
+                <a:latin typeface="source-serif-pro"/>
+              </a:rPr>
+              <a:t>upto</a:t>
+            </a:r>
+            <a:r>
+              <a:rPr lang="fr-FR" b="0" i="0" dirty="0">
+                <a:solidFill>
+                  <a:schemeClr val="tx1">
+                    <a:lumMod val="85000"/>
+                    <a:lumOff val="15000"/>
+                  </a:schemeClr>
+                </a:solidFill>
+                <a:effectLst/>
+                <a:latin typeface="source-serif-pro"/>
+              </a:rPr>
+              <a:t> 150k free emails a </a:t>
+            </a:r>
+            <a:r>
+              <a:rPr lang="fr-FR" b="0" i="0" dirty="0" err="1">
+                <a:solidFill>
+                  <a:schemeClr val="tx1">
+                    <a:lumMod val="85000"/>
+                    <a:lumOff val="15000"/>
+                  </a:schemeClr>
+                </a:solidFill>
+                <a:effectLst/>
+                <a:latin typeface="source-serif-pro"/>
+              </a:rPr>
+              <a:t>month</a:t>
+            </a:r>
+            <a:r>
+              <a:rPr lang="fr-FR" b="0" i="0" dirty="0">
+                <a:solidFill>
+                  <a:schemeClr val="tx1">
+                    <a:lumMod val="85000"/>
+                    <a:lumOff val="15000"/>
+                  </a:schemeClr>
+                </a:solidFill>
+                <a:effectLst/>
+                <a:latin typeface="source-serif-pro"/>
+              </a:rPr>
+              <a:t>.</a:t>
+            </a:r>
+          </a:p>
+          <a:p>
+            <a:pPr algn="l">
+              <a:buFont typeface="Arial" panose="020B0604020202020204" pitchFamily="34" charset="0"/>
+              <a:buChar char="•"/>
+            </a:pPr>
+            <a:r>
+              <a:rPr lang="fr-FR" b="0" i="0" u="sng" dirty="0">
+                <a:solidFill>
+                  <a:schemeClr val="tx1">
+                    <a:lumMod val="85000"/>
+                    <a:lumOff val="15000"/>
+                  </a:schemeClr>
+                </a:solidFill>
+                <a:effectLst/>
+                <a:latin typeface="source-serif-pro"/>
+                <a:hlinkClick r:id="rId8">
+                  <a:extLst>
+                    <a:ext uri="{A12FA001-AC4F-418D-AE19-62706E023703}">
+                      <ahyp:hlinkClr xmlns:ahyp="http://schemas.microsoft.com/office/drawing/2018/hyperlinkcolor" val="tx"/>
+                    </a:ext>
+                  </a:extLst>
+                </a:hlinkClick>
+              </a:rPr>
+              <a:t>Msg91 for startups</a:t>
+            </a:r>
+            <a:r>
+              <a:rPr lang="fr-FR" b="0" i="0" dirty="0">
+                <a:solidFill>
+                  <a:schemeClr val="tx1">
+                    <a:lumMod val="85000"/>
+                    <a:lumOff val="15000"/>
+                  </a:schemeClr>
+                </a:solidFill>
+                <a:effectLst/>
+                <a:latin typeface="source-serif-pro"/>
+              </a:rPr>
+              <a:t> — </a:t>
+            </a:r>
+            <a:r>
+              <a:rPr lang="fr-FR" b="0" i="0" dirty="0" err="1">
+                <a:solidFill>
+                  <a:schemeClr val="tx1">
+                    <a:lumMod val="85000"/>
+                    <a:lumOff val="15000"/>
+                  </a:schemeClr>
+                </a:solidFill>
+                <a:effectLst/>
+                <a:latin typeface="source-serif-pro"/>
+              </a:rPr>
+              <a:t>Received</a:t>
+            </a:r>
+            <a:r>
+              <a:rPr lang="fr-FR" b="0" i="0" dirty="0">
+                <a:solidFill>
+                  <a:schemeClr val="tx1">
+                    <a:lumMod val="85000"/>
+                    <a:lumOff val="15000"/>
+                  </a:schemeClr>
+                </a:solidFill>
+                <a:effectLst/>
+                <a:latin typeface="source-serif-pro"/>
+              </a:rPr>
+              <a:t> free </a:t>
+            </a:r>
+            <a:r>
+              <a:rPr lang="fr-FR" b="0" i="0" dirty="0" err="1">
+                <a:solidFill>
+                  <a:schemeClr val="tx1">
+                    <a:lumMod val="85000"/>
+                    <a:lumOff val="15000"/>
+                  </a:schemeClr>
+                </a:solidFill>
+                <a:effectLst/>
+                <a:latin typeface="source-serif-pro"/>
+              </a:rPr>
+              <a:t>credits</a:t>
+            </a:r>
+            <a:r>
+              <a:rPr lang="fr-FR" b="0" i="0" dirty="0">
+                <a:solidFill>
+                  <a:schemeClr val="tx1">
+                    <a:lumMod val="85000"/>
+                    <a:lumOff val="15000"/>
+                  </a:schemeClr>
+                </a:solidFill>
+                <a:effectLst/>
+                <a:latin typeface="source-serif-pro"/>
+              </a:rPr>
+              <a:t> for </a:t>
+            </a:r>
+            <a:r>
+              <a:rPr lang="fr-FR" b="0" i="0" dirty="0" err="1">
+                <a:solidFill>
+                  <a:schemeClr val="tx1">
+                    <a:lumMod val="85000"/>
+                    <a:lumOff val="15000"/>
+                  </a:schemeClr>
+                </a:solidFill>
+                <a:effectLst/>
+                <a:latin typeface="source-serif-pro"/>
+              </a:rPr>
+              <a:t>sending</a:t>
+            </a:r>
+            <a:r>
+              <a:rPr lang="fr-FR" b="0" i="0" dirty="0">
+                <a:solidFill>
+                  <a:schemeClr val="tx1">
+                    <a:lumMod val="85000"/>
+                    <a:lumOff val="15000"/>
+                  </a:schemeClr>
+                </a:solidFill>
+                <a:effectLst/>
+                <a:latin typeface="source-serif-pro"/>
+              </a:rPr>
+              <a:t> </a:t>
+            </a:r>
+            <a:r>
+              <a:rPr lang="fr-FR" b="0" i="0" dirty="0" err="1">
+                <a:solidFill>
+                  <a:schemeClr val="tx1">
+                    <a:lumMod val="85000"/>
+                    <a:lumOff val="15000"/>
+                  </a:schemeClr>
+                </a:solidFill>
+                <a:effectLst/>
+                <a:latin typeface="source-serif-pro"/>
+              </a:rPr>
+              <a:t>transactional</a:t>
+            </a:r>
+            <a:r>
+              <a:rPr lang="fr-FR" b="0" i="0" dirty="0">
+                <a:solidFill>
+                  <a:schemeClr val="tx1">
+                    <a:lumMod val="85000"/>
+                    <a:lumOff val="15000"/>
+                  </a:schemeClr>
+                </a:solidFill>
+                <a:effectLst/>
+                <a:latin typeface="source-serif-pro"/>
+              </a:rPr>
+              <a:t> SMS.</a:t>
+            </a:r>
+          </a:p>
+          <a:p>
+            <a:pPr algn="l">
+              <a:buFont typeface="Arial" panose="020B0604020202020204" pitchFamily="34" charset="0"/>
+              <a:buChar char="•"/>
+            </a:pPr>
+            <a:r>
+              <a:rPr lang="fr-FR" b="0" i="0" dirty="0">
+                <a:solidFill>
+                  <a:schemeClr val="tx1">
+                    <a:lumMod val="85000"/>
+                    <a:lumOff val="15000"/>
+                  </a:schemeClr>
+                </a:solidFill>
+                <a:effectLst/>
+                <a:latin typeface="source-serif-pro"/>
+              </a:rPr>
+              <a:t>CRM — Free plan </a:t>
+            </a:r>
+            <a:r>
+              <a:rPr lang="fr-FR" b="0" i="0" dirty="0" err="1">
+                <a:solidFill>
+                  <a:schemeClr val="tx1">
+                    <a:lumMod val="85000"/>
+                    <a:lumOff val="15000"/>
+                  </a:schemeClr>
+                </a:solidFill>
+                <a:effectLst/>
+                <a:latin typeface="source-serif-pro"/>
+              </a:rPr>
+              <a:t>with</a:t>
+            </a:r>
+            <a:r>
+              <a:rPr lang="fr-FR" b="0" i="0" dirty="0">
+                <a:solidFill>
+                  <a:schemeClr val="tx1">
+                    <a:lumMod val="85000"/>
+                    <a:lumOff val="15000"/>
+                  </a:schemeClr>
+                </a:solidFill>
+                <a:effectLst/>
+                <a:latin typeface="source-serif-pro"/>
+              </a:rPr>
+              <a:t> </a:t>
+            </a:r>
+            <a:r>
+              <a:rPr lang="fr-FR" b="0" i="0" u="sng" dirty="0" err="1">
+                <a:solidFill>
+                  <a:schemeClr val="tx1">
+                    <a:lumMod val="85000"/>
+                    <a:lumOff val="15000"/>
+                  </a:schemeClr>
+                </a:solidFill>
+                <a:effectLst/>
+                <a:latin typeface="source-serif-pro"/>
+                <a:hlinkClick r:id="rId9">
+                  <a:extLst>
+                    <a:ext uri="{A12FA001-AC4F-418D-AE19-62706E023703}">
+                      <ahyp:hlinkClr xmlns:ahyp="http://schemas.microsoft.com/office/drawing/2018/hyperlinkcolor" val="tx"/>
+                    </a:ext>
+                  </a:extLst>
+                </a:hlinkClick>
+              </a:rPr>
+              <a:t>Zoho</a:t>
+            </a:r>
+            <a:r>
+              <a:rPr lang="fr-FR" b="0" i="0" dirty="0">
+                <a:solidFill>
+                  <a:schemeClr val="tx1">
+                    <a:lumMod val="85000"/>
+                    <a:lumOff val="15000"/>
+                  </a:schemeClr>
+                </a:solidFill>
+                <a:effectLst/>
+                <a:latin typeface="source-serif-pro"/>
+              </a:rPr>
+              <a:t>.</a:t>
+            </a:r>
+          </a:p>
+          <a:p>
+            <a:pPr algn="l">
+              <a:buFont typeface="Arial" panose="020B0604020202020204" pitchFamily="34" charset="0"/>
+              <a:buChar char="•"/>
+            </a:pPr>
+            <a:r>
+              <a:rPr lang="fr-FR" b="0" i="0" u="sng" dirty="0" err="1">
+                <a:solidFill>
+                  <a:schemeClr val="tx1">
+                    <a:lumMod val="85000"/>
+                    <a:lumOff val="15000"/>
+                  </a:schemeClr>
+                </a:solidFill>
+                <a:effectLst/>
+                <a:latin typeface="source-serif-pro"/>
+                <a:hlinkClick r:id="rId10">
+                  <a:extLst>
+                    <a:ext uri="{A12FA001-AC4F-418D-AE19-62706E023703}">
+                      <ahyp:hlinkClr xmlns:ahyp="http://schemas.microsoft.com/office/drawing/2018/hyperlinkcolor" val="tx"/>
+                    </a:ext>
+                  </a:extLst>
+                </a:hlinkClick>
+              </a:rPr>
+              <a:t>Calendly</a:t>
+            </a:r>
+            <a:r>
+              <a:rPr lang="fr-FR" b="0" i="0" dirty="0">
+                <a:solidFill>
+                  <a:schemeClr val="tx1">
+                    <a:lumMod val="85000"/>
+                    <a:lumOff val="15000"/>
+                  </a:schemeClr>
+                </a:solidFill>
+                <a:effectLst/>
+                <a:latin typeface="source-serif-pro"/>
+              </a:rPr>
+              <a:t> — for </a:t>
+            </a:r>
+            <a:r>
+              <a:rPr lang="fr-FR" b="0" i="0" dirty="0" err="1">
+                <a:solidFill>
+                  <a:schemeClr val="tx1">
+                    <a:lumMod val="85000"/>
+                    <a:lumOff val="15000"/>
+                  </a:schemeClr>
+                </a:solidFill>
+                <a:effectLst/>
+                <a:latin typeface="source-serif-pro"/>
+              </a:rPr>
+              <a:t>scheduling</a:t>
+            </a:r>
+            <a:r>
+              <a:rPr lang="fr-FR" b="0" i="0" dirty="0">
+                <a:solidFill>
+                  <a:schemeClr val="tx1">
+                    <a:lumMod val="85000"/>
+                    <a:lumOff val="15000"/>
+                  </a:schemeClr>
+                </a:solidFill>
+                <a:effectLst/>
+                <a:latin typeface="source-serif-pro"/>
+              </a:rPr>
+              <a:t> meetings.</a:t>
+            </a:r>
+          </a:p>
+          <a:p>
+            <a:pPr algn="l">
+              <a:buFont typeface="Arial" panose="020B0604020202020204" pitchFamily="34" charset="0"/>
+              <a:buChar char="•"/>
+            </a:pPr>
+            <a:r>
+              <a:rPr lang="fr-FR" b="0" i="0" u="sng" dirty="0">
+                <a:solidFill>
+                  <a:schemeClr val="tx1">
+                    <a:lumMod val="85000"/>
+                    <a:lumOff val="15000"/>
+                  </a:schemeClr>
+                </a:solidFill>
+                <a:effectLst/>
+                <a:latin typeface="source-serif-pro"/>
+                <a:hlinkClick r:id="rId11">
+                  <a:extLst>
+                    <a:ext uri="{A12FA001-AC4F-418D-AE19-62706E023703}">
+                      <ahyp:hlinkClr xmlns:ahyp="http://schemas.microsoft.com/office/drawing/2018/hyperlinkcolor" val="tx"/>
+                    </a:ext>
+                  </a:extLst>
+                </a:hlinkClick>
+              </a:rPr>
+              <a:t>Asana</a:t>
+            </a:r>
+            <a:r>
+              <a:rPr lang="fr-FR" b="0" i="0" dirty="0">
+                <a:solidFill>
+                  <a:schemeClr val="tx1">
+                    <a:lumMod val="85000"/>
+                    <a:lumOff val="15000"/>
+                  </a:schemeClr>
+                </a:solidFill>
+                <a:effectLst/>
+                <a:latin typeface="source-serif-pro"/>
+              </a:rPr>
+              <a:t> — for </a:t>
+            </a:r>
+            <a:r>
+              <a:rPr lang="fr-FR" b="0" i="0" dirty="0" err="1">
+                <a:solidFill>
+                  <a:schemeClr val="tx1">
+                    <a:lumMod val="85000"/>
+                    <a:lumOff val="15000"/>
+                  </a:schemeClr>
+                </a:solidFill>
+                <a:effectLst/>
+                <a:latin typeface="source-serif-pro"/>
+              </a:rPr>
+              <a:t>task</a:t>
+            </a:r>
+            <a:r>
+              <a:rPr lang="fr-FR" b="0" i="0" dirty="0">
+                <a:solidFill>
+                  <a:schemeClr val="tx1">
+                    <a:lumMod val="85000"/>
+                    <a:lumOff val="15000"/>
+                  </a:schemeClr>
+                </a:solidFill>
+                <a:effectLst/>
+                <a:latin typeface="source-serif-pro"/>
+              </a:rPr>
+              <a:t> management "</a:t>
+            </a:r>
+          </a:p>
+          <a:p>
             <a:endParaRPr lang="fr-FR" dirty="0">
               <a:solidFill>
-                <a:schemeClr val="accent1">
-                  <a:lumMod val="50000"/>
+                <a:schemeClr val="tx1">
+                  <a:lumMod val="85000"/>
+                  <a:lumOff val="15000"/>
                 </a:schemeClr>
               </a:solidFill>
             </a:endParaRPr>
           </a:p>
         </p:txBody>
       </p:sp>
-      <p:graphicFrame>
-        <p:nvGraphicFramePr>
-          <p:cNvPr id="3" name="Diagram 2">
+      <p:sp>
+        <p:nvSpPr>
+          <p:cNvPr id="8" name="TextBox 7">
             <a:extLst>
               <a:ext uri="{FF2B5EF4-FFF2-40B4-BE49-F238E27FC236}">
-                <a16:creationId xmlns:a16="http://schemas.microsoft.com/office/drawing/2014/main" id="{41EFFADD-75C0-44A7-A416-68C79D3671A3}"/>
+                <a16:creationId xmlns:a16="http://schemas.microsoft.com/office/drawing/2014/main" id="{84572D83-C461-45ED-BB4C-67D4C6C38C02}"/>
               </a:ext>
             </a:extLst>
           </p:cNvPr>
-          <p:cNvGraphicFramePr/>
-          <p:nvPr>
-            <p:extLst>
-              <p:ext uri="{D42A27DB-BD31-4B8C-83A1-F6EECF244321}">
-                <p14:modId xmlns:p14="http://schemas.microsoft.com/office/powerpoint/2010/main" val="1552431694"/>
-              </p:ext>
-            </p:extLst>
-          </p:nvPr>
-        </p:nvGraphicFramePr>
-        <p:xfrm>
-          <a:off x="1097281" y="1737361"/>
-          <a:ext cx="10058400" cy="4477909"/>
-        </p:xfrm>
-        <a:graphic>
-          <a:graphicData uri="http://schemas.openxmlformats.org/drawingml/2006/diagram">
-            <dgm:relIds xmlns:dgm="http://schemas.openxmlformats.org/drawingml/2006/diagram" xmlns:r="http://schemas.openxmlformats.org/officeDocument/2006/relationships" r:dm="rId8" r:lo="rId9" r:qs="rId10" r:cs="rId11"/>
-          </a:graphicData>
-        </a:graphic>
-      </p:graphicFrame>
+          <p:cNvSpPr txBox="1"/>
+          <p:nvPr/>
+        </p:nvSpPr>
+        <p:spPr>
+          <a:xfrm>
+            <a:off x="4956312" y="5654302"/>
+            <a:ext cx="7460974" cy="646331"/>
+          </a:xfrm>
+          <a:prstGeom prst="rect">
+            <a:avLst/>
+          </a:prstGeom>
+          <a:noFill/>
+        </p:spPr>
+        <p:txBody>
+          <a:bodyPr wrap="square">
+            <a:spAutoFit/>
+          </a:bodyPr>
+          <a:lstStyle/>
+          <a:p>
+            <a:r>
+              <a:rPr lang="fr-FR" dirty="0" err="1">
+                <a:solidFill>
+                  <a:schemeClr val="tx1">
+                    <a:lumMod val="85000"/>
+                    <a:lumOff val="15000"/>
+                  </a:schemeClr>
+                </a:solidFill>
+                <a:hlinkClick r:id="rId12">
+                  <a:extLst>
+                    <a:ext uri="{A12FA001-AC4F-418D-AE19-62706E023703}">
+                      <ahyp:hlinkClr xmlns:ahyp="http://schemas.microsoft.com/office/drawing/2018/hyperlinkcolor" val="tx"/>
+                    </a:ext>
+                  </a:extLst>
+                </a:hlinkClick>
+              </a:rPr>
+              <a:t>Here’s</a:t>
+            </a:r>
+            <a:r>
+              <a:rPr lang="fr-FR" dirty="0">
+                <a:solidFill>
+                  <a:schemeClr val="tx1">
+                    <a:lumMod val="85000"/>
+                    <a:lumOff val="15000"/>
+                  </a:schemeClr>
+                </a:solidFill>
+                <a:hlinkClick r:id="rId12">
+                  <a:extLst>
+                    <a:ext uri="{A12FA001-AC4F-418D-AE19-62706E023703}">
+                      <ahyp:hlinkClr xmlns:ahyp="http://schemas.microsoft.com/office/drawing/2018/hyperlinkcolor" val="tx"/>
+                    </a:ext>
+                  </a:extLst>
+                </a:hlinkClick>
+              </a:rPr>
+              <a:t> how </a:t>
+            </a:r>
+            <a:r>
+              <a:rPr lang="fr-FR" dirty="0" err="1">
+                <a:solidFill>
+                  <a:schemeClr val="tx1">
+                    <a:lumMod val="85000"/>
+                    <a:lumOff val="15000"/>
+                  </a:schemeClr>
+                </a:solidFill>
+                <a:hlinkClick r:id="rId12">
+                  <a:extLst>
+                    <a:ext uri="{A12FA001-AC4F-418D-AE19-62706E023703}">
+                      <ahyp:hlinkClr xmlns:ahyp="http://schemas.microsoft.com/office/drawing/2018/hyperlinkcolor" val="tx"/>
+                    </a:ext>
+                  </a:extLst>
+                </a:hlinkClick>
+              </a:rPr>
+              <a:t>we</a:t>
+            </a:r>
+            <a:r>
+              <a:rPr lang="fr-FR" dirty="0">
+                <a:solidFill>
+                  <a:schemeClr val="tx1">
+                    <a:lumMod val="85000"/>
+                    <a:lumOff val="15000"/>
+                  </a:schemeClr>
+                </a:solidFill>
+                <a:hlinkClick r:id="rId12">
+                  <a:extLst>
+                    <a:ext uri="{A12FA001-AC4F-418D-AE19-62706E023703}">
+                      <ahyp:hlinkClr xmlns:ahyp="http://schemas.microsoft.com/office/drawing/2018/hyperlinkcolor" val="tx"/>
+                    </a:ext>
+                  </a:extLst>
+                </a:hlinkClick>
+              </a:rPr>
+              <a:t> </a:t>
+            </a:r>
+            <a:r>
+              <a:rPr lang="fr-FR" dirty="0" err="1">
+                <a:solidFill>
+                  <a:schemeClr val="tx1">
+                    <a:lumMod val="85000"/>
+                    <a:lumOff val="15000"/>
+                  </a:schemeClr>
+                </a:solidFill>
+                <a:hlinkClick r:id="rId12">
+                  <a:extLst>
+                    <a:ext uri="{A12FA001-AC4F-418D-AE19-62706E023703}">
+                      <ahyp:hlinkClr xmlns:ahyp="http://schemas.microsoft.com/office/drawing/2018/hyperlinkcolor" val="tx"/>
+                    </a:ext>
+                  </a:extLst>
+                </a:hlinkClick>
+              </a:rPr>
+              <a:t>built</a:t>
+            </a:r>
+            <a:r>
+              <a:rPr lang="fr-FR" dirty="0">
+                <a:solidFill>
+                  <a:schemeClr val="tx1">
+                    <a:lumMod val="85000"/>
+                    <a:lumOff val="15000"/>
+                  </a:schemeClr>
+                </a:solidFill>
+                <a:hlinkClick r:id="rId12">
+                  <a:extLst>
+                    <a:ext uri="{A12FA001-AC4F-418D-AE19-62706E023703}">
+                      <ahyp:hlinkClr xmlns:ahyp="http://schemas.microsoft.com/office/drawing/2018/hyperlinkcolor" val="tx"/>
+                    </a:ext>
+                  </a:extLst>
+                </a:hlinkClick>
+              </a:rPr>
+              <a:t> and </a:t>
+            </a:r>
+            <a:r>
+              <a:rPr lang="fr-FR" dirty="0" err="1">
+                <a:solidFill>
+                  <a:schemeClr val="tx1">
+                    <a:lumMod val="85000"/>
+                    <a:lumOff val="15000"/>
+                  </a:schemeClr>
+                </a:solidFill>
+                <a:hlinkClick r:id="rId12">
+                  <a:extLst>
+                    <a:ext uri="{A12FA001-AC4F-418D-AE19-62706E023703}">
+                      <ahyp:hlinkClr xmlns:ahyp="http://schemas.microsoft.com/office/drawing/2018/hyperlinkcolor" val="tx"/>
+                    </a:ext>
+                  </a:extLst>
+                </a:hlinkClick>
+              </a:rPr>
+              <a:t>launched</a:t>
+            </a:r>
+            <a:r>
+              <a:rPr lang="fr-FR" dirty="0">
+                <a:solidFill>
+                  <a:schemeClr val="tx1">
+                    <a:lumMod val="85000"/>
+                    <a:lumOff val="15000"/>
+                  </a:schemeClr>
+                </a:solidFill>
+                <a:hlinkClick r:id="rId12">
+                  <a:extLst>
+                    <a:ext uri="{A12FA001-AC4F-418D-AE19-62706E023703}">
+                      <ahyp:hlinkClr xmlns:ahyp="http://schemas.microsoft.com/office/drawing/2018/hyperlinkcolor" val="tx"/>
+                    </a:ext>
+                  </a:extLst>
+                </a:hlinkClick>
+              </a:rPr>
+              <a:t> a SaaS startup for INR 2.6 </a:t>
+            </a:r>
+            <a:r>
+              <a:rPr lang="fr-FR" dirty="0" err="1">
+                <a:solidFill>
+                  <a:schemeClr val="tx1">
+                    <a:lumMod val="85000"/>
+                    <a:lumOff val="15000"/>
+                  </a:schemeClr>
+                </a:solidFill>
+                <a:hlinkClick r:id="rId12">
+                  <a:extLst>
+                    <a:ext uri="{A12FA001-AC4F-418D-AE19-62706E023703}">
+                      <ahyp:hlinkClr xmlns:ahyp="http://schemas.microsoft.com/office/drawing/2018/hyperlinkcolor" val="tx"/>
+                    </a:ext>
+                  </a:extLst>
+                </a:hlinkClick>
+              </a:rPr>
+              <a:t>lakhs</a:t>
+            </a:r>
+            <a:r>
+              <a:rPr lang="fr-FR" dirty="0">
+                <a:solidFill>
+                  <a:schemeClr val="tx1">
+                    <a:lumMod val="85000"/>
+                    <a:lumOff val="15000"/>
+                  </a:schemeClr>
+                </a:solidFill>
+                <a:hlinkClick r:id="rId12">
+                  <a:extLst>
+                    <a:ext uri="{A12FA001-AC4F-418D-AE19-62706E023703}">
+                      <ahyp:hlinkClr xmlns:ahyp="http://schemas.microsoft.com/office/drawing/2018/hyperlinkcolor" val="tx"/>
+                    </a:ext>
+                  </a:extLst>
+                </a:hlinkClick>
+              </a:rPr>
+              <a:t> | by Abishek </a:t>
+            </a:r>
+            <a:r>
+              <a:rPr lang="fr-FR" dirty="0" err="1">
+                <a:solidFill>
+                  <a:schemeClr val="tx1">
+                    <a:lumMod val="85000"/>
+                    <a:lumOff val="15000"/>
+                  </a:schemeClr>
+                </a:solidFill>
+                <a:hlinkClick r:id="rId12">
+                  <a:extLst>
+                    <a:ext uri="{A12FA001-AC4F-418D-AE19-62706E023703}">
+                      <ahyp:hlinkClr xmlns:ahyp="http://schemas.microsoft.com/office/drawing/2018/hyperlinkcolor" val="tx"/>
+                    </a:ext>
+                  </a:extLst>
+                </a:hlinkClick>
+              </a:rPr>
+              <a:t>Baskaran</a:t>
+            </a:r>
+            <a:r>
+              <a:rPr lang="fr-FR" dirty="0">
+                <a:solidFill>
+                  <a:schemeClr val="tx1">
+                    <a:lumMod val="85000"/>
+                    <a:lumOff val="15000"/>
+                  </a:schemeClr>
+                </a:solidFill>
+                <a:hlinkClick r:id="rId12">
+                  <a:extLst>
+                    <a:ext uri="{A12FA001-AC4F-418D-AE19-62706E023703}">
+                      <ahyp:hlinkClr xmlns:ahyp="http://schemas.microsoft.com/office/drawing/2018/hyperlinkcolor" val="tx"/>
+                    </a:ext>
+                  </a:extLst>
+                </a:hlinkClick>
+              </a:rPr>
+              <a:t> | Startups &amp; Venture Capital (startupsventurecapital.com)</a:t>
+            </a:r>
+            <a:endParaRPr lang="fr-FR" dirty="0">
+              <a:solidFill>
+                <a:schemeClr val="tx1">
+                  <a:lumMod val="85000"/>
+                  <a:lumOff val="15000"/>
+                </a:schemeClr>
+              </a:solidFill>
+            </a:endParaRPr>
+          </a:p>
+        </p:txBody>
+      </p:sp>
     </p:spTree>
     <p:extLst>
       <p:ext uri="{BB962C8B-B14F-4D97-AF65-F5344CB8AC3E}">
-        <p14:creationId xmlns:p14="http://schemas.microsoft.com/office/powerpoint/2010/main" val="3598334352"/>
+        <p14:creationId xmlns:p14="http://schemas.microsoft.com/office/powerpoint/2010/main" val="1190920658"/>
       </p:ext>
     </p:extLst>
   </p:cSld>

--- a/Startups/Startup Session 1.pptx
+++ b/Startups/Startup Session 1.pptx
@@ -6,12 +6,12 @@
   </p:sldMasterIdLst>
   <p:sldIdLst>
     <p:sldId id="256" r:id="rId2"/>
-    <p:sldId id="262" r:id="rId3"/>
-    <p:sldId id="263" r:id="rId4"/>
-    <p:sldId id="264" r:id="rId5"/>
-    <p:sldId id="265" r:id="rId6"/>
-    <p:sldId id="266" r:id="rId7"/>
-    <p:sldId id="267" r:id="rId8"/>
+    <p:sldId id="263" r:id="rId3"/>
+    <p:sldId id="265" r:id="rId4"/>
+    <p:sldId id="267" r:id="rId5"/>
+    <p:sldId id="269" r:id="rId6"/>
+    <p:sldId id="271" r:id="rId7"/>
+    <p:sldId id="270" r:id="rId8"/>
     <p:sldId id="268" r:id="rId9"/>
   </p:sldIdLst>
   <p:sldSz cx="12192000" cy="6858000"/>
@@ -5348,753 +5348,6 @@
 </dgm:colorsDef>
 </file>
 
-<file path=ppt/diagrams/colors8.xml><?xml version="1.0" encoding="utf-8"?>
-<dgm:colorsDef xmlns:dgm="http://schemas.openxmlformats.org/drawingml/2006/diagram" xmlns:a="http://schemas.openxmlformats.org/drawingml/2006/main" uniqueId="urn:microsoft.com/office/officeart/2005/8/colors/accent1_2">
-  <dgm:title val=""/>
-  <dgm:desc val=""/>
-  <dgm:catLst>
-    <dgm:cat type="accent1" pri="11200"/>
-  </dgm:catLst>
-  <dgm:styleLbl name="node0">
-    <dgm:fillClrLst meth="repeat">
-      <a:schemeClr val="accent1"/>
-    </dgm:fillClrLst>
-    <dgm:linClrLst meth="repeat">
-      <a:schemeClr val="lt1"/>
-    </dgm:linClrLst>
-    <dgm:effectClrLst/>
-    <dgm:txLinClrLst/>
-    <dgm:txFillClrLst/>
-    <dgm:txEffectClrLst/>
-  </dgm:styleLbl>
-  <dgm:styleLbl name="alignNode1">
-    <dgm:fillClrLst meth="repeat">
-      <a:schemeClr val="accent1"/>
-    </dgm:fillClrLst>
-    <dgm:linClrLst meth="repeat">
-      <a:schemeClr val="accent1"/>
-    </dgm:linClrLst>
-    <dgm:effectClrLst/>
-    <dgm:txLinClrLst/>
-    <dgm:txFillClrLst/>
-    <dgm:txEffectClrLst/>
-  </dgm:styleLbl>
-  <dgm:styleLbl name="node1">
-    <dgm:fillClrLst meth="repeat">
-      <a:schemeClr val="accent1"/>
-    </dgm:fillClrLst>
-    <dgm:linClrLst meth="repeat">
-      <a:schemeClr val="lt1"/>
-    </dgm:linClrLst>
-    <dgm:effectClrLst/>
-    <dgm:txLinClrLst/>
-    <dgm:txFillClrLst/>
-    <dgm:txEffectClrLst/>
-  </dgm:styleLbl>
-  <dgm:styleLbl name="lnNode1">
-    <dgm:fillClrLst meth="repeat">
-      <a:schemeClr val="accent1"/>
-    </dgm:fillClrLst>
-    <dgm:linClrLst meth="repeat">
-      <a:schemeClr val="lt1"/>
-    </dgm:linClrLst>
-    <dgm:effectClrLst/>
-    <dgm:txLinClrLst/>
-    <dgm:txFillClrLst/>
-    <dgm:txEffectClrLst/>
-  </dgm:styleLbl>
-  <dgm:styleLbl name="vennNode1">
-    <dgm:fillClrLst meth="repeat">
-      <a:schemeClr val="accent1">
-        <a:alpha val="50000"/>
-      </a:schemeClr>
-    </dgm:fillClrLst>
-    <dgm:linClrLst meth="repeat">
-      <a:schemeClr val="lt1"/>
-    </dgm:linClrLst>
-    <dgm:effectClrLst/>
-    <dgm:txLinClrLst/>
-    <dgm:txFillClrLst/>
-    <dgm:txEffectClrLst/>
-  </dgm:styleLbl>
-  <dgm:styleLbl name="node2">
-    <dgm:fillClrLst meth="repeat">
-      <a:schemeClr val="accent1"/>
-    </dgm:fillClrLst>
-    <dgm:linClrLst meth="repeat">
-      <a:schemeClr val="lt1"/>
-    </dgm:linClrLst>
-    <dgm:effectClrLst/>
-    <dgm:txLinClrLst/>
-    <dgm:txFillClrLst/>
-    <dgm:txEffectClrLst/>
-  </dgm:styleLbl>
-  <dgm:styleLbl name="node3">
-    <dgm:fillClrLst meth="repeat">
-      <a:schemeClr val="accent1"/>
-    </dgm:fillClrLst>
-    <dgm:linClrLst meth="repeat">
-      <a:schemeClr val="lt1"/>
-    </dgm:linClrLst>
-    <dgm:effectClrLst/>
-    <dgm:txLinClrLst/>
-    <dgm:txFillClrLst/>
-    <dgm:txEffectClrLst/>
-  </dgm:styleLbl>
-  <dgm:styleLbl name="node4">
-    <dgm:fillClrLst meth="repeat">
-      <a:schemeClr val="accent1"/>
-    </dgm:fillClrLst>
-    <dgm:linClrLst meth="repeat">
-      <a:schemeClr val="lt1"/>
-    </dgm:linClrLst>
-    <dgm:effectClrLst/>
-    <dgm:txLinClrLst/>
-    <dgm:txFillClrLst/>
-    <dgm:txEffectClrLst/>
-  </dgm:styleLbl>
-  <dgm:styleLbl name="fgImgPlace1">
-    <dgm:fillClrLst meth="repeat">
-      <a:schemeClr val="accent1">
-        <a:tint val="50000"/>
-      </a:schemeClr>
-    </dgm:fillClrLst>
-    <dgm:linClrLst meth="repeat">
-      <a:schemeClr val="lt1"/>
-    </dgm:linClrLst>
-    <dgm:effectClrLst/>
-    <dgm:txLinClrLst/>
-    <dgm:txFillClrLst meth="repeat">
-      <a:schemeClr val="lt1"/>
-    </dgm:txFillClrLst>
-    <dgm:txEffectClrLst/>
-  </dgm:styleLbl>
-  <dgm:styleLbl name="alignImgPlace1">
-    <dgm:fillClrLst meth="repeat">
-      <a:schemeClr val="accent1">
-        <a:tint val="50000"/>
-      </a:schemeClr>
-    </dgm:fillClrLst>
-    <dgm:linClrLst meth="repeat">
-      <a:schemeClr val="lt1"/>
-    </dgm:linClrLst>
-    <dgm:effectClrLst/>
-    <dgm:txLinClrLst/>
-    <dgm:txFillClrLst meth="repeat">
-      <a:schemeClr val="lt1"/>
-    </dgm:txFillClrLst>
-    <dgm:txEffectClrLst/>
-  </dgm:styleLbl>
-  <dgm:styleLbl name="bgImgPlace1">
-    <dgm:fillClrLst meth="repeat">
-      <a:schemeClr val="accent1">
-        <a:tint val="50000"/>
-      </a:schemeClr>
-    </dgm:fillClrLst>
-    <dgm:linClrLst meth="repeat">
-      <a:schemeClr val="lt1"/>
-    </dgm:linClrLst>
-    <dgm:effectClrLst/>
-    <dgm:txLinClrLst/>
-    <dgm:txFillClrLst meth="repeat">
-      <a:schemeClr val="lt1"/>
-    </dgm:txFillClrLst>
-    <dgm:txEffectClrLst/>
-  </dgm:styleLbl>
-  <dgm:styleLbl name="sibTrans2D1">
-    <dgm:fillClrLst meth="repeat">
-      <a:schemeClr val="accent1">
-        <a:tint val="60000"/>
-      </a:schemeClr>
-    </dgm:fillClrLst>
-    <dgm:linClrLst meth="repeat">
-      <a:schemeClr val="accent1">
-        <a:tint val="60000"/>
-      </a:schemeClr>
-    </dgm:linClrLst>
-    <dgm:effectClrLst/>
-    <dgm:txLinClrLst/>
-    <dgm:txFillClrLst/>
-    <dgm:txEffectClrLst/>
-  </dgm:styleLbl>
-  <dgm:styleLbl name="fgSibTrans2D1">
-    <dgm:fillClrLst meth="repeat">
-      <a:schemeClr val="accent1">
-        <a:tint val="60000"/>
-      </a:schemeClr>
-    </dgm:fillClrLst>
-    <dgm:linClrLst meth="repeat">
-      <a:schemeClr val="accent1">
-        <a:tint val="60000"/>
-      </a:schemeClr>
-    </dgm:linClrLst>
-    <dgm:effectClrLst/>
-    <dgm:txLinClrLst/>
-    <dgm:txFillClrLst/>
-    <dgm:txEffectClrLst/>
-  </dgm:styleLbl>
-  <dgm:styleLbl name="bgSibTrans2D1">
-    <dgm:fillClrLst meth="repeat">
-      <a:schemeClr val="accent1">
-        <a:tint val="60000"/>
-      </a:schemeClr>
-    </dgm:fillClrLst>
-    <dgm:linClrLst meth="repeat">
-      <a:schemeClr val="accent1">
-        <a:tint val="60000"/>
-      </a:schemeClr>
-    </dgm:linClrLst>
-    <dgm:effectClrLst/>
-    <dgm:txLinClrLst/>
-    <dgm:txFillClrLst/>
-    <dgm:txEffectClrLst/>
-  </dgm:styleLbl>
-  <dgm:styleLbl name="sibTrans1D1">
-    <dgm:fillClrLst meth="repeat">
-      <a:schemeClr val="accent1"/>
-    </dgm:fillClrLst>
-    <dgm:linClrLst meth="repeat">
-      <a:schemeClr val="accent1"/>
-    </dgm:linClrLst>
-    <dgm:effectClrLst/>
-    <dgm:txLinClrLst/>
-    <dgm:txFillClrLst meth="repeat">
-      <a:schemeClr val="tx1"/>
-    </dgm:txFillClrLst>
-    <dgm:txEffectClrLst/>
-  </dgm:styleLbl>
-  <dgm:styleLbl name="callout">
-    <dgm:fillClrLst meth="repeat">
-      <a:schemeClr val="accent1"/>
-    </dgm:fillClrLst>
-    <dgm:linClrLst meth="repeat">
-      <a:schemeClr val="accent1">
-        <a:tint val="50000"/>
-      </a:schemeClr>
-    </dgm:linClrLst>
-    <dgm:effectClrLst/>
-    <dgm:txLinClrLst/>
-    <dgm:txFillClrLst meth="repeat">
-      <a:schemeClr val="tx1"/>
-    </dgm:txFillClrLst>
-    <dgm:txEffectClrLst/>
-  </dgm:styleLbl>
-  <dgm:styleLbl name="asst0">
-    <dgm:fillClrLst meth="repeat">
-      <a:schemeClr val="accent1"/>
-    </dgm:fillClrLst>
-    <dgm:linClrLst meth="repeat">
-      <a:schemeClr val="lt1"/>
-    </dgm:linClrLst>
-    <dgm:effectClrLst/>
-    <dgm:txLinClrLst/>
-    <dgm:txFillClrLst/>
-    <dgm:txEffectClrLst/>
-  </dgm:styleLbl>
-  <dgm:styleLbl name="asst1">
-    <dgm:fillClrLst meth="repeat">
-      <a:schemeClr val="accent1"/>
-    </dgm:fillClrLst>
-    <dgm:linClrLst meth="repeat">
-      <a:schemeClr val="lt1"/>
-    </dgm:linClrLst>
-    <dgm:effectClrLst/>
-    <dgm:txLinClrLst/>
-    <dgm:txFillClrLst/>
-    <dgm:txEffectClrLst/>
-  </dgm:styleLbl>
-  <dgm:styleLbl name="asst2">
-    <dgm:fillClrLst meth="repeat">
-      <a:schemeClr val="accent1"/>
-    </dgm:fillClrLst>
-    <dgm:linClrLst meth="repeat">
-      <a:schemeClr val="lt1"/>
-    </dgm:linClrLst>
-    <dgm:effectClrLst/>
-    <dgm:txLinClrLst/>
-    <dgm:txFillClrLst/>
-    <dgm:txEffectClrLst/>
-  </dgm:styleLbl>
-  <dgm:styleLbl name="asst3">
-    <dgm:fillClrLst meth="repeat">
-      <a:schemeClr val="accent1"/>
-    </dgm:fillClrLst>
-    <dgm:linClrLst meth="repeat">
-      <a:schemeClr val="lt1"/>
-    </dgm:linClrLst>
-    <dgm:effectClrLst/>
-    <dgm:txLinClrLst/>
-    <dgm:txFillClrLst/>
-    <dgm:txEffectClrLst/>
-  </dgm:styleLbl>
-  <dgm:styleLbl name="asst4">
-    <dgm:fillClrLst meth="repeat">
-      <a:schemeClr val="accent1"/>
-    </dgm:fillClrLst>
-    <dgm:linClrLst meth="repeat">
-      <a:schemeClr val="lt1"/>
-    </dgm:linClrLst>
-    <dgm:effectClrLst/>
-    <dgm:txLinClrLst/>
-    <dgm:txFillClrLst/>
-    <dgm:txEffectClrLst/>
-  </dgm:styleLbl>
-  <dgm:styleLbl name="parChTrans2D1">
-    <dgm:fillClrLst meth="repeat">
-      <a:schemeClr val="accent1">
-        <a:tint val="60000"/>
-      </a:schemeClr>
-    </dgm:fillClrLst>
-    <dgm:linClrLst meth="repeat">
-      <a:schemeClr val="accent1">
-        <a:tint val="60000"/>
-      </a:schemeClr>
-    </dgm:linClrLst>
-    <dgm:effectClrLst/>
-    <dgm:txLinClrLst/>
-    <dgm:txFillClrLst meth="repeat">
-      <a:schemeClr val="lt1"/>
-    </dgm:txFillClrLst>
-    <dgm:txEffectClrLst/>
-  </dgm:styleLbl>
-  <dgm:styleLbl name="parChTrans2D2">
-    <dgm:fillClrLst meth="repeat">
-      <a:schemeClr val="accent1"/>
-    </dgm:fillClrLst>
-    <dgm:linClrLst meth="repeat">
-      <a:schemeClr val="accent1"/>
-    </dgm:linClrLst>
-    <dgm:effectClrLst/>
-    <dgm:txLinClrLst/>
-    <dgm:txFillClrLst meth="repeat">
-      <a:schemeClr val="lt1"/>
-    </dgm:txFillClrLst>
-    <dgm:txEffectClrLst/>
-  </dgm:styleLbl>
-  <dgm:styleLbl name="parChTrans2D3">
-    <dgm:fillClrLst meth="repeat">
-      <a:schemeClr val="accent1"/>
-    </dgm:fillClrLst>
-    <dgm:linClrLst meth="repeat">
-      <a:schemeClr val="accent1"/>
-    </dgm:linClrLst>
-    <dgm:effectClrLst/>
-    <dgm:txLinClrLst/>
-    <dgm:txFillClrLst meth="repeat">
-      <a:schemeClr val="lt1"/>
-    </dgm:txFillClrLst>
-    <dgm:txEffectClrLst/>
-  </dgm:styleLbl>
-  <dgm:styleLbl name="parChTrans2D4">
-    <dgm:fillClrLst meth="repeat">
-      <a:schemeClr val="accent1"/>
-    </dgm:fillClrLst>
-    <dgm:linClrLst meth="repeat">
-      <a:schemeClr val="accent1"/>
-    </dgm:linClrLst>
-    <dgm:effectClrLst/>
-    <dgm:txLinClrLst/>
-    <dgm:txFillClrLst meth="repeat">
-      <a:schemeClr val="lt1"/>
-    </dgm:txFillClrLst>
-    <dgm:txEffectClrLst/>
-  </dgm:styleLbl>
-  <dgm:styleLbl name="parChTrans1D1">
-    <dgm:fillClrLst meth="repeat">
-      <a:schemeClr val="accent1"/>
-    </dgm:fillClrLst>
-    <dgm:linClrLst meth="repeat">
-      <a:schemeClr val="accent1">
-        <a:shade val="60000"/>
-      </a:schemeClr>
-    </dgm:linClrLst>
-    <dgm:effectClrLst/>
-    <dgm:txLinClrLst/>
-    <dgm:txFillClrLst meth="repeat">
-      <a:schemeClr val="tx1"/>
-    </dgm:txFillClrLst>
-    <dgm:txEffectClrLst/>
-  </dgm:styleLbl>
-  <dgm:styleLbl name="parChTrans1D2">
-    <dgm:fillClrLst meth="repeat">
-      <a:schemeClr val="accent1"/>
-    </dgm:fillClrLst>
-    <dgm:linClrLst meth="repeat">
-      <a:schemeClr val="accent1">
-        <a:shade val="60000"/>
-      </a:schemeClr>
-    </dgm:linClrLst>
-    <dgm:effectClrLst/>
-    <dgm:txLinClrLst/>
-    <dgm:txFillClrLst meth="repeat">
-      <a:schemeClr val="tx1"/>
-    </dgm:txFillClrLst>
-    <dgm:txEffectClrLst/>
-  </dgm:styleLbl>
-  <dgm:styleLbl name="parChTrans1D3">
-    <dgm:fillClrLst meth="repeat">
-      <a:schemeClr val="accent1"/>
-    </dgm:fillClrLst>
-    <dgm:linClrLst meth="repeat">
-      <a:schemeClr val="accent1">
-        <a:shade val="80000"/>
-      </a:schemeClr>
-    </dgm:linClrLst>
-    <dgm:effectClrLst/>
-    <dgm:txLinClrLst/>
-    <dgm:txFillClrLst meth="repeat">
-      <a:schemeClr val="tx1"/>
-    </dgm:txFillClrLst>
-    <dgm:txEffectClrLst/>
-  </dgm:styleLbl>
-  <dgm:styleLbl name="parChTrans1D4">
-    <dgm:fillClrLst meth="repeat">
-      <a:schemeClr val="accent1"/>
-    </dgm:fillClrLst>
-    <dgm:linClrLst meth="repeat">
-      <a:schemeClr val="accent1">
-        <a:shade val="80000"/>
-      </a:schemeClr>
-    </dgm:linClrLst>
-    <dgm:effectClrLst/>
-    <dgm:txLinClrLst/>
-    <dgm:txFillClrLst meth="repeat">
-      <a:schemeClr val="tx1"/>
-    </dgm:txFillClrLst>
-    <dgm:txEffectClrLst/>
-  </dgm:styleLbl>
-  <dgm:styleLbl name="fgAcc1">
-    <dgm:fillClrLst meth="repeat">
-      <a:schemeClr val="lt1">
-        <a:alpha val="90000"/>
-      </a:schemeClr>
-    </dgm:fillClrLst>
-    <dgm:linClrLst meth="repeat">
-      <a:schemeClr val="accent1"/>
-    </dgm:linClrLst>
-    <dgm:effectClrLst/>
-    <dgm:txLinClrLst/>
-    <dgm:txFillClrLst meth="repeat">
-      <a:schemeClr val="dk1"/>
-    </dgm:txFillClrLst>
-    <dgm:txEffectClrLst/>
-  </dgm:styleLbl>
-  <dgm:styleLbl name="conFgAcc1">
-    <dgm:fillClrLst meth="repeat">
-      <a:schemeClr val="lt1">
-        <a:alpha val="90000"/>
-      </a:schemeClr>
-    </dgm:fillClrLst>
-    <dgm:linClrLst meth="repeat">
-      <a:schemeClr val="accent1"/>
-    </dgm:linClrLst>
-    <dgm:effectClrLst/>
-    <dgm:txLinClrLst/>
-    <dgm:txFillClrLst meth="repeat">
-      <a:schemeClr val="dk1"/>
-    </dgm:txFillClrLst>
-    <dgm:txEffectClrLst/>
-  </dgm:styleLbl>
-  <dgm:styleLbl name="alignAcc1">
-    <dgm:fillClrLst meth="repeat">
-      <a:schemeClr val="lt1">
-        <a:alpha val="90000"/>
-      </a:schemeClr>
-    </dgm:fillClrLst>
-    <dgm:linClrLst meth="repeat">
-      <a:schemeClr val="accent1"/>
-    </dgm:linClrLst>
-    <dgm:effectClrLst/>
-    <dgm:txLinClrLst/>
-    <dgm:txFillClrLst meth="repeat">
-      <a:schemeClr val="dk1"/>
-    </dgm:txFillClrLst>
-    <dgm:txEffectClrLst/>
-  </dgm:styleLbl>
-  <dgm:styleLbl name="trAlignAcc1">
-    <dgm:fillClrLst meth="repeat">
-      <a:schemeClr val="lt1">
-        <a:alpha val="40000"/>
-      </a:schemeClr>
-    </dgm:fillClrLst>
-    <dgm:linClrLst meth="repeat">
-      <a:schemeClr val="accent1"/>
-    </dgm:linClrLst>
-    <dgm:effectClrLst/>
-    <dgm:txLinClrLst/>
-    <dgm:txFillClrLst meth="repeat">
-      <a:schemeClr val="dk1"/>
-    </dgm:txFillClrLst>
-    <dgm:txEffectClrLst/>
-  </dgm:styleLbl>
-  <dgm:styleLbl name="bgAcc1">
-    <dgm:fillClrLst meth="repeat">
-      <a:schemeClr val="lt1">
-        <a:alpha val="90000"/>
-      </a:schemeClr>
-    </dgm:fillClrLst>
-    <dgm:linClrLst meth="repeat">
-      <a:schemeClr val="accent1"/>
-    </dgm:linClrLst>
-    <dgm:effectClrLst/>
-    <dgm:txLinClrLst/>
-    <dgm:txFillClrLst meth="repeat">
-      <a:schemeClr val="dk1"/>
-    </dgm:txFillClrLst>
-    <dgm:txEffectClrLst/>
-  </dgm:styleLbl>
-  <dgm:styleLbl name="solidFgAcc1">
-    <dgm:fillClrLst meth="repeat">
-      <a:schemeClr val="lt1"/>
-    </dgm:fillClrLst>
-    <dgm:linClrLst meth="repeat">
-      <a:schemeClr val="accent1"/>
-    </dgm:linClrLst>
-    <dgm:effectClrLst/>
-    <dgm:txLinClrLst/>
-    <dgm:txFillClrLst meth="repeat">
-      <a:schemeClr val="dk1"/>
-    </dgm:txFillClrLst>
-    <dgm:txEffectClrLst/>
-  </dgm:styleLbl>
-  <dgm:styleLbl name="solidAlignAcc1">
-    <dgm:fillClrLst meth="repeat">
-      <a:schemeClr val="lt1"/>
-    </dgm:fillClrLst>
-    <dgm:linClrLst meth="repeat">
-      <a:schemeClr val="accent1"/>
-    </dgm:linClrLst>
-    <dgm:effectClrLst/>
-    <dgm:txLinClrLst/>
-    <dgm:txFillClrLst meth="repeat">
-      <a:schemeClr val="dk1"/>
-    </dgm:txFillClrLst>
-    <dgm:txEffectClrLst/>
-  </dgm:styleLbl>
-  <dgm:styleLbl name="solidBgAcc1">
-    <dgm:fillClrLst meth="repeat">
-      <a:schemeClr val="lt1"/>
-    </dgm:fillClrLst>
-    <dgm:linClrLst meth="repeat">
-      <a:schemeClr val="accent1"/>
-    </dgm:linClrLst>
-    <dgm:effectClrLst/>
-    <dgm:txLinClrLst/>
-    <dgm:txFillClrLst meth="repeat">
-      <a:schemeClr val="dk1"/>
-    </dgm:txFillClrLst>
-    <dgm:txEffectClrLst/>
-  </dgm:styleLbl>
-  <dgm:styleLbl name="fgAccFollowNode1">
-    <dgm:fillClrLst meth="repeat">
-      <a:schemeClr val="accent1">
-        <a:alpha val="90000"/>
-        <a:tint val="40000"/>
-      </a:schemeClr>
-    </dgm:fillClrLst>
-    <dgm:linClrLst meth="repeat">
-      <a:schemeClr val="accent1">
-        <a:alpha val="90000"/>
-        <a:tint val="40000"/>
-      </a:schemeClr>
-    </dgm:linClrLst>
-    <dgm:effectClrLst/>
-    <dgm:txLinClrLst/>
-    <dgm:txFillClrLst meth="repeat">
-      <a:schemeClr val="dk1"/>
-    </dgm:txFillClrLst>
-    <dgm:txEffectClrLst/>
-  </dgm:styleLbl>
-  <dgm:styleLbl name="alignAccFollowNode1">
-    <dgm:fillClrLst meth="repeat">
-      <a:schemeClr val="accent1">
-        <a:alpha val="90000"/>
-        <a:tint val="40000"/>
-      </a:schemeClr>
-    </dgm:fillClrLst>
-    <dgm:linClrLst meth="repeat">
-      <a:schemeClr val="accent1">
-        <a:alpha val="90000"/>
-        <a:tint val="40000"/>
-      </a:schemeClr>
-    </dgm:linClrLst>
-    <dgm:effectClrLst/>
-    <dgm:txLinClrLst/>
-    <dgm:txFillClrLst meth="repeat">
-      <a:schemeClr val="dk1"/>
-    </dgm:txFillClrLst>
-    <dgm:txEffectClrLst/>
-  </dgm:styleLbl>
-  <dgm:styleLbl name="bgAccFollowNode1">
-    <dgm:fillClrLst meth="repeat">
-      <a:schemeClr val="accent1">
-        <a:alpha val="90000"/>
-        <a:tint val="40000"/>
-      </a:schemeClr>
-    </dgm:fillClrLst>
-    <dgm:linClrLst meth="repeat">
-      <a:schemeClr val="accent1">
-        <a:alpha val="90000"/>
-        <a:tint val="40000"/>
-      </a:schemeClr>
-    </dgm:linClrLst>
-    <dgm:effectClrLst/>
-    <dgm:txLinClrLst/>
-    <dgm:txFillClrLst meth="repeat">
-      <a:schemeClr val="dk1"/>
-    </dgm:txFillClrLst>
-    <dgm:txEffectClrLst/>
-  </dgm:styleLbl>
-  <dgm:styleLbl name="fgAcc0">
-    <dgm:fillClrLst meth="repeat">
-      <a:schemeClr val="lt1">
-        <a:alpha val="90000"/>
-      </a:schemeClr>
-    </dgm:fillClrLst>
-    <dgm:linClrLst meth="repeat">
-      <a:schemeClr val="accent1"/>
-    </dgm:linClrLst>
-    <dgm:effectClrLst/>
-    <dgm:txLinClrLst/>
-    <dgm:txFillClrLst meth="repeat">
-      <a:schemeClr val="dk1"/>
-    </dgm:txFillClrLst>
-    <dgm:txEffectClrLst/>
-  </dgm:styleLbl>
-  <dgm:styleLbl name="fgAcc2">
-    <dgm:fillClrLst meth="repeat">
-      <a:schemeClr val="lt1">
-        <a:alpha val="90000"/>
-      </a:schemeClr>
-    </dgm:fillClrLst>
-    <dgm:linClrLst meth="repeat">
-      <a:schemeClr val="accent1"/>
-    </dgm:linClrLst>
-    <dgm:effectClrLst/>
-    <dgm:txLinClrLst/>
-    <dgm:txFillClrLst meth="repeat">
-      <a:schemeClr val="dk1"/>
-    </dgm:txFillClrLst>
-    <dgm:txEffectClrLst/>
-  </dgm:styleLbl>
-  <dgm:styleLbl name="fgAcc3">
-    <dgm:fillClrLst meth="repeat">
-      <a:schemeClr val="lt1">
-        <a:alpha val="90000"/>
-      </a:schemeClr>
-    </dgm:fillClrLst>
-    <dgm:linClrLst meth="repeat">
-      <a:schemeClr val="accent1"/>
-    </dgm:linClrLst>
-    <dgm:effectClrLst/>
-    <dgm:txLinClrLst/>
-    <dgm:txFillClrLst meth="repeat">
-      <a:schemeClr val="dk1"/>
-    </dgm:txFillClrLst>
-    <dgm:txEffectClrLst/>
-  </dgm:styleLbl>
-  <dgm:styleLbl name="fgAcc4">
-    <dgm:fillClrLst meth="repeat">
-      <a:schemeClr val="lt1">
-        <a:alpha val="90000"/>
-      </a:schemeClr>
-    </dgm:fillClrLst>
-    <dgm:linClrLst meth="repeat">
-      <a:schemeClr val="accent1"/>
-    </dgm:linClrLst>
-    <dgm:effectClrLst/>
-    <dgm:txLinClrLst/>
-    <dgm:txFillClrLst meth="repeat">
-      <a:schemeClr val="dk1"/>
-    </dgm:txFillClrLst>
-    <dgm:txEffectClrLst/>
-  </dgm:styleLbl>
-  <dgm:styleLbl name="bgShp">
-    <dgm:fillClrLst meth="repeat">
-      <a:schemeClr val="accent1">
-        <a:tint val="40000"/>
-      </a:schemeClr>
-    </dgm:fillClrLst>
-    <dgm:linClrLst meth="repeat">
-      <a:schemeClr val="accent1"/>
-    </dgm:linClrLst>
-    <dgm:effectClrLst/>
-    <dgm:txLinClrLst/>
-    <dgm:txFillClrLst meth="repeat">
-      <a:schemeClr val="dk1"/>
-    </dgm:txFillClrLst>
-    <dgm:txEffectClrLst/>
-  </dgm:styleLbl>
-  <dgm:styleLbl name="dkBgShp">
-    <dgm:fillClrLst meth="repeat">
-      <a:schemeClr val="accent1">
-        <a:shade val="80000"/>
-      </a:schemeClr>
-    </dgm:fillClrLst>
-    <dgm:linClrLst meth="repeat">
-      <a:schemeClr val="accent1"/>
-    </dgm:linClrLst>
-    <dgm:effectClrLst/>
-    <dgm:txLinClrLst/>
-    <dgm:txFillClrLst meth="repeat">
-      <a:schemeClr val="lt1"/>
-    </dgm:txFillClrLst>
-    <dgm:txEffectClrLst/>
-  </dgm:styleLbl>
-  <dgm:styleLbl name="trBgShp">
-    <dgm:fillClrLst meth="repeat">
-      <a:schemeClr val="accent1">
-        <a:tint val="50000"/>
-        <a:alpha val="40000"/>
-      </a:schemeClr>
-    </dgm:fillClrLst>
-    <dgm:linClrLst meth="repeat">
-      <a:schemeClr val="accent1"/>
-    </dgm:linClrLst>
-    <dgm:effectClrLst/>
-    <dgm:txLinClrLst/>
-    <dgm:txFillClrLst meth="repeat">
-      <a:schemeClr val="lt1"/>
-    </dgm:txFillClrLst>
-    <dgm:txEffectClrLst/>
-  </dgm:styleLbl>
-  <dgm:styleLbl name="fgShp">
-    <dgm:fillClrLst meth="repeat">
-      <a:schemeClr val="accent1">
-        <a:tint val="60000"/>
-      </a:schemeClr>
-    </dgm:fillClrLst>
-    <dgm:linClrLst meth="repeat">
-      <a:schemeClr val="lt1"/>
-    </dgm:linClrLst>
-    <dgm:effectClrLst/>
-    <dgm:txLinClrLst/>
-    <dgm:txFillClrLst meth="repeat">
-      <a:schemeClr val="dk1"/>
-    </dgm:txFillClrLst>
-    <dgm:txEffectClrLst/>
-  </dgm:styleLbl>
-  <dgm:styleLbl name="revTx">
-    <dgm:fillClrLst meth="repeat">
-      <a:schemeClr val="lt1">
-        <a:alpha val="0"/>
-      </a:schemeClr>
-    </dgm:fillClrLst>
-    <dgm:linClrLst meth="repeat">
-      <a:schemeClr val="dk1">
-        <a:alpha val="0"/>
-      </a:schemeClr>
-    </dgm:linClrLst>
-    <dgm:effectClrLst/>
-    <dgm:txLinClrLst/>
-    <dgm:txFillClrLst meth="repeat">
-      <a:schemeClr val="tx1"/>
-    </dgm:txFillClrLst>
-    <dgm:txEffectClrLst/>
-  </dgm:styleLbl>
-</dgm:colorsDef>
-</file>
-
 <file path=ppt/diagrams/data1.xml><?xml version="1.0" encoding="utf-8"?>
 <dgm:dataModel xmlns:dgm="http://schemas.openxmlformats.org/drawingml/2006/diagram" xmlns:a="http://schemas.openxmlformats.org/drawingml/2006/main">
   <dgm:ptLst>
@@ -6122,7 +5375,7 @@
           </a:pPr>
           <a:r>
             <a:rPr lang="en-US" b="0" i="0" dirty="0"/>
-            <a:t>Learning: Focus on gathering insights about engagement, audience interest. This is crucial for startups in early stages or expanding to new audiences.</a:t>
+            <a:t>Time: Is there a specific window for reaching your target audience</a:t>
           </a:r>
         </a:p>
       </dgm:t>
@@ -6149,46 +5402,6 @@
         </a:p>
       </dgm:t>
     </dgm:pt>
-    <dgm:pt modelId="{89C32189-B194-4C07-80EF-AF103C352A99}">
-      <dgm:prSet/>
-      <dgm:spPr/>
-      <dgm:t>
-        <a:bodyPr/>
-        <a:lstStyle/>
-        <a:p>
-          <a:pPr>
-            <a:buFont typeface="+mj-lt"/>
-            <a:buAutoNum type="arabicPeriod"/>
-          </a:pPr>
-          <a:r>
-            <a:rPr lang="en-US" b="0" i="0" dirty="0"/>
-            <a:t>Cost: Optimize your cost per acquisition (CPA) to maximize your budget's efficiency.</a:t>
-          </a:r>
-        </a:p>
-      </dgm:t>
-    </dgm:pt>
-    <dgm:pt modelId="{44954A82-6CAE-4986-834D-AB3F5B6BDB08}" type="parTrans" cxnId="{E8A9FB16-C1FE-48D8-B7DF-CFF77E6EA073}">
-      <dgm:prSet/>
-      <dgm:spPr/>
-      <dgm:t>
-        <a:bodyPr/>
-        <a:lstStyle/>
-        <a:p>
-          <a:endParaRPr lang="fr-FR"/>
-        </a:p>
-      </dgm:t>
-    </dgm:pt>
-    <dgm:pt modelId="{DCA6EB22-F028-4435-8C2C-828BA6A27181}" type="sibTrans" cxnId="{E8A9FB16-C1FE-48D8-B7DF-CFF77E6EA073}">
-      <dgm:prSet/>
-      <dgm:spPr/>
-      <dgm:t>
-        <a:bodyPr/>
-        <a:lstStyle/>
-        <a:p>
-          <a:endParaRPr lang="fr-FR"/>
-        </a:p>
-      </dgm:t>
-    </dgm:pt>
     <dgm:pt modelId="{225E4BFE-4856-4B6D-9C0E-79DC14D9FCE4}" type="pres">
       <dgm:prSet presAssocID="{DBCD91CC-5BB3-4DBF-B41C-2B6D3FD4EF59}" presName="linear" presStyleCnt="0">
         <dgm:presLayoutVars>
@@ -6199,20 +5412,7 @@
       <dgm:spPr/>
     </dgm:pt>
     <dgm:pt modelId="{97A8D912-BAF9-4DB8-90D6-2E69BE632765}" type="pres">
-      <dgm:prSet presAssocID="{8DC2C2BE-AFCF-4736-8379-6CE880F1A28E}" presName="parentText" presStyleLbl="node1" presStyleIdx="0" presStyleCnt="2">
-        <dgm:presLayoutVars>
-          <dgm:chMax val="0"/>
-          <dgm:bulletEnabled val="1"/>
-        </dgm:presLayoutVars>
-      </dgm:prSet>
-      <dgm:spPr/>
-    </dgm:pt>
-    <dgm:pt modelId="{C832EF09-0634-4C68-B478-4800D600D6A8}" type="pres">
-      <dgm:prSet presAssocID="{B238E38E-BDB7-4BD2-BC2B-D45FB3CF2064}" presName="spacer" presStyleCnt="0"/>
-      <dgm:spPr/>
-    </dgm:pt>
-    <dgm:pt modelId="{7EE0C82D-5FB8-4E42-90AE-73F80EFE1F8A}" type="pres">
-      <dgm:prSet presAssocID="{89C32189-B194-4C07-80EF-AF103C352A99}" presName="parentText" presStyleLbl="node1" presStyleIdx="1" presStyleCnt="2">
+      <dgm:prSet presAssocID="{8DC2C2BE-AFCF-4736-8379-6CE880F1A28E}" presName="parentText" presStyleLbl="node1" presStyleIdx="0" presStyleCnt="1">
         <dgm:presLayoutVars>
           <dgm:chMax val="0"/>
           <dgm:bulletEnabled val="1"/>
@@ -6223,13 +5423,9 @@
   </dgm:ptLst>
   <dgm:cxnLst>
     <dgm:cxn modelId="{28611700-BA23-4741-A582-D315FAF35748}" type="presOf" srcId="{DBCD91CC-5BB3-4DBF-B41C-2B6D3FD4EF59}" destId="{225E4BFE-4856-4B6D-9C0E-79DC14D9FCE4}" srcOrd="0" destOrd="0" presId="urn:microsoft.com/office/officeart/2005/8/layout/vList2"/>
-    <dgm:cxn modelId="{E8A9FB16-C1FE-48D8-B7DF-CFF77E6EA073}" srcId="{DBCD91CC-5BB3-4DBF-B41C-2B6D3FD4EF59}" destId="{89C32189-B194-4C07-80EF-AF103C352A99}" srcOrd="1" destOrd="0" parTransId="{44954A82-6CAE-4986-834D-AB3F5B6BDB08}" sibTransId="{DCA6EB22-F028-4435-8C2C-828BA6A27181}"/>
     <dgm:cxn modelId="{8EBCCECB-C974-49D0-9F93-F2E04D82E591}" type="presOf" srcId="{8DC2C2BE-AFCF-4736-8379-6CE880F1A28E}" destId="{97A8D912-BAF9-4DB8-90D6-2E69BE632765}" srcOrd="0" destOrd="0" presId="urn:microsoft.com/office/officeart/2005/8/layout/vList2"/>
     <dgm:cxn modelId="{164757DD-54BF-4D37-9FAE-6DDBC31CE0BD}" srcId="{DBCD91CC-5BB3-4DBF-B41C-2B6D3FD4EF59}" destId="{8DC2C2BE-AFCF-4736-8379-6CE880F1A28E}" srcOrd="0" destOrd="0" parTransId="{40C461F6-641F-471C-9535-609B012A5ED5}" sibTransId="{B238E38E-BDB7-4BD2-BC2B-D45FB3CF2064}"/>
-    <dgm:cxn modelId="{F12266DE-217F-47D1-A8D9-67F45E34F0CC}" type="presOf" srcId="{89C32189-B194-4C07-80EF-AF103C352A99}" destId="{7EE0C82D-5FB8-4E42-90AE-73F80EFE1F8A}" srcOrd="0" destOrd="0" presId="urn:microsoft.com/office/officeart/2005/8/layout/vList2"/>
     <dgm:cxn modelId="{B0844DDE-03E1-48AB-9450-0856AEEB864D}" type="presParOf" srcId="{225E4BFE-4856-4B6D-9C0E-79DC14D9FCE4}" destId="{97A8D912-BAF9-4DB8-90D6-2E69BE632765}" srcOrd="0" destOrd="0" presId="urn:microsoft.com/office/officeart/2005/8/layout/vList2"/>
-    <dgm:cxn modelId="{5B7A1CA9-55E0-46AF-A2D9-3EDC9EF5E43A}" type="presParOf" srcId="{225E4BFE-4856-4B6D-9C0E-79DC14D9FCE4}" destId="{C832EF09-0634-4C68-B478-4800D600D6A8}" srcOrd="1" destOrd="0" presId="urn:microsoft.com/office/officeart/2005/8/layout/vList2"/>
-    <dgm:cxn modelId="{4ECD340B-7185-4C5A-BC73-6B0D21420B83}" type="presParOf" srcId="{225E4BFE-4856-4B6D-9C0E-79DC14D9FCE4}" destId="{7EE0C82D-5FB8-4E42-90AE-73F80EFE1F8A}" srcOrd="2" destOrd="0" presId="urn:microsoft.com/office/officeart/2005/8/layout/vList2"/>
   </dgm:cxnLst>
   <dgm:bg/>
   <dgm:whole/>
@@ -6242,266 +5438,6 @@
 </file>
 
 <file path=ppt/diagrams/data2.xml><?xml version="1.0" encoding="utf-8"?>
-<dgm:dataModel xmlns:dgm="http://schemas.openxmlformats.org/drawingml/2006/diagram" xmlns:a="http://schemas.openxmlformats.org/drawingml/2006/main">
-  <dgm:ptLst>
-    <dgm:pt modelId="{DBCD91CC-5BB3-4DBF-B41C-2B6D3FD4EF59}" type="doc">
-      <dgm:prSet loTypeId="urn:microsoft.com/office/officeart/2005/8/layout/vList2" loCatId="list" qsTypeId="urn:microsoft.com/office/officeart/2005/8/quickstyle/simple1" qsCatId="simple" csTypeId="urn:microsoft.com/office/officeart/2005/8/colors/accent1_2" csCatId="accent1" phldr="1"/>
-      <dgm:spPr/>
-      <dgm:t>
-        <a:bodyPr/>
-        <a:lstStyle/>
-        <a:p>
-          <a:endParaRPr lang="fr-FR"/>
-        </a:p>
-      </dgm:t>
-    </dgm:pt>
-    <dgm:pt modelId="{8DC2C2BE-AFCF-4736-8379-6CE880F1A28E}">
-      <dgm:prSet/>
-      <dgm:spPr/>
-      <dgm:t>
-        <a:bodyPr/>
-        <a:lstStyle/>
-        <a:p>
-          <a:pPr>
-            <a:buFont typeface="+mj-lt"/>
-            <a:buAutoNum type="arabicPeriod"/>
-          </a:pPr>
-          <a:r>
-            <a:rPr lang="en-US" b="0" i="0" dirty="0"/>
-            <a:t>Time: Is there a specific window for reaching your target audience, or are you running out of time due to financial constraints?</a:t>
-          </a:r>
-        </a:p>
-      </dgm:t>
-    </dgm:pt>
-    <dgm:pt modelId="{40C461F6-641F-471C-9535-609B012A5ED5}" type="parTrans" cxnId="{164757DD-54BF-4D37-9FAE-6DDBC31CE0BD}">
-      <dgm:prSet/>
-      <dgm:spPr/>
-      <dgm:t>
-        <a:bodyPr/>
-        <a:lstStyle/>
-        <a:p>
-          <a:endParaRPr lang="fr-FR"/>
-        </a:p>
-      </dgm:t>
-    </dgm:pt>
-    <dgm:pt modelId="{B238E38E-BDB7-4BD2-BC2B-D45FB3CF2064}" type="sibTrans" cxnId="{164757DD-54BF-4D37-9FAE-6DDBC31CE0BD}">
-      <dgm:prSet/>
-      <dgm:spPr/>
-      <dgm:t>
-        <a:bodyPr/>
-        <a:lstStyle/>
-        <a:p>
-          <a:endParaRPr lang="fr-FR"/>
-        </a:p>
-      </dgm:t>
-    </dgm:pt>
-    <dgm:pt modelId="{90B3BC44-5723-49CD-B86F-60B653EF4435}">
-      <dgm:prSet/>
-      <dgm:spPr/>
-      <dgm:t>
-        <a:bodyPr/>
-        <a:lstStyle/>
-        <a:p>
-          <a:pPr>
-            <a:buFont typeface="+mj-lt"/>
-            <a:buAutoNum type="arabicPeriod"/>
-          </a:pPr>
-          <a:r>
-            <a:rPr lang="en-US" b="0" i="0" dirty="0"/>
-            <a:t>Financial Situation: Is your company well-financed, or are you self-funding (bootstrapping)? Do you require additional funds to sustain your operations?</a:t>
-          </a:r>
-        </a:p>
-      </dgm:t>
-    </dgm:pt>
-    <dgm:pt modelId="{93264063-3291-4FF2-868F-B527DEA0ACD5}" type="parTrans" cxnId="{237DD10E-4C6A-4BC7-8DA5-EEDA5CFF0E40}">
-      <dgm:prSet/>
-      <dgm:spPr/>
-      <dgm:t>
-        <a:bodyPr/>
-        <a:lstStyle/>
-        <a:p>
-          <a:endParaRPr lang="fr-FR"/>
-        </a:p>
-      </dgm:t>
-    </dgm:pt>
-    <dgm:pt modelId="{58CEA1E5-7EE8-4CF6-9D7F-078F49811BA3}" type="sibTrans" cxnId="{237DD10E-4C6A-4BC7-8DA5-EEDA5CFF0E40}">
-      <dgm:prSet/>
-      <dgm:spPr/>
-      <dgm:t>
-        <a:bodyPr/>
-        <a:lstStyle/>
-        <a:p>
-          <a:endParaRPr lang="fr-FR"/>
-        </a:p>
-      </dgm:t>
-    </dgm:pt>
-    <dgm:pt modelId="{AFF0EB17-273D-430E-96E7-C0531F50A29E}">
-      <dgm:prSet/>
-      <dgm:spPr/>
-      <dgm:t>
-        <a:bodyPr/>
-        <a:lstStyle/>
-        <a:p>
-          <a:pPr>
-            <a:buFont typeface="+mj-lt"/>
-            <a:buAutoNum type="arabicPeriod"/>
-          </a:pPr>
-          <a:r>
-            <a:rPr lang="en-US" b="0" i="0" dirty="0"/>
-            <a:t>Audience Focus: Is it necessary to target a highly specific group of individuals?</a:t>
-          </a:r>
-        </a:p>
-      </dgm:t>
-    </dgm:pt>
-    <dgm:pt modelId="{EA927A55-E19E-480B-B627-2B8285AEF7D7}" type="parTrans" cxnId="{AF6EC125-73AB-4F9C-9F2B-D1D2CA7AC35A}">
-      <dgm:prSet/>
-      <dgm:spPr/>
-      <dgm:t>
-        <a:bodyPr/>
-        <a:lstStyle/>
-        <a:p>
-          <a:endParaRPr lang="fr-FR"/>
-        </a:p>
-      </dgm:t>
-    </dgm:pt>
-    <dgm:pt modelId="{CDC96487-25FF-4B8B-9B2A-BECCCF2F342D}" type="sibTrans" cxnId="{AF6EC125-73AB-4F9C-9F2B-D1D2CA7AC35A}">
-      <dgm:prSet/>
-      <dgm:spPr/>
-      <dgm:t>
-        <a:bodyPr/>
-        <a:lstStyle/>
-        <a:p>
-          <a:endParaRPr lang="fr-FR"/>
-        </a:p>
-      </dgm:t>
-    </dgm:pt>
-    <dgm:pt modelId="{7A2B9F60-C2B8-4AFB-9B7F-68E0E8BA1EEA}">
-      <dgm:prSet/>
-      <dgm:spPr/>
-      <dgm:t>
-        <a:bodyPr/>
-        <a:lstStyle/>
-        <a:p>
-          <a:pPr>
-            <a:buFont typeface="+mj-lt"/>
-            <a:buAutoNum type="arabicPeriod"/>
-          </a:pPr>
-          <a:r>
-            <a:rPr lang="en-US" b="0" i="0" dirty="0"/>
-            <a:t>Legal Challenges: Are you challenging established industries with a history of legal disputes, </a:t>
-          </a:r>
-        </a:p>
-      </dgm:t>
-    </dgm:pt>
-    <dgm:pt modelId="{47CD98C1-434B-4BE6-B637-8250A8C5A153}" type="parTrans" cxnId="{F3DA8D6F-07EF-4348-84BC-0189D710D718}">
-      <dgm:prSet/>
-      <dgm:spPr/>
-      <dgm:t>
-        <a:bodyPr/>
-        <a:lstStyle/>
-        <a:p>
-          <a:endParaRPr lang="fr-FR"/>
-        </a:p>
-      </dgm:t>
-    </dgm:pt>
-    <dgm:pt modelId="{79ED8BB1-53CD-4FB8-9961-AAB3FB654CF2}" type="sibTrans" cxnId="{F3DA8D6F-07EF-4348-84BC-0189D710D718}">
-      <dgm:prSet/>
-      <dgm:spPr/>
-      <dgm:t>
-        <a:bodyPr/>
-        <a:lstStyle/>
-        <a:p>
-          <a:endParaRPr lang="fr-FR"/>
-        </a:p>
-      </dgm:t>
-    </dgm:pt>
-    <dgm:pt modelId="{225E4BFE-4856-4B6D-9C0E-79DC14D9FCE4}" type="pres">
-      <dgm:prSet presAssocID="{DBCD91CC-5BB3-4DBF-B41C-2B6D3FD4EF59}" presName="linear" presStyleCnt="0">
-        <dgm:presLayoutVars>
-          <dgm:animLvl val="lvl"/>
-          <dgm:resizeHandles val="exact"/>
-        </dgm:presLayoutVars>
-      </dgm:prSet>
-      <dgm:spPr/>
-    </dgm:pt>
-    <dgm:pt modelId="{97A8D912-BAF9-4DB8-90D6-2E69BE632765}" type="pres">
-      <dgm:prSet presAssocID="{8DC2C2BE-AFCF-4736-8379-6CE880F1A28E}" presName="parentText" presStyleLbl="node1" presStyleIdx="0" presStyleCnt="4">
-        <dgm:presLayoutVars>
-          <dgm:chMax val="0"/>
-          <dgm:bulletEnabled val="1"/>
-        </dgm:presLayoutVars>
-      </dgm:prSet>
-      <dgm:spPr/>
-    </dgm:pt>
-    <dgm:pt modelId="{C832EF09-0634-4C68-B478-4800D600D6A8}" type="pres">
-      <dgm:prSet presAssocID="{B238E38E-BDB7-4BD2-BC2B-D45FB3CF2064}" presName="spacer" presStyleCnt="0"/>
-      <dgm:spPr/>
-    </dgm:pt>
-    <dgm:pt modelId="{55E866EC-4639-4B28-BA90-8D65BCBCB801}" type="pres">
-      <dgm:prSet presAssocID="{90B3BC44-5723-49CD-B86F-60B653EF4435}" presName="parentText" presStyleLbl="node1" presStyleIdx="1" presStyleCnt="4">
-        <dgm:presLayoutVars>
-          <dgm:chMax val="0"/>
-          <dgm:bulletEnabled val="1"/>
-        </dgm:presLayoutVars>
-      </dgm:prSet>
-      <dgm:spPr/>
-    </dgm:pt>
-    <dgm:pt modelId="{FFA833B0-EB8E-403F-87F5-25D24BD3F898}" type="pres">
-      <dgm:prSet presAssocID="{58CEA1E5-7EE8-4CF6-9D7F-078F49811BA3}" presName="spacer" presStyleCnt="0"/>
-      <dgm:spPr/>
-    </dgm:pt>
-    <dgm:pt modelId="{93BE0F15-4AB3-4E62-802F-5E3B91C5C382}" type="pres">
-      <dgm:prSet presAssocID="{AFF0EB17-273D-430E-96E7-C0531F50A29E}" presName="parentText" presStyleLbl="node1" presStyleIdx="2" presStyleCnt="4">
-        <dgm:presLayoutVars>
-          <dgm:chMax val="0"/>
-          <dgm:bulletEnabled val="1"/>
-        </dgm:presLayoutVars>
-      </dgm:prSet>
-      <dgm:spPr/>
-    </dgm:pt>
-    <dgm:pt modelId="{66267DD8-0141-4403-ACFB-5342E04CD7FE}" type="pres">
-      <dgm:prSet presAssocID="{CDC96487-25FF-4B8B-9B2A-BECCCF2F342D}" presName="spacer" presStyleCnt="0"/>
-      <dgm:spPr/>
-    </dgm:pt>
-    <dgm:pt modelId="{1EDF94EE-703A-489F-A00E-ABA48C34A1E9}" type="pres">
-      <dgm:prSet presAssocID="{7A2B9F60-C2B8-4AFB-9B7F-68E0E8BA1EEA}" presName="parentText" presStyleLbl="node1" presStyleIdx="3" presStyleCnt="4">
-        <dgm:presLayoutVars>
-          <dgm:chMax val="0"/>
-          <dgm:bulletEnabled val="1"/>
-        </dgm:presLayoutVars>
-      </dgm:prSet>
-      <dgm:spPr/>
-    </dgm:pt>
-  </dgm:ptLst>
-  <dgm:cxnLst>
-    <dgm:cxn modelId="{28611700-BA23-4741-A582-D315FAF35748}" type="presOf" srcId="{DBCD91CC-5BB3-4DBF-B41C-2B6D3FD4EF59}" destId="{225E4BFE-4856-4B6D-9C0E-79DC14D9FCE4}" srcOrd="0" destOrd="0" presId="urn:microsoft.com/office/officeart/2005/8/layout/vList2"/>
-    <dgm:cxn modelId="{3F23CA07-65BF-40AF-99FA-631432A72BE9}" type="presOf" srcId="{90B3BC44-5723-49CD-B86F-60B653EF4435}" destId="{55E866EC-4639-4B28-BA90-8D65BCBCB801}" srcOrd="0" destOrd="0" presId="urn:microsoft.com/office/officeart/2005/8/layout/vList2"/>
-    <dgm:cxn modelId="{237DD10E-4C6A-4BC7-8DA5-EEDA5CFF0E40}" srcId="{DBCD91CC-5BB3-4DBF-B41C-2B6D3FD4EF59}" destId="{90B3BC44-5723-49CD-B86F-60B653EF4435}" srcOrd="1" destOrd="0" parTransId="{93264063-3291-4FF2-868F-B527DEA0ACD5}" sibTransId="{58CEA1E5-7EE8-4CF6-9D7F-078F49811BA3}"/>
-    <dgm:cxn modelId="{AF6EC125-73AB-4F9C-9F2B-D1D2CA7AC35A}" srcId="{DBCD91CC-5BB3-4DBF-B41C-2B6D3FD4EF59}" destId="{AFF0EB17-273D-430E-96E7-C0531F50A29E}" srcOrd="2" destOrd="0" parTransId="{EA927A55-E19E-480B-B627-2B8285AEF7D7}" sibTransId="{CDC96487-25FF-4B8B-9B2A-BECCCF2F342D}"/>
-    <dgm:cxn modelId="{1D488062-8AD2-4E1F-B4AC-5EBA6340D24A}" type="presOf" srcId="{7A2B9F60-C2B8-4AFB-9B7F-68E0E8BA1EEA}" destId="{1EDF94EE-703A-489F-A00E-ABA48C34A1E9}" srcOrd="0" destOrd="0" presId="urn:microsoft.com/office/officeart/2005/8/layout/vList2"/>
-    <dgm:cxn modelId="{F3DA8D6F-07EF-4348-84BC-0189D710D718}" srcId="{DBCD91CC-5BB3-4DBF-B41C-2B6D3FD4EF59}" destId="{7A2B9F60-C2B8-4AFB-9B7F-68E0E8BA1EEA}" srcOrd="3" destOrd="0" parTransId="{47CD98C1-434B-4BE6-B637-8250A8C5A153}" sibTransId="{79ED8BB1-53CD-4FB8-9961-AAB3FB654CF2}"/>
-    <dgm:cxn modelId="{2D26F891-139F-4EDA-AF9D-4CD6992AD15A}" type="presOf" srcId="{AFF0EB17-273D-430E-96E7-C0531F50A29E}" destId="{93BE0F15-4AB3-4E62-802F-5E3B91C5C382}" srcOrd="0" destOrd="0" presId="urn:microsoft.com/office/officeart/2005/8/layout/vList2"/>
-    <dgm:cxn modelId="{8EBCCECB-C974-49D0-9F93-F2E04D82E591}" type="presOf" srcId="{8DC2C2BE-AFCF-4736-8379-6CE880F1A28E}" destId="{97A8D912-BAF9-4DB8-90D6-2E69BE632765}" srcOrd="0" destOrd="0" presId="urn:microsoft.com/office/officeart/2005/8/layout/vList2"/>
-    <dgm:cxn modelId="{164757DD-54BF-4D37-9FAE-6DDBC31CE0BD}" srcId="{DBCD91CC-5BB3-4DBF-B41C-2B6D3FD4EF59}" destId="{8DC2C2BE-AFCF-4736-8379-6CE880F1A28E}" srcOrd="0" destOrd="0" parTransId="{40C461F6-641F-471C-9535-609B012A5ED5}" sibTransId="{B238E38E-BDB7-4BD2-BC2B-D45FB3CF2064}"/>
-    <dgm:cxn modelId="{B0844DDE-03E1-48AB-9450-0856AEEB864D}" type="presParOf" srcId="{225E4BFE-4856-4B6D-9C0E-79DC14D9FCE4}" destId="{97A8D912-BAF9-4DB8-90D6-2E69BE632765}" srcOrd="0" destOrd="0" presId="urn:microsoft.com/office/officeart/2005/8/layout/vList2"/>
-    <dgm:cxn modelId="{5B7A1CA9-55E0-46AF-A2D9-3EDC9EF5E43A}" type="presParOf" srcId="{225E4BFE-4856-4B6D-9C0E-79DC14D9FCE4}" destId="{C832EF09-0634-4C68-B478-4800D600D6A8}" srcOrd="1" destOrd="0" presId="urn:microsoft.com/office/officeart/2005/8/layout/vList2"/>
-    <dgm:cxn modelId="{337AC6D6-0324-4313-925A-6E5833B4B9CD}" type="presParOf" srcId="{225E4BFE-4856-4B6D-9C0E-79DC14D9FCE4}" destId="{55E866EC-4639-4B28-BA90-8D65BCBCB801}" srcOrd="2" destOrd="0" presId="urn:microsoft.com/office/officeart/2005/8/layout/vList2"/>
-    <dgm:cxn modelId="{6464888B-5928-4A79-916C-C663A484ABDB}" type="presParOf" srcId="{225E4BFE-4856-4B6D-9C0E-79DC14D9FCE4}" destId="{FFA833B0-EB8E-403F-87F5-25D24BD3F898}" srcOrd="3" destOrd="0" presId="urn:microsoft.com/office/officeart/2005/8/layout/vList2"/>
-    <dgm:cxn modelId="{F70F16F1-AA94-461A-A76A-C63E1031B21C}" type="presParOf" srcId="{225E4BFE-4856-4B6D-9C0E-79DC14D9FCE4}" destId="{93BE0F15-4AB3-4E62-802F-5E3B91C5C382}" srcOrd="4" destOrd="0" presId="urn:microsoft.com/office/officeart/2005/8/layout/vList2"/>
-    <dgm:cxn modelId="{539918D4-B572-494F-98A2-CA69B5592A14}" type="presParOf" srcId="{225E4BFE-4856-4B6D-9C0E-79DC14D9FCE4}" destId="{66267DD8-0141-4403-ACFB-5342E04CD7FE}" srcOrd="5" destOrd="0" presId="urn:microsoft.com/office/officeart/2005/8/layout/vList2"/>
-    <dgm:cxn modelId="{3B2374CD-A6B3-408A-B1A4-6255BD4C5D42}" type="presParOf" srcId="{225E4BFE-4856-4B6D-9C0E-79DC14D9FCE4}" destId="{1EDF94EE-703A-489F-A00E-ABA48C34A1E9}" srcOrd="6" destOrd="0" presId="urn:microsoft.com/office/officeart/2005/8/layout/vList2"/>
-  </dgm:cxnLst>
-  <dgm:bg/>
-  <dgm:whole/>
-  <dgm:extLst>
-    <a:ext uri="http://schemas.microsoft.com/office/drawing/2008/diagram">
-      <dsp:dataModelExt xmlns:dsp="http://schemas.microsoft.com/office/drawing/2008/diagram" relId="rId6" minVer="http://schemas.openxmlformats.org/drawingml/2006/diagram"/>
-    </a:ext>
-  </dgm:extLst>
-</dgm:dataModel>
-</file>
-
-<file path=ppt/diagrams/data3.xml><?xml version="1.0" encoding="utf-8"?>
 <dgm:dataModel xmlns:dgm="http://schemas.openxmlformats.org/drawingml/2006/diagram" xmlns:a="http://schemas.openxmlformats.org/drawingml/2006/main">
   <dgm:ptLst>
     <dgm:pt modelId="{DBCD91CC-5BB3-4DBF-B41C-2B6D3FD4EF59}" type="doc">
@@ -6538,85 +5474,11 @@
 </dgm:dataModel>
 </file>
 
-<file path=ppt/diagrams/data4.xml><?xml version="1.0" encoding="utf-8"?>
-<dgm:dataModel xmlns:dgm="http://schemas.openxmlformats.org/drawingml/2006/diagram" xmlns:a="http://schemas.openxmlformats.org/drawingml/2006/main">
-  <dgm:ptLst>
-    <dgm:pt modelId="{DBCD91CC-5BB3-4DBF-B41C-2B6D3FD4EF59}" type="doc">
-      <dgm:prSet loTypeId="urn:microsoft.com/office/officeart/2005/8/layout/vList2" loCatId="list" qsTypeId="urn:microsoft.com/office/officeart/2005/8/quickstyle/simple1" qsCatId="simple" csTypeId="urn:microsoft.com/office/officeart/2005/8/colors/accent1_2" csCatId="accent1" phldr="1"/>
-      <dgm:spPr/>
-      <dgm:t>
-        <a:bodyPr/>
-        <a:lstStyle/>
-        <a:p>
-          <a:endParaRPr lang="fr-FR"/>
-        </a:p>
-      </dgm:t>
-    </dgm:pt>
-    <dgm:pt modelId="{225E4BFE-4856-4B6D-9C0E-79DC14D9FCE4}" type="pres">
-      <dgm:prSet presAssocID="{DBCD91CC-5BB3-4DBF-B41C-2B6D3FD4EF59}" presName="linear" presStyleCnt="0">
-        <dgm:presLayoutVars>
-          <dgm:animLvl val="lvl"/>
-          <dgm:resizeHandles val="exact"/>
-        </dgm:presLayoutVars>
-      </dgm:prSet>
-      <dgm:spPr/>
-    </dgm:pt>
-  </dgm:ptLst>
-  <dgm:cxnLst>
-    <dgm:cxn modelId="{28611700-BA23-4741-A582-D315FAF35748}" type="presOf" srcId="{DBCD91CC-5BB3-4DBF-B41C-2B6D3FD4EF59}" destId="{225E4BFE-4856-4B6D-9C0E-79DC14D9FCE4}" srcOrd="0" destOrd="0" presId="urn:microsoft.com/office/officeart/2005/8/layout/vList2"/>
-  </dgm:cxnLst>
-  <dgm:bg/>
-  <dgm:whole/>
-  <dgm:extLst>
-    <a:ext uri="http://schemas.microsoft.com/office/drawing/2008/diagram">
-      <dsp:dataModelExt xmlns:dsp="http://schemas.microsoft.com/office/drawing/2008/diagram" relId="rId6" minVer="http://schemas.openxmlformats.org/drawingml/2006/diagram"/>
-    </a:ext>
-  </dgm:extLst>
-</dgm:dataModel>
-</file>
-
-<file path=ppt/diagrams/data5.xml><?xml version="1.0" encoding="utf-8"?>
+<file path=ppt/diagrams/data3.xml><?xml version="1.0" encoding="utf-8"?>
 <dgm:dataModel xmlns:dgm="http://schemas.openxmlformats.org/drawingml/2006/diagram" xmlns:a="http://schemas.openxmlformats.org/drawingml/2006/main">
   <dgm:ptLst>
     <dgm:pt modelId="{D67DA014-FAF9-4739-8870-89F2DE1B627B}" type="doc">
-      <dgm:prSet loTypeId="urn:microsoft.com/office/officeart/2005/8/layout/vList2" loCatId="list" qsTypeId="urn:microsoft.com/office/officeart/2005/8/quickstyle/simple1" qsCatId="simple" csTypeId="urn:microsoft.com/office/officeart/2005/8/colors/accent1_2" csCatId="accent1"/>
-      <dgm:spPr/>
-      <dgm:t>
-        <a:bodyPr/>
-        <a:lstStyle/>
-        <a:p>
-          <a:endParaRPr lang="fr-FR"/>
-        </a:p>
-      </dgm:t>
-    </dgm:pt>
-    <dgm:pt modelId="{CA9F957A-9195-4534-B98A-AA0D764BCEA7}">
-      <dgm:prSet/>
-      <dgm:spPr/>
-      <dgm:t>
-        <a:bodyPr/>
-        <a:lstStyle/>
-        <a:p>
-          <a:r>
-            <a:rPr lang="en-US" b="0" i="0" dirty="0"/>
-            <a:t>Landing Pages: First contact points for customers, also serving as MVPs for testing your product.</a:t>
-          </a:r>
-          <a:endParaRPr lang="fr-FR" dirty="0"/>
-        </a:p>
-      </dgm:t>
-    </dgm:pt>
-    <dgm:pt modelId="{05F7A61E-2C82-4FA1-BFFA-A646EC750FC9}" type="parTrans" cxnId="{5FEEE3DD-0E07-41D4-BEB7-434762910DBE}">
-      <dgm:prSet/>
-      <dgm:spPr/>
-      <dgm:t>
-        <a:bodyPr/>
-        <a:lstStyle/>
-        <a:p>
-          <a:endParaRPr lang="fr-FR"/>
-        </a:p>
-      </dgm:t>
-    </dgm:pt>
-    <dgm:pt modelId="{7160949C-7E20-45B8-A161-29C3853B38FB}" type="sibTrans" cxnId="{5FEEE3DD-0E07-41D4-BEB7-434762910DBE}">
-      <dgm:prSet/>
+      <dgm:prSet loTypeId="urn:microsoft.com/office/officeart/2005/8/layout/vList2" loCatId="list" qsTypeId="urn:microsoft.com/office/officeart/2005/8/quickstyle/simple1" qsCatId="simple" csTypeId="urn:microsoft.com/office/officeart/2005/8/colors/accent1_2" csCatId="accent1" phldr="1"/>
       <dgm:spPr/>
       <dgm:t>
         <a:bodyPr/>
@@ -6671,10 +5533,18 @@
         <a:lstStyle/>
         <a:p>
           <a:r>
-            <a:rPr lang="en-US" b="0" i="0"/>
-            <a:t>Fundraising: Use crowdfunding platforms like FundKiss to validate market interest and engage early adopters.</a:t>
+            <a:rPr lang="en-US" b="0" i="0" dirty="0"/>
+            <a:t>Fundraising: Use crowdfunding platforms like </a:t>
           </a:r>
-          <a:endParaRPr lang="fr-FR"/>
+          <a:r>
+            <a:rPr lang="en-US" b="0" i="0" dirty="0" err="1"/>
+            <a:t>FundKiss</a:t>
+          </a:r>
+          <a:r>
+            <a:rPr lang="en-US" b="0" i="0" dirty="0"/>
+            <a:t> to validate market interest and engage early adopters.</a:t>
+          </a:r>
+          <a:endParaRPr lang="fr-FR" dirty="0"/>
         </a:p>
       </dgm:t>
     </dgm:pt>
@@ -6700,43 +5570,6 @@
         </a:p>
       </dgm:t>
     </dgm:pt>
-    <dgm:pt modelId="{3A4BD923-5B5B-4D5B-B036-5CB8BF5695A3}">
-      <dgm:prSet/>
-      <dgm:spPr/>
-      <dgm:t>
-        <a:bodyPr/>
-        <a:lstStyle/>
-        <a:p>
-          <a:r>
-            <a:rPr lang="en-US" b="0" i="0"/>
-            <a:t>Explainer Videos: Showcase your product's user experience to attract early users. </a:t>
-          </a:r>
-          <a:endParaRPr lang="fr-FR"/>
-        </a:p>
-      </dgm:t>
-    </dgm:pt>
-    <dgm:pt modelId="{630A2F4D-8447-4E4B-9392-8D229BF39EA3}" type="parTrans" cxnId="{8FF503D8-0D42-4326-8DFA-4F0402B23424}">
-      <dgm:prSet/>
-      <dgm:spPr/>
-      <dgm:t>
-        <a:bodyPr/>
-        <a:lstStyle/>
-        <a:p>
-          <a:endParaRPr lang="fr-FR"/>
-        </a:p>
-      </dgm:t>
-    </dgm:pt>
-    <dgm:pt modelId="{8DF1FECC-93F3-4CB9-8BEC-74D58B596665}" type="sibTrans" cxnId="{8FF503D8-0D42-4326-8DFA-4F0402B23424}">
-      <dgm:prSet/>
-      <dgm:spPr/>
-      <dgm:t>
-        <a:bodyPr/>
-        <a:lstStyle/>
-        <a:p>
-          <a:endParaRPr lang="fr-FR"/>
-        </a:p>
-      </dgm:t>
-    </dgm:pt>
     <dgm:pt modelId="{2B8504D1-2E75-4CA9-926A-FA86F1DD021F}">
       <dgm:prSet/>
       <dgm:spPr/>
@@ -6745,10 +5578,10 @@
         <a:lstStyle/>
         <a:p>
           <a:r>
-            <a:rPr lang="en-US" b="0" i="0"/>
+            <a:rPr lang="en-US" b="0" i="0" dirty="0"/>
             <a:t>Concierge MVPs: Deliver a customized service to select customers, revealing customer preferences.</a:t>
           </a:r>
-          <a:endParaRPr lang="fr-FR"/>
+          <a:endParaRPr lang="fr-FR" dirty="0"/>
         </a:p>
       </dgm:t>
     </dgm:pt>
@@ -6782,10 +5615,10 @@
         <a:lstStyle/>
         <a:p>
           <a:r>
-            <a:rPr lang="en-US" b="0" i="0"/>
+            <a:rPr lang="en-US" b="0" i="0" dirty="0"/>
             <a:t>Single-Feature MVPs: Focus on one core feature to simplify development and user focus.</a:t>
           </a:r>
-          <a:endParaRPr lang="fr-FR"/>
+          <a:endParaRPr lang="fr-FR" dirty="0"/>
         </a:p>
       </dgm:t>
     </dgm:pt>
@@ -6819,10 +5652,10 @@
         <a:lstStyle/>
         <a:p>
           <a:r>
-            <a:rPr lang="en-US" b="0" i="0"/>
+            <a:rPr lang="en-US" b="0" i="0" dirty="0"/>
             <a:t>Pre-Order Pages: Present your product to potential customers, enticing them to purchase before it's built.</a:t>
           </a:r>
-          <a:endParaRPr lang="fr-FR"/>
+          <a:endParaRPr lang="fr-FR" dirty="0"/>
         </a:p>
       </dgm:t>
     </dgm:pt>
@@ -6857,21 +5690,8 @@
       </dgm:prSet>
       <dgm:spPr/>
     </dgm:pt>
-    <dgm:pt modelId="{2EFE80C3-975D-4EA6-9780-6941D450A262}" type="pres">
-      <dgm:prSet presAssocID="{CA9F957A-9195-4534-B98A-AA0D764BCEA7}" presName="parentText" presStyleLbl="node1" presStyleIdx="0" presStyleCnt="7" custLinFactY="-125074" custLinFactNeighborY="-200000">
-        <dgm:presLayoutVars>
-          <dgm:chMax val="0"/>
-          <dgm:bulletEnabled val="1"/>
-        </dgm:presLayoutVars>
-      </dgm:prSet>
-      <dgm:spPr/>
-    </dgm:pt>
-    <dgm:pt modelId="{97A4705B-29B9-4809-8883-7035EE9A3EB6}" type="pres">
-      <dgm:prSet presAssocID="{7160949C-7E20-45B8-A161-29C3853B38FB}" presName="spacer" presStyleCnt="0"/>
-      <dgm:spPr/>
-    </dgm:pt>
     <dgm:pt modelId="{F2AAA7B6-B134-45BC-B7A6-22F4F395FF1A}" type="pres">
-      <dgm:prSet presAssocID="{E2EA097A-1A5E-45B2-84A2-D0F7276E83DD}" presName="parentText" presStyleLbl="node1" presStyleIdx="1" presStyleCnt="7" custLinFactY="-100000" custLinFactNeighborY="-141614">
+      <dgm:prSet presAssocID="{E2EA097A-1A5E-45B2-84A2-D0F7276E83DD}" presName="parentText" presStyleLbl="node1" presStyleIdx="0" presStyleCnt="5" custLinFactY="-100000" custLinFactNeighborY="-141614">
         <dgm:presLayoutVars>
           <dgm:chMax val="0"/>
           <dgm:bulletEnabled val="1"/>
@@ -6884,7 +5704,7 @@
       <dgm:spPr/>
     </dgm:pt>
     <dgm:pt modelId="{789DC43C-1C1B-4CDA-843E-EB15B9A9273C}" type="pres">
-      <dgm:prSet presAssocID="{6DE3C108-BFEC-4EBD-8ECF-4EC6EC3022CD}" presName="parentText" presStyleLbl="node1" presStyleIdx="2" presStyleCnt="7" custLinFactY="-89517" custLinFactNeighborY="-100000">
+      <dgm:prSet presAssocID="{6DE3C108-BFEC-4EBD-8ECF-4EC6EC3022CD}" presName="parentText" presStyleLbl="node1" presStyleIdx="1" presStyleCnt="5" custLinFactY="-89517" custLinFactNeighborY="-100000">
         <dgm:presLayoutVars>
           <dgm:chMax val="0"/>
           <dgm:bulletEnabled val="1"/>
@@ -6896,21 +5716,8 @@
       <dgm:prSet presAssocID="{5D7D63D8-0F79-41C0-AEAE-9D549BF1CFEE}" presName="spacer" presStyleCnt="0"/>
       <dgm:spPr/>
     </dgm:pt>
-    <dgm:pt modelId="{43C0912D-FEA1-49D1-AF7D-194803573827}" type="pres">
-      <dgm:prSet presAssocID="{3A4BD923-5B5B-4D5B-B036-5CB8BF5695A3}" presName="parentText" presStyleLbl="node1" presStyleIdx="3" presStyleCnt="7" custLinFactY="-84440" custLinFactNeighborX="-303" custLinFactNeighborY="-100000">
-        <dgm:presLayoutVars>
-          <dgm:chMax val="0"/>
-          <dgm:bulletEnabled val="1"/>
-        </dgm:presLayoutVars>
-      </dgm:prSet>
-      <dgm:spPr/>
-    </dgm:pt>
-    <dgm:pt modelId="{27D174CB-A837-4A62-ABDC-280EE0F9F854}" type="pres">
-      <dgm:prSet presAssocID="{8DF1FECC-93F3-4CB9-8BEC-74D58B596665}" presName="spacer" presStyleCnt="0"/>
-      <dgm:spPr/>
-    </dgm:pt>
     <dgm:pt modelId="{7CA2177B-1C46-4A8A-A846-3536CB2BE646}" type="pres">
-      <dgm:prSet presAssocID="{2B8504D1-2E75-4CA9-926A-FA86F1DD021F}" presName="parentText" presStyleLbl="node1" presStyleIdx="4" presStyleCnt="7" custLinFactY="-80593" custLinFactNeighborX="-303" custLinFactNeighborY="-100000">
+      <dgm:prSet presAssocID="{2B8504D1-2E75-4CA9-926A-FA86F1DD021F}" presName="parentText" presStyleLbl="node1" presStyleIdx="2" presStyleCnt="5" custLinFactY="-80593" custLinFactNeighborX="-303" custLinFactNeighborY="-100000">
         <dgm:presLayoutVars>
           <dgm:chMax val="0"/>
           <dgm:bulletEnabled val="1"/>
@@ -6923,7 +5730,7 @@
       <dgm:spPr/>
     </dgm:pt>
     <dgm:pt modelId="{BE01E163-8DAC-45FA-AAE6-1D4105761CF2}" type="pres">
-      <dgm:prSet presAssocID="{4DB1260F-AB14-4000-B213-569CC93D7F0A}" presName="parentText" presStyleLbl="node1" presStyleIdx="5" presStyleCnt="7" custLinFactY="-75745" custLinFactNeighborX="3162" custLinFactNeighborY="-100000">
+      <dgm:prSet presAssocID="{4DB1260F-AB14-4000-B213-569CC93D7F0A}" presName="parentText" presStyleLbl="node1" presStyleIdx="3" presStyleCnt="5" custLinFactY="-75745" custLinFactNeighborX="3162" custLinFactNeighborY="-100000">
         <dgm:presLayoutVars>
           <dgm:chMax val="0"/>
           <dgm:bulletEnabled val="1"/>
@@ -6936,7 +5743,7 @@
       <dgm:spPr/>
     </dgm:pt>
     <dgm:pt modelId="{AEE1670C-DD58-4CA7-AA30-491DB85B0787}" type="pres">
-      <dgm:prSet presAssocID="{A7C429FF-7A78-4B16-809C-B676DBCF35CC}" presName="parentText" presStyleLbl="node1" presStyleIdx="6" presStyleCnt="7" custLinFactY="-65995" custLinFactNeighborY="-100000">
+      <dgm:prSet presAssocID="{A7C429FF-7A78-4B16-809C-B676DBCF35CC}" presName="parentText" presStyleLbl="node1" presStyleIdx="4" presStyleCnt="5" custLinFactY="-65995" custLinFactNeighborY="-100000">
         <dgm:presLayoutVars>
           <dgm:chMax val="0"/>
           <dgm:bulletEnabled val="1"/>
@@ -6948,32 +5755,24 @@
   <dgm:cxnLst>
     <dgm:cxn modelId="{E2295B07-09ED-443D-84FF-F5F9E5C4CD53}" type="presOf" srcId="{6DE3C108-BFEC-4EBD-8ECF-4EC6EC3022CD}" destId="{789DC43C-1C1B-4CDA-843E-EB15B9A9273C}" srcOrd="0" destOrd="0" presId="urn:microsoft.com/office/officeart/2005/8/layout/vList2"/>
     <dgm:cxn modelId="{E03BE00A-E3DF-4D7F-AC8B-05DA2A8EA2BF}" type="presOf" srcId="{4DB1260F-AB14-4000-B213-569CC93D7F0A}" destId="{BE01E163-8DAC-45FA-AAE6-1D4105761CF2}" srcOrd="0" destOrd="0" presId="urn:microsoft.com/office/officeart/2005/8/layout/vList2"/>
-    <dgm:cxn modelId="{64E1171C-7452-4FC6-BEE6-54591886D9E3}" srcId="{D67DA014-FAF9-4739-8870-89F2DE1B627B}" destId="{A7C429FF-7A78-4B16-809C-B676DBCF35CC}" srcOrd="6" destOrd="0" parTransId="{42135D2E-2E8D-4ED8-99C8-F4475299D817}" sibTransId="{4C0F0C99-E178-469F-9FE1-EAC5F6554306}"/>
+    <dgm:cxn modelId="{64E1171C-7452-4FC6-BEE6-54591886D9E3}" srcId="{D67DA014-FAF9-4739-8870-89F2DE1B627B}" destId="{A7C429FF-7A78-4B16-809C-B676DBCF35CC}" srcOrd="4" destOrd="0" parTransId="{42135D2E-2E8D-4ED8-99C8-F4475299D817}" sibTransId="{4C0F0C99-E178-469F-9FE1-EAC5F6554306}"/>
     <dgm:cxn modelId="{CD8F4F3E-38E1-472A-A2D3-75FEDCAB5066}" type="presOf" srcId="{D67DA014-FAF9-4739-8870-89F2DE1B627B}" destId="{34531F56-3CF7-41FD-B2A8-6A49C09DA43B}" srcOrd="0" destOrd="0" presId="urn:microsoft.com/office/officeart/2005/8/layout/vList2"/>
-    <dgm:cxn modelId="{8D3F074B-1ABA-4DA2-B400-ED136EA50F90}" type="presOf" srcId="{3A4BD923-5B5B-4D5B-B036-5CB8BF5695A3}" destId="{43C0912D-FEA1-49D1-AF7D-194803573827}" srcOrd="0" destOrd="0" presId="urn:microsoft.com/office/officeart/2005/8/layout/vList2"/>
-    <dgm:cxn modelId="{696F3A71-3E44-4FB1-9430-6A784A5A9880}" srcId="{D67DA014-FAF9-4739-8870-89F2DE1B627B}" destId="{6DE3C108-BFEC-4EBD-8ECF-4EC6EC3022CD}" srcOrd="2" destOrd="0" parTransId="{638048E1-2717-4C7E-8048-2BFD6514B5CE}" sibTransId="{5D7D63D8-0F79-41C0-AEAE-9D549BF1CFEE}"/>
-    <dgm:cxn modelId="{293B6753-5254-419B-957F-BE5C00DBC84E}" srcId="{D67DA014-FAF9-4739-8870-89F2DE1B627B}" destId="{E2EA097A-1A5E-45B2-84A2-D0F7276E83DD}" srcOrd="1" destOrd="0" parTransId="{E2C223BE-AB32-4F7A-927D-390D98FACB21}" sibTransId="{599BDFE5-982B-40FF-BDD4-F323B2648CB4}"/>
-    <dgm:cxn modelId="{7753C27B-D50C-49A4-8729-574FF8AFE639}" srcId="{D67DA014-FAF9-4739-8870-89F2DE1B627B}" destId="{2B8504D1-2E75-4CA9-926A-FA86F1DD021F}" srcOrd="4" destOrd="0" parTransId="{55BCA9B8-8794-4E61-A199-59DBDD18953E}" sibTransId="{8D297B8E-2BDF-4FB7-BFCC-6C62EF0390E7}"/>
+    <dgm:cxn modelId="{696F3A71-3E44-4FB1-9430-6A784A5A9880}" srcId="{D67DA014-FAF9-4739-8870-89F2DE1B627B}" destId="{6DE3C108-BFEC-4EBD-8ECF-4EC6EC3022CD}" srcOrd="1" destOrd="0" parTransId="{638048E1-2717-4C7E-8048-2BFD6514B5CE}" sibTransId="{5D7D63D8-0F79-41C0-AEAE-9D549BF1CFEE}"/>
+    <dgm:cxn modelId="{293B6753-5254-419B-957F-BE5C00DBC84E}" srcId="{D67DA014-FAF9-4739-8870-89F2DE1B627B}" destId="{E2EA097A-1A5E-45B2-84A2-D0F7276E83DD}" srcOrd="0" destOrd="0" parTransId="{E2C223BE-AB32-4F7A-927D-390D98FACB21}" sibTransId="{599BDFE5-982B-40FF-BDD4-F323B2648CB4}"/>
+    <dgm:cxn modelId="{7753C27B-D50C-49A4-8729-574FF8AFE639}" srcId="{D67DA014-FAF9-4739-8870-89F2DE1B627B}" destId="{2B8504D1-2E75-4CA9-926A-FA86F1DD021F}" srcOrd="2" destOrd="0" parTransId="{55BCA9B8-8794-4E61-A199-59DBDD18953E}" sibTransId="{8D297B8E-2BDF-4FB7-BFCC-6C62EF0390E7}"/>
     <dgm:cxn modelId="{0E3E7C7D-C3B6-48E5-983E-4836E343FE90}" type="presOf" srcId="{E2EA097A-1A5E-45B2-84A2-D0F7276E83DD}" destId="{F2AAA7B6-B134-45BC-B7A6-22F4F395FF1A}" srcOrd="0" destOrd="0" presId="urn:microsoft.com/office/officeart/2005/8/layout/vList2"/>
     <dgm:cxn modelId="{0D8A9CA1-5F01-4BC6-B4EA-038CD84AE7D2}" type="presOf" srcId="{A7C429FF-7A78-4B16-809C-B676DBCF35CC}" destId="{AEE1670C-DD58-4CA7-AA30-491DB85B0787}" srcOrd="0" destOrd="0" presId="urn:microsoft.com/office/officeart/2005/8/layout/vList2"/>
-    <dgm:cxn modelId="{C72003AF-F70B-43D7-946F-4CA530E5ECE5}" type="presOf" srcId="{CA9F957A-9195-4534-B98A-AA0D764BCEA7}" destId="{2EFE80C3-975D-4EA6-9780-6941D450A262}" srcOrd="0" destOrd="0" presId="urn:microsoft.com/office/officeart/2005/8/layout/vList2"/>
-    <dgm:cxn modelId="{ACAED4B5-2AEA-4FEB-A756-40B1E392D05A}" srcId="{D67DA014-FAF9-4739-8870-89F2DE1B627B}" destId="{4DB1260F-AB14-4000-B213-569CC93D7F0A}" srcOrd="5" destOrd="0" parTransId="{3D0D83E9-2DA3-4A5B-BA87-3CD2E15CF9A8}" sibTransId="{E8DF13B7-2B70-47E3-B67B-67CE1815170A}"/>
-    <dgm:cxn modelId="{8FF503D8-0D42-4326-8DFA-4F0402B23424}" srcId="{D67DA014-FAF9-4739-8870-89F2DE1B627B}" destId="{3A4BD923-5B5B-4D5B-B036-5CB8BF5695A3}" srcOrd="3" destOrd="0" parTransId="{630A2F4D-8447-4E4B-9392-8D229BF39EA3}" sibTransId="{8DF1FECC-93F3-4CB9-8BEC-74D58B596665}"/>
-    <dgm:cxn modelId="{5FEEE3DD-0E07-41D4-BEB7-434762910DBE}" srcId="{D67DA014-FAF9-4739-8870-89F2DE1B627B}" destId="{CA9F957A-9195-4534-B98A-AA0D764BCEA7}" srcOrd="0" destOrd="0" parTransId="{05F7A61E-2C82-4FA1-BFFA-A646EC750FC9}" sibTransId="{7160949C-7E20-45B8-A161-29C3853B38FB}"/>
+    <dgm:cxn modelId="{ACAED4B5-2AEA-4FEB-A756-40B1E392D05A}" srcId="{D67DA014-FAF9-4739-8870-89F2DE1B627B}" destId="{4DB1260F-AB14-4000-B213-569CC93D7F0A}" srcOrd="3" destOrd="0" parTransId="{3D0D83E9-2DA3-4A5B-BA87-3CD2E15CF9A8}" sibTransId="{E8DF13B7-2B70-47E3-B67B-67CE1815170A}"/>
     <dgm:cxn modelId="{211BF9E6-8163-4D65-9BE9-328FC615F98A}" type="presOf" srcId="{2B8504D1-2E75-4CA9-926A-FA86F1DD021F}" destId="{7CA2177B-1C46-4A8A-A846-3536CB2BE646}" srcOrd="0" destOrd="0" presId="urn:microsoft.com/office/officeart/2005/8/layout/vList2"/>
-    <dgm:cxn modelId="{5FBD3360-F49F-43EC-9CD6-8620F25AD400}" type="presParOf" srcId="{34531F56-3CF7-41FD-B2A8-6A49C09DA43B}" destId="{2EFE80C3-975D-4EA6-9780-6941D450A262}" srcOrd="0" destOrd="0" presId="urn:microsoft.com/office/officeart/2005/8/layout/vList2"/>
-    <dgm:cxn modelId="{ABBD3E76-B1AB-4B0D-8BE1-665EE75B8330}" type="presParOf" srcId="{34531F56-3CF7-41FD-B2A8-6A49C09DA43B}" destId="{97A4705B-29B9-4809-8883-7035EE9A3EB6}" srcOrd="1" destOrd="0" presId="urn:microsoft.com/office/officeart/2005/8/layout/vList2"/>
-    <dgm:cxn modelId="{AF0FBEE0-9F77-4FB0-864A-B7C1BEC0C4DE}" type="presParOf" srcId="{34531F56-3CF7-41FD-B2A8-6A49C09DA43B}" destId="{F2AAA7B6-B134-45BC-B7A6-22F4F395FF1A}" srcOrd="2" destOrd="0" presId="urn:microsoft.com/office/officeart/2005/8/layout/vList2"/>
-    <dgm:cxn modelId="{E445FADF-4073-43B5-A064-32948A56FFC1}" type="presParOf" srcId="{34531F56-3CF7-41FD-B2A8-6A49C09DA43B}" destId="{47B44D2A-A706-4697-9572-E9C5F880E9BC}" srcOrd="3" destOrd="0" presId="urn:microsoft.com/office/officeart/2005/8/layout/vList2"/>
-    <dgm:cxn modelId="{6641673F-9F25-4976-A3D2-3C88E9539D1F}" type="presParOf" srcId="{34531F56-3CF7-41FD-B2A8-6A49C09DA43B}" destId="{789DC43C-1C1B-4CDA-843E-EB15B9A9273C}" srcOrd="4" destOrd="0" presId="urn:microsoft.com/office/officeart/2005/8/layout/vList2"/>
-    <dgm:cxn modelId="{5CC89A4F-997C-4FE9-A58C-CB19477DECF6}" type="presParOf" srcId="{34531F56-3CF7-41FD-B2A8-6A49C09DA43B}" destId="{273D9EB5-1767-4CB4-B16F-4C5C9CEBF8A0}" srcOrd="5" destOrd="0" presId="urn:microsoft.com/office/officeart/2005/8/layout/vList2"/>
-    <dgm:cxn modelId="{2D82CB18-1B46-41C7-8D28-345F98DD4983}" type="presParOf" srcId="{34531F56-3CF7-41FD-B2A8-6A49C09DA43B}" destId="{43C0912D-FEA1-49D1-AF7D-194803573827}" srcOrd="6" destOrd="0" presId="urn:microsoft.com/office/officeart/2005/8/layout/vList2"/>
-    <dgm:cxn modelId="{52802096-5F7E-47CD-A219-FC1BA2C51F68}" type="presParOf" srcId="{34531F56-3CF7-41FD-B2A8-6A49C09DA43B}" destId="{27D174CB-A837-4A62-ABDC-280EE0F9F854}" srcOrd="7" destOrd="0" presId="urn:microsoft.com/office/officeart/2005/8/layout/vList2"/>
-    <dgm:cxn modelId="{5F2A54DA-91F9-4B45-B099-42AF202B0D61}" type="presParOf" srcId="{34531F56-3CF7-41FD-B2A8-6A49C09DA43B}" destId="{7CA2177B-1C46-4A8A-A846-3536CB2BE646}" srcOrd="8" destOrd="0" presId="urn:microsoft.com/office/officeart/2005/8/layout/vList2"/>
-    <dgm:cxn modelId="{D5920600-04EE-4CDF-94B4-75E078F89FDA}" type="presParOf" srcId="{34531F56-3CF7-41FD-B2A8-6A49C09DA43B}" destId="{8741B66F-ACFC-4DD4-A143-D95FA46CA873}" srcOrd="9" destOrd="0" presId="urn:microsoft.com/office/officeart/2005/8/layout/vList2"/>
-    <dgm:cxn modelId="{245B1CF5-18DC-4CCD-B448-2A25F6FFB03A}" type="presParOf" srcId="{34531F56-3CF7-41FD-B2A8-6A49C09DA43B}" destId="{BE01E163-8DAC-45FA-AAE6-1D4105761CF2}" srcOrd="10" destOrd="0" presId="urn:microsoft.com/office/officeart/2005/8/layout/vList2"/>
-    <dgm:cxn modelId="{ED93C57E-4A0B-4906-8F63-A582A74FE7CD}" type="presParOf" srcId="{34531F56-3CF7-41FD-B2A8-6A49C09DA43B}" destId="{EA1255EA-C4DA-4467-8D31-71DC54BE57B5}" srcOrd="11" destOrd="0" presId="urn:microsoft.com/office/officeart/2005/8/layout/vList2"/>
-    <dgm:cxn modelId="{4FF59EE5-A828-4503-8E4D-4BAB66AD1460}" type="presParOf" srcId="{34531F56-3CF7-41FD-B2A8-6A49C09DA43B}" destId="{AEE1670C-DD58-4CA7-AA30-491DB85B0787}" srcOrd="12" destOrd="0" presId="urn:microsoft.com/office/officeart/2005/8/layout/vList2"/>
+    <dgm:cxn modelId="{AF0FBEE0-9F77-4FB0-864A-B7C1BEC0C4DE}" type="presParOf" srcId="{34531F56-3CF7-41FD-B2A8-6A49C09DA43B}" destId="{F2AAA7B6-B134-45BC-B7A6-22F4F395FF1A}" srcOrd="0" destOrd="0" presId="urn:microsoft.com/office/officeart/2005/8/layout/vList2"/>
+    <dgm:cxn modelId="{E445FADF-4073-43B5-A064-32948A56FFC1}" type="presParOf" srcId="{34531F56-3CF7-41FD-B2A8-6A49C09DA43B}" destId="{47B44D2A-A706-4697-9572-E9C5F880E9BC}" srcOrd="1" destOrd="0" presId="urn:microsoft.com/office/officeart/2005/8/layout/vList2"/>
+    <dgm:cxn modelId="{6641673F-9F25-4976-A3D2-3C88E9539D1F}" type="presParOf" srcId="{34531F56-3CF7-41FD-B2A8-6A49C09DA43B}" destId="{789DC43C-1C1B-4CDA-843E-EB15B9A9273C}" srcOrd="2" destOrd="0" presId="urn:microsoft.com/office/officeart/2005/8/layout/vList2"/>
+    <dgm:cxn modelId="{5CC89A4F-997C-4FE9-A58C-CB19477DECF6}" type="presParOf" srcId="{34531F56-3CF7-41FD-B2A8-6A49C09DA43B}" destId="{273D9EB5-1767-4CB4-B16F-4C5C9CEBF8A0}" srcOrd="3" destOrd="0" presId="urn:microsoft.com/office/officeart/2005/8/layout/vList2"/>
+    <dgm:cxn modelId="{5F2A54DA-91F9-4B45-B099-42AF202B0D61}" type="presParOf" srcId="{34531F56-3CF7-41FD-B2A8-6A49C09DA43B}" destId="{7CA2177B-1C46-4A8A-A846-3536CB2BE646}" srcOrd="4" destOrd="0" presId="urn:microsoft.com/office/officeart/2005/8/layout/vList2"/>
+    <dgm:cxn modelId="{D5920600-04EE-4CDF-94B4-75E078F89FDA}" type="presParOf" srcId="{34531F56-3CF7-41FD-B2A8-6A49C09DA43B}" destId="{8741B66F-ACFC-4DD4-A143-D95FA46CA873}" srcOrd="5" destOrd="0" presId="urn:microsoft.com/office/officeart/2005/8/layout/vList2"/>
+    <dgm:cxn modelId="{245B1CF5-18DC-4CCD-B448-2A25F6FFB03A}" type="presParOf" srcId="{34531F56-3CF7-41FD-B2A8-6A49C09DA43B}" destId="{BE01E163-8DAC-45FA-AAE6-1D4105761CF2}" srcOrd="6" destOrd="0" presId="urn:microsoft.com/office/officeart/2005/8/layout/vList2"/>
+    <dgm:cxn modelId="{ED93C57E-4A0B-4906-8F63-A582A74FE7CD}" type="presParOf" srcId="{34531F56-3CF7-41FD-B2A8-6A49C09DA43B}" destId="{EA1255EA-C4DA-4467-8D31-71DC54BE57B5}" srcOrd="7" destOrd="0" presId="urn:microsoft.com/office/officeart/2005/8/layout/vList2"/>
+    <dgm:cxn modelId="{4FF59EE5-A828-4503-8E4D-4BAB66AD1460}" type="presParOf" srcId="{34531F56-3CF7-41FD-B2A8-6A49C09DA43B}" destId="{AEE1670C-DD58-4CA7-AA30-491DB85B0787}" srcOrd="8" destOrd="0" presId="urn:microsoft.com/office/officeart/2005/8/layout/vList2"/>
   </dgm:cxnLst>
   <dgm:bg/>
   <dgm:whole/>
@@ -6985,290 +5784,7 @@
 </dgm:dataModel>
 </file>
 
-<file path=ppt/diagrams/data6.xml><?xml version="1.0" encoding="utf-8"?>
-<dgm:dataModel xmlns:dgm="http://schemas.openxmlformats.org/drawingml/2006/diagram" xmlns:a="http://schemas.openxmlformats.org/drawingml/2006/main">
-  <dgm:ptLst>
-    <dgm:pt modelId="{DBCD91CC-5BB3-4DBF-B41C-2B6D3FD4EF59}" type="doc">
-      <dgm:prSet loTypeId="urn:microsoft.com/office/officeart/2005/8/layout/vList2" loCatId="list" qsTypeId="urn:microsoft.com/office/officeart/2005/8/quickstyle/simple1" qsCatId="simple" csTypeId="urn:microsoft.com/office/officeart/2005/8/colors/accent1_2" csCatId="accent1" phldr="1"/>
-      <dgm:spPr/>
-      <dgm:t>
-        <a:bodyPr/>
-        <a:lstStyle/>
-        <a:p>
-          <a:endParaRPr lang="fr-FR"/>
-        </a:p>
-      </dgm:t>
-    </dgm:pt>
-    <dgm:pt modelId="{225E4BFE-4856-4B6D-9C0E-79DC14D9FCE4}" type="pres">
-      <dgm:prSet presAssocID="{DBCD91CC-5BB3-4DBF-B41C-2B6D3FD4EF59}" presName="linear" presStyleCnt="0">
-        <dgm:presLayoutVars>
-          <dgm:animLvl val="lvl"/>
-          <dgm:resizeHandles val="exact"/>
-        </dgm:presLayoutVars>
-      </dgm:prSet>
-      <dgm:spPr/>
-    </dgm:pt>
-  </dgm:ptLst>
-  <dgm:cxnLst>
-    <dgm:cxn modelId="{28611700-BA23-4741-A582-D315FAF35748}" type="presOf" srcId="{DBCD91CC-5BB3-4DBF-B41C-2B6D3FD4EF59}" destId="{225E4BFE-4856-4B6D-9C0E-79DC14D9FCE4}" srcOrd="0" destOrd="0" presId="urn:microsoft.com/office/officeart/2005/8/layout/vList2"/>
-  </dgm:cxnLst>
-  <dgm:bg/>
-  <dgm:whole/>
-  <dgm:extLst>
-    <a:ext uri="http://schemas.microsoft.com/office/drawing/2008/diagram">
-      <dsp:dataModelExt xmlns:dsp="http://schemas.microsoft.com/office/drawing/2008/diagram" relId="rId6" minVer="http://schemas.openxmlformats.org/drawingml/2006/diagram"/>
-    </a:ext>
-  </dgm:extLst>
-</dgm:dataModel>
-</file>
-
-<file path=ppt/diagrams/data7.xml><?xml version="1.0" encoding="utf-8"?>
-<dgm:dataModel xmlns:dgm="http://schemas.openxmlformats.org/drawingml/2006/diagram" xmlns:a="http://schemas.openxmlformats.org/drawingml/2006/main">
-  <dgm:ptLst>
-    <dgm:pt modelId="{D67DA014-FAF9-4739-8870-89F2DE1B627B}" type="doc">
-      <dgm:prSet loTypeId="urn:microsoft.com/office/officeart/2005/8/layout/vList2" loCatId="list" qsTypeId="urn:microsoft.com/office/officeart/2005/8/quickstyle/simple1" qsCatId="simple" csTypeId="urn:microsoft.com/office/officeart/2005/8/colors/accent1_2" csCatId="accent1" phldr="1"/>
-      <dgm:spPr/>
-      <dgm:t>
-        <a:bodyPr/>
-        <a:lstStyle/>
-        <a:p>
-          <a:endParaRPr lang="fr-FR"/>
-        </a:p>
-      </dgm:t>
-    </dgm:pt>
-    <dgm:pt modelId="{CA9F957A-9195-4534-B98A-AA0D764BCEA7}">
-      <dgm:prSet/>
-      <dgm:spPr/>
-      <dgm:t>
-        <a:bodyPr/>
-        <a:lstStyle/>
-        <a:p>
-          <a:r>
-            <a:rPr lang="en-US" b="1" i="0" dirty="0"/>
-            <a:t>Conduct Comparative Analysis:</a:t>
-          </a:r>
-          <a:endParaRPr lang="fr-FR" dirty="0"/>
-        </a:p>
-      </dgm:t>
-    </dgm:pt>
-    <dgm:pt modelId="{05F7A61E-2C82-4FA1-BFFA-A646EC750FC9}" type="parTrans" cxnId="{5FEEE3DD-0E07-41D4-BEB7-434762910DBE}">
-      <dgm:prSet/>
-      <dgm:spPr/>
-      <dgm:t>
-        <a:bodyPr/>
-        <a:lstStyle/>
-        <a:p>
-          <a:endParaRPr lang="fr-FR"/>
-        </a:p>
-      </dgm:t>
-    </dgm:pt>
-    <dgm:pt modelId="{7160949C-7E20-45B8-A161-29C3853B38FB}" type="sibTrans" cxnId="{5FEEE3DD-0E07-41D4-BEB7-434762910DBE}">
-      <dgm:prSet/>
-      <dgm:spPr/>
-      <dgm:t>
-        <a:bodyPr/>
-        <a:lstStyle/>
-        <a:p>
-          <a:endParaRPr lang="fr-FR"/>
-        </a:p>
-      </dgm:t>
-    </dgm:pt>
-    <dgm:pt modelId="{53CFD804-1BF3-4726-B344-29169B04A137}">
-      <dgm:prSet/>
-      <dgm:spPr/>
-      <dgm:t>
-        <a:bodyPr/>
-        <a:lstStyle/>
-        <a:p>
-          <a:pPr>
-            <a:buFont typeface="Arial" panose="020B0604020202020204" pitchFamily="34" charset="0"/>
-            <a:buChar char="•"/>
-          </a:pPr>
-          <a:r>
-            <a:rPr lang="en-US" b="1" i="0" dirty="0"/>
-            <a:t>Analyze Financial Projections:</a:t>
-          </a:r>
-          <a:endParaRPr lang="en-US" b="0" i="0" dirty="0"/>
-        </a:p>
-      </dgm:t>
-    </dgm:pt>
-    <dgm:pt modelId="{E9757B24-8796-43C0-A6B7-6F694D906248}" type="parTrans" cxnId="{6C0C59C5-7331-4F3F-9E82-3A22DA58E019}">
-      <dgm:prSet/>
-      <dgm:spPr/>
-      <dgm:t>
-        <a:bodyPr/>
-        <a:lstStyle/>
-        <a:p>
-          <a:endParaRPr lang="fr-FR"/>
-        </a:p>
-      </dgm:t>
-    </dgm:pt>
-    <dgm:pt modelId="{BF0763F9-00E3-4030-91DD-785135C27E17}" type="sibTrans" cxnId="{6C0C59C5-7331-4F3F-9E82-3A22DA58E019}">
-      <dgm:prSet/>
-      <dgm:spPr/>
-      <dgm:t>
-        <a:bodyPr/>
-        <a:lstStyle/>
-        <a:p>
-          <a:endParaRPr lang="fr-FR"/>
-        </a:p>
-      </dgm:t>
-    </dgm:pt>
-    <dgm:pt modelId="{3F9B4C46-352F-418A-9897-D9F4F7A5EFAA}">
-      <dgm:prSet/>
-      <dgm:spPr/>
-      <dgm:t>
-        <a:bodyPr/>
-        <a:lstStyle/>
-        <a:p>
-          <a:pPr>
-            <a:buFont typeface="Arial" panose="020B0604020202020204" pitchFamily="34" charset="0"/>
-            <a:buChar char="•"/>
-          </a:pPr>
-          <a:r>
-            <a:rPr lang="en-US" b="0" i="0"/>
-            <a:t> </a:t>
-          </a:r>
-          <a:r>
-            <a:rPr lang="en-US" b="0" i="0" dirty="0"/>
-            <a:t>Create thorough financial projections that encompass startup and operational costs, including production expenses, business running costs, and overhead.  </a:t>
-          </a:r>
-        </a:p>
-      </dgm:t>
-    </dgm:pt>
-    <dgm:pt modelId="{8CEAF818-D644-4A4F-895B-A99E8331065E}" type="parTrans" cxnId="{AE59C786-AD0D-4D28-B22C-CD391A4EE966}">
-      <dgm:prSet/>
-      <dgm:spPr/>
-      <dgm:t>
-        <a:bodyPr/>
-        <a:lstStyle/>
-        <a:p>
-          <a:endParaRPr lang="fr-FR"/>
-        </a:p>
-      </dgm:t>
-    </dgm:pt>
-    <dgm:pt modelId="{C8AAEC92-2396-42FB-A782-5EFE2C466DD7}" type="sibTrans" cxnId="{AE59C786-AD0D-4D28-B22C-CD391A4EE966}">
-      <dgm:prSet/>
-      <dgm:spPr/>
-      <dgm:t>
-        <a:bodyPr/>
-        <a:lstStyle/>
-        <a:p>
-          <a:endParaRPr lang="fr-FR"/>
-        </a:p>
-      </dgm:t>
-    </dgm:pt>
-    <dgm:pt modelId="{6E3C21BB-A9CF-4743-85FB-F1895657C6B7}">
-      <dgm:prSet/>
-      <dgm:spPr/>
-      <dgm:t>
-        <a:bodyPr/>
-        <a:lstStyle/>
-        <a:p>
-          <a:r>
-            <a:rPr lang="en-US" b="0" i="0"/>
-            <a:t> </a:t>
-          </a:r>
-          <a:r>
-            <a:rPr lang="en-US" b="0" i="0" dirty="0"/>
-            <a:t>include a comparative analysis that examines indirect competitors and alternative choices customers make.</a:t>
-          </a:r>
-          <a:endParaRPr lang="fr-FR" dirty="0"/>
-        </a:p>
-      </dgm:t>
-    </dgm:pt>
-    <dgm:pt modelId="{6AAB0651-992C-49CE-A11B-7B47A286E5C7}" type="parTrans" cxnId="{13B06374-B698-40D8-9BE9-D8648E54F299}">
-      <dgm:prSet/>
-      <dgm:spPr/>
-      <dgm:t>
-        <a:bodyPr/>
-        <a:lstStyle/>
-        <a:p>
-          <a:endParaRPr lang="fr-FR"/>
-        </a:p>
-      </dgm:t>
-    </dgm:pt>
-    <dgm:pt modelId="{02D72469-F045-408F-877A-DA6142795907}" type="sibTrans" cxnId="{13B06374-B698-40D8-9BE9-D8648E54F299}">
-      <dgm:prSet/>
-      <dgm:spPr/>
-      <dgm:t>
-        <a:bodyPr/>
-        <a:lstStyle/>
-        <a:p>
-          <a:endParaRPr lang="fr-FR"/>
-        </a:p>
-      </dgm:t>
-    </dgm:pt>
-    <dgm:pt modelId="{34531F56-3CF7-41FD-B2A8-6A49C09DA43B}" type="pres">
-      <dgm:prSet presAssocID="{D67DA014-FAF9-4739-8870-89F2DE1B627B}" presName="linear" presStyleCnt="0">
-        <dgm:presLayoutVars>
-          <dgm:animLvl val="lvl"/>
-          <dgm:resizeHandles val="exact"/>
-        </dgm:presLayoutVars>
-      </dgm:prSet>
-      <dgm:spPr/>
-    </dgm:pt>
-    <dgm:pt modelId="{2EFE80C3-975D-4EA6-9780-6941D450A262}" type="pres">
-      <dgm:prSet presAssocID="{CA9F957A-9195-4534-B98A-AA0D764BCEA7}" presName="parentText" presStyleLbl="node1" presStyleIdx="0" presStyleCnt="2" custLinFactY="-125074" custLinFactNeighborY="-200000">
-        <dgm:presLayoutVars>
-          <dgm:chMax val="0"/>
-          <dgm:bulletEnabled val="1"/>
-        </dgm:presLayoutVars>
-      </dgm:prSet>
-      <dgm:spPr/>
-    </dgm:pt>
-    <dgm:pt modelId="{D7CA0345-60E7-4B6C-BBF4-D90BF33E2594}" type="pres">
-      <dgm:prSet presAssocID="{CA9F957A-9195-4534-B98A-AA0D764BCEA7}" presName="childText" presStyleLbl="revTx" presStyleIdx="0" presStyleCnt="2">
-        <dgm:presLayoutVars>
-          <dgm:bulletEnabled val="1"/>
-        </dgm:presLayoutVars>
-      </dgm:prSet>
-      <dgm:spPr/>
-    </dgm:pt>
-    <dgm:pt modelId="{B4B9D2EC-D628-4609-92A2-62F4E2AEDAA0}" type="pres">
-      <dgm:prSet presAssocID="{53CFD804-1BF3-4726-B344-29169B04A137}" presName="parentText" presStyleLbl="node1" presStyleIdx="1" presStyleCnt="2">
-        <dgm:presLayoutVars>
-          <dgm:chMax val="0"/>
-          <dgm:bulletEnabled val="1"/>
-        </dgm:presLayoutVars>
-      </dgm:prSet>
-      <dgm:spPr/>
-    </dgm:pt>
-    <dgm:pt modelId="{8C3A38B4-95EE-4D86-B13F-3A9123BCB905}" type="pres">
-      <dgm:prSet presAssocID="{53CFD804-1BF3-4726-B344-29169B04A137}" presName="childText" presStyleLbl="revTx" presStyleIdx="1" presStyleCnt="2">
-        <dgm:presLayoutVars>
-          <dgm:bulletEnabled val="1"/>
-        </dgm:presLayoutVars>
-      </dgm:prSet>
-      <dgm:spPr/>
-    </dgm:pt>
-  </dgm:ptLst>
-  <dgm:cxnLst>
-    <dgm:cxn modelId="{9C1C3705-99E4-42B1-A885-19C7DA5D4307}" type="presOf" srcId="{6E3C21BB-A9CF-4743-85FB-F1895657C6B7}" destId="{D7CA0345-60E7-4B6C-BBF4-D90BF33E2594}" srcOrd="0" destOrd="0" presId="urn:microsoft.com/office/officeart/2005/8/layout/vList2"/>
-    <dgm:cxn modelId="{CD8F4F3E-38E1-472A-A2D3-75FEDCAB5066}" type="presOf" srcId="{D67DA014-FAF9-4739-8870-89F2DE1B627B}" destId="{34531F56-3CF7-41FD-B2A8-6A49C09DA43B}" srcOrd="0" destOrd="0" presId="urn:microsoft.com/office/officeart/2005/8/layout/vList2"/>
-    <dgm:cxn modelId="{13B06374-B698-40D8-9BE9-D8648E54F299}" srcId="{CA9F957A-9195-4534-B98A-AA0D764BCEA7}" destId="{6E3C21BB-A9CF-4743-85FB-F1895657C6B7}" srcOrd="0" destOrd="0" parTransId="{6AAB0651-992C-49CE-A11B-7B47A286E5C7}" sibTransId="{02D72469-F045-408F-877A-DA6142795907}"/>
-    <dgm:cxn modelId="{AE59C786-AD0D-4D28-B22C-CD391A4EE966}" srcId="{53CFD804-1BF3-4726-B344-29169B04A137}" destId="{3F9B4C46-352F-418A-9897-D9F4F7A5EFAA}" srcOrd="0" destOrd="0" parTransId="{8CEAF818-D644-4A4F-895B-A99E8331065E}" sibTransId="{C8AAEC92-2396-42FB-A782-5EFE2C466DD7}"/>
-    <dgm:cxn modelId="{C72003AF-F70B-43D7-946F-4CA530E5ECE5}" type="presOf" srcId="{CA9F957A-9195-4534-B98A-AA0D764BCEA7}" destId="{2EFE80C3-975D-4EA6-9780-6941D450A262}" srcOrd="0" destOrd="0" presId="urn:microsoft.com/office/officeart/2005/8/layout/vList2"/>
-    <dgm:cxn modelId="{03EF66AF-D97E-4E4D-8A84-4FC2C1781288}" type="presOf" srcId="{3F9B4C46-352F-418A-9897-D9F4F7A5EFAA}" destId="{8C3A38B4-95EE-4D86-B13F-3A9123BCB905}" srcOrd="0" destOrd="0" presId="urn:microsoft.com/office/officeart/2005/8/layout/vList2"/>
-    <dgm:cxn modelId="{6C0C59C5-7331-4F3F-9E82-3A22DA58E019}" srcId="{D67DA014-FAF9-4739-8870-89F2DE1B627B}" destId="{53CFD804-1BF3-4726-B344-29169B04A137}" srcOrd="1" destOrd="0" parTransId="{E9757B24-8796-43C0-A6B7-6F694D906248}" sibTransId="{BF0763F9-00E3-4030-91DD-785135C27E17}"/>
-    <dgm:cxn modelId="{DEED8FD9-D2EB-4945-891C-DC62651502EA}" type="presOf" srcId="{53CFD804-1BF3-4726-B344-29169B04A137}" destId="{B4B9D2EC-D628-4609-92A2-62F4E2AEDAA0}" srcOrd="0" destOrd="0" presId="urn:microsoft.com/office/officeart/2005/8/layout/vList2"/>
-    <dgm:cxn modelId="{5FEEE3DD-0E07-41D4-BEB7-434762910DBE}" srcId="{D67DA014-FAF9-4739-8870-89F2DE1B627B}" destId="{CA9F957A-9195-4534-B98A-AA0D764BCEA7}" srcOrd="0" destOrd="0" parTransId="{05F7A61E-2C82-4FA1-BFFA-A646EC750FC9}" sibTransId="{7160949C-7E20-45B8-A161-29C3853B38FB}"/>
-    <dgm:cxn modelId="{5FBD3360-F49F-43EC-9CD6-8620F25AD400}" type="presParOf" srcId="{34531F56-3CF7-41FD-B2A8-6A49C09DA43B}" destId="{2EFE80C3-975D-4EA6-9780-6941D450A262}" srcOrd="0" destOrd="0" presId="urn:microsoft.com/office/officeart/2005/8/layout/vList2"/>
-    <dgm:cxn modelId="{463D960F-2CC0-47EB-9D4A-50F05B9A4C16}" type="presParOf" srcId="{34531F56-3CF7-41FD-B2A8-6A49C09DA43B}" destId="{D7CA0345-60E7-4B6C-BBF4-D90BF33E2594}" srcOrd="1" destOrd="0" presId="urn:microsoft.com/office/officeart/2005/8/layout/vList2"/>
-    <dgm:cxn modelId="{DCE116B6-CB4B-4888-A37B-29F96F3B14B2}" type="presParOf" srcId="{34531F56-3CF7-41FD-B2A8-6A49C09DA43B}" destId="{B4B9D2EC-D628-4609-92A2-62F4E2AEDAA0}" srcOrd="2" destOrd="0" presId="urn:microsoft.com/office/officeart/2005/8/layout/vList2"/>
-    <dgm:cxn modelId="{7FEDBBDC-FFC8-4114-9B40-E6F83A179BA8}" type="presParOf" srcId="{34531F56-3CF7-41FD-B2A8-6A49C09DA43B}" destId="{8C3A38B4-95EE-4D86-B13F-3A9123BCB905}" srcOrd="3" destOrd="0" presId="urn:microsoft.com/office/officeart/2005/8/layout/vList2"/>
-  </dgm:cxnLst>
-  <dgm:bg/>
-  <dgm:whole/>
-  <dgm:extLst>
-    <a:ext uri="http://schemas.microsoft.com/office/drawing/2008/diagram">
-      <dsp:dataModelExt xmlns:dsp="http://schemas.microsoft.com/office/drawing/2008/diagram" relId="rId11" minVer="http://schemas.openxmlformats.org/drawingml/2006/diagram"/>
-    </a:ext>
-  </dgm:extLst>
-</dgm:dataModel>
-</file>
-
-<file path=ppt/diagrams/data8.xml><?xml version="1.0" encoding="utf-8"?>
+<file path=ppt/diagrams/data4.xml><?xml version="1.0" encoding="utf-8"?>
 <dgm:dataModel xmlns:dgm="http://schemas.openxmlformats.org/drawingml/2006/diagram" xmlns:a="http://schemas.openxmlformats.org/drawingml/2006/main">
   <dgm:ptLst>
     <dgm:pt modelId="{DBCD91CC-5BB3-4DBF-B41C-2B6D3FD4EF59}" type="doc">
@@ -7726,6 +6242,740 @@
 </dgm:dataModel>
 </file>
 
+<file path=ppt/diagrams/data5.xml><?xml version="1.0" encoding="utf-8"?>
+<dgm:dataModel xmlns:dgm="http://schemas.openxmlformats.org/drawingml/2006/diagram" xmlns:a="http://schemas.openxmlformats.org/drawingml/2006/main">
+  <dgm:ptLst>
+    <dgm:pt modelId="{DBCD91CC-5BB3-4DBF-B41C-2B6D3FD4EF59}" type="doc">
+      <dgm:prSet loTypeId="urn:microsoft.com/office/officeart/2005/8/layout/vList2" loCatId="list" qsTypeId="urn:microsoft.com/office/officeart/2005/8/quickstyle/simple1" qsCatId="simple" csTypeId="urn:microsoft.com/office/officeart/2005/8/colors/accent1_2" csCatId="accent1" phldr="1"/>
+      <dgm:spPr/>
+      <dgm:t>
+        <a:bodyPr/>
+        <a:lstStyle/>
+        <a:p>
+          <a:endParaRPr lang="fr-FR"/>
+        </a:p>
+      </dgm:t>
+    </dgm:pt>
+    <dgm:pt modelId="{8DC2C2BE-AFCF-4736-8379-6CE880F1A28E}">
+      <dgm:prSet/>
+      <dgm:spPr/>
+      <dgm:t>
+        <a:bodyPr/>
+        <a:lstStyle/>
+        <a:p>
+          <a:pPr>
+            <a:buFont typeface="+mj-lt"/>
+            <a:buAutoNum type="arabicPeriod"/>
+          </a:pPr>
+          <a:r>
+            <a:rPr lang="en-US" b="0" i="0" dirty="0"/>
+            <a:t>Depends on how urgently is your solution needed to the customer’s problem</a:t>
+          </a:r>
+        </a:p>
+      </dgm:t>
+    </dgm:pt>
+    <dgm:pt modelId="{40C461F6-641F-471C-9535-609B012A5ED5}" type="parTrans" cxnId="{164757DD-54BF-4D37-9FAE-6DDBC31CE0BD}">
+      <dgm:prSet/>
+      <dgm:spPr/>
+      <dgm:t>
+        <a:bodyPr/>
+        <a:lstStyle/>
+        <a:p>
+          <a:endParaRPr lang="fr-FR"/>
+        </a:p>
+      </dgm:t>
+    </dgm:pt>
+    <dgm:pt modelId="{B238E38E-BDB7-4BD2-BC2B-D45FB3CF2064}" type="sibTrans" cxnId="{164757DD-54BF-4D37-9FAE-6DDBC31CE0BD}">
+      <dgm:prSet/>
+      <dgm:spPr/>
+      <dgm:t>
+        <a:bodyPr/>
+        <a:lstStyle/>
+        <a:p>
+          <a:endParaRPr lang="fr-FR"/>
+        </a:p>
+      </dgm:t>
+    </dgm:pt>
+    <dgm:pt modelId="{0EBCA483-AC8B-4890-8991-C15FBAF1F014}">
+      <dgm:prSet/>
+      <dgm:spPr/>
+      <dgm:t>
+        <a:bodyPr/>
+        <a:lstStyle/>
+        <a:p>
+          <a:pPr>
+            <a:buFont typeface="+mj-lt"/>
+            <a:buAutoNum type="arabicPeriod"/>
+          </a:pPr>
+          <a:r>
+            <a:rPr lang="en-US" b="0" i="0" dirty="0"/>
+            <a:t>Number of </a:t>
+          </a:r>
+          <a:r>
+            <a:rPr lang="en-US" b="1" i="0" dirty="0"/>
+            <a:t>referrals</a:t>
+          </a:r>
+          <a:r>
+            <a:rPr lang="en-US" b="0" i="0" dirty="0"/>
+            <a:t> from industry experts</a:t>
+          </a:r>
+        </a:p>
+      </dgm:t>
+    </dgm:pt>
+    <dgm:pt modelId="{AAE02CDE-661C-42AB-A04B-743141CC3B48}" type="parTrans" cxnId="{05045861-79B1-400E-B517-3A251B562A26}">
+      <dgm:prSet/>
+      <dgm:spPr/>
+      <dgm:t>
+        <a:bodyPr/>
+        <a:lstStyle/>
+        <a:p>
+          <a:endParaRPr lang="fr-FR"/>
+        </a:p>
+      </dgm:t>
+    </dgm:pt>
+    <dgm:pt modelId="{DD70DBB4-9B1E-4DBB-9419-24F35B6AC543}" type="sibTrans" cxnId="{05045861-79B1-400E-B517-3A251B562A26}">
+      <dgm:prSet/>
+      <dgm:spPr/>
+      <dgm:t>
+        <a:bodyPr/>
+        <a:lstStyle/>
+        <a:p>
+          <a:endParaRPr lang="fr-FR"/>
+        </a:p>
+      </dgm:t>
+    </dgm:pt>
+    <dgm:pt modelId="{BD59E105-E2BF-4883-AC67-A20BE2B39B8B}">
+      <dgm:prSet/>
+      <dgm:spPr/>
+      <dgm:t>
+        <a:bodyPr/>
+        <a:lstStyle/>
+        <a:p>
+          <a:pPr>
+            <a:buFont typeface="+mj-lt"/>
+            <a:buAutoNum type="arabicPeriod"/>
+          </a:pPr>
+          <a:r>
+            <a:rPr lang="en-US" b="0" i="0" dirty="0"/>
+            <a:t>find promoters for your product, offer their options such as commission fees</a:t>
+          </a:r>
+        </a:p>
+      </dgm:t>
+    </dgm:pt>
+    <dgm:pt modelId="{A7B0CF39-5F83-4F7D-85BD-B78ECA551080}" type="parTrans" cxnId="{0BE73D67-EB85-4404-9D19-F9C9E8380820}">
+      <dgm:prSet/>
+      <dgm:spPr/>
+      <dgm:t>
+        <a:bodyPr/>
+        <a:lstStyle/>
+        <a:p>
+          <a:endParaRPr lang="fr-FR"/>
+        </a:p>
+      </dgm:t>
+    </dgm:pt>
+    <dgm:pt modelId="{D65CC2ED-4D71-49D8-840C-03877BA84702}" type="sibTrans" cxnId="{0BE73D67-EB85-4404-9D19-F9C9E8380820}">
+      <dgm:prSet/>
+      <dgm:spPr/>
+      <dgm:t>
+        <a:bodyPr/>
+        <a:lstStyle/>
+        <a:p>
+          <a:endParaRPr lang="fr-FR"/>
+        </a:p>
+      </dgm:t>
+    </dgm:pt>
+    <dgm:pt modelId="{AB9E18EC-F2DA-4641-BEC3-37D1B9A3A92E}">
+      <dgm:prSet/>
+      <dgm:spPr/>
+      <dgm:t>
+        <a:bodyPr/>
+        <a:lstStyle/>
+        <a:p>
+          <a:pPr>
+            <a:buFont typeface="+mj-lt"/>
+            <a:buAutoNum type="arabicPeriod"/>
+          </a:pPr>
+          <a:r>
+            <a:rPr lang="en-US" b="0" i="0" dirty="0"/>
+            <a:t>For example universities promotes jobs of MNC and SMEs, </a:t>
+          </a:r>
+        </a:p>
+      </dgm:t>
+    </dgm:pt>
+    <dgm:pt modelId="{BB8CB085-B01B-4843-A732-BAE44127D2D3}" type="parTrans" cxnId="{16814147-18D8-4C6B-B554-C54D4223A9B9}">
+      <dgm:prSet/>
+      <dgm:spPr/>
+      <dgm:t>
+        <a:bodyPr/>
+        <a:lstStyle/>
+        <a:p>
+          <a:endParaRPr lang="fr-FR"/>
+        </a:p>
+      </dgm:t>
+    </dgm:pt>
+    <dgm:pt modelId="{FC0BA788-9572-4131-8ACF-33589585BF23}" type="sibTrans" cxnId="{16814147-18D8-4C6B-B554-C54D4223A9B9}">
+      <dgm:prSet/>
+      <dgm:spPr/>
+      <dgm:t>
+        <a:bodyPr/>
+        <a:lstStyle/>
+        <a:p>
+          <a:endParaRPr lang="fr-FR"/>
+        </a:p>
+      </dgm:t>
+    </dgm:pt>
+    <dgm:pt modelId="{225E4BFE-4856-4B6D-9C0E-79DC14D9FCE4}" type="pres">
+      <dgm:prSet presAssocID="{DBCD91CC-5BB3-4DBF-B41C-2B6D3FD4EF59}" presName="linear" presStyleCnt="0">
+        <dgm:presLayoutVars>
+          <dgm:animLvl val="lvl"/>
+          <dgm:resizeHandles val="exact"/>
+        </dgm:presLayoutVars>
+      </dgm:prSet>
+      <dgm:spPr/>
+    </dgm:pt>
+    <dgm:pt modelId="{97A8D912-BAF9-4DB8-90D6-2E69BE632765}" type="pres">
+      <dgm:prSet presAssocID="{8DC2C2BE-AFCF-4736-8379-6CE880F1A28E}" presName="parentText" presStyleLbl="node1" presStyleIdx="0" presStyleCnt="2">
+        <dgm:presLayoutVars>
+          <dgm:chMax val="0"/>
+          <dgm:bulletEnabled val="1"/>
+        </dgm:presLayoutVars>
+      </dgm:prSet>
+      <dgm:spPr/>
+    </dgm:pt>
+    <dgm:pt modelId="{DD66B51E-43E5-4096-8797-E4C9B42C4F4B}" type="pres">
+      <dgm:prSet presAssocID="{B238E38E-BDB7-4BD2-BC2B-D45FB3CF2064}" presName="spacer" presStyleCnt="0"/>
+      <dgm:spPr/>
+    </dgm:pt>
+    <dgm:pt modelId="{0877218E-A5EE-4E48-9FF6-9A2F091D9599}" type="pres">
+      <dgm:prSet presAssocID="{0EBCA483-AC8B-4890-8991-C15FBAF1F014}" presName="parentText" presStyleLbl="node1" presStyleIdx="1" presStyleCnt="2">
+        <dgm:presLayoutVars>
+          <dgm:chMax val="0"/>
+          <dgm:bulletEnabled val="1"/>
+        </dgm:presLayoutVars>
+      </dgm:prSet>
+      <dgm:spPr/>
+    </dgm:pt>
+    <dgm:pt modelId="{1B3694CE-B5E6-4DC7-BE1A-E97DC442F656}" type="pres">
+      <dgm:prSet presAssocID="{0EBCA483-AC8B-4890-8991-C15FBAF1F014}" presName="childText" presStyleLbl="revTx" presStyleIdx="0" presStyleCnt="1">
+        <dgm:presLayoutVars>
+          <dgm:bulletEnabled val="1"/>
+        </dgm:presLayoutVars>
+      </dgm:prSet>
+      <dgm:spPr/>
+    </dgm:pt>
+  </dgm:ptLst>
+  <dgm:cxnLst>
+    <dgm:cxn modelId="{28611700-BA23-4741-A582-D315FAF35748}" type="presOf" srcId="{DBCD91CC-5BB3-4DBF-B41C-2B6D3FD4EF59}" destId="{225E4BFE-4856-4B6D-9C0E-79DC14D9FCE4}" srcOrd="0" destOrd="0" presId="urn:microsoft.com/office/officeart/2005/8/layout/vList2"/>
+    <dgm:cxn modelId="{05045861-79B1-400E-B517-3A251B562A26}" srcId="{DBCD91CC-5BB3-4DBF-B41C-2B6D3FD4EF59}" destId="{0EBCA483-AC8B-4890-8991-C15FBAF1F014}" srcOrd="1" destOrd="0" parTransId="{AAE02CDE-661C-42AB-A04B-743141CC3B48}" sibTransId="{DD70DBB4-9B1E-4DBB-9419-24F35B6AC543}"/>
+    <dgm:cxn modelId="{1301F863-4064-4C5B-9ACB-2571E76AEFB1}" type="presOf" srcId="{0EBCA483-AC8B-4890-8991-C15FBAF1F014}" destId="{0877218E-A5EE-4E48-9FF6-9A2F091D9599}" srcOrd="0" destOrd="0" presId="urn:microsoft.com/office/officeart/2005/8/layout/vList2"/>
+    <dgm:cxn modelId="{1E2AEF66-D792-475A-87D7-0DBBD95D3CA4}" type="presOf" srcId="{BD59E105-E2BF-4883-AC67-A20BE2B39B8B}" destId="{1B3694CE-B5E6-4DC7-BE1A-E97DC442F656}" srcOrd="0" destOrd="1" presId="urn:microsoft.com/office/officeart/2005/8/layout/vList2"/>
+    <dgm:cxn modelId="{0BE73D67-EB85-4404-9D19-F9C9E8380820}" srcId="{0EBCA483-AC8B-4890-8991-C15FBAF1F014}" destId="{BD59E105-E2BF-4883-AC67-A20BE2B39B8B}" srcOrd="1" destOrd="0" parTransId="{A7B0CF39-5F83-4F7D-85BD-B78ECA551080}" sibTransId="{D65CC2ED-4D71-49D8-840C-03877BA84702}"/>
+    <dgm:cxn modelId="{16814147-18D8-4C6B-B554-C54D4223A9B9}" srcId="{0EBCA483-AC8B-4890-8991-C15FBAF1F014}" destId="{AB9E18EC-F2DA-4641-BEC3-37D1B9A3A92E}" srcOrd="0" destOrd="0" parTransId="{BB8CB085-B01B-4843-A732-BAE44127D2D3}" sibTransId="{FC0BA788-9572-4131-8ACF-33589585BF23}"/>
+    <dgm:cxn modelId="{3241FB88-B4C3-44A2-950F-46F64E0D0003}" type="presOf" srcId="{AB9E18EC-F2DA-4641-BEC3-37D1B9A3A92E}" destId="{1B3694CE-B5E6-4DC7-BE1A-E97DC442F656}" srcOrd="0" destOrd="0" presId="urn:microsoft.com/office/officeart/2005/8/layout/vList2"/>
+    <dgm:cxn modelId="{8EBCCECB-C974-49D0-9F93-F2E04D82E591}" type="presOf" srcId="{8DC2C2BE-AFCF-4736-8379-6CE880F1A28E}" destId="{97A8D912-BAF9-4DB8-90D6-2E69BE632765}" srcOrd="0" destOrd="0" presId="urn:microsoft.com/office/officeart/2005/8/layout/vList2"/>
+    <dgm:cxn modelId="{164757DD-54BF-4D37-9FAE-6DDBC31CE0BD}" srcId="{DBCD91CC-5BB3-4DBF-B41C-2B6D3FD4EF59}" destId="{8DC2C2BE-AFCF-4736-8379-6CE880F1A28E}" srcOrd="0" destOrd="0" parTransId="{40C461F6-641F-471C-9535-609B012A5ED5}" sibTransId="{B238E38E-BDB7-4BD2-BC2B-D45FB3CF2064}"/>
+    <dgm:cxn modelId="{B0844DDE-03E1-48AB-9450-0856AEEB864D}" type="presParOf" srcId="{225E4BFE-4856-4B6D-9C0E-79DC14D9FCE4}" destId="{97A8D912-BAF9-4DB8-90D6-2E69BE632765}" srcOrd="0" destOrd="0" presId="urn:microsoft.com/office/officeart/2005/8/layout/vList2"/>
+    <dgm:cxn modelId="{049CA625-E4B7-42FC-8D50-B00317F34879}" type="presParOf" srcId="{225E4BFE-4856-4B6D-9C0E-79DC14D9FCE4}" destId="{DD66B51E-43E5-4096-8797-E4C9B42C4F4B}" srcOrd="1" destOrd="0" presId="urn:microsoft.com/office/officeart/2005/8/layout/vList2"/>
+    <dgm:cxn modelId="{80F017A0-6C42-4E1F-97D3-DCB574687C47}" type="presParOf" srcId="{225E4BFE-4856-4B6D-9C0E-79DC14D9FCE4}" destId="{0877218E-A5EE-4E48-9FF6-9A2F091D9599}" srcOrd="2" destOrd="0" presId="urn:microsoft.com/office/officeart/2005/8/layout/vList2"/>
+    <dgm:cxn modelId="{0E7E3D24-B83E-488C-854E-128C5DE85576}" type="presParOf" srcId="{225E4BFE-4856-4B6D-9C0E-79DC14D9FCE4}" destId="{1B3694CE-B5E6-4DC7-BE1A-E97DC442F656}" srcOrd="3" destOrd="0" presId="urn:microsoft.com/office/officeart/2005/8/layout/vList2"/>
+  </dgm:cxnLst>
+  <dgm:bg/>
+  <dgm:whole/>
+  <dgm:extLst>
+    <a:ext uri="http://schemas.microsoft.com/office/drawing/2008/diagram">
+      <dsp:dataModelExt xmlns:dsp="http://schemas.microsoft.com/office/drawing/2008/diagram" relId="rId6" minVer="http://schemas.openxmlformats.org/drawingml/2006/diagram"/>
+    </a:ext>
+  </dgm:extLst>
+</dgm:dataModel>
+</file>
+
+<file path=ppt/diagrams/data6.xml><?xml version="1.0" encoding="utf-8"?>
+<dgm:dataModel xmlns:dgm="http://schemas.openxmlformats.org/drawingml/2006/diagram" xmlns:a="http://schemas.openxmlformats.org/drawingml/2006/main">
+  <dgm:ptLst>
+    <dgm:pt modelId="{DBCD91CC-5BB3-4DBF-B41C-2B6D3FD4EF59}" type="doc">
+      <dgm:prSet loTypeId="urn:microsoft.com/office/officeart/2005/8/layout/vList2" loCatId="list" qsTypeId="urn:microsoft.com/office/officeart/2005/8/quickstyle/simple1" qsCatId="simple" csTypeId="urn:microsoft.com/office/officeart/2005/8/colors/accent1_2" csCatId="accent1" phldr="1"/>
+      <dgm:spPr/>
+      <dgm:t>
+        <a:bodyPr/>
+        <a:lstStyle/>
+        <a:p>
+          <a:endParaRPr lang="fr-FR"/>
+        </a:p>
+      </dgm:t>
+    </dgm:pt>
+    <dgm:pt modelId="{8DC2C2BE-AFCF-4736-8379-6CE880F1A28E}">
+      <dgm:prSet/>
+      <dgm:spPr/>
+      <dgm:t>
+        <a:bodyPr/>
+        <a:lstStyle/>
+        <a:p>
+          <a:pPr>
+            <a:buFont typeface="+mj-lt"/>
+            <a:buAutoNum type="arabicPeriod"/>
+          </a:pPr>
+          <a:r>
+            <a:rPr lang="en-US" b="1" i="0" dirty="0"/>
+            <a:t>Price:</a:t>
+          </a:r>
+          <a:r>
+            <a:rPr lang="en-US" b="0" i="0" dirty="0"/>
+            <a:t> </a:t>
+          </a:r>
+          <a:r>
+            <a:rPr lang="en-US" b="1" i="0" dirty="0"/>
+            <a:t>market value</a:t>
+          </a:r>
+          <a:r>
+            <a:rPr lang="en-US" b="0" i="0" dirty="0"/>
+            <a:t> but if no competition then price is based on the </a:t>
+          </a:r>
+          <a:r>
+            <a:rPr lang="en-US" b="1" i="0" dirty="0"/>
+            <a:t>business value </a:t>
+          </a:r>
+          <a:r>
+            <a:rPr lang="en-US" b="0" i="0" dirty="0"/>
+            <a:t>that you provide to your customer,</a:t>
+          </a:r>
+        </a:p>
+      </dgm:t>
+    </dgm:pt>
+    <dgm:pt modelId="{40C461F6-641F-471C-9535-609B012A5ED5}" type="parTrans" cxnId="{164757DD-54BF-4D37-9FAE-6DDBC31CE0BD}">
+      <dgm:prSet/>
+      <dgm:spPr/>
+      <dgm:t>
+        <a:bodyPr/>
+        <a:lstStyle/>
+        <a:p>
+          <a:endParaRPr lang="fr-FR"/>
+        </a:p>
+      </dgm:t>
+    </dgm:pt>
+    <dgm:pt modelId="{B238E38E-BDB7-4BD2-BC2B-D45FB3CF2064}" type="sibTrans" cxnId="{164757DD-54BF-4D37-9FAE-6DDBC31CE0BD}">
+      <dgm:prSet/>
+      <dgm:spPr/>
+      <dgm:t>
+        <a:bodyPr/>
+        <a:lstStyle/>
+        <a:p>
+          <a:endParaRPr lang="fr-FR"/>
+        </a:p>
+      </dgm:t>
+    </dgm:pt>
+    <dgm:pt modelId="{14C59C5C-E0ED-452B-A156-C47476AB4898}">
+      <dgm:prSet/>
+      <dgm:spPr/>
+      <dgm:t>
+        <a:bodyPr/>
+        <a:lstStyle/>
+        <a:p>
+          <a:pPr>
+            <a:buFont typeface="+mj-lt"/>
+            <a:buAutoNum type="arabicPeriod"/>
+          </a:pPr>
+          <a:r>
+            <a:rPr lang="en-US" b="0" i="0" dirty="0"/>
+            <a:t> will they be able to make 1000$ from what you teach them</a:t>
+          </a:r>
+        </a:p>
+      </dgm:t>
+    </dgm:pt>
+    <dgm:pt modelId="{ACC9D675-36CD-4D74-9961-F645B496803B}" type="parTrans" cxnId="{DC088206-0582-4E80-891F-EC1A63F2B061}">
+      <dgm:prSet/>
+      <dgm:spPr/>
+      <dgm:t>
+        <a:bodyPr/>
+        <a:lstStyle/>
+        <a:p>
+          <a:endParaRPr lang="fr-FR"/>
+        </a:p>
+      </dgm:t>
+    </dgm:pt>
+    <dgm:pt modelId="{1A0AA230-90B5-4AB1-8DD4-88BE120E4A53}" type="sibTrans" cxnId="{DC088206-0582-4E80-891F-EC1A63F2B061}">
+      <dgm:prSet/>
+      <dgm:spPr/>
+      <dgm:t>
+        <a:bodyPr/>
+        <a:lstStyle/>
+        <a:p>
+          <a:endParaRPr lang="fr-FR"/>
+        </a:p>
+      </dgm:t>
+    </dgm:pt>
+    <dgm:pt modelId="{7465D76A-7C5C-4755-9831-5ABCD1F4A511}">
+      <dgm:prSet/>
+      <dgm:spPr/>
+      <dgm:t>
+        <a:bodyPr/>
+        <a:lstStyle/>
+        <a:p>
+          <a:pPr>
+            <a:buFont typeface="+mj-lt"/>
+            <a:buAutoNum type="arabicPeriod"/>
+          </a:pPr>
+          <a:r>
+            <a:rPr lang="en-US" b="0" i="0" dirty="0"/>
+            <a:t>or will your product save them 1h of work everyday, depending on their hourly rate, its saving them money</a:t>
+          </a:r>
+        </a:p>
+      </dgm:t>
+    </dgm:pt>
+    <dgm:pt modelId="{8987AB3D-1E3F-40DA-8F73-3A9FB986A5B2}" type="parTrans" cxnId="{A511623A-327B-4340-88B6-9621ECD444AC}">
+      <dgm:prSet/>
+      <dgm:spPr/>
+      <dgm:t>
+        <a:bodyPr/>
+        <a:lstStyle/>
+        <a:p>
+          <a:endParaRPr lang="fr-FR"/>
+        </a:p>
+      </dgm:t>
+    </dgm:pt>
+    <dgm:pt modelId="{E77B364D-8449-41EE-A474-1ABDB5AD8E36}" type="sibTrans" cxnId="{A511623A-327B-4340-88B6-9621ECD444AC}">
+      <dgm:prSet/>
+      <dgm:spPr/>
+      <dgm:t>
+        <a:bodyPr/>
+        <a:lstStyle/>
+        <a:p>
+          <a:endParaRPr lang="fr-FR"/>
+        </a:p>
+      </dgm:t>
+    </dgm:pt>
+    <dgm:pt modelId="{225E4BFE-4856-4B6D-9C0E-79DC14D9FCE4}" type="pres">
+      <dgm:prSet presAssocID="{DBCD91CC-5BB3-4DBF-B41C-2B6D3FD4EF59}" presName="linear" presStyleCnt="0">
+        <dgm:presLayoutVars>
+          <dgm:animLvl val="lvl"/>
+          <dgm:resizeHandles val="exact"/>
+        </dgm:presLayoutVars>
+      </dgm:prSet>
+      <dgm:spPr/>
+    </dgm:pt>
+    <dgm:pt modelId="{97A8D912-BAF9-4DB8-90D6-2E69BE632765}" type="pres">
+      <dgm:prSet presAssocID="{8DC2C2BE-AFCF-4736-8379-6CE880F1A28E}" presName="parentText" presStyleLbl="node1" presStyleIdx="0" presStyleCnt="1">
+        <dgm:presLayoutVars>
+          <dgm:chMax val="0"/>
+          <dgm:bulletEnabled val="1"/>
+        </dgm:presLayoutVars>
+      </dgm:prSet>
+      <dgm:spPr/>
+    </dgm:pt>
+    <dgm:pt modelId="{0047E489-33D2-4022-B1BF-BA62316AA750}" type="pres">
+      <dgm:prSet presAssocID="{8DC2C2BE-AFCF-4736-8379-6CE880F1A28E}" presName="childText" presStyleLbl="revTx" presStyleIdx="0" presStyleCnt="1">
+        <dgm:presLayoutVars>
+          <dgm:bulletEnabled val="1"/>
+        </dgm:presLayoutVars>
+      </dgm:prSet>
+      <dgm:spPr/>
+    </dgm:pt>
+  </dgm:ptLst>
+  <dgm:cxnLst>
+    <dgm:cxn modelId="{28611700-BA23-4741-A582-D315FAF35748}" type="presOf" srcId="{DBCD91CC-5BB3-4DBF-B41C-2B6D3FD4EF59}" destId="{225E4BFE-4856-4B6D-9C0E-79DC14D9FCE4}" srcOrd="0" destOrd="0" presId="urn:microsoft.com/office/officeart/2005/8/layout/vList2"/>
+    <dgm:cxn modelId="{DC088206-0582-4E80-891F-EC1A63F2B061}" srcId="{8DC2C2BE-AFCF-4736-8379-6CE880F1A28E}" destId="{14C59C5C-E0ED-452B-A156-C47476AB4898}" srcOrd="0" destOrd="0" parTransId="{ACC9D675-36CD-4D74-9961-F645B496803B}" sibTransId="{1A0AA230-90B5-4AB1-8DD4-88BE120E4A53}"/>
+    <dgm:cxn modelId="{4703902B-C52E-44DE-9995-C63D0F2A6A09}" type="presOf" srcId="{7465D76A-7C5C-4755-9831-5ABCD1F4A511}" destId="{0047E489-33D2-4022-B1BF-BA62316AA750}" srcOrd="0" destOrd="1" presId="urn:microsoft.com/office/officeart/2005/8/layout/vList2"/>
+    <dgm:cxn modelId="{A511623A-327B-4340-88B6-9621ECD444AC}" srcId="{8DC2C2BE-AFCF-4736-8379-6CE880F1A28E}" destId="{7465D76A-7C5C-4755-9831-5ABCD1F4A511}" srcOrd="1" destOrd="0" parTransId="{8987AB3D-1E3F-40DA-8F73-3A9FB986A5B2}" sibTransId="{E77B364D-8449-41EE-A474-1ABDB5AD8E36}"/>
+    <dgm:cxn modelId="{A0017A56-4188-47EB-94E4-B6D6CD9D4A7D}" type="presOf" srcId="{14C59C5C-E0ED-452B-A156-C47476AB4898}" destId="{0047E489-33D2-4022-B1BF-BA62316AA750}" srcOrd="0" destOrd="0" presId="urn:microsoft.com/office/officeart/2005/8/layout/vList2"/>
+    <dgm:cxn modelId="{8EBCCECB-C974-49D0-9F93-F2E04D82E591}" type="presOf" srcId="{8DC2C2BE-AFCF-4736-8379-6CE880F1A28E}" destId="{97A8D912-BAF9-4DB8-90D6-2E69BE632765}" srcOrd="0" destOrd="0" presId="urn:microsoft.com/office/officeart/2005/8/layout/vList2"/>
+    <dgm:cxn modelId="{164757DD-54BF-4D37-9FAE-6DDBC31CE0BD}" srcId="{DBCD91CC-5BB3-4DBF-B41C-2B6D3FD4EF59}" destId="{8DC2C2BE-AFCF-4736-8379-6CE880F1A28E}" srcOrd="0" destOrd="0" parTransId="{40C461F6-641F-471C-9535-609B012A5ED5}" sibTransId="{B238E38E-BDB7-4BD2-BC2B-D45FB3CF2064}"/>
+    <dgm:cxn modelId="{B0844DDE-03E1-48AB-9450-0856AEEB864D}" type="presParOf" srcId="{225E4BFE-4856-4B6D-9C0E-79DC14D9FCE4}" destId="{97A8D912-BAF9-4DB8-90D6-2E69BE632765}" srcOrd="0" destOrd="0" presId="urn:microsoft.com/office/officeart/2005/8/layout/vList2"/>
+    <dgm:cxn modelId="{0219DD03-DB03-4C96-BAFC-C464890F8497}" type="presParOf" srcId="{225E4BFE-4856-4B6D-9C0E-79DC14D9FCE4}" destId="{0047E489-33D2-4022-B1BF-BA62316AA750}" srcOrd="1" destOrd="0" presId="urn:microsoft.com/office/officeart/2005/8/layout/vList2"/>
+  </dgm:cxnLst>
+  <dgm:bg/>
+  <dgm:whole/>
+  <dgm:extLst>
+    <a:ext uri="http://schemas.microsoft.com/office/drawing/2008/diagram">
+      <dsp:dataModelExt xmlns:dsp="http://schemas.microsoft.com/office/drawing/2008/diagram" relId="rId6" minVer="http://schemas.openxmlformats.org/drawingml/2006/diagram"/>
+    </a:ext>
+  </dgm:extLst>
+</dgm:dataModel>
+</file>
+
+<file path=ppt/diagrams/data7.xml><?xml version="1.0" encoding="utf-8"?>
+<dgm:dataModel xmlns:dgm="http://schemas.openxmlformats.org/drawingml/2006/diagram" xmlns:a="http://schemas.openxmlformats.org/drawingml/2006/main">
+  <dgm:ptLst>
+    <dgm:pt modelId="{DBCD91CC-5BB3-4DBF-B41C-2B6D3FD4EF59}" type="doc">
+      <dgm:prSet loTypeId="urn:microsoft.com/office/officeart/2005/8/layout/vList2" loCatId="list" qsTypeId="urn:microsoft.com/office/officeart/2005/8/quickstyle/simple1" qsCatId="simple" csTypeId="urn:microsoft.com/office/officeart/2005/8/colors/accent1_2" csCatId="accent1" phldr="1"/>
+      <dgm:spPr/>
+      <dgm:t>
+        <a:bodyPr/>
+        <a:lstStyle/>
+        <a:p>
+          <a:endParaRPr lang="fr-FR"/>
+        </a:p>
+      </dgm:t>
+    </dgm:pt>
+    <dgm:pt modelId="{8DC2C2BE-AFCF-4736-8379-6CE880F1A28E}">
+      <dgm:prSet/>
+      <dgm:spPr/>
+      <dgm:t>
+        <a:bodyPr/>
+        <a:lstStyle/>
+        <a:p>
+          <a:pPr>
+            <a:buFont typeface="+mj-lt"/>
+            <a:buAutoNum type="arabicPeriod"/>
+          </a:pPr>
+          <a:r>
+            <a:rPr lang="en-US" b="0" i="0" dirty="0"/>
+            <a:t>Avoid replying to customers If your product is priced cheap, </a:t>
+          </a:r>
+        </a:p>
+      </dgm:t>
+    </dgm:pt>
+    <dgm:pt modelId="{40C461F6-641F-471C-9535-609B012A5ED5}" type="parTrans" cxnId="{164757DD-54BF-4D37-9FAE-6DDBC31CE0BD}">
+      <dgm:prSet/>
+      <dgm:spPr/>
+      <dgm:t>
+        <a:bodyPr/>
+        <a:lstStyle/>
+        <a:p>
+          <a:endParaRPr lang="fr-FR"/>
+        </a:p>
+      </dgm:t>
+    </dgm:pt>
+    <dgm:pt modelId="{B238E38E-BDB7-4BD2-BC2B-D45FB3CF2064}" type="sibTrans" cxnId="{164757DD-54BF-4D37-9FAE-6DDBC31CE0BD}">
+      <dgm:prSet/>
+      <dgm:spPr/>
+      <dgm:t>
+        <a:bodyPr/>
+        <a:lstStyle/>
+        <a:p>
+          <a:endParaRPr lang="fr-FR"/>
+        </a:p>
+      </dgm:t>
+    </dgm:pt>
+    <dgm:pt modelId="{928D212B-A99A-4B3E-BD74-168CBDDFF333}">
+      <dgm:prSet/>
+      <dgm:spPr/>
+      <dgm:t>
+        <a:bodyPr/>
+        <a:lstStyle/>
+        <a:p>
+          <a:pPr>
+            <a:buFont typeface="+mj-lt"/>
+            <a:buAutoNum type="arabicPeriod"/>
+          </a:pPr>
+          <a:r>
+            <a:rPr lang="en-US" b="0" i="0" dirty="0"/>
+            <a:t>instead automate the process through a sign up page for efficiency</a:t>
+          </a:r>
+        </a:p>
+      </dgm:t>
+    </dgm:pt>
+    <dgm:pt modelId="{FFC8851A-F063-4205-B2CE-922D52BD129A}" type="parTrans" cxnId="{7A5D75B1-1347-4A13-946F-6BE8B8B4C3AA}">
+      <dgm:prSet/>
+      <dgm:spPr/>
+      <dgm:t>
+        <a:bodyPr/>
+        <a:lstStyle/>
+        <a:p>
+          <a:endParaRPr lang="fr-FR"/>
+        </a:p>
+      </dgm:t>
+    </dgm:pt>
+    <dgm:pt modelId="{E4E34CBE-98EF-4250-8131-E01075200B4B}" type="sibTrans" cxnId="{7A5D75B1-1347-4A13-946F-6BE8B8B4C3AA}">
+      <dgm:prSet/>
+      <dgm:spPr/>
+      <dgm:t>
+        <a:bodyPr/>
+        <a:lstStyle/>
+        <a:p>
+          <a:endParaRPr lang="fr-FR"/>
+        </a:p>
+      </dgm:t>
+    </dgm:pt>
+    <dgm:pt modelId="{87E04061-800D-49FF-B7C9-7217ADE443CB}">
+      <dgm:prSet/>
+      <dgm:spPr/>
+      <dgm:t>
+        <a:bodyPr/>
+        <a:lstStyle/>
+        <a:p>
+          <a:pPr>
+            <a:buFont typeface="+mj-lt"/>
+            <a:buAutoNum type="arabicPeriod"/>
+          </a:pPr>
+          <a:r>
+            <a:rPr lang="en-US" b="0" i="0" dirty="0"/>
+            <a:t>large customer bases cannot be supported at low hourly cost</a:t>
+          </a:r>
+        </a:p>
+      </dgm:t>
+    </dgm:pt>
+    <dgm:pt modelId="{C873EEA9-9DEE-4D47-8670-C88A5F05D920}" type="parTrans" cxnId="{9F90EF5E-6DDA-4102-B275-38F6E95B3BAE}">
+      <dgm:prSet/>
+      <dgm:spPr/>
+      <dgm:t>
+        <a:bodyPr/>
+        <a:lstStyle/>
+        <a:p>
+          <a:endParaRPr lang="fr-FR"/>
+        </a:p>
+      </dgm:t>
+    </dgm:pt>
+    <dgm:pt modelId="{06E3D3FC-AC9F-4B30-B086-7F4372CB9B6B}" type="sibTrans" cxnId="{9F90EF5E-6DDA-4102-B275-38F6E95B3BAE}">
+      <dgm:prSet/>
+      <dgm:spPr/>
+      <dgm:t>
+        <a:bodyPr/>
+        <a:lstStyle/>
+        <a:p>
+          <a:endParaRPr lang="fr-FR"/>
+        </a:p>
+      </dgm:t>
+    </dgm:pt>
+    <dgm:pt modelId="{01CD282A-4EF9-41F4-86C3-68E0D7E7FD05}">
+      <dgm:prSet/>
+      <dgm:spPr/>
+      <dgm:t>
+        <a:bodyPr/>
+        <a:lstStyle/>
+        <a:p>
+          <a:pPr>
+            <a:buFont typeface="+mj-lt"/>
+            <a:buAutoNum type="arabicPeriod"/>
+          </a:pPr>
+          <a:r>
+            <a:rPr lang="en-US" b="0" i="0" dirty="0"/>
+            <a:t>Avoid doing customer training calls every week</a:t>
+          </a:r>
+        </a:p>
+      </dgm:t>
+    </dgm:pt>
+    <dgm:pt modelId="{54F9E06A-EB26-456C-9A4A-18CB6358B5BA}" type="parTrans" cxnId="{56FB56AF-B4B1-4B00-9BE8-D18AF1FF4E5A}">
+      <dgm:prSet/>
+      <dgm:spPr/>
+      <dgm:t>
+        <a:bodyPr/>
+        <a:lstStyle/>
+        <a:p>
+          <a:endParaRPr lang="fr-FR"/>
+        </a:p>
+      </dgm:t>
+    </dgm:pt>
+    <dgm:pt modelId="{0F61F5BB-C01B-4384-AE7D-652E8B447990}" type="sibTrans" cxnId="{56FB56AF-B4B1-4B00-9BE8-D18AF1FF4E5A}">
+      <dgm:prSet/>
+      <dgm:spPr/>
+      <dgm:t>
+        <a:bodyPr/>
+        <a:lstStyle/>
+        <a:p>
+          <a:endParaRPr lang="fr-FR"/>
+        </a:p>
+      </dgm:t>
+    </dgm:pt>
+    <dgm:pt modelId="{5416465C-7A32-4804-98FB-2250BB97AFE6}">
+      <dgm:prSet/>
+      <dgm:spPr/>
+      <dgm:t>
+        <a:bodyPr/>
+        <a:lstStyle/>
+        <a:p>
+          <a:pPr>
+            <a:buFont typeface="+mj-lt"/>
+            <a:buAutoNum type="arabicPeriod"/>
+          </a:pPr>
+          <a:r>
+            <a:rPr lang="en-US" b="0" i="0" dirty="0"/>
+            <a:t>Only offer training seminars to a batch of customers at once. Up to 100 customers on a recorded call at once</a:t>
+          </a:r>
+        </a:p>
+      </dgm:t>
+    </dgm:pt>
+    <dgm:pt modelId="{CB6D053C-26CA-49B5-860C-8E0218C19453}" type="parTrans" cxnId="{256A024F-5D8F-4EC0-89B0-628879759AF7}">
+      <dgm:prSet/>
+      <dgm:spPr/>
+      <dgm:t>
+        <a:bodyPr/>
+        <a:lstStyle/>
+        <a:p>
+          <a:endParaRPr lang="fr-FR"/>
+        </a:p>
+      </dgm:t>
+    </dgm:pt>
+    <dgm:pt modelId="{9426CF9E-33F5-4417-854D-7D7142F0F132}" type="sibTrans" cxnId="{256A024F-5D8F-4EC0-89B0-628879759AF7}">
+      <dgm:prSet/>
+      <dgm:spPr/>
+      <dgm:t>
+        <a:bodyPr/>
+        <a:lstStyle/>
+        <a:p>
+          <a:endParaRPr lang="fr-FR"/>
+        </a:p>
+      </dgm:t>
+    </dgm:pt>
+    <dgm:pt modelId="{225E4BFE-4856-4B6D-9C0E-79DC14D9FCE4}" type="pres">
+      <dgm:prSet presAssocID="{DBCD91CC-5BB3-4DBF-B41C-2B6D3FD4EF59}" presName="linear" presStyleCnt="0">
+        <dgm:presLayoutVars>
+          <dgm:animLvl val="lvl"/>
+          <dgm:resizeHandles val="exact"/>
+        </dgm:presLayoutVars>
+      </dgm:prSet>
+      <dgm:spPr/>
+    </dgm:pt>
+    <dgm:pt modelId="{97A8D912-BAF9-4DB8-90D6-2E69BE632765}" type="pres">
+      <dgm:prSet presAssocID="{8DC2C2BE-AFCF-4736-8379-6CE880F1A28E}" presName="parentText" presStyleLbl="node1" presStyleIdx="0" presStyleCnt="2">
+        <dgm:presLayoutVars>
+          <dgm:chMax val="0"/>
+          <dgm:bulletEnabled val="1"/>
+        </dgm:presLayoutVars>
+      </dgm:prSet>
+      <dgm:spPr/>
+    </dgm:pt>
+    <dgm:pt modelId="{0047E489-33D2-4022-B1BF-BA62316AA750}" type="pres">
+      <dgm:prSet presAssocID="{8DC2C2BE-AFCF-4736-8379-6CE880F1A28E}" presName="childText" presStyleLbl="revTx" presStyleIdx="0" presStyleCnt="2">
+        <dgm:presLayoutVars>
+          <dgm:bulletEnabled val="1"/>
+        </dgm:presLayoutVars>
+      </dgm:prSet>
+      <dgm:spPr/>
+    </dgm:pt>
+    <dgm:pt modelId="{627C2938-2116-461C-9B6C-DC9CBE443E3E}" type="pres">
+      <dgm:prSet presAssocID="{01CD282A-4EF9-41F4-86C3-68E0D7E7FD05}" presName="parentText" presStyleLbl="node1" presStyleIdx="1" presStyleCnt="2">
+        <dgm:presLayoutVars>
+          <dgm:chMax val="0"/>
+          <dgm:bulletEnabled val="1"/>
+        </dgm:presLayoutVars>
+      </dgm:prSet>
+      <dgm:spPr/>
+    </dgm:pt>
+    <dgm:pt modelId="{7822DA0C-0BC5-45BD-AF46-8AFC037A70DD}" type="pres">
+      <dgm:prSet presAssocID="{01CD282A-4EF9-41F4-86C3-68E0D7E7FD05}" presName="childText" presStyleLbl="revTx" presStyleIdx="1" presStyleCnt="2">
+        <dgm:presLayoutVars>
+          <dgm:bulletEnabled val="1"/>
+        </dgm:presLayoutVars>
+      </dgm:prSet>
+      <dgm:spPr/>
+    </dgm:pt>
+  </dgm:ptLst>
+  <dgm:cxnLst>
+    <dgm:cxn modelId="{28611700-BA23-4741-A582-D315FAF35748}" type="presOf" srcId="{DBCD91CC-5BB3-4DBF-B41C-2B6D3FD4EF59}" destId="{225E4BFE-4856-4B6D-9C0E-79DC14D9FCE4}" srcOrd="0" destOrd="0" presId="urn:microsoft.com/office/officeart/2005/8/layout/vList2"/>
+    <dgm:cxn modelId="{3B4C4422-D398-47DD-A95B-1BBB71FC838E}" type="presOf" srcId="{01CD282A-4EF9-41F4-86C3-68E0D7E7FD05}" destId="{627C2938-2116-461C-9B6C-DC9CBE443E3E}" srcOrd="0" destOrd="0" presId="urn:microsoft.com/office/officeart/2005/8/layout/vList2"/>
+    <dgm:cxn modelId="{9F90EF5E-6DDA-4102-B275-38F6E95B3BAE}" srcId="{8DC2C2BE-AFCF-4736-8379-6CE880F1A28E}" destId="{87E04061-800D-49FF-B7C9-7217ADE443CB}" srcOrd="1" destOrd="0" parTransId="{C873EEA9-9DEE-4D47-8670-C88A5F05D920}" sibTransId="{06E3D3FC-AC9F-4B30-B086-7F4372CB9B6B}"/>
+    <dgm:cxn modelId="{9B0D2644-58F3-4366-A9AB-F8361EE19514}" type="presOf" srcId="{928D212B-A99A-4B3E-BD74-168CBDDFF333}" destId="{0047E489-33D2-4022-B1BF-BA62316AA750}" srcOrd="0" destOrd="0" presId="urn:microsoft.com/office/officeart/2005/8/layout/vList2"/>
+    <dgm:cxn modelId="{256A024F-5D8F-4EC0-89B0-628879759AF7}" srcId="{01CD282A-4EF9-41F4-86C3-68E0D7E7FD05}" destId="{5416465C-7A32-4804-98FB-2250BB97AFE6}" srcOrd="0" destOrd="0" parTransId="{CB6D053C-26CA-49B5-860C-8E0218C19453}" sibTransId="{9426CF9E-33F5-4417-854D-7D7142F0F132}"/>
+    <dgm:cxn modelId="{274FD285-3EA2-4B1F-A8FD-9145691753C8}" type="presOf" srcId="{5416465C-7A32-4804-98FB-2250BB97AFE6}" destId="{7822DA0C-0BC5-45BD-AF46-8AFC037A70DD}" srcOrd="0" destOrd="0" presId="urn:microsoft.com/office/officeart/2005/8/layout/vList2"/>
+    <dgm:cxn modelId="{56FB56AF-B4B1-4B00-9BE8-D18AF1FF4E5A}" srcId="{DBCD91CC-5BB3-4DBF-B41C-2B6D3FD4EF59}" destId="{01CD282A-4EF9-41F4-86C3-68E0D7E7FD05}" srcOrd="1" destOrd="0" parTransId="{54F9E06A-EB26-456C-9A4A-18CB6358B5BA}" sibTransId="{0F61F5BB-C01B-4384-AE7D-652E8B447990}"/>
+    <dgm:cxn modelId="{7A5D75B1-1347-4A13-946F-6BE8B8B4C3AA}" srcId="{8DC2C2BE-AFCF-4736-8379-6CE880F1A28E}" destId="{928D212B-A99A-4B3E-BD74-168CBDDFF333}" srcOrd="0" destOrd="0" parTransId="{FFC8851A-F063-4205-B2CE-922D52BD129A}" sibTransId="{E4E34CBE-98EF-4250-8131-E01075200B4B}"/>
+    <dgm:cxn modelId="{8EBCCECB-C974-49D0-9F93-F2E04D82E591}" type="presOf" srcId="{8DC2C2BE-AFCF-4736-8379-6CE880F1A28E}" destId="{97A8D912-BAF9-4DB8-90D6-2E69BE632765}" srcOrd="0" destOrd="0" presId="urn:microsoft.com/office/officeart/2005/8/layout/vList2"/>
+    <dgm:cxn modelId="{99496DDD-32A8-4852-811A-4999F7EC3AD8}" type="presOf" srcId="{87E04061-800D-49FF-B7C9-7217ADE443CB}" destId="{0047E489-33D2-4022-B1BF-BA62316AA750}" srcOrd="0" destOrd="1" presId="urn:microsoft.com/office/officeart/2005/8/layout/vList2"/>
+    <dgm:cxn modelId="{164757DD-54BF-4D37-9FAE-6DDBC31CE0BD}" srcId="{DBCD91CC-5BB3-4DBF-B41C-2B6D3FD4EF59}" destId="{8DC2C2BE-AFCF-4736-8379-6CE880F1A28E}" srcOrd="0" destOrd="0" parTransId="{40C461F6-641F-471C-9535-609B012A5ED5}" sibTransId="{B238E38E-BDB7-4BD2-BC2B-D45FB3CF2064}"/>
+    <dgm:cxn modelId="{B0844DDE-03E1-48AB-9450-0856AEEB864D}" type="presParOf" srcId="{225E4BFE-4856-4B6D-9C0E-79DC14D9FCE4}" destId="{97A8D912-BAF9-4DB8-90D6-2E69BE632765}" srcOrd="0" destOrd="0" presId="urn:microsoft.com/office/officeart/2005/8/layout/vList2"/>
+    <dgm:cxn modelId="{0219DD03-DB03-4C96-BAFC-C464890F8497}" type="presParOf" srcId="{225E4BFE-4856-4B6D-9C0E-79DC14D9FCE4}" destId="{0047E489-33D2-4022-B1BF-BA62316AA750}" srcOrd="1" destOrd="0" presId="urn:microsoft.com/office/officeart/2005/8/layout/vList2"/>
+    <dgm:cxn modelId="{7FA7D6E9-7358-4A49-BCCB-237F6C099545}" type="presParOf" srcId="{225E4BFE-4856-4B6D-9C0E-79DC14D9FCE4}" destId="{627C2938-2116-461C-9B6C-DC9CBE443E3E}" srcOrd="2" destOrd="0" presId="urn:microsoft.com/office/officeart/2005/8/layout/vList2"/>
+    <dgm:cxn modelId="{C4CA933F-D34B-4233-AA9F-3C764EB8C8FE}" type="presParOf" srcId="{225E4BFE-4856-4B6D-9C0E-79DC14D9FCE4}" destId="{7822DA0C-0BC5-45BD-AF46-8AFC037A70DD}" srcOrd="3" destOrd="0" presId="urn:microsoft.com/office/officeart/2005/8/layout/vList2"/>
+  </dgm:cxnLst>
+  <dgm:bg/>
+  <dgm:whole/>
+  <dgm:extLst>
+    <a:ext uri="http://schemas.microsoft.com/office/drawing/2008/diagram">
+      <dsp:dataModelExt xmlns:dsp="http://schemas.microsoft.com/office/drawing/2008/diagram" relId="rId6" minVer="http://schemas.openxmlformats.org/drawingml/2006/diagram"/>
+    </a:ext>
+  </dgm:extLst>
+</dgm:dataModel>
+</file>
+
 <file path=ppt/diagrams/drawing1.xml><?xml version="1.0" encoding="utf-8"?>
 <dsp:drawing xmlns:dgm="http://schemas.openxmlformats.org/drawingml/2006/diagram" xmlns:dsp="http://schemas.microsoft.com/office/drawing/2008/diagram" xmlns:a="http://schemas.openxmlformats.org/drawingml/2006/main">
   <dsp:spTree>
@@ -7741,8 +6991,8 @@
       </dsp:nvSpPr>
       <dsp:spPr>
         <a:xfrm>
-          <a:off x="0" y="149489"/>
-          <a:ext cx="10058399" cy="1814670"/>
+          <a:off x="0" y="224505"/>
+          <a:ext cx="10058399" cy="3574350"/>
         </a:xfrm>
         <a:prstGeom prst="roundRect">
           <a:avLst/>
@@ -7783,12 +7033,12 @@
         </a:fontRef>
       </dsp:style>
       <dsp:txBody>
-        <a:bodyPr spcFirstLastPara="0" vert="horz" wrap="square" lIns="125730" tIns="125730" rIns="125730" bIns="125730" numCol="1" spcCol="1270" anchor="ctr" anchorCtr="0">
+        <a:bodyPr spcFirstLastPara="0" vert="horz" wrap="square" lIns="247650" tIns="247650" rIns="247650" bIns="247650" numCol="1" spcCol="1270" anchor="ctr" anchorCtr="0">
           <a:noAutofit/>
         </a:bodyPr>
         <a:lstStyle/>
         <a:p>
-          <a:pPr marL="0" lvl="0" indent="0" algn="l" defTabSz="1466850">
+          <a:pPr marL="0" lvl="0" indent="0" algn="l" defTabSz="2889250">
             <a:lnSpc>
               <a:spcPct val="90000"/>
             </a:lnSpc>
@@ -7802,25 +7052,49 @@
             <a:buNone/>
           </a:pPr>
           <a:r>
-            <a:rPr lang="en-US" sz="3300" b="0" i="0" kern="1200" dirty="0"/>
-            <a:t>Learning: Focus on gathering insights about engagement, audience interest. This is crucial for startups in early stages or expanding to new audiences.</a:t>
+            <a:rPr lang="en-US" sz="6500" b="0" i="0" kern="1200" dirty="0"/>
+            <a:t>Time: Is there a specific window for reaching your target audience</a:t>
           </a:r>
         </a:p>
       </dsp:txBody>
       <dsp:txXfrm>
-        <a:off x="88585" y="238074"/>
-        <a:ext cx="9881229" cy="1637500"/>
+        <a:off x="174485" y="398990"/>
+        <a:ext cx="9709429" cy="3225380"/>
       </dsp:txXfrm>
     </dsp:sp>
-    <dsp:sp modelId="{7EE0C82D-5FB8-4E42-90AE-73F80EFE1F8A}">
+  </dsp:spTree>
+</dsp:drawing>
+</file>
+
+<file path=ppt/diagrams/drawing2.xml><?xml version="1.0" encoding="utf-8"?>
+<dsp:drawing xmlns:dgm="http://schemas.openxmlformats.org/drawingml/2006/diagram" xmlns:dsp="http://schemas.microsoft.com/office/drawing/2008/diagram" xmlns:a="http://schemas.openxmlformats.org/drawingml/2006/main">
+  <dsp:spTree>
+    <dsp:nvGrpSpPr>
+      <dsp:cNvPr id="0" name=""/>
+      <dsp:cNvGrpSpPr/>
+    </dsp:nvGrpSpPr>
+    <dsp:grpSpPr/>
+  </dsp:spTree>
+</dsp:drawing>
+</file>
+
+<file path=ppt/diagrams/drawing3.xml><?xml version="1.0" encoding="utf-8"?>
+<dsp:drawing xmlns:dgm="http://schemas.openxmlformats.org/drawingml/2006/diagram" xmlns:dsp="http://schemas.microsoft.com/office/drawing/2008/diagram" xmlns:a="http://schemas.openxmlformats.org/drawingml/2006/main">
+  <dsp:spTree>
+    <dsp:nvGrpSpPr>
+      <dsp:cNvPr id="0" name=""/>
+      <dsp:cNvGrpSpPr/>
+    </dsp:nvGrpSpPr>
+    <dsp:grpSpPr/>
+    <dsp:sp modelId="{F2AAA7B6-B134-45BC-B7A6-22F4F395FF1A}">
       <dsp:nvSpPr>
         <dsp:cNvPr id="0" name=""/>
         <dsp:cNvSpPr/>
       </dsp:nvSpPr>
       <dsp:spPr>
         <a:xfrm>
-          <a:off x="0" y="2059200"/>
-          <a:ext cx="10058399" cy="1814670"/>
+          <a:off x="0" y="0"/>
+          <a:ext cx="10058399" cy="875160"/>
         </a:xfrm>
         <a:prstGeom prst="roundRect">
           <a:avLst/>
@@ -7861,12 +7135,12 @@
         </a:fontRef>
       </dsp:style>
       <dsp:txBody>
-        <a:bodyPr spcFirstLastPara="0" vert="horz" wrap="square" lIns="125730" tIns="125730" rIns="125730" bIns="125730" numCol="1" spcCol="1270" anchor="ctr" anchorCtr="0">
+        <a:bodyPr spcFirstLastPara="0" vert="horz" wrap="square" lIns="83820" tIns="83820" rIns="83820" bIns="83820" numCol="1" spcCol="1270" anchor="ctr" anchorCtr="0">
           <a:noAutofit/>
         </a:bodyPr>
         <a:lstStyle/>
         <a:p>
-          <a:pPr marL="0" lvl="0" indent="0" algn="l" defTabSz="1466850">
+          <a:pPr marL="0" lvl="0" indent="0" algn="l" defTabSz="977900">
             <a:lnSpc>
               <a:spcPct val="90000"/>
             </a:lnSpc>
@@ -7876,41 +7150,29 @@
             <a:spcAft>
               <a:spcPct val="35000"/>
             </a:spcAft>
-            <a:buFont typeface="+mj-lt"/>
             <a:buNone/>
           </a:pPr>
           <a:r>
-            <a:rPr lang="en-US" sz="3300" b="0" i="0" kern="1200" dirty="0"/>
-            <a:t>Cost: Optimize your cost per acquisition (CPA) to maximize your budget's efficiency.</a:t>
+            <a:rPr lang="en-US" sz="2200" b="0" i="0" kern="1200" dirty="0"/>
+            <a:t>Ad Campaigns: Run targeted ads on platforms like Google and Facebook to gauge product appeal.</a:t>
           </a:r>
+          <a:endParaRPr lang="fr-FR" sz="2200" kern="1200" dirty="0"/>
         </a:p>
       </dsp:txBody>
       <dsp:txXfrm>
-        <a:off x="88585" y="2147785"/>
-        <a:ext cx="9881229" cy="1637500"/>
+        <a:off x="42722" y="42722"/>
+        <a:ext cx="9972955" cy="789716"/>
       </dsp:txXfrm>
     </dsp:sp>
-  </dsp:spTree>
-</dsp:drawing>
-</file>
-
-<file path=ppt/diagrams/drawing2.xml><?xml version="1.0" encoding="utf-8"?>
-<dsp:drawing xmlns:dgm="http://schemas.openxmlformats.org/drawingml/2006/diagram" xmlns:dsp="http://schemas.microsoft.com/office/drawing/2008/diagram" xmlns:a="http://schemas.openxmlformats.org/drawingml/2006/main">
-  <dsp:spTree>
-    <dsp:nvGrpSpPr>
-      <dsp:cNvPr id="0" name=""/>
-      <dsp:cNvGrpSpPr/>
-    </dsp:nvGrpSpPr>
-    <dsp:grpSpPr/>
-    <dsp:sp modelId="{97A8D912-BAF9-4DB8-90D6-2E69BE632765}">
+    <dsp:sp modelId="{789DC43C-1C1B-4CDA-843E-EB15B9A9273C}">
       <dsp:nvSpPr>
         <dsp:cNvPr id="0" name=""/>
         <dsp:cNvSpPr/>
       </dsp:nvSpPr>
       <dsp:spPr>
         <a:xfrm>
-          <a:off x="0" y="82439"/>
-          <a:ext cx="10058399" cy="914940"/>
+          <a:off x="0" y="105740"/>
+          <a:ext cx="10058399" cy="875160"/>
         </a:xfrm>
         <a:prstGeom prst="roundRect">
           <a:avLst/>
@@ -7951,12 +7213,12 @@
         </a:fontRef>
       </dsp:style>
       <dsp:txBody>
-        <a:bodyPr spcFirstLastPara="0" vert="horz" wrap="square" lIns="87630" tIns="87630" rIns="87630" bIns="87630" numCol="1" spcCol="1270" anchor="ctr" anchorCtr="0">
+        <a:bodyPr spcFirstLastPara="0" vert="horz" wrap="square" lIns="83820" tIns="83820" rIns="83820" bIns="83820" numCol="1" spcCol="1270" anchor="ctr" anchorCtr="0">
           <a:noAutofit/>
         </a:bodyPr>
         <a:lstStyle/>
         <a:p>
-          <a:pPr marL="0" lvl="0" indent="0" algn="l" defTabSz="1022350">
+          <a:pPr marL="0" lvl="0" indent="0" algn="l" defTabSz="977900">
             <a:lnSpc>
               <a:spcPct val="90000"/>
             </a:lnSpc>
@@ -7966,29 +7228,37 @@
             <a:spcAft>
               <a:spcPct val="35000"/>
             </a:spcAft>
-            <a:buFont typeface="+mj-lt"/>
             <a:buNone/>
           </a:pPr>
           <a:r>
-            <a:rPr lang="en-US" sz="2300" b="0" i="0" kern="1200" dirty="0"/>
-            <a:t>Time: Is there a specific window for reaching your target audience, or are you running out of time due to financial constraints?</a:t>
+            <a:rPr lang="en-US" sz="2200" b="0" i="0" kern="1200" dirty="0"/>
+            <a:t>Fundraising: Use crowdfunding platforms like </a:t>
           </a:r>
+          <a:r>
+            <a:rPr lang="en-US" sz="2200" b="0" i="0" kern="1200" dirty="0" err="1"/>
+            <a:t>FundKiss</a:t>
+          </a:r>
+          <a:r>
+            <a:rPr lang="en-US" sz="2200" b="0" i="0" kern="1200" dirty="0"/>
+            <a:t> to validate market interest and engage early adopters.</a:t>
+          </a:r>
+          <a:endParaRPr lang="fr-FR" sz="2200" kern="1200" dirty="0"/>
         </a:p>
       </dsp:txBody>
       <dsp:txXfrm>
-        <a:off x="44664" y="127103"/>
-        <a:ext cx="9969071" cy="825612"/>
+        <a:off x="42722" y="148462"/>
+        <a:ext cx="9972955" cy="789716"/>
       </dsp:txXfrm>
     </dsp:sp>
-    <dsp:sp modelId="{55E866EC-4639-4B28-BA90-8D65BCBCB801}">
+    <dsp:sp modelId="{7CA2177B-1C46-4A8A-A846-3536CB2BE646}">
       <dsp:nvSpPr>
         <dsp:cNvPr id="0" name=""/>
         <dsp:cNvSpPr/>
       </dsp:nvSpPr>
       <dsp:spPr>
         <a:xfrm>
-          <a:off x="0" y="1063619"/>
-          <a:ext cx="10058399" cy="914940"/>
+          <a:off x="0" y="1122359"/>
+          <a:ext cx="10058399" cy="875160"/>
         </a:xfrm>
         <a:prstGeom prst="roundRect">
           <a:avLst/>
@@ -8029,12 +7299,12 @@
         </a:fontRef>
       </dsp:style>
       <dsp:txBody>
-        <a:bodyPr spcFirstLastPara="0" vert="horz" wrap="square" lIns="87630" tIns="87630" rIns="87630" bIns="87630" numCol="1" spcCol="1270" anchor="ctr" anchorCtr="0">
+        <a:bodyPr spcFirstLastPara="0" vert="horz" wrap="square" lIns="83820" tIns="83820" rIns="83820" bIns="83820" numCol="1" spcCol="1270" anchor="ctr" anchorCtr="0">
           <a:noAutofit/>
         </a:bodyPr>
         <a:lstStyle/>
         <a:p>
-          <a:pPr marL="0" lvl="0" indent="0" algn="l" defTabSz="1022350">
+          <a:pPr marL="0" lvl="0" indent="0" algn="l" defTabSz="977900">
             <a:lnSpc>
               <a:spcPct val="90000"/>
             </a:lnSpc>
@@ -8044,29 +7314,29 @@
             <a:spcAft>
               <a:spcPct val="35000"/>
             </a:spcAft>
-            <a:buFont typeface="+mj-lt"/>
             <a:buNone/>
           </a:pPr>
           <a:r>
-            <a:rPr lang="en-US" sz="2300" b="0" i="0" kern="1200" dirty="0"/>
-            <a:t>Financial Situation: Is your company well-financed, or are you self-funding (bootstrapping)? Do you require additional funds to sustain your operations?</a:t>
+            <a:rPr lang="en-US" sz="2200" b="0" i="0" kern="1200" dirty="0"/>
+            <a:t>Concierge MVPs: Deliver a customized service to select customers, revealing customer preferences.</a:t>
           </a:r>
+          <a:endParaRPr lang="fr-FR" sz="2200" kern="1200" dirty="0"/>
         </a:p>
       </dsp:txBody>
       <dsp:txXfrm>
-        <a:off x="44664" y="1108283"/>
-        <a:ext cx="9969071" cy="825612"/>
+        <a:off x="42722" y="1165081"/>
+        <a:ext cx="9972955" cy="789716"/>
       </dsp:txXfrm>
     </dsp:sp>
-    <dsp:sp modelId="{93BE0F15-4AB3-4E62-802F-5E3B91C5C382}">
+    <dsp:sp modelId="{BE01E163-8DAC-45FA-AAE6-1D4105761CF2}">
       <dsp:nvSpPr>
         <dsp:cNvPr id="0" name=""/>
         <dsp:cNvSpPr/>
       </dsp:nvSpPr>
       <dsp:spPr>
         <a:xfrm>
-          <a:off x="0" y="2044800"/>
-          <a:ext cx="10058399" cy="914940"/>
+          <a:off x="0" y="2103307"/>
+          <a:ext cx="10058399" cy="875160"/>
         </a:xfrm>
         <a:prstGeom prst="roundRect">
           <a:avLst/>
@@ -8107,12 +7377,12 @@
         </a:fontRef>
       </dsp:style>
       <dsp:txBody>
-        <a:bodyPr spcFirstLastPara="0" vert="horz" wrap="square" lIns="87630" tIns="87630" rIns="87630" bIns="87630" numCol="1" spcCol="1270" anchor="ctr" anchorCtr="0">
+        <a:bodyPr spcFirstLastPara="0" vert="horz" wrap="square" lIns="83820" tIns="83820" rIns="83820" bIns="83820" numCol="1" spcCol="1270" anchor="ctr" anchorCtr="0">
           <a:noAutofit/>
         </a:bodyPr>
         <a:lstStyle/>
         <a:p>
-          <a:pPr marL="0" lvl="0" indent="0" algn="l" defTabSz="1022350">
+          <a:pPr marL="0" lvl="0" indent="0" algn="l" defTabSz="977900">
             <a:lnSpc>
               <a:spcPct val="90000"/>
             </a:lnSpc>
@@ -8122,29 +7392,29 @@
             <a:spcAft>
               <a:spcPct val="35000"/>
             </a:spcAft>
-            <a:buFont typeface="+mj-lt"/>
             <a:buNone/>
           </a:pPr>
           <a:r>
-            <a:rPr lang="en-US" sz="2300" b="0" i="0" kern="1200" dirty="0"/>
-            <a:t>Audience Focus: Is it necessary to target a highly specific group of individuals?</a:t>
+            <a:rPr lang="en-US" sz="2200" b="0" i="0" kern="1200" dirty="0"/>
+            <a:t>Single-Feature MVPs: Focus on one core feature to simplify development and user focus.</a:t>
           </a:r>
+          <a:endParaRPr lang="fr-FR" sz="2200" kern="1200" dirty="0"/>
         </a:p>
       </dsp:txBody>
       <dsp:txXfrm>
-        <a:off x="44664" y="2089464"/>
-        <a:ext cx="9969071" cy="825612"/>
+        <a:off x="42722" y="2146029"/>
+        <a:ext cx="9972955" cy="789716"/>
       </dsp:txXfrm>
     </dsp:sp>
-    <dsp:sp modelId="{1EDF94EE-703A-489F-A00E-ABA48C34A1E9}">
+    <dsp:sp modelId="{AEE1670C-DD58-4CA7-AA30-491DB85B0787}">
       <dsp:nvSpPr>
         <dsp:cNvPr id="0" name=""/>
         <dsp:cNvSpPr/>
       </dsp:nvSpPr>
       <dsp:spPr>
         <a:xfrm>
-          <a:off x="0" y="3025980"/>
-          <a:ext cx="10058399" cy="914940"/>
+          <a:off x="0" y="3127155"/>
+          <a:ext cx="10058399" cy="875160"/>
         </a:xfrm>
         <a:prstGeom prst="roundRect">
           <a:avLst/>
@@ -8185,126 +7455,12 @@
         </a:fontRef>
       </dsp:style>
       <dsp:txBody>
-        <a:bodyPr spcFirstLastPara="0" vert="horz" wrap="square" lIns="87630" tIns="87630" rIns="87630" bIns="87630" numCol="1" spcCol="1270" anchor="ctr" anchorCtr="0">
+        <a:bodyPr spcFirstLastPara="0" vert="horz" wrap="square" lIns="83820" tIns="83820" rIns="83820" bIns="83820" numCol="1" spcCol="1270" anchor="ctr" anchorCtr="0">
           <a:noAutofit/>
         </a:bodyPr>
         <a:lstStyle/>
         <a:p>
-          <a:pPr marL="0" lvl="0" indent="0" algn="l" defTabSz="1022350">
-            <a:lnSpc>
-              <a:spcPct val="90000"/>
-            </a:lnSpc>
-            <a:spcBef>
-              <a:spcPct val="0"/>
-            </a:spcBef>
-            <a:spcAft>
-              <a:spcPct val="35000"/>
-            </a:spcAft>
-            <a:buFont typeface="+mj-lt"/>
-            <a:buNone/>
-          </a:pPr>
-          <a:r>
-            <a:rPr lang="en-US" sz="2300" b="0" i="0" kern="1200" dirty="0"/>
-            <a:t>Legal Challenges: Are you challenging established industries with a history of legal disputes, </a:t>
-          </a:r>
-        </a:p>
-      </dsp:txBody>
-      <dsp:txXfrm>
-        <a:off x="44664" y="3070644"/>
-        <a:ext cx="9969071" cy="825612"/>
-      </dsp:txXfrm>
-    </dsp:sp>
-  </dsp:spTree>
-</dsp:drawing>
-</file>
-
-<file path=ppt/diagrams/drawing3.xml><?xml version="1.0" encoding="utf-8"?>
-<dsp:drawing xmlns:dgm="http://schemas.openxmlformats.org/drawingml/2006/diagram" xmlns:dsp="http://schemas.microsoft.com/office/drawing/2008/diagram" xmlns:a="http://schemas.openxmlformats.org/drawingml/2006/main">
-  <dsp:spTree>
-    <dsp:nvGrpSpPr>
-      <dsp:cNvPr id="0" name=""/>
-      <dsp:cNvGrpSpPr/>
-    </dsp:nvGrpSpPr>
-    <dsp:grpSpPr/>
-  </dsp:spTree>
-</dsp:drawing>
-</file>
-
-<file path=ppt/diagrams/drawing4.xml><?xml version="1.0" encoding="utf-8"?>
-<dsp:drawing xmlns:dgm="http://schemas.openxmlformats.org/drawingml/2006/diagram" xmlns:dsp="http://schemas.microsoft.com/office/drawing/2008/diagram" xmlns:a="http://schemas.openxmlformats.org/drawingml/2006/main">
-  <dsp:spTree>
-    <dsp:nvGrpSpPr>
-      <dsp:cNvPr id="0" name=""/>
-      <dsp:cNvGrpSpPr/>
-    </dsp:nvGrpSpPr>
-    <dsp:grpSpPr/>
-  </dsp:spTree>
-</dsp:drawing>
-</file>
-
-<file path=ppt/diagrams/drawing5.xml><?xml version="1.0" encoding="utf-8"?>
-<dsp:drawing xmlns:dgm="http://schemas.openxmlformats.org/drawingml/2006/diagram" xmlns:dsp="http://schemas.microsoft.com/office/drawing/2008/diagram" xmlns:a="http://schemas.openxmlformats.org/drawingml/2006/main">
-  <dsp:spTree>
-    <dsp:nvGrpSpPr>
-      <dsp:cNvPr id="0" name=""/>
-      <dsp:cNvGrpSpPr/>
-    </dsp:nvGrpSpPr>
-    <dsp:grpSpPr/>
-    <dsp:sp modelId="{2EFE80C3-975D-4EA6-9780-6941D450A262}">
-      <dsp:nvSpPr>
-        <dsp:cNvPr id="0" name=""/>
-        <dsp:cNvSpPr/>
-      </dsp:nvSpPr>
-      <dsp:spPr>
-        <a:xfrm>
-          <a:off x="0" y="146726"/>
-          <a:ext cx="10058399" cy="407745"/>
-        </a:xfrm>
-        <a:prstGeom prst="roundRect">
-          <a:avLst/>
-        </a:prstGeom>
-        <a:solidFill>
-          <a:schemeClr val="accent1">
-            <a:hueOff val="0"/>
-            <a:satOff val="0"/>
-            <a:lumOff val="0"/>
-            <a:alphaOff val="0"/>
-          </a:schemeClr>
-        </a:solidFill>
-        <a:ln w="15875" cap="flat" cmpd="sng" algn="ctr">
-          <a:solidFill>
-            <a:schemeClr val="lt1">
-              <a:hueOff val="0"/>
-              <a:satOff val="0"/>
-              <a:lumOff val="0"/>
-              <a:alphaOff val="0"/>
-            </a:schemeClr>
-          </a:solidFill>
-          <a:prstDash val="solid"/>
-        </a:ln>
-        <a:effectLst/>
-      </dsp:spPr>
-      <dsp:style>
-        <a:lnRef idx="2">
-          <a:scrgbClr r="0" g="0" b="0"/>
-        </a:lnRef>
-        <a:fillRef idx="1">
-          <a:scrgbClr r="0" g="0" b="0"/>
-        </a:fillRef>
-        <a:effectRef idx="0">
-          <a:scrgbClr r="0" g="0" b="0"/>
-        </a:effectRef>
-        <a:fontRef idx="minor">
-          <a:schemeClr val="lt1"/>
-        </a:fontRef>
-      </dsp:style>
-      <dsp:txBody>
-        <a:bodyPr spcFirstLastPara="0" vert="horz" wrap="square" lIns="64770" tIns="64770" rIns="64770" bIns="64770" numCol="1" spcCol="1270" anchor="ctr" anchorCtr="0">
-          <a:noAutofit/>
-        </a:bodyPr>
-        <a:lstStyle/>
-        <a:p>
-          <a:pPr marL="0" lvl="0" indent="0" algn="l" defTabSz="755650">
+          <a:pPr marL="0" lvl="0" indent="0" algn="l" defTabSz="977900">
             <a:lnSpc>
               <a:spcPct val="90000"/>
             </a:lnSpc>
@@ -8317,801 +7473,22 @@
             <a:buNone/>
           </a:pPr>
           <a:r>
-            <a:rPr lang="en-US" sz="1700" b="0" i="0" kern="1200" dirty="0"/>
-            <a:t>Landing Pages: First contact points for customers, also serving as MVPs for testing your product.</a:t>
+            <a:rPr lang="en-US" sz="2200" b="0" i="0" kern="1200" dirty="0"/>
+            <a:t>Pre-Order Pages: Present your product to potential customers, enticing them to purchase before it's built.</a:t>
           </a:r>
-          <a:endParaRPr lang="fr-FR" sz="1700" kern="1200" dirty="0"/>
+          <a:endParaRPr lang="fr-FR" sz="2200" kern="1200" dirty="0"/>
         </a:p>
       </dsp:txBody>
       <dsp:txXfrm>
-        <a:off x="19904" y="166630"/>
-        <a:ext cx="10018591" cy="367937"/>
-      </dsp:txXfrm>
-    </dsp:sp>
-    <dsp:sp modelId="{F2AAA7B6-B134-45BC-B7A6-22F4F395FF1A}">
-      <dsp:nvSpPr>
-        <dsp:cNvPr id="0" name=""/>
-        <dsp:cNvSpPr/>
-      </dsp:nvSpPr>
-      <dsp:spPr>
-        <a:xfrm>
-          <a:off x="0" y="734255"/>
-          <a:ext cx="10058399" cy="407745"/>
-        </a:xfrm>
-        <a:prstGeom prst="roundRect">
-          <a:avLst/>
-        </a:prstGeom>
-        <a:solidFill>
-          <a:schemeClr val="accent1">
-            <a:hueOff val="0"/>
-            <a:satOff val="0"/>
-            <a:lumOff val="0"/>
-            <a:alphaOff val="0"/>
-          </a:schemeClr>
-        </a:solidFill>
-        <a:ln w="15875" cap="flat" cmpd="sng" algn="ctr">
-          <a:solidFill>
-            <a:schemeClr val="lt1">
-              <a:hueOff val="0"/>
-              <a:satOff val="0"/>
-              <a:lumOff val="0"/>
-              <a:alphaOff val="0"/>
-            </a:schemeClr>
-          </a:solidFill>
-          <a:prstDash val="solid"/>
-        </a:ln>
-        <a:effectLst/>
-      </dsp:spPr>
-      <dsp:style>
-        <a:lnRef idx="2">
-          <a:scrgbClr r="0" g="0" b="0"/>
-        </a:lnRef>
-        <a:fillRef idx="1">
-          <a:scrgbClr r="0" g="0" b="0"/>
-        </a:fillRef>
-        <a:effectRef idx="0">
-          <a:scrgbClr r="0" g="0" b="0"/>
-        </a:effectRef>
-        <a:fontRef idx="minor">
-          <a:schemeClr val="lt1"/>
-        </a:fontRef>
-      </dsp:style>
-      <dsp:txBody>
-        <a:bodyPr spcFirstLastPara="0" vert="horz" wrap="square" lIns="64770" tIns="64770" rIns="64770" bIns="64770" numCol="1" spcCol="1270" anchor="ctr" anchorCtr="0">
-          <a:noAutofit/>
-        </a:bodyPr>
-        <a:lstStyle/>
-        <a:p>
-          <a:pPr marL="0" lvl="0" indent="0" algn="l" defTabSz="755650">
-            <a:lnSpc>
-              <a:spcPct val="90000"/>
-            </a:lnSpc>
-            <a:spcBef>
-              <a:spcPct val="0"/>
-            </a:spcBef>
-            <a:spcAft>
-              <a:spcPct val="35000"/>
-            </a:spcAft>
-            <a:buNone/>
-          </a:pPr>
-          <a:r>
-            <a:rPr lang="en-US" sz="1700" b="0" i="0" kern="1200" dirty="0"/>
-            <a:t>Ad Campaigns: Run targeted ads on platforms like Google and Facebook to gauge product appeal.</a:t>
-          </a:r>
-          <a:endParaRPr lang="fr-FR" sz="1700" kern="1200" dirty="0"/>
-        </a:p>
-      </dsp:txBody>
-      <dsp:txXfrm>
-        <a:off x="19904" y="754159"/>
-        <a:ext cx="10018591" cy="367937"/>
-      </dsp:txXfrm>
-    </dsp:sp>
-    <dsp:sp modelId="{789DC43C-1C1B-4CDA-843E-EB15B9A9273C}">
-      <dsp:nvSpPr>
-        <dsp:cNvPr id="0" name=""/>
-        <dsp:cNvSpPr/>
-      </dsp:nvSpPr>
-      <dsp:spPr>
-        <a:xfrm>
-          <a:off x="0" y="1254078"/>
-          <a:ext cx="10058399" cy="407745"/>
-        </a:xfrm>
-        <a:prstGeom prst="roundRect">
-          <a:avLst/>
-        </a:prstGeom>
-        <a:solidFill>
-          <a:schemeClr val="accent1">
-            <a:hueOff val="0"/>
-            <a:satOff val="0"/>
-            <a:lumOff val="0"/>
-            <a:alphaOff val="0"/>
-          </a:schemeClr>
-        </a:solidFill>
-        <a:ln w="15875" cap="flat" cmpd="sng" algn="ctr">
-          <a:solidFill>
-            <a:schemeClr val="lt1">
-              <a:hueOff val="0"/>
-              <a:satOff val="0"/>
-              <a:lumOff val="0"/>
-              <a:alphaOff val="0"/>
-            </a:schemeClr>
-          </a:solidFill>
-          <a:prstDash val="solid"/>
-        </a:ln>
-        <a:effectLst/>
-      </dsp:spPr>
-      <dsp:style>
-        <a:lnRef idx="2">
-          <a:scrgbClr r="0" g="0" b="0"/>
-        </a:lnRef>
-        <a:fillRef idx="1">
-          <a:scrgbClr r="0" g="0" b="0"/>
-        </a:fillRef>
-        <a:effectRef idx="0">
-          <a:scrgbClr r="0" g="0" b="0"/>
-        </a:effectRef>
-        <a:fontRef idx="minor">
-          <a:schemeClr val="lt1"/>
-        </a:fontRef>
-      </dsp:style>
-      <dsp:txBody>
-        <a:bodyPr spcFirstLastPara="0" vert="horz" wrap="square" lIns="64770" tIns="64770" rIns="64770" bIns="64770" numCol="1" spcCol="1270" anchor="ctr" anchorCtr="0">
-          <a:noAutofit/>
-        </a:bodyPr>
-        <a:lstStyle/>
-        <a:p>
-          <a:pPr marL="0" lvl="0" indent="0" algn="l" defTabSz="755650">
-            <a:lnSpc>
-              <a:spcPct val="90000"/>
-            </a:lnSpc>
-            <a:spcBef>
-              <a:spcPct val="0"/>
-            </a:spcBef>
-            <a:spcAft>
-              <a:spcPct val="35000"/>
-            </a:spcAft>
-            <a:buNone/>
-          </a:pPr>
-          <a:r>
-            <a:rPr lang="en-US" sz="1700" b="0" i="0" kern="1200"/>
-            <a:t>Fundraising: Use crowdfunding platforms like FundKiss to validate market interest and engage early adopters.</a:t>
-          </a:r>
-          <a:endParaRPr lang="fr-FR" sz="1700" kern="1200"/>
-        </a:p>
-      </dsp:txBody>
-      <dsp:txXfrm>
-        <a:off x="19904" y="1273982"/>
-        <a:ext cx="10018591" cy="367937"/>
-      </dsp:txXfrm>
-    </dsp:sp>
-    <dsp:sp modelId="{43C0912D-FEA1-49D1-AF7D-194803573827}">
-      <dsp:nvSpPr>
-        <dsp:cNvPr id="0" name=""/>
-        <dsp:cNvSpPr/>
-      </dsp:nvSpPr>
-      <dsp:spPr>
-        <a:xfrm>
-          <a:off x="0" y="1731484"/>
-          <a:ext cx="10058399" cy="407745"/>
-        </a:xfrm>
-        <a:prstGeom prst="roundRect">
-          <a:avLst/>
-        </a:prstGeom>
-        <a:solidFill>
-          <a:schemeClr val="accent1">
-            <a:hueOff val="0"/>
-            <a:satOff val="0"/>
-            <a:lumOff val="0"/>
-            <a:alphaOff val="0"/>
-          </a:schemeClr>
-        </a:solidFill>
-        <a:ln w="15875" cap="flat" cmpd="sng" algn="ctr">
-          <a:solidFill>
-            <a:schemeClr val="lt1">
-              <a:hueOff val="0"/>
-              <a:satOff val="0"/>
-              <a:lumOff val="0"/>
-              <a:alphaOff val="0"/>
-            </a:schemeClr>
-          </a:solidFill>
-          <a:prstDash val="solid"/>
-        </a:ln>
-        <a:effectLst/>
-      </dsp:spPr>
-      <dsp:style>
-        <a:lnRef idx="2">
-          <a:scrgbClr r="0" g="0" b="0"/>
-        </a:lnRef>
-        <a:fillRef idx="1">
-          <a:scrgbClr r="0" g="0" b="0"/>
-        </a:fillRef>
-        <a:effectRef idx="0">
-          <a:scrgbClr r="0" g="0" b="0"/>
-        </a:effectRef>
-        <a:fontRef idx="minor">
-          <a:schemeClr val="lt1"/>
-        </a:fontRef>
-      </dsp:style>
-      <dsp:txBody>
-        <a:bodyPr spcFirstLastPara="0" vert="horz" wrap="square" lIns="64770" tIns="64770" rIns="64770" bIns="64770" numCol="1" spcCol="1270" anchor="ctr" anchorCtr="0">
-          <a:noAutofit/>
-        </a:bodyPr>
-        <a:lstStyle/>
-        <a:p>
-          <a:pPr marL="0" lvl="0" indent="0" algn="l" defTabSz="755650">
-            <a:lnSpc>
-              <a:spcPct val="90000"/>
-            </a:lnSpc>
-            <a:spcBef>
-              <a:spcPct val="0"/>
-            </a:spcBef>
-            <a:spcAft>
-              <a:spcPct val="35000"/>
-            </a:spcAft>
-            <a:buNone/>
-          </a:pPr>
-          <a:r>
-            <a:rPr lang="en-US" sz="1700" b="0" i="0" kern="1200"/>
-            <a:t>Explainer Videos: Showcase your product's user experience to attract early users. </a:t>
-          </a:r>
-          <a:endParaRPr lang="fr-FR" sz="1700" kern="1200"/>
-        </a:p>
-      </dsp:txBody>
-      <dsp:txXfrm>
-        <a:off x="19904" y="1751388"/>
-        <a:ext cx="10018591" cy="367937"/>
-      </dsp:txXfrm>
-    </dsp:sp>
-    <dsp:sp modelId="{7CA2177B-1C46-4A8A-A846-3536CB2BE646}">
-      <dsp:nvSpPr>
-        <dsp:cNvPr id="0" name=""/>
-        <dsp:cNvSpPr/>
-      </dsp:nvSpPr>
-      <dsp:spPr>
-        <a:xfrm>
-          <a:off x="0" y="2203875"/>
-          <a:ext cx="10058399" cy="407745"/>
-        </a:xfrm>
-        <a:prstGeom prst="roundRect">
-          <a:avLst/>
-        </a:prstGeom>
-        <a:solidFill>
-          <a:schemeClr val="accent1">
-            <a:hueOff val="0"/>
-            <a:satOff val="0"/>
-            <a:lumOff val="0"/>
-            <a:alphaOff val="0"/>
-          </a:schemeClr>
-        </a:solidFill>
-        <a:ln w="15875" cap="flat" cmpd="sng" algn="ctr">
-          <a:solidFill>
-            <a:schemeClr val="lt1">
-              <a:hueOff val="0"/>
-              <a:satOff val="0"/>
-              <a:lumOff val="0"/>
-              <a:alphaOff val="0"/>
-            </a:schemeClr>
-          </a:solidFill>
-          <a:prstDash val="solid"/>
-        </a:ln>
-        <a:effectLst/>
-      </dsp:spPr>
-      <dsp:style>
-        <a:lnRef idx="2">
-          <a:scrgbClr r="0" g="0" b="0"/>
-        </a:lnRef>
-        <a:fillRef idx="1">
-          <a:scrgbClr r="0" g="0" b="0"/>
-        </a:fillRef>
-        <a:effectRef idx="0">
-          <a:scrgbClr r="0" g="0" b="0"/>
-        </a:effectRef>
-        <a:fontRef idx="minor">
-          <a:schemeClr val="lt1"/>
-        </a:fontRef>
-      </dsp:style>
-      <dsp:txBody>
-        <a:bodyPr spcFirstLastPara="0" vert="horz" wrap="square" lIns="64770" tIns="64770" rIns="64770" bIns="64770" numCol="1" spcCol="1270" anchor="ctr" anchorCtr="0">
-          <a:noAutofit/>
-        </a:bodyPr>
-        <a:lstStyle/>
-        <a:p>
-          <a:pPr marL="0" lvl="0" indent="0" algn="l" defTabSz="755650">
-            <a:lnSpc>
-              <a:spcPct val="90000"/>
-            </a:lnSpc>
-            <a:spcBef>
-              <a:spcPct val="0"/>
-            </a:spcBef>
-            <a:spcAft>
-              <a:spcPct val="35000"/>
-            </a:spcAft>
-            <a:buNone/>
-          </a:pPr>
-          <a:r>
-            <a:rPr lang="en-US" sz="1700" b="0" i="0" kern="1200"/>
-            <a:t>Concierge MVPs: Deliver a customized service to select customers, revealing customer preferences.</a:t>
-          </a:r>
-          <a:endParaRPr lang="fr-FR" sz="1700" kern="1200"/>
-        </a:p>
-      </dsp:txBody>
-      <dsp:txXfrm>
-        <a:off x="19904" y="2223779"/>
-        <a:ext cx="10018591" cy="367937"/>
-      </dsp:txXfrm>
-    </dsp:sp>
-    <dsp:sp modelId="{BE01E163-8DAC-45FA-AAE6-1D4105761CF2}">
-      <dsp:nvSpPr>
-        <dsp:cNvPr id="0" name=""/>
-        <dsp:cNvSpPr/>
-      </dsp:nvSpPr>
-      <dsp:spPr>
-        <a:xfrm>
-          <a:off x="0" y="2680348"/>
-          <a:ext cx="10058399" cy="407745"/>
-        </a:xfrm>
-        <a:prstGeom prst="roundRect">
-          <a:avLst/>
-        </a:prstGeom>
-        <a:solidFill>
-          <a:schemeClr val="accent1">
-            <a:hueOff val="0"/>
-            <a:satOff val="0"/>
-            <a:lumOff val="0"/>
-            <a:alphaOff val="0"/>
-          </a:schemeClr>
-        </a:solidFill>
-        <a:ln w="15875" cap="flat" cmpd="sng" algn="ctr">
-          <a:solidFill>
-            <a:schemeClr val="lt1">
-              <a:hueOff val="0"/>
-              <a:satOff val="0"/>
-              <a:lumOff val="0"/>
-              <a:alphaOff val="0"/>
-            </a:schemeClr>
-          </a:solidFill>
-          <a:prstDash val="solid"/>
-        </a:ln>
-        <a:effectLst/>
-      </dsp:spPr>
-      <dsp:style>
-        <a:lnRef idx="2">
-          <a:scrgbClr r="0" g="0" b="0"/>
-        </a:lnRef>
-        <a:fillRef idx="1">
-          <a:scrgbClr r="0" g="0" b="0"/>
-        </a:fillRef>
-        <a:effectRef idx="0">
-          <a:scrgbClr r="0" g="0" b="0"/>
-        </a:effectRef>
-        <a:fontRef idx="minor">
-          <a:schemeClr val="lt1"/>
-        </a:fontRef>
-      </dsp:style>
-      <dsp:txBody>
-        <a:bodyPr spcFirstLastPara="0" vert="horz" wrap="square" lIns="64770" tIns="64770" rIns="64770" bIns="64770" numCol="1" spcCol="1270" anchor="ctr" anchorCtr="0">
-          <a:noAutofit/>
-        </a:bodyPr>
-        <a:lstStyle/>
-        <a:p>
-          <a:pPr marL="0" lvl="0" indent="0" algn="l" defTabSz="755650">
-            <a:lnSpc>
-              <a:spcPct val="90000"/>
-            </a:lnSpc>
-            <a:spcBef>
-              <a:spcPct val="0"/>
-            </a:spcBef>
-            <a:spcAft>
-              <a:spcPct val="35000"/>
-            </a:spcAft>
-            <a:buNone/>
-          </a:pPr>
-          <a:r>
-            <a:rPr lang="en-US" sz="1700" b="0" i="0" kern="1200"/>
-            <a:t>Single-Feature MVPs: Focus on one core feature to simplify development and user focus.</a:t>
-          </a:r>
-          <a:endParaRPr lang="fr-FR" sz="1700" kern="1200"/>
-        </a:p>
-      </dsp:txBody>
-      <dsp:txXfrm>
-        <a:off x="19904" y="2700252"/>
-        <a:ext cx="10018591" cy="367937"/>
-      </dsp:txXfrm>
-    </dsp:sp>
-    <dsp:sp modelId="{AEE1670C-DD58-4CA7-AA30-491DB85B0787}">
-      <dsp:nvSpPr>
-        <dsp:cNvPr id="0" name=""/>
-        <dsp:cNvSpPr/>
-      </dsp:nvSpPr>
-      <dsp:spPr>
-        <a:xfrm>
-          <a:off x="0" y="3176808"/>
-          <a:ext cx="10058399" cy="407745"/>
-        </a:xfrm>
-        <a:prstGeom prst="roundRect">
-          <a:avLst/>
-        </a:prstGeom>
-        <a:solidFill>
-          <a:schemeClr val="accent1">
-            <a:hueOff val="0"/>
-            <a:satOff val="0"/>
-            <a:lumOff val="0"/>
-            <a:alphaOff val="0"/>
-          </a:schemeClr>
-        </a:solidFill>
-        <a:ln w="15875" cap="flat" cmpd="sng" algn="ctr">
-          <a:solidFill>
-            <a:schemeClr val="lt1">
-              <a:hueOff val="0"/>
-              <a:satOff val="0"/>
-              <a:lumOff val="0"/>
-              <a:alphaOff val="0"/>
-            </a:schemeClr>
-          </a:solidFill>
-          <a:prstDash val="solid"/>
-        </a:ln>
-        <a:effectLst/>
-      </dsp:spPr>
-      <dsp:style>
-        <a:lnRef idx="2">
-          <a:scrgbClr r="0" g="0" b="0"/>
-        </a:lnRef>
-        <a:fillRef idx="1">
-          <a:scrgbClr r="0" g="0" b="0"/>
-        </a:fillRef>
-        <a:effectRef idx="0">
-          <a:scrgbClr r="0" g="0" b="0"/>
-        </a:effectRef>
-        <a:fontRef idx="minor">
-          <a:schemeClr val="lt1"/>
-        </a:fontRef>
-      </dsp:style>
-      <dsp:txBody>
-        <a:bodyPr spcFirstLastPara="0" vert="horz" wrap="square" lIns="64770" tIns="64770" rIns="64770" bIns="64770" numCol="1" spcCol="1270" anchor="ctr" anchorCtr="0">
-          <a:noAutofit/>
-        </a:bodyPr>
-        <a:lstStyle/>
-        <a:p>
-          <a:pPr marL="0" lvl="0" indent="0" algn="l" defTabSz="755650">
-            <a:lnSpc>
-              <a:spcPct val="90000"/>
-            </a:lnSpc>
-            <a:spcBef>
-              <a:spcPct val="0"/>
-            </a:spcBef>
-            <a:spcAft>
-              <a:spcPct val="35000"/>
-            </a:spcAft>
-            <a:buNone/>
-          </a:pPr>
-          <a:r>
-            <a:rPr lang="en-US" sz="1700" b="0" i="0" kern="1200"/>
-            <a:t>Pre-Order Pages: Present your product to potential customers, enticing them to purchase before it's built.</a:t>
-          </a:r>
-          <a:endParaRPr lang="fr-FR" sz="1700" kern="1200"/>
-        </a:p>
-      </dsp:txBody>
-      <dsp:txXfrm>
-        <a:off x="19904" y="3196712"/>
-        <a:ext cx="10018591" cy="367937"/>
+        <a:off x="42722" y="3169877"/>
+        <a:ext cx="9972955" cy="789716"/>
       </dsp:txXfrm>
     </dsp:sp>
   </dsp:spTree>
 </dsp:drawing>
 </file>
 
-<file path=ppt/diagrams/drawing6.xml><?xml version="1.0" encoding="utf-8"?>
-<dsp:drawing xmlns:dgm="http://schemas.openxmlformats.org/drawingml/2006/diagram" xmlns:dsp="http://schemas.microsoft.com/office/drawing/2008/diagram" xmlns:a="http://schemas.openxmlformats.org/drawingml/2006/main">
-  <dsp:spTree>
-    <dsp:nvGrpSpPr>
-      <dsp:cNvPr id="0" name=""/>
-      <dsp:cNvGrpSpPr/>
-    </dsp:nvGrpSpPr>
-    <dsp:grpSpPr/>
-  </dsp:spTree>
-</dsp:drawing>
-</file>
-
-<file path=ppt/diagrams/drawing7.xml><?xml version="1.0" encoding="utf-8"?>
-<dsp:drawing xmlns:dgm="http://schemas.openxmlformats.org/drawingml/2006/diagram" xmlns:dsp="http://schemas.microsoft.com/office/drawing/2008/diagram" xmlns:a="http://schemas.openxmlformats.org/drawingml/2006/main">
-  <dsp:spTree>
-    <dsp:nvGrpSpPr>
-      <dsp:cNvPr id="0" name=""/>
-      <dsp:cNvGrpSpPr/>
-    </dsp:nvGrpSpPr>
-    <dsp:grpSpPr/>
-    <dsp:sp modelId="{2EFE80C3-975D-4EA6-9780-6941D450A262}">
-      <dsp:nvSpPr>
-        <dsp:cNvPr id="0" name=""/>
-        <dsp:cNvSpPr/>
-      </dsp:nvSpPr>
-      <dsp:spPr>
-        <a:xfrm>
-          <a:off x="0" y="0"/>
-          <a:ext cx="10058399" cy="983384"/>
-        </a:xfrm>
-        <a:prstGeom prst="roundRect">
-          <a:avLst/>
-        </a:prstGeom>
-        <a:solidFill>
-          <a:schemeClr val="accent1">
-            <a:hueOff val="0"/>
-            <a:satOff val="0"/>
-            <a:lumOff val="0"/>
-            <a:alphaOff val="0"/>
-          </a:schemeClr>
-        </a:solidFill>
-        <a:ln w="15875" cap="flat" cmpd="sng" algn="ctr">
-          <a:solidFill>
-            <a:schemeClr val="lt1">
-              <a:hueOff val="0"/>
-              <a:satOff val="0"/>
-              <a:lumOff val="0"/>
-              <a:alphaOff val="0"/>
-            </a:schemeClr>
-          </a:solidFill>
-          <a:prstDash val="solid"/>
-        </a:ln>
-        <a:effectLst/>
-      </dsp:spPr>
-      <dsp:style>
-        <a:lnRef idx="2">
-          <a:scrgbClr r="0" g="0" b="0"/>
-        </a:lnRef>
-        <a:fillRef idx="1">
-          <a:scrgbClr r="0" g="0" b="0"/>
-        </a:fillRef>
-        <a:effectRef idx="0">
-          <a:scrgbClr r="0" g="0" b="0"/>
-        </a:effectRef>
-        <a:fontRef idx="minor">
-          <a:schemeClr val="lt1"/>
-        </a:fontRef>
-      </dsp:style>
-      <dsp:txBody>
-        <a:bodyPr spcFirstLastPara="0" vert="horz" wrap="square" lIns="156210" tIns="156210" rIns="156210" bIns="156210" numCol="1" spcCol="1270" anchor="ctr" anchorCtr="0">
-          <a:noAutofit/>
-        </a:bodyPr>
-        <a:lstStyle/>
-        <a:p>
-          <a:pPr marL="0" lvl="0" indent="0" algn="l" defTabSz="1822450">
-            <a:lnSpc>
-              <a:spcPct val="90000"/>
-            </a:lnSpc>
-            <a:spcBef>
-              <a:spcPct val="0"/>
-            </a:spcBef>
-            <a:spcAft>
-              <a:spcPct val="35000"/>
-            </a:spcAft>
-            <a:buNone/>
-          </a:pPr>
-          <a:r>
-            <a:rPr lang="en-US" sz="4100" b="1" i="0" kern="1200" dirty="0"/>
-            <a:t>Conduct Comparative Analysis:</a:t>
-          </a:r>
-          <a:endParaRPr lang="fr-FR" sz="4100" kern="1200" dirty="0"/>
-        </a:p>
-      </dsp:txBody>
-      <dsp:txXfrm>
-        <a:off x="48005" y="48005"/>
-        <a:ext cx="9962389" cy="887374"/>
-      </dsp:txXfrm>
-    </dsp:sp>
-    <dsp:sp modelId="{D7CA0345-60E7-4B6C-BBF4-D90BF33E2594}">
-      <dsp:nvSpPr>
-        <dsp:cNvPr id="0" name=""/>
-        <dsp:cNvSpPr/>
-      </dsp:nvSpPr>
-      <dsp:spPr>
-        <a:xfrm>
-          <a:off x="0" y="997730"/>
-          <a:ext cx="10058399" cy="997222"/>
-        </a:xfrm>
-        <a:prstGeom prst="rect">
-          <a:avLst/>
-        </a:prstGeom>
-        <a:noFill/>
-        <a:ln>
-          <a:noFill/>
-        </a:ln>
-        <a:effectLst/>
-      </dsp:spPr>
-      <dsp:style>
-        <a:lnRef idx="0">
-          <a:scrgbClr r="0" g="0" b="0"/>
-        </a:lnRef>
-        <a:fillRef idx="0">
-          <a:scrgbClr r="0" g="0" b="0"/>
-        </a:fillRef>
-        <a:effectRef idx="0">
-          <a:scrgbClr r="0" g="0" b="0"/>
-        </a:effectRef>
-        <a:fontRef idx="minor"/>
-      </dsp:style>
-      <dsp:txBody>
-        <a:bodyPr spcFirstLastPara="0" vert="horz" wrap="square" lIns="319354" tIns="52070" rIns="291592" bIns="52070" numCol="1" spcCol="1270" anchor="t" anchorCtr="0">
-          <a:noAutofit/>
-        </a:bodyPr>
-        <a:lstStyle/>
-        <a:p>
-          <a:pPr marL="285750" lvl="1" indent="-285750" algn="l" defTabSz="1422400">
-            <a:lnSpc>
-              <a:spcPct val="90000"/>
-            </a:lnSpc>
-            <a:spcBef>
-              <a:spcPct val="0"/>
-            </a:spcBef>
-            <a:spcAft>
-              <a:spcPct val="20000"/>
-            </a:spcAft>
-            <a:buChar char="•"/>
-          </a:pPr>
-          <a:r>
-            <a:rPr lang="en-US" sz="3200" b="0" i="0" kern="1200"/>
-            <a:t> </a:t>
-          </a:r>
-          <a:r>
-            <a:rPr lang="en-US" sz="3200" b="0" i="0" kern="1200" dirty="0"/>
-            <a:t>include a comparative analysis that examines indirect competitors and alternative choices customers make.</a:t>
-          </a:r>
-          <a:endParaRPr lang="fr-FR" sz="3200" kern="1200" dirty="0"/>
-        </a:p>
-      </dsp:txBody>
-      <dsp:txXfrm>
-        <a:off x="0" y="997730"/>
-        <a:ext cx="10058399" cy="997222"/>
-      </dsp:txXfrm>
-    </dsp:sp>
-    <dsp:sp modelId="{B4B9D2EC-D628-4609-92A2-62F4E2AEDAA0}">
-      <dsp:nvSpPr>
-        <dsp:cNvPr id="0" name=""/>
-        <dsp:cNvSpPr/>
-      </dsp:nvSpPr>
-      <dsp:spPr>
-        <a:xfrm>
-          <a:off x="0" y="1994953"/>
-          <a:ext cx="10058399" cy="983384"/>
-        </a:xfrm>
-        <a:prstGeom prst="roundRect">
-          <a:avLst/>
-        </a:prstGeom>
-        <a:solidFill>
-          <a:schemeClr val="accent1">
-            <a:hueOff val="0"/>
-            <a:satOff val="0"/>
-            <a:lumOff val="0"/>
-            <a:alphaOff val="0"/>
-          </a:schemeClr>
-        </a:solidFill>
-        <a:ln w="15875" cap="flat" cmpd="sng" algn="ctr">
-          <a:solidFill>
-            <a:schemeClr val="lt1">
-              <a:hueOff val="0"/>
-              <a:satOff val="0"/>
-              <a:lumOff val="0"/>
-              <a:alphaOff val="0"/>
-            </a:schemeClr>
-          </a:solidFill>
-          <a:prstDash val="solid"/>
-        </a:ln>
-        <a:effectLst/>
-      </dsp:spPr>
-      <dsp:style>
-        <a:lnRef idx="2">
-          <a:scrgbClr r="0" g="0" b="0"/>
-        </a:lnRef>
-        <a:fillRef idx="1">
-          <a:scrgbClr r="0" g="0" b="0"/>
-        </a:fillRef>
-        <a:effectRef idx="0">
-          <a:scrgbClr r="0" g="0" b="0"/>
-        </a:effectRef>
-        <a:fontRef idx="minor">
-          <a:schemeClr val="lt1"/>
-        </a:fontRef>
-      </dsp:style>
-      <dsp:txBody>
-        <a:bodyPr spcFirstLastPara="0" vert="horz" wrap="square" lIns="156210" tIns="156210" rIns="156210" bIns="156210" numCol="1" spcCol="1270" anchor="ctr" anchorCtr="0">
-          <a:noAutofit/>
-        </a:bodyPr>
-        <a:lstStyle/>
-        <a:p>
-          <a:pPr marL="0" lvl="0" indent="0" algn="l" defTabSz="1822450">
-            <a:lnSpc>
-              <a:spcPct val="90000"/>
-            </a:lnSpc>
-            <a:spcBef>
-              <a:spcPct val="0"/>
-            </a:spcBef>
-            <a:spcAft>
-              <a:spcPct val="35000"/>
-            </a:spcAft>
-            <a:buFont typeface="Arial" panose="020B0604020202020204" pitchFamily="34" charset="0"/>
-            <a:buNone/>
-          </a:pPr>
-          <a:r>
-            <a:rPr lang="en-US" sz="4100" b="1" i="0" kern="1200" dirty="0"/>
-            <a:t>Analyze Financial Projections:</a:t>
-          </a:r>
-          <a:endParaRPr lang="en-US" sz="4100" b="0" i="0" kern="1200" dirty="0"/>
-        </a:p>
-      </dsp:txBody>
-      <dsp:txXfrm>
-        <a:off x="48005" y="2042958"/>
-        <a:ext cx="9962389" cy="887374"/>
-      </dsp:txXfrm>
-    </dsp:sp>
-    <dsp:sp modelId="{8C3A38B4-95EE-4D86-B13F-3A9123BCB905}">
-      <dsp:nvSpPr>
-        <dsp:cNvPr id="0" name=""/>
-        <dsp:cNvSpPr/>
-      </dsp:nvSpPr>
-      <dsp:spPr>
-        <a:xfrm>
-          <a:off x="0" y="2978338"/>
-          <a:ext cx="10058399" cy="1485225"/>
-        </a:xfrm>
-        <a:prstGeom prst="rect">
-          <a:avLst/>
-        </a:prstGeom>
-        <a:noFill/>
-        <a:ln>
-          <a:noFill/>
-        </a:ln>
-        <a:effectLst/>
-      </dsp:spPr>
-      <dsp:style>
-        <a:lnRef idx="0">
-          <a:scrgbClr r="0" g="0" b="0"/>
-        </a:lnRef>
-        <a:fillRef idx="0">
-          <a:scrgbClr r="0" g="0" b="0"/>
-        </a:fillRef>
-        <a:effectRef idx="0">
-          <a:scrgbClr r="0" g="0" b="0"/>
-        </a:effectRef>
-        <a:fontRef idx="minor"/>
-      </dsp:style>
-      <dsp:txBody>
-        <a:bodyPr spcFirstLastPara="0" vert="horz" wrap="square" lIns="319354" tIns="52070" rIns="291592" bIns="52070" numCol="1" spcCol="1270" anchor="t" anchorCtr="0">
-          <a:noAutofit/>
-        </a:bodyPr>
-        <a:lstStyle/>
-        <a:p>
-          <a:pPr marL="285750" lvl="1" indent="-285750" algn="l" defTabSz="1422400">
-            <a:lnSpc>
-              <a:spcPct val="90000"/>
-            </a:lnSpc>
-            <a:spcBef>
-              <a:spcPct val="0"/>
-            </a:spcBef>
-            <a:spcAft>
-              <a:spcPct val="20000"/>
-            </a:spcAft>
-            <a:buFont typeface="Arial" panose="020B0604020202020204" pitchFamily="34" charset="0"/>
-            <a:buChar char="•"/>
-          </a:pPr>
-          <a:r>
-            <a:rPr lang="en-US" sz="3200" b="0" i="0" kern="1200"/>
-            <a:t> </a:t>
-          </a:r>
-          <a:r>
-            <a:rPr lang="en-US" sz="3200" b="0" i="0" kern="1200" dirty="0"/>
-            <a:t>Create thorough financial projections that encompass startup and operational costs, including production expenses, business running costs, and overhead.  </a:t>
-          </a:r>
-        </a:p>
-      </dsp:txBody>
-      <dsp:txXfrm>
-        <a:off x="0" y="2978338"/>
-        <a:ext cx="10058399" cy="1485225"/>
-      </dsp:txXfrm>
-    </dsp:sp>
-  </dsp:spTree>
-</dsp:drawing>
-</file>
-
-<file path=ppt/diagrams/drawing8.xml><?xml version="1.0" encoding="utf-8"?>
+<file path=ppt/diagrams/drawing4.xml><?xml version="1.0" encoding="utf-8"?>
 <dsp:drawing xmlns:dgm="http://schemas.openxmlformats.org/drawingml/2006/diagram" xmlns:dsp="http://schemas.microsoft.com/office/drawing/2008/diagram" xmlns:a="http://schemas.openxmlformats.org/drawingml/2006/main">
   <dsp:spTree>
     <dsp:nvGrpSpPr>
@@ -9644,6 +8021,761 @@
       <dsp:txXfrm>
         <a:off x="0" y="3589773"/>
         <a:ext cx="10058399" cy="414000"/>
+      </dsp:txXfrm>
+    </dsp:sp>
+  </dsp:spTree>
+</dsp:drawing>
+</file>
+
+<file path=ppt/diagrams/drawing5.xml><?xml version="1.0" encoding="utf-8"?>
+<dsp:drawing xmlns:dgm="http://schemas.openxmlformats.org/drawingml/2006/diagram" xmlns:dsp="http://schemas.microsoft.com/office/drawing/2008/diagram" xmlns:a="http://schemas.openxmlformats.org/drawingml/2006/main">
+  <dsp:spTree>
+    <dsp:nvGrpSpPr>
+      <dsp:cNvPr id="0" name=""/>
+      <dsp:cNvGrpSpPr/>
+    </dsp:nvGrpSpPr>
+    <dsp:grpSpPr/>
+    <dsp:sp modelId="{97A8D912-BAF9-4DB8-90D6-2E69BE632765}">
+      <dsp:nvSpPr>
+        <dsp:cNvPr id="0" name=""/>
+        <dsp:cNvSpPr/>
+      </dsp:nvSpPr>
+      <dsp:spPr>
+        <a:xfrm>
+          <a:off x="0" y="40013"/>
+          <a:ext cx="10058399" cy="1471860"/>
+        </a:xfrm>
+        <a:prstGeom prst="roundRect">
+          <a:avLst/>
+        </a:prstGeom>
+        <a:solidFill>
+          <a:schemeClr val="accent1">
+            <a:hueOff val="0"/>
+            <a:satOff val="0"/>
+            <a:lumOff val="0"/>
+            <a:alphaOff val="0"/>
+          </a:schemeClr>
+        </a:solidFill>
+        <a:ln w="15875" cap="flat" cmpd="sng" algn="ctr">
+          <a:solidFill>
+            <a:schemeClr val="lt1">
+              <a:hueOff val="0"/>
+              <a:satOff val="0"/>
+              <a:lumOff val="0"/>
+              <a:alphaOff val="0"/>
+            </a:schemeClr>
+          </a:solidFill>
+          <a:prstDash val="solid"/>
+        </a:ln>
+        <a:effectLst/>
+      </dsp:spPr>
+      <dsp:style>
+        <a:lnRef idx="2">
+          <a:scrgbClr r="0" g="0" b="0"/>
+        </a:lnRef>
+        <a:fillRef idx="1">
+          <a:scrgbClr r="0" g="0" b="0"/>
+        </a:fillRef>
+        <a:effectRef idx="0">
+          <a:scrgbClr r="0" g="0" b="0"/>
+        </a:effectRef>
+        <a:fontRef idx="minor">
+          <a:schemeClr val="lt1"/>
+        </a:fontRef>
+      </dsp:style>
+      <dsp:txBody>
+        <a:bodyPr spcFirstLastPara="0" vert="horz" wrap="square" lIns="140970" tIns="140970" rIns="140970" bIns="140970" numCol="1" spcCol="1270" anchor="ctr" anchorCtr="0">
+          <a:noAutofit/>
+        </a:bodyPr>
+        <a:lstStyle/>
+        <a:p>
+          <a:pPr marL="0" lvl="0" indent="0" algn="l" defTabSz="1644650">
+            <a:lnSpc>
+              <a:spcPct val="90000"/>
+            </a:lnSpc>
+            <a:spcBef>
+              <a:spcPct val="0"/>
+            </a:spcBef>
+            <a:spcAft>
+              <a:spcPct val="35000"/>
+            </a:spcAft>
+            <a:buFont typeface="+mj-lt"/>
+            <a:buNone/>
+          </a:pPr>
+          <a:r>
+            <a:rPr lang="en-US" sz="3700" b="0" i="0" kern="1200" dirty="0"/>
+            <a:t>Depends on how urgently is your solution needed to the customer’s problem</a:t>
+          </a:r>
+        </a:p>
+      </dsp:txBody>
+      <dsp:txXfrm>
+        <a:off x="71850" y="111863"/>
+        <a:ext cx="9914699" cy="1328160"/>
+      </dsp:txXfrm>
+    </dsp:sp>
+    <dsp:sp modelId="{0877218E-A5EE-4E48-9FF6-9A2F091D9599}">
+      <dsp:nvSpPr>
+        <dsp:cNvPr id="0" name=""/>
+        <dsp:cNvSpPr/>
+      </dsp:nvSpPr>
+      <dsp:spPr>
+        <a:xfrm>
+          <a:off x="0" y="1618434"/>
+          <a:ext cx="10058399" cy="1471860"/>
+        </a:xfrm>
+        <a:prstGeom prst="roundRect">
+          <a:avLst/>
+        </a:prstGeom>
+        <a:solidFill>
+          <a:schemeClr val="accent1">
+            <a:hueOff val="0"/>
+            <a:satOff val="0"/>
+            <a:lumOff val="0"/>
+            <a:alphaOff val="0"/>
+          </a:schemeClr>
+        </a:solidFill>
+        <a:ln w="15875" cap="flat" cmpd="sng" algn="ctr">
+          <a:solidFill>
+            <a:schemeClr val="lt1">
+              <a:hueOff val="0"/>
+              <a:satOff val="0"/>
+              <a:lumOff val="0"/>
+              <a:alphaOff val="0"/>
+            </a:schemeClr>
+          </a:solidFill>
+          <a:prstDash val="solid"/>
+        </a:ln>
+        <a:effectLst/>
+      </dsp:spPr>
+      <dsp:style>
+        <a:lnRef idx="2">
+          <a:scrgbClr r="0" g="0" b="0"/>
+        </a:lnRef>
+        <a:fillRef idx="1">
+          <a:scrgbClr r="0" g="0" b="0"/>
+        </a:fillRef>
+        <a:effectRef idx="0">
+          <a:scrgbClr r="0" g="0" b="0"/>
+        </a:effectRef>
+        <a:fontRef idx="minor">
+          <a:schemeClr val="lt1"/>
+        </a:fontRef>
+      </dsp:style>
+      <dsp:txBody>
+        <a:bodyPr spcFirstLastPara="0" vert="horz" wrap="square" lIns="140970" tIns="140970" rIns="140970" bIns="140970" numCol="1" spcCol="1270" anchor="ctr" anchorCtr="0">
+          <a:noAutofit/>
+        </a:bodyPr>
+        <a:lstStyle/>
+        <a:p>
+          <a:pPr marL="0" lvl="0" indent="0" algn="l" defTabSz="1644650">
+            <a:lnSpc>
+              <a:spcPct val="90000"/>
+            </a:lnSpc>
+            <a:spcBef>
+              <a:spcPct val="0"/>
+            </a:spcBef>
+            <a:spcAft>
+              <a:spcPct val="35000"/>
+            </a:spcAft>
+            <a:buFont typeface="+mj-lt"/>
+            <a:buNone/>
+          </a:pPr>
+          <a:r>
+            <a:rPr lang="en-US" sz="3700" b="0" i="0" kern="1200" dirty="0"/>
+            <a:t>Number of </a:t>
+          </a:r>
+          <a:r>
+            <a:rPr lang="en-US" sz="3700" b="1" i="0" kern="1200" dirty="0"/>
+            <a:t>referrals</a:t>
+          </a:r>
+          <a:r>
+            <a:rPr lang="en-US" sz="3700" b="0" i="0" kern="1200" dirty="0"/>
+            <a:t> from industry experts</a:t>
+          </a:r>
+        </a:p>
+      </dsp:txBody>
+      <dsp:txXfrm>
+        <a:off x="71850" y="1690284"/>
+        <a:ext cx="9914699" cy="1328160"/>
+      </dsp:txXfrm>
+    </dsp:sp>
+    <dsp:sp modelId="{1B3694CE-B5E6-4DC7-BE1A-E97DC442F656}">
+      <dsp:nvSpPr>
+        <dsp:cNvPr id="0" name=""/>
+        <dsp:cNvSpPr/>
+      </dsp:nvSpPr>
+      <dsp:spPr>
+        <a:xfrm>
+          <a:off x="0" y="3090294"/>
+          <a:ext cx="10058399" cy="1416915"/>
+        </a:xfrm>
+        <a:prstGeom prst="rect">
+          <a:avLst/>
+        </a:prstGeom>
+        <a:noFill/>
+        <a:ln>
+          <a:noFill/>
+        </a:ln>
+        <a:effectLst/>
+      </dsp:spPr>
+      <dsp:style>
+        <a:lnRef idx="0">
+          <a:scrgbClr r="0" g="0" b="0"/>
+        </a:lnRef>
+        <a:fillRef idx="0">
+          <a:scrgbClr r="0" g="0" b="0"/>
+        </a:fillRef>
+        <a:effectRef idx="0">
+          <a:scrgbClr r="0" g="0" b="0"/>
+        </a:effectRef>
+        <a:fontRef idx="minor"/>
+      </dsp:style>
+      <dsp:txBody>
+        <a:bodyPr spcFirstLastPara="0" vert="horz" wrap="square" lIns="319354" tIns="46990" rIns="263144" bIns="46990" numCol="1" spcCol="1270" anchor="t" anchorCtr="0">
+          <a:noAutofit/>
+        </a:bodyPr>
+        <a:lstStyle/>
+        <a:p>
+          <a:pPr marL="285750" lvl="1" indent="-285750" algn="l" defTabSz="1289050">
+            <a:lnSpc>
+              <a:spcPct val="90000"/>
+            </a:lnSpc>
+            <a:spcBef>
+              <a:spcPct val="0"/>
+            </a:spcBef>
+            <a:spcAft>
+              <a:spcPct val="20000"/>
+            </a:spcAft>
+            <a:buFont typeface="+mj-lt"/>
+            <a:buAutoNum type="arabicPeriod"/>
+          </a:pPr>
+          <a:r>
+            <a:rPr lang="en-US" sz="2900" b="0" i="0" kern="1200" dirty="0"/>
+            <a:t>For example universities promotes jobs of MNC and SMEs, </a:t>
+          </a:r>
+        </a:p>
+        <a:p>
+          <a:pPr marL="285750" lvl="1" indent="-285750" algn="l" defTabSz="1289050">
+            <a:lnSpc>
+              <a:spcPct val="90000"/>
+            </a:lnSpc>
+            <a:spcBef>
+              <a:spcPct val="0"/>
+            </a:spcBef>
+            <a:spcAft>
+              <a:spcPct val="20000"/>
+            </a:spcAft>
+            <a:buFont typeface="+mj-lt"/>
+            <a:buAutoNum type="arabicPeriod"/>
+          </a:pPr>
+          <a:r>
+            <a:rPr lang="en-US" sz="2900" b="0" i="0" kern="1200" dirty="0"/>
+            <a:t>find promoters for your product, offer their options such as commission fees</a:t>
+          </a:r>
+        </a:p>
+      </dsp:txBody>
+      <dsp:txXfrm>
+        <a:off x="0" y="3090294"/>
+        <a:ext cx="10058399" cy="1416915"/>
+      </dsp:txXfrm>
+    </dsp:sp>
+  </dsp:spTree>
+</dsp:drawing>
+</file>
+
+<file path=ppt/diagrams/drawing6.xml><?xml version="1.0" encoding="utf-8"?>
+<dsp:drawing xmlns:dgm="http://schemas.openxmlformats.org/drawingml/2006/diagram" xmlns:dsp="http://schemas.microsoft.com/office/drawing/2008/diagram" xmlns:a="http://schemas.openxmlformats.org/drawingml/2006/main">
+  <dsp:spTree>
+    <dsp:nvGrpSpPr>
+      <dsp:cNvPr id="0" name=""/>
+      <dsp:cNvGrpSpPr/>
+    </dsp:nvGrpSpPr>
+    <dsp:grpSpPr/>
+    <dsp:sp modelId="{97A8D912-BAF9-4DB8-90D6-2E69BE632765}">
+      <dsp:nvSpPr>
+        <dsp:cNvPr id="0" name=""/>
+        <dsp:cNvSpPr/>
+      </dsp:nvSpPr>
+      <dsp:spPr>
+        <a:xfrm>
+          <a:off x="0" y="149094"/>
+          <a:ext cx="10058399" cy="2254590"/>
+        </a:xfrm>
+        <a:prstGeom prst="roundRect">
+          <a:avLst/>
+        </a:prstGeom>
+        <a:solidFill>
+          <a:schemeClr val="accent1">
+            <a:hueOff val="0"/>
+            <a:satOff val="0"/>
+            <a:lumOff val="0"/>
+            <a:alphaOff val="0"/>
+          </a:schemeClr>
+        </a:solidFill>
+        <a:ln w="15875" cap="flat" cmpd="sng" algn="ctr">
+          <a:solidFill>
+            <a:schemeClr val="lt1">
+              <a:hueOff val="0"/>
+              <a:satOff val="0"/>
+              <a:lumOff val="0"/>
+              <a:alphaOff val="0"/>
+            </a:schemeClr>
+          </a:solidFill>
+          <a:prstDash val="solid"/>
+        </a:ln>
+        <a:effectLst/>
+      </dsp:spPr>
+      <dsp:style>
+        <a:lnRef idx="2">
+          <a:scrgbClr r="0" g="0" b="0"/>
+        </a:lnRef>
+        <a:fillRef idx="1">
+          <a:scrgbClr r="0" g="0" b="0"/>
+        </a:fillRef>
+        <a:effectRef idx="0">
+          <a:scrgbClr r="0" g="0" b="0"/>
+        </a:effectRef>
+        <a:fontRef idx="minor">
+          <a:schemeClr val="lt1"/>
+        </a:fontRef>
+      </dsp:style>
+      <dsp:txBody>
+        <a:bodyPr spcFirstLastPara="0" vert="horz" wrap="square" lIns="156210" tIns="156210" rIns="156210" bIns="156210" numCol="1" spcCol="1270" anchor="ctr" anchorCtr="0">
+          <a:noAutofit/>
+        </a:bodyPr>
+        <a:lstStyle/>
+        <a:p>
+          <a:pPr marL="0" lvl="0" indent="0" algn="l" defTabSz="1822450">
+            <a:lnSpc>
+              <a:spcPct val="90000"/>
+            </a:lnSpc>
+            <a:spcBef>
+              <a:spcPct val="0"/>
+            </a:spcBef>
+            <a:spcAft>
+              <a:spcPct val="35000"/>
+            </a:spcAft>
+            <a:buFont typeface="+mj-lt"/>
+            <a:buNone/>
+          </a:pPr>
+          <a:r>
+            <a:rPr lang="en-US" sz="4100" b="1" i="0" kern="1200" dirty="0"/>
+            <a:t>Price:</a:t>
+          </a:r>
+          <a:r>
+            <a:rPr lang="en-US" sz="4100" b="0" i="0" kern="1200" dirty="0"/>
+            <a:t> </a:t>
+          </a:r>
+          <a:r>
+            <a:rPr lang="en-US" sz="4100" b="1" i="0" kern="1200" dirty="0"/>
+            <a:t>market value</a:t>
+          </a:r>
+          <a:r>
+            <a:rPr lang="en-US" sz="4100" b="0" i="0" kern="1200" dirty="0"/>
+            <a:t> but if no competition then price is based on the </a:t>
+          </a:r>
+          <a:r>
+            <a:rPr lang="en-US" sz="4100" b="1" i="0" kern="1200" dirty="0"/>
+            <a:t>business value </a:t>
+          </a:r>
+          <a:r>
+            <a:rPr lang="en-US" sz="4100" b="0" i="0" kern="1200" dirty="0"/>
+            <a:t>that you provide to your customer,</a:t>
+          </a:r>
+        </a:p>
+      </dsp:txBody>
+      <dsp:txXfrm>
+        <a:off x="110060" y="259154"/>
+        <a:ext cx="9838279" cy="2034470"/>
+      </dsp:txXfrm>
+    </dsp:sp>
+    <dsp:sp modelId="{0047E489-33D2-4022-B1BF-BA62316AA750}">
+      <dsp:nvSpPr>
+        <dsp:cNvPr id="0" name=""/>
+        <dsp:cNvSpPr/>
+      </dsp:nvSpPr>
+      <dsp:spPr>
+        <a:xfrm>
+          <a:off x="0" y="2403684"/>
+          <a:ext cx="10058399" cy="1994445"/>
+        </a:xfrm>
+        <a:prstGeom prst="rect">
+          <a:avLst/>
+        </a:prstGeom>
+        <a:noFill/>
+        <a:ln>
+          <a:noFill/>
+        </a:ln>
+        <a:effectLst/>
+      </dsp:spPr>
+      <dsp:style>
+        <a:lnRef idx="0">
+          <a:scrgbClr r="0" g="0" b="0"/>
+        </a:lnRef>
+        <a:fillRef idx="0">
+          <a:scrgbClr r="0" g="0" b="0"/>
+        </a:fillRef>
+        <a:effectRef idx="0">
+          <a:scrgbClr r="0" g="0" b="0"/>
+        </a:effectRef>
+        <a:fontRef idx="minor"/>
+      </dsp:style>
+      <dsp:txBody>
+        <a:bodyPr spcFirstLastPara="0" vert="horz" wrap="square" lIns="319354" tIns="52070" rIns="291592" bIns="52070" numCol="1" spcCol="1270" anchor="t" anchorCtr="0">
+          <a:noAutofit/>
+        </a:bodyPr>
+        <a:lstStyle/>
+        <a:p>
+          <a:pPr marL="285750" lvl="1" indent="-285750" algn="l" defTabSz="1422400">
+            <a:lnSpc>
+              <a:spcPct val="90000"/>
+            </a:lnSpc>
+            <a:spcBef>
+              <a:spcPct val="0"/>
+            </a:spcBef>
+            <a:spcAft>
+              <a:spcPct val="20000"/>
+            </a:spcAft>
+            <a:buFont typeface="+mj-lt"/>
+            <a:buAutoNum type="arabicPeriod"/>
+          </a:pPr>
+          <a:r>
+            <a:rPr lang="en-US" sz="3200" b="0" i="0" kern="1200" dirty="0"/>
+            <a:t> will they be able to make 1000$ from what you teach them</a:t>
+          </a:r>
+        </a:p>
+        <a:p>
+          <a:pPr marL="285750" lvl="1" indent="-285750" algn="l" defTabSz="1422400">
+            <a:lnSpc>
+              <a:spcPct val="90000"/>
+            </a:lnSpc>
+            <a:spcBef>
+              <a:spcPct val="0"/>
+            </a:spcBef>
+            <a:spcAft>
+              <a:spcPct val="20000"/>
+            </a:spcAft>
+            <a:buFont typeface="+mj-lt"/>
+            <a:buAutoNum type="arabicPeriod"/>
+          </a:pPr>
+          <a:r>
+            <a:rPr lang="en-US" sz="3200" b="0" i="0" kern="1200" dirty="0"/>
+            <a:t>or will your product save them 1h of work everyday, depending on their hourly rate, its saving them money</a:t>
+          </a:r>
+        </a:p>
+      </dsp:txBody>
+      <dsp:txXfrm>
+        <a:off x="0" y="2403684"/>
+        <a:ext cx="10058399" cy="1994445"/>
+      </dsp:txXfrm>
+    </dsp:sp>
+  </dsp:spTree>
+</dsp:drawing>
+</file>
+
+<file path=ppt/diagrams/drawing7.xml><?xml version="1.0" encoding="utf-8"?>
+<dsp:drawing xmlns:dgm="http://schemas.openxmlformats.org/drawingml/2006/diagram" xmlns:dsp="http://schemas.microsoft.com/office/drawing/2008/diagram" xmlns:a="http://schemas.openxmlformats.org/drawingml/2006/main">
+  <dsp:spTree>
+    <dsp:nvGrpSpPr>
+      <dsp:cNvPr id="0" name=""/>
+      <dsp:cNvGrpSpPr/>
+    </dsp:nvGrpSpPr>
+    <dsp:grpSpPr/>
+    <dsp:sp modelId="{97A8D912-BAF9-4DB8-90D6-2E69BE632765}">
+      <dsp:nvSpPr>
+        <dsp:cNvPr id="0" name=""/>
+        <dsp:cNvSpPr/>
+      </dsp:nvSpPr>
+      <dsp:spPr>
+        <a:xfrm>
+          <a:off x="0" y="98457"/>
+          <a:ext cx="10058399" cy="1312740"/>
+        </a:xfrm>
+        <a:prstGeom prst="roundRect">
+          <a:avLst/>
+        </a:prstGeom>
+        <a:solidFill>
+          <a:schemeClr val="accent1">
+            <a:hueOff val="0"/>
+            <a:satOff val="0"/>
+            <a:lumOff val="0"/>
+            <a:alphaOff val="0"/>
+          </a:schemeClr>
+        </a:solidFill>
+        <a:ln w="15875" cap="flat" cmpd="sng" algn="ctr">
+          <a:solidFill>
+            <a:schemeClr val="lt1">
+              <a:hueOff val="0"/>
+              <a:satOff val="0"/>
+              <a:lumOff val="0"/>
+              <a:alphaOff val="0"/>
+            </a:schemeClr>
+          </a:solidFill>
+          <a:prstDash val="solid"/>
+        </a:ln>
+        <a:effectLst/>
+      </dsp:spPr>
+      <dsp:style>
+        <a:lnRef idx="2">
+          <a:scrgbClr r="0" g="0" b="0"/>
+        </a:lnRef>
+        <a:fillRef idx="1">
+          <a:scrgbClr r="0" g="0" b="0"/>
+        </a:fillRef>
+        <a:effectRef idx="0">
+          <a:scrgbClr r="0" g="0" b="0"/>
+        </a:effectRef>
+        <a:fontRef idx="minor">
+          <a:schemeClr val="lt1"/>
+        </a:fontRef>
+      </dsp:style>
+      <dsp:txBody>
+        <a:bodyPr spcFirstLastPara="0" vert="horz" wrap="square" lIns="125730" tIns="125730" rIns="125730" bIns="125730" numCol="1" spcCol="1270" anchor="ctr" anchorCtr="0">
+          <a:noAutofit/>
+        </a:bodyPr>
+        <a:lstStyle/>
+        <a:p>
+          <a:pPr marL="0" lvl="0" indent="0" algn="l" defTabSz="1466850">
+            <a:lnSpc>
+              <a:spcPct val="90000"/>
+            </a:lnSpc>
+            <a:spcBef>
+              <a:spcPct val="0"/>
+            </a:spcBef>
+            <a:spcAft>
+              <a:spcPct val="35000"/>
+            </a:spcAft>
+            <a:buFont typeface="+mj-lt"/>
+            <a:buNone/>
+          </a:pPr>
+          <a:r>
+            <a:rPr lang="en-US" sz="3300" b="0" i="0" kern="1200" dirty="0"/>
+            <a:t>Avoid replying to customers If your product is priced cheap, </a:t>
+          </a:r>
+        </a:p>
+      </dsp:txBody>
+      <dsp:txXfrm>
+        <a:off x="64083" y="162540"/>
+        <a:ext cx="9930233" cy="1184574"/>
+      </dsp:txXfrm>
+    </dsp:sp>
+    <dsp:sp modelId="{0047E489-33D2-4022-B1BF-BA62316AA750}">
+      <dsp:nvSpPr>
+        <dsp:cNvPr id="0" name=""/>
+        <dsp:cNvSpPr/>
+      </dsp:nvSpPr>
+      <dsp:spPr>
+        <a:xfrm>
+          <a:off x="0" y="1411197"/>
+          <a:ext cx="10058399" cy="905107"/>
+        </a:xfrm>
+        <a:prstGeom prst="rect">
+          <a:avLst/>
+        </a:prstGeom>
+        <a:noFill/>
+        <a:ln>
+          <a:noFill/>
+        </a:ln>
+        <a:effectLst/>
+      </dsp:spPr>
+      <dsp:style>
+        <a:lnRef idx="0">
+          <a:scrgbClr r="0" g="0" b="0"/>
+        </a:lnRef>
+        <a:fillRef idx="0">
+          <a:scrgbClr r="0" g="0" b="0"/>
+        </a:fillRef>
+        <a:effectRef idx="0">
+          <a:scrgbClr r="0" g="0" b="0"/>
+        </a:effectRef>
+        <a:fontRef idx="minor"/>
+      </dsp:style>
+      <dsp:txBody>
+        <a:bodyPr spcFirstLastPara="0" vert="horz" wrap="square" lIns="319354" tIns="41910" rIns="234696" bIns="41910" numCol="1" spcCol="1270" anchor="t" anchorCtr="0">
+          <a:noAutofit/>
+        </a:bodyPr>
+        <a:lstStyle/>
+        <a:p>
+          <a:pPr marL="228600" lvl="1" indent="-228600" algn="l" defTabSz="1155700">
+            <a:lnSpc>
+              <a:spcPct val="90000"/>
+            </a:lnSpc>
+            <a:spcBef>
+              <a:spcPct val="0"/>
+            </a:spcBef>
+            <a:spcAft>
+              <a:spcPct val="20000"/>
+            </a:spcAft>
+            <a:buFont typeface="+mj-lt"/>
+            <a:buAutoNum type="arabicPeriod"/>
+          </a:pPr>
+          <a:r>
+            <a:rPr lang="en-US" sz="2600" b="0" i="0" kern="1200" dirty="0"/>
+            <a:t>instead automate the process through a sign up page for efficiency</a:t>
+          </a:r>
+        </a:p>
+        <a:p>
+          <a:pPr marL="228600" lvl="1" indent="-228600" algn="l" defTabSz="1155700">
+            <a:lnSpc>
+              <a:spcPct val="90000"/>
+            </a:lnSpc>
+            <a:spcBef>
+              <a:spcPct val="0"/>
+            </a:spcBef>
+            <a:spcAft>
+              <a:spcPct val="20000"/>
+            </a:spcAft>
+            <a:buFont typeface="+mj-lt"/>
+            <a:buAutoNum type="arabicPeriod"/>
+          </a:pPr>
+          <a:r>
+            <a:rPr lang="en-US" sz="2600" b="0" i="0" kern="1200" dirty="0"/>
+            <a:t>large customer bases cannot be supported at low hourly cost</a:t>
+          </a:r>
+        </a:p>
+      </dsp:txBody>
+      <dsp:txXfrm>
+        <a:off x="0" y="1411197"/>
+        <a:ext cx="10058399" cy="905107"/>
+      </dsp:txXfrm>
+    </dsp:sp>
+    <dsp:sp modelId="{627C2938-2116-461C-9B6C-DC9CBE443E3E}">
+      <dsp:nvSpPr>
+        <dsp:cNvPr id="0" name=""/>
+        <dsp:cNvSpPr/>
+      </dsp:nvSpPr>
+      <dsp:spPr>
+        <a:xfrm>
+          <a:off x="0" y="2316305"/>
+          <a:ext cx="10058399" cy="1312740"/>
+        </a:xfrm>
+        <a:prstGeom prst="roundRect">
+          <a:avLst/>
+        </a:prstGeom>
+        <a:solidFill>
+          <a:schemeClr val="accent1">
+            <a:hueOff val="0"/>
+            <a:satOff val="0"/>
+            <a:lumOff val="0"/>
+            <a:alphaOff val="0"/>
+          </a:schemeClr>
+        </a:solidFill>
+        <a:ln w="15875" cap="flat" cmpd="sng" algn="ctr">
+          <a:solidFill>
+            <a:schemeClr val="lt1">
+              <a:hueOff val="0"/>
+              <a:satOff val="0"/>
+              <a:lumOff val="0"/>
+              <a:alphaOff val="0"/>
+            </a:schemeClr>
+          </a:solidFill>
+          <a:prstDash val="solid"/>
+        </a:ln>
+        <a:effectLst/>
+      </dsp:spPr>
+      <dsp:style>
+        <a:lnRef idx="2">
+          <a:scrgbClr r="0" g="0" b="0"/>
+        </a:lnRef>
+        <a:fillRef idx="1">
+          <a:scrgbClr r="0" g="0" b="0"/>
+        </a:fillRef>
+        <a:effectRef idx="0">
+          <a:scrgbClr r="0" g="0" b="0"/>
+        </a:effectRef>
+        <a:fontRef idx="minor">
+          <a:schemeClr val="lt1"/>
+        </a:fontRef>
+      </dsp:style>
+      <dsp:txBody>
+        <a:bodyPr spcFirstLastPara="0" vert="horz" wrap="square" lIns="125730" tIns="125730" rIns="125730" bIns="125730" numCol="1" spcCol="1270" anchor="ctr" anchorCtr="0">
+          <a:noAutofit/>
+        </a:bodyPr>
+        <a:lstStyle/>
+        <a:p>
+          <a:pPr marL="0" lvl="0" indent="0" algn="l" defTabSz="1466850">
+            <a:lnSpc>
+              <a:spcPct val="90000"/>
+            </a:lnSpc>
+            <a:spcBef>
+              <a:spcPct val="0"/>
+            </a:spcBef>
+            <a:spcAft>
+              <a:spcPct val="35000"/>
+            </a:spcAft>
+            <a:buFont typeface="+mj-lt"/>
+            <a:buNone/>
+          </a:pPr>
+          <a:r>
+            <a:rPr lang="en-US" sz="3300" b="0" i="0" kern="1200" dirty="0"/>
+            <a:t>Avoid doing customer training calls every week</a:t>
+          </a:r>
+        </a:p>
+      </dsp:txBody>
+      <dsp:txXfrm>
+        <a:off x="64083" y="2380388"/>
+        <a:ext cx="9930233" cy="1184574"/>
+      </dsp:txXfrm>
+    </dsp:sp>
+    <dsp:sp modelId="{7822DA0C-0BC5-45BD-AF46-8AFC037A70DD}">
+      <dsp:nvSpPr>
+        <dsp:cNvPr id="0" name=""/>
+        <dsp:cNvSpPr/>
+      </dsp:nvSpPr>
+      <dsp:spPr>
+        <a:xfrm>
+          <a:off x="0" y="3629045"/>
+          <a:ext cx="10058399" cy="819720"/>
+        </a:xfrm>
+        <a:prstGeom prst="rect">
+          <a:avLst/>
+        </a:prstGeom>
+        <a:noFill/>
+        <a:ln>
+          <a:noFill/>
+        </a:ln>
+        <a:effectLst/>
+      </dsp:spPr>
+      <dsp:style>
+        <a:lnRef idx="0">
+          <a:scrgbClr r="0" g="0" b="0"/>
+        </a:lnRef>
+        <a:fillRef idx="0">
+          <a:scrgbClr r="0" g="0" b="0"/>
+        </a:fillRef>
+        <a:effectRef idx="0">
+          <a:scrgbClr r="0" g="0" b="0"/>
+        </a:effectRef>
+        <a:fontRef idx="minor"/>
+      </dsp:style>
+      <dsp:txBody>
+        <a:bodyPr spcFirstLastPara="0" vert="horz" wrap="square" lIns="319354" tIns="41910" rIns="234696" bIns="41910" numCol="1" spcCol="1270" anchor="t" anchorCtr="0">
+          <a:noAutofit/>
+        </a:bodyPr>
+        <a:lstStyle/>
+        <a:p>
+          <a:pPr marL="228600" lvl="1" indent="-228600" algn="l" defTabSz="1155700">
+            <a:lnSpc>
+              <a:spcPct val="90000"/>
+            </a:lnSpc>
+            <a:spcBef>
+              <a:spcPct val="0"/>
+            </a:spcBef>
+            <a:spcAft>
+              <a:spcPct val="20000"/>
+            </a:spcAft>
+            <a:buFont typeface="+mj-lt"/>
+            <a:buAutoNum type="arabicPeriod"/>
+          </a:pPr>
+          <a:r>
+            <a:rPr lang="en-US" sz="2600" b="0" i="0" kern="1200" dirty="0"/>
+            <a:t>Only offer training seminars to a batch of customers at once. Up to 100 customers on a recorded call at once</a:t>
+          </a:r>
+        </a:p>
+      </dsp:txBody>
+      <dsp:txXfrm>
+        <a:off x="0" y="3629045"/>
+        <a:ext cx="10058399" cy="819720"/>
       </dsp:txXfrm>
     </dsp:sp>
   </dsp:spTree>
@@ -10819,173 +9951,6 @@
 </dgm:layoutDef>
 </file>
 
-<file path=ppt/diagrams/layout8.xml><?xml version="1.0" encoding="utf-8"?>
-<dgm:layoutDef xmlns:dgm="http://schemas.openxmlformats.org/drawingml/2006/diagram" xmlns:a="http://schemas.openxmlformats.org/drawingml/2006/main" uniqueId="urn:microsoft.com/office/officeart/2005/8/layout/vList2">
-  <dgm:title val=""/>
-  <dgm:desc val=""/>
-  <dgm:catLst>
-    <dgm:cat type="list" pri="3000"/>
-    <dgm:cat type="convert" pri="1000"/>
-  </dgm:catLst>
-  <dgm:sampData>
-    <dgm:dataModel>
-      <dgm:ptLst>
-        <dgm:pt modelId="0" type="doc"/>
-        <dgm:pt modelId="1">
-          <dgm:prSet phldr="1"/>
-        </dgm:pt>
-        <dgm:pt modelId="11">
-          <dgm:prSet phldr="1"/>
-        </dgm:pt>
-        <dgm:pt modelId="2">
-          <dgm:prSet phldr="1"/>
-        </dgm:pt>
-        <dgm:pt modelId="21">
-          <dgm:prSet phldr="1"/>
-        </dgm:pt>
-      </dgm:ptLst>
-      <dgm:cxnLst>
-        <dgm:cxn modelId="4" srcId="0" destId="1" srcOrd="0" destOrd="0"/>
-        <dgm:cxn modelId="5" srcId="0" destId="2" srcOrd="1" destOrd="0"/>
-        <dgm:cxn modelId="12" srcId="1" destId="11" srcOrd="0" destOrd="0"/>
-        <dgm:cxn modelId="23" srcId="2" destId="21" srcOrd="0" destOrd="0"/>
-      </dgm:cxnLst>
-      <dgm:bg/>
-      <dgm:whole/>
-    </dgm:dataModel>
-  </dgm:sampData>
-  <dgm:styleData>
-    <dgm:dataModel>
-      <dgm:ptLst>
-        <dgm:pt modelId="0" type="doc"/>
-        <dgm:pt modelId="1"/>
-        <dgm:pt modelId="2"/>
-      </dgm:ptLst>
-      <dgm:cxnLst>
-        <dgm:cxn modelId="3" srcId="0" destId="1" srcOrd="0" destOrd="0"/>
-        <dgm:cxn modelId="4" srcId="0" destId="2" srcOrd="1" destOrd="0"/>
-      </dgm:cxnLst>
-      <dgm:bg/>
-      <dgm:whole/>
-    </dgm:dataModel>
-  </dgm:styleData>
-  <dgm:clrData>
-    <dgm:dataModel>
-      <dgm:ptLst>
-        <dgm:pt modelId="0" type="doc"/>
-        <dgm:pt modelId="1"/>
-        <dgm:pt modelId="2"/>
-        <dgm:pt modelId="3"/>
-        <dgm:pt modelId="4"/>
-      </dgm:ptLst>
-      <dgm:cxnLst>
-        <dgm:cxn modelId="5" srcId="0" destId="1" srcOrd="0" destOrd="0"/>
-        <dgm:cxn modelId="6" srcId="0" destId="2" srcOrd="1" destOrd="0"/>
-        <dgm:cxn modelId="7" srcId="0" destId="3" srcOrd="2" destOrd="0"/>
-        <dgm:cxn modelId="8" srcId="0" destId="4" srcOrd="3" destOrd="0"/>
-      </dgm:cxnLst>
-      <dgm:bg/>
-      <dgm:whole/>
-    </dgm:dataModel>
-  </dgm:clrData>
-  <dgm:layoutNode name="linear">
-    <dgm:varLst>
-      <dgm:animLvl val="lvl"/>
-      <dgm:resizeHandles val="exact"/>
-    </dgm:varLst>
-    <dgm:alg type="lin">
-      <dgm:param type="linDir" val="fromT"/>
-      <dgm:param type="vertAlign" val="mid"/>
-    </dgm:alg>
-    <dgm:shape xmlns:r="http://schemas.openxmlformats.org/officeDocument/2006/relationships" r:blip="">
-      <dgm:adjLst/>
-    </dgm:shape>
-    <dgm:presOf/>
-    <dgm:constrLst>
-      <dgm:constr type="w" for="ch" forName="parentText" refType="w"/>
-      <dgm:constr type="h" for="ch" forName="parentText" refType="primFontSz" refFor="ch" refForName="parentText" fact="0.52"/>
-      <dgm:constr type="w" for="ch" forName="childText" refType="w"/>
-      <dgm:constr type="h" for="ch" forName="childText" refType="primFontSz" refFor="ch" refForName="parentText" fact="0.46"/>
-      <dgm:constr type="h" for="ch" forName="parentText" op="equ"/>
-      <dgm:constr type="primFontSz" for="ch" forName="parentText" op="equ" val="65"/>
-      <dgm:constr type="primFontSz" for="ch" forName="childText" refType="primFontSz" refFor="ch" refForName="parentText" op="equ"/>
-      <dgm:constr type="h" for="ch" forName="spacer" refType="primFontSz" refFor="ch" refForName="parentText" fact="0.08"/>
-    </dgm:constrLst>
-    <dgm:ruleLst>
-      <dgm:rule type="primFontSz" for="ch" forName="parentText" val="5" fact="NaN" max="NaN"/>
-    </dgm:ruleLst>
-    <dgm:forEach name="Name0" axis="ch" ptType="node">
-      <dgm:layoutNode name="parentText" styleLbl="node1">
-        <dgm:varLst>
-          <dgm:chMax val="0"/>
-          <dgm:bulletEnabled val="1"/>
-        </dgm:varLst>
-        <dgm:alg type="tx">
-          <dgm:param type="parTxLTRAlign" val="l"/>
-          <dgm:param type="parTxRTLAlign" val="r"/>
-        </dgm:alg>
-        <dgm:shape xmlns:r="http://schemas.openxmlformats.org/officeDocument/2006/relationships" type="roundRect" r:blip="">
-          <dgm:adjLst/>
-        </dgm:shape>
-        <dgm:presOf axis="self"/>
-        <dgm:constrLst>
-          <dgm:constr type="tMarg" refType="primFontSz" fact="0.3"/>
-          <dgm:constr type="bMarg" refType="primFontSz" fact="0.3"/>
-          <dgm:constr type="lMarg" refType="primFontSz" fact="0.3"/>
-          <dgm:constr type="rMarg" refType="primFontSz" fact="0.3"/>
-        </dgm:constrLst>
-        <dgm:ruleLst>
-          <dgm:rule type="h" val="INF" fact="NaN" max="NaN"/>
-        </dgm:ruleLst>
-      </dgm:layoutNode>
-      <dgm:choose name="Name1">
-        <dgm:if name="Name2" axis="ch" ptType="node" func="cnt" op="gte" val="1">
-          <dgm:layoutNode name="childText" styleLbl="revTx">
-            <dgm:varLst>
-              <dgm:bulletEnabled val="1"/>
-            </dgm:varLst>
-            <dgm:alg type="tx">
-              <dgm:param type="stBulletLvl" val="1"/>
-              <dgm:param type="lnSpAfChP" val="20"/>
-            </dgm:alg>
-            <dgm:shape xmlns:r="http://schemas.openxmlformats.org/officeDocument/2006/relationships" type="rect" r:blip="">
-              <dgm:adjLst/>
-            </dgm:shape>
-            <dgm:presOf axis="des" ptType="node"/>
-            <dgm:constrLst>
-              <dgm:constr type="tMarg" refType="primFontSz" fact="0.1"/>
-              <dgm:constr type="bMarg" refType="primFontSz" fact="0.1"/>
-              <dgm:constr type="lMarg" refType="w" fact="0.09"/>
-            </dgm:constrLst>
-            <dgm:ruleLst>
-              <dgm:rule type="h" val="INF" fact="NaN" max="NaN"/>
-            </dgm:ruleLst>
-          </dgm:layoutNode>
-        </dgm:if>
-        <dgm:else name="Name3">
-          <dgm:choose name="Name4">
-            <dgm:if name="Name5" axis="par ch" ptType="doc node" func="cnt" op="gte" val="2">
-              <dgm:forEach name="Name6" axis="followSib" ptType="sibTrans" cnt="1">
-                <dgm:layoutNode name="spacer">
-                  <dgm:alg type="sp"/>
-                  <dgm:shape xmlns:r="http://schemas.openxmlformats.org/officeDocument/2006/relationships" r:blip="">
-                    <dgm:adjLst/>
-                  </dgm:shape>
-                  <dgm:presOf/>
-                  <dgm:constrLst/>
-                  <dgm:ruleLst/>
-                </dgm:layoutNode>
-              </dgm:forEach>
-            </dgm:if>
-            <dgm:else name="Name7"/>
-          </dgm:choose>
-        </dgm:else>
-      </dgm:choose>
-    </dgm:forEach>
-  </dgm:layoutNode>
-</dgm:layoutDef>
-</file>
-
 <file path=ppt/diagrams/quickStyle1.xml><?xml version="1.0" encoding="utf-8"?>
 <dgm:styleDef xmlns:dgm="http://schemas.openxmlformats.org/drawingml/2006/diagram" xmlns:a="http://schemas.openxmlformats.org/drawingml/2006/main" uniqueId="urn:microsoft.com/office/officeart/2005/8/quickstyle/simple1">
   <dgm:title val=""/>
@@ -17191,1040 +16156,6 @@
 </file>
 
 <file path=ppt/diagrams/quickStyle7.xml><?xml version="1.0" encoding="utf-8"?>
-<dgm:styleDef xmlns:dgm="http://schemas.openxmlformats.org/drawingml/2006/diagram" xmlns:a="http://schemas.openxmlformats.org/drawingml/2006/main" uniqueId="urn:microsoft.com/office/officeart/2005/8/quickstyle/simple1">
-  <dgm:title val=""/>
-  <dgm:desc val=""/>
-  <dgm:catLst>
-    <dgm:cat type="simple" pri="10100"/>
-  </dgm:catLst>
-  <dgm:scene3d>
-    <a:camera prst="orthographicFront"/>
-    <a:lightRig rig="threePt" dir="t"/>
-  </dgm:scene3d>
-  <dgm:styleLbl name="node0">
-    <dgm:scene3d>
-      <a:camera prst="orthographicFront"/>
-      <a:lightRig rig="threePt" dir="t"/>
-    </dgm:scene3d>
-    <dgm:sp3d/>
-    <dgm:txPr/>
-    <dgm:style>
-      <a:lnRef idx="2">
-        <a:scrgbClr r="0" g="0" b="0"/>
-      </a:lnRef>
-      <a:fillRef idx="1">
-        <a:scrgbClr r="0" g="0" b="0"/>
-      </a:fillRef>
-      <a:effectRef idx="0">
-        <a:scrgbClr r="0" g="0" b="0"/>
-      </a:effectRef>
-      <a:fontRef idx="minor">
-        <a:schemeClr val="lt1"/>
-      </a:fontRef>
-    </dgm:style>
-  </dgm:styleLbl>
-  <dgm:styleLbl name="lnNode1">
-    <dgm:scene3d>
-      <a:camera prst="orthographicFront"/>
-      <a:lightRig rig="threePt" dir="t"/>
-    </dgm:scene3d>
-    <dgm:sp3d/>
-    <dgm:txPr/>
-    <dgm:style>
-      <a:lnRef idx="2">
-        <a:scrgbClr r="0" g="0" b="0"/>
-      </a:lnRef>
-      <a:fillRef idx="1">
-        <a:scrgbClr r="0" g="0" b="0"/>
-      </a:fillRef>
-      <a:effectRef idx="0">
-        <a:scrgbClr r="0" g="0" b="0"/>
-      </a:effectRef>
-      <a:fontRef idx="minor">
-        <a:schemeClr val="lt1"/>
-      </a:fontRef>
-    </dgm:style>
-  </dgm:styleLbl>
-  <dgm:styleLbl name="vennNode1">
-    <dgm:scene3d>
-      <a:camera prst="orthographicFront"/>
-      <a:lightRig rig="threePt" dir="t"/>
-    </dgm:scene3d>
-    <dgm:sp3d/>
-    <dgm:txPr/>
-    <dgm:style>
-      <a:lnRef idx="2">
-        <a:scrgbClr r="0" g="0" b="0"/>
-      </a:lnRef>
-      <a:fillRef idx="1">
-        <a:scrgbClr r="0" g="0" b="0"/>
-      </a:fillRef>
-      <a:effectRef idx="0">
-        <a:scrgbClr r="0" g="0" b="0"/>
-      </a:effectRef>
-      <a:fontRef idx="minor">
-        <a:schemeClr val="tx1"/>
-      </a:fontRef>
-    </dgm:style>
-  </dgm:styleLbl>
-  <dgm:styleLbl name="alignNode1">
-    <dgm:scene3d>
-      <a:camera prst="orthographicFront"/>
-      <a:lightRig rig="threePt" dir="t"/>
-    </dgm:scene3d>
-    <dgm:sp3d/>
-    <dgm:txPr/>
-    <dgm:style>
-      <a:lnRef idx="2">
-        <a:scrgbClr r="0" g="0" b="0"/>
-      </a:lnRef>
-      <a:fillRef idx="1">
-        <a:scrgbClr r="0" g="0" b="0"/>
-      </a:fillRef>
-      <a:effectRef idx="0">
-        <a:scrgbClr r="0" g="0" b="0"/>
-      </a:effectRef>
-      <a:fontRef idx="minor">
-        <a:schemeClr val="lt1"/>
-      </a:fontRef>
-    </dgm:style>
-  </dgm:styleLbl>
-  <dgm:styleLbl name="node1">
-    <dgm:scene3d>
-      <a:camera prst="orthographicFront"/>
-      <a:lightRig rig="threePt" dir="t"/>
-    </dgm:scene3d>
-    <dgm:sp3d/>
-    <dgm:txPr/>
-    <dgm:style>
-      <a:lnRef idx="2">
-        <a:scrgbClr r="0" g="0" b="0"/>
-      </a:lnRef>
-      <a:fillRef idx="1">
-        <a:scrgbClr r="0" g="0" b="0"/>
-      </a:fillRef>
-      <a:effectRef idx="0">
-        <a:scrgbClr r="0" g="0" b="0"/>
-      </a:effectRef>
-      <a:fontRef idx="minor">
-        <a:schemeClr val="lt1"/>
-      </a:fontRef>
-    </dgm:style>
-  </dgm:styleLbl>
-  <dgm:styleLbl name="node2">
-    <dgm:scene3d>
-      <a:camera prst="orthographicFront"/>
-      <a:lightRig rig="threePt" dir="t"/>
-    </dgm:scene3d>
-    <dgm:sp3d/>
-    <dgm:txPr/>
-    <dgm:style>
-      <a:lnRef idx="2">
-        <a:scrgbClr r="0" g="0" b="0"/>
-      </a:lnRef>
-      <a:fillRef idx="1">
-        <a:scrgbClr r="0" g="0" b="0"/>
-      </a:fillRef>
-      <a:effectRef idx="0">
-        <a:scrgbClr r="0" g="0" b="0"/>
-      </a:effectRef>
-      <a:fontRef idx="minor">
-        <a:schemeClr val="lt1"/>
-      </a:fontRef>
-    </dgm:style>
-  </dgm:styleLbl>
-  <dgm:styleLbl name="node3">
-    <dgm:scene3d>
-      <a:camera prst="orthographicFront"/>
-      <a:lightRig rig="threePt" dir="t"/>
-    </dgm:scene3d>
-    <dgm:sp3d/>
-    <dgm:txPr/>
-    <dgm:style>
-      <a:lnRef idx="2">
-        <a:scrgbClr r="0" g="0" b="0"/>
-      </a:lnRef>
-      <a:fillRef idx="1">
-        <a:scrgbClr r="0" g="0" b="0"/>
-      </a:fillRef>
-      <a:effectRef idx="0">
-        <a:scrgbClr r="0" g="0" b="0"/>
-      </a:effectRef>
-      <a:fontRef idx="minor">
-        <a:schemeClr val="lt1"/>
-      </a:fontRef>
-    </dgm:style>
-  </dgm:styleLbl>
-  <dgm:styleLbl name="node4">
-    <dgm:scene3d>
-      <a:camera prst="orthographicFront"/>
-      <a:lightRig rig="threePt" dir="t"/>
-    </dgm:scene3d>
-    <dgm:sp3d/>
-    <dgm:txPr/>
-    <dgm:style>
-      <a:lnRef idx="2">
-        <a:scrgbClr r="0" g="0" b="0"/>
-      </a:lnRef>
-      <a:fillRef idx="1">
-        <a:scrgbClr r="0" g="0" b="0"/>
-      </a:fillRef>
-      <a:effectRef idx="0">
-        <a:scrgbClr r="0" g="0" b="0"/>
-      </a:effectRef>
-      <a:fontRef idx="minor">
-        <a:schemeClr val="lt1"/>
-      </a:fontRef>
-    </dgm:style>
-  </dgm:styleLbl>
-  <dgm:styleLbl name="fgImgPlace1">
-    <dgm:scene3d>
-      <a:camera prst="orthographicFront"/>
-      <a:lightRig rig="threePt" dir="t"/>
-    </dgm:scene3d>
-    <dgm:sp3d/>
-    <dgm:txPr/>
-    <dgm:style>
-      <a:lnRef idx="2">
-        <a:scrgbClr r="0" g="0" b="0"/>
-      </a:lnRef>
-      <a:fillRef idx="1">
-        <a:scrgbClr r="0" g="0" b="0"/>
-      </a:fillRef>
-      <a:effectRef idx="0">
-        <a:scrgbClr r="0" g="0" b="0"/>
-      </a:effectRef>
-      <a:fontRef idx="minor"/>
-    </dgm:style>
-  </dgm:styleLbl>
-  <dgm:styleLbl name="alignImgPlace1">
-    <dgm:scene3d>
-      <a:camera prst="orthographicFront"/>
-      <a:lightRig rig="threePt" dir="t"/>
-    </dgm:scene3d>
-    <dgm:sp3d/>
-    <dgm:txPr/>
-    <dgm:style>
-      <a:lnRef idx="2">
-        <a:scrgbClr r="0" g="0" b="0"/>
-      </a:lnRef>
-      <a:fillRef idx="1">
-        <a:scrgbClr r="0" g="0" b="0"/>
-      </a:fillRef>
-      <a:effectRef idx="0">
-        <a:scrgbClr r="0" g="0" b="0"/>
-      </a:effectRef>
-      <a:fontRef idx="minor"/>
-    </dgm:style>
-  </dgm:styleLbl>
-  <dgm:styleLbl name="bgImgPlace1">
-    <dgm:scene3d>
-      <a:camera prst="orthographicFront"/>
-      <a:lightRig rig="threePt" dir="t"/>
-    </dgm:scene3d>
-    <dgm:sp3d/>
-    <dgm:txPr/>
-    <dgm:style>
-      <a:lnRef idx="2">
-        <a:scrgbClr r="0" g="0" b="0"/>
-      </a:lnRef>
-      <a:fillRef idx="1">
-        <a:scrgbClr r="0" g="0" b="0"/>
-      </a:fillRef>
-      <a:effectRef idx="0">
-        <a:scrgbClr r="0" g="0" b="0"/>
-      </a:effectRef>
-      <a:fontRef idx="minor"/>
-    </dgm:style>
-  </dgm:styleLbl>
-  <dgm:styleLbl name="sibTrans2D1">
-    <dgm:scene3d>
-      <a:camera prst="orthographicFront"/>
-      <a:lightRig rig="threePt" dir="t"/>
-    </dgm:scene3d>
-    <dgm:sp3d/>
-    <dgm:txPr/>
-    <dgm:style>
-      <a:lnRef idx="0">
-        <a:scrgbClr r="0" g="0" b="0"/>
-      </a:lnRef>
-      <a:fillRef idx="1">
-        <a:scrgbClr r="0" g="0" b="0"/>
-      </a:fillRef>
-      <a:effectRef idx="0">
-        <a:scrgbClr r="0" g="0" b="0"/>
-      </a:effectRef>
-      <a:fontRef idx="minor">
-        <a:schemeClr val="lt1"/>
-      </a:fontRef>
-    </dgm:style>
-  </dgm:styleLbl>
-  <dgm:styleLbl name="fgSibTrans2D1">
-    <dgm:scene3d>
-      <a:camera prst="orthographicFront"/>
-      <a:lightRig rig="threePt" dir="t"/>
-    </dgm:scene3d>
-    <dgm:sp3d/>
-    <dgm:txPr/>
-    <dgm:style>
-      <a:lnRef idx="0">
-        <a:scrgbClr r="0" g="0" b="0"/>
-      </a:lnRef>
-      <a:fillRef idx="1">
-        <a:scrgbClr r="0" g="0" b="0"/>
-      </a:fillRef>
-      <a:effectRef idx="0">
-        <a:scrgbClr r="0" g="0" b="0"/>
-      </a:effectRef>
-      <a:fontRef idx="minor">
-        <a:schemeClr val="lt1"/>
-      </a:fontRef>
-    </dgm:style>
-  </dgm:styleLbl>
-  <dgm:styleLbl name="bgSibTrans2D1">
-    <dgm:scene3d>
-      <a:camera prst="orthographicFront"/>
-      <a:lightRig rig="threePt" dir="t"/>
-    </dgm:scene3d>
-    <dgm:sp3d/>
-    <dgm:txPr/>
-    <dgm:style>
-      <a:lnRef idx="0">
-        <a:scrgbClr r="0" g="0" b="0"/>
-      </a:lnRef>
-      <a:fillRef idx="1">
-        <a:scrgbClr r="0" g="0" b="0"/>
-      </a:fillRef>
-      <a:effectRef idx="0">
-        <a:scrgbClr r="0" g="0" b="0"/>
-      </a:effectRef>
-      <a:fontRef idx="minor">
-        <a:schemeClr val="lt1"/>
-      </a:fontRef>
-    </dgm:style>
-  </dgm:styleLbl>
-  <dgm:styleLbl name="sibTrans1D1">
-    <dgm:scene3d>
-      <a:camera prst="orthographicFront"/>
-      <a:lightRig rig="threePt" dir="t"/>
-    </dgm:scene3d>
-    <dgm:sp3d/>
-    <dgm:txPr/>
-    <dgm:style>
-      <a:lnRef idx="1">
-        <a:scrgbClr r="0" g="0" b="0"/>
-      </a:lnRef>
-      <a:fillRef idx="0">
-        <a:scrgbClr r="0" g="0" b="0"/>
-      </a:fillRef>
-      <a:effectRef idx="0">
-        <a:scrgbClr r="0" g="0" b="0"/>
-      </a:effectRef>
-      <a:fontRef idx="minor"/>
-    </dgm:style>
-  </dgm:styleLbl>
-  <dgm:styleLbl name="callout">
-    <dgm:scene3d>
-      <a:camera prst="orthographicFront"/>
-      <a:lightRig rig="threePt" dir="t"/>
-    </dgm:scene3d>
-    <dgm:sp3d/>
-    <dgm:txPr/>
-    <dgm:style>
-      <a:lnRef idx="2">
-        <a:scrgbClr r="0" g="0" b="0"/>
-      </a:lnRef>
-      <a:fillRef idx="1">
-        <a:scrgbClr r="0" g="0" b="0"/>
-      </a:fillRef>
-      <a:effectRef idx="0">
-        <a:scrgbClr r="0" g="0" b="0"/>
-      </a:effectRef>
-      <a:fontRef idx="minor"/>
-    </dgm:style>
-  </dgm:styleLbl>
-  <dgm:styleLbl name="asst0">
-    <dgm:scene3d>
-      <a:camera prst="orthographicFront"/>
-      <a:lightRig rig="threePt" dir="t"/>
-    </dgm:scene3d>
-    <dgm:sp3d/>
-    <dgm:txPr/>
-    <dgm:style>
-      <a:lnRef idx="2">
-        <a:scrgbClr r="0" g="0" b="0"/>
-      </a:lnRef>
-      <a:fillRef idx="1">
-        <a:scrgbClr r="0" g="0" b="0"/>
-      </a:fillRef>
-      <a:effectRef idx="0">
-        <a:scrgbClr r="0" g="0" b="0"/>
-      </a:effectRef>
-      <a:fontRef idx="minor">
-        <a:schemeClr val="lt1"/>
-      </a:fontRef>
-    </dgm:style>
-  </dgm:styleLbl>
-  <dgm:styleLbl name="asst1">
-    <dgm:scene3d>
-      <a:camera prst="orthographicFront"/>
-      <a:lightRig rig="threePt" dir="t"/>
-    </dgm:scene3d>
-    <dgm:sp3d/>
-    <dgm:txPr/>
-    <dgm:style>
-      <a:lnRef idx="2">
-        <a:scrgbClr r="0" g="0" b="0"/>
-      </a:lnRef>
-      <a:fillRef idx="1">
-        <a:scrgbClr r="0" g="0" b="0"/>
-      </a:fillRef>
-      <a:effectRef idx="0">
-        <a:scrgbClr r="0" g="0" b="0"/>
-      </a:effectRef>
-      <a:fontRef idx="minor">
-        <a:schemeClr val="lt1"/>
-      </a:fontRef>
-    </dgm:style>
-  </dgm:styleLbl>
-  <dgm:styleLbl name="asst2">
-    <dgm:scene3d>
-      <a:camera prst="orthographicFront"/>
-      <a:lightRig rig="threePt" dir="t"/>
-    </dgm:scene3d>
-    <dgm:sp3d/>
-    <dgm:txPr/>
-    <dgm:style>
-      <a:lnRef idx="2">
-        <a:scrgbClr r="0" g="0" b="0"/>
-      </a:lnRef>
-      <a:fillRef idx="1">
-        <a:scrgbClr r="0" g="0" b="0"/>
-      </a:fillRef>
-      <a:effectRef idx="0">
-        <a:scrgbClr r="0" g="0" b="0"/>
-      </a:effectRef>
-      <a:fontRef idx="minor">
-        <a:schemeClr val="lt1"/>
-      </a:fontRef>
-    </dgm:style>
-  </dgm:styleLbl>
-  <dgm:styleLbl name="asst3">
-    <dgm:scene3d>
-      <a:camera prst="orthographicFront"/>
-      <a:lightRig rig="threePt" dir="t"/>
-    </dgm:scene3d>
-    <dgm:sp3d/>
-    <dgm:txPr/>
-    <dgm:style>
-      <a:lnRef idx="2">
-        <a:scrgbClr r="0" g="0" b="0"/>
-      </a:lnRef>
-      <a:fillRef idx="1">
-        <a:scrgbClr r="0" g="0" b="0"/>
-      </a:fillRef>
-      <a:effectRef idx="0">
-        <a:scrgbClr r="0" g="0" b="0"/>
-      </a:effectRef>
-      <a:fontRef idx="minor">
-        <a:schemeClr val="lt1"/>
-      </a:fontRef>
-    </dgm:style>
-  </dgm:styleLbl>
-  <dgm:styleLbl name="asst4">
-    <dgm:scene3d>
-      <a:camera prst="orthographicFront"/>
-      <a:lightRig rig="threePt" dir="t"/>
-    </dgm:scene3d>
-    <dgm:sp3d/>
-    <dgm:txPr/>
-    <dgm:style>
-      <a:lnRef idx="2">
-        <a:scrgbClr r="0" g="0" b="0"/>
-      </a:lnRef>
-      <a:fillRef idx="1">
-        <a:scrgbClr r="0" g="0" b="0"/>
-      </a:fillRef>
-      <a:effectRef idx="0">
-        <a:scrgbClr r="0" g="0" b="0"/>
-      </a:effectRef>
-      <a:fontRef idx="minor">
-        <a:schemeClr val="lt1"/>
-      </a:fontRef>
-    </dgm:style>
-  </dgm:styleLbl>
-  <dgm:styleLbl name="parChTrans2D1">
-    <dgm:scene3d>
-      <a:camera prst="orthographicFront"/>
-      <a:lightRig rig="threePt" dir="t"/>
-    </dgm:scene3d>
-    <dgm:sp3d/>
-    <dgm:txPr/>
-    <dgm:style>
-      <a:lnRef idx="2">
-        <a:scrgbClr r="0" g="0" b="0"/>
-      </a:lnRef>
-      <a:fillRef idx="1">
-        <a:scrgbClr r="0" g="0" b="0"/>
-      </a:fillRef>
-      <a:effectRef idx="0">
-        <a:scrgbClr r="0" g="0" b="0"/>
-      </a:effectRef>
-      <a:fontRef idx="minor">
-        <a:schemeClr val="lt1"/>
-      </a:fontRef>
-    </dgm:style>
-  </dgm:styleLbl>
-  <dgm:styleLbl name="parChTrans2D2">
-    <dgm:scene3d>
-      <a:camera prst="orthographicFront"/>
-      <a:lightRig rig="threePt" dir="t"/>
-    </dgm:scene3d>
-    <dgm:sp3d/>
-    <dgm:txPr/>
-    <dgm:style>
-      <a:lnRef idx="2">
-        <a:scrgbClr r="0" g="0" b="0"/>
-      </a:lnRef>
-      <a:fillRef idx="1">
-        <a:scrgbClr r="0" g="0" b="0"/>
-      </a:fillRef>
-      <a:effectRef idx="0">
-        <a:scrgbClr r="0" g="0" b="0"/>
-      </a:effectRef>
-      <a:fontRef idx="minor">
-        <a:schemeClr val="lt1"/>
-      </a:fontRef>
-    </dgm:style>
-  </dgm:styleLbl>
-  <dgm:styleLbl name="parChTrans2D3">
-    <dgm:scene3d>
-      <a:camera prst="orthographicFront"/>
-      <a:lightRig rig="threePt" dir="t"/>
-    </dgm:scene3d>
-    <dgm:sp3d/>
-    <dgm:txPr/>
-    <dgm:style>
-      <a:lnRef idx="2">
-        <a:scrgbClr r="0" g="0" b="0"/>
-      </a:lnRef>
-      <a:fillRef idx="1">
-        <a:scrgbClr r="0" g="0" b="0"/>
-      </a:fillRef>
-      <a:effectRef idx="0">
-        <a:scrgbClr r="0" g="0" b="0"/>
-      </a:effectRef>
-      <a:fontRef idx="minor">
-        <a:schemeClr val="lt1"/>
-      </a:fontRef>
-    </dgm:style>
-  </dgm:styleLbl>
-  <dgm:styleLbl name="parChTrans2D4">
-    <dgm:scene3d>
-      <a:camera prst="orthographicFront"/>
-      <a:lightRig rig="threePt" dir="t"/>
-    </dgm:scene3d>
-    <dgm:sp3d/>
-    <dgm:txPr/>
-    <dgm:style>
-      <a:lnRef idx="2">
-        <a:scrgbClr r="0" g="0" b="0"/>
-      </a:lnRef>
-      <a:fillRef idx="1">
-        <a:scrgbClr r="0" g="0" b="0"/>
-      </a:fillRef>
-      <a:effectRef idx="0">
-        <a:scrgbClr r="0" g="0" b="0"/>
-      </a:effectRef>
-      <a:fontRef idx="minor">
-        <a:schemeClr val="lt1"/>
-      </a:fontRef>
-    </dgm:style>
-  </dgm:styleLbl>
-  <dgm:styleLbl name="parChTrans1D1">
-    <dgm:scene3d>
-      <a:camera prst="orthographicFront"/>
-      <a:lightRig rig="threePt" dir="t"/>
-    </dgm:scene3d>
-    <dgm:sp3d/>
-    <dgm:txPr/>
-    <dgm:style>
-      <a:lnRef idx="2">
-        <a:scrgbClr r="0" g="0" b="0"/>
-      </a:lnRef>
-      <a:fillRef idx="0">
-        <a:scrgbClr r="0" g="0" b="0"/>
-      </a:fillRef>
-      <a:effectRef idx="0">
-        <a:scrgbClr r="0" g="0" b="0"/>
-      </a:effectRef>
-      <a:fontRef idx="minor"/>
-    </dgm:style>
-  </dgm:styleLbl>
-  <dgm:styleLbl name="parChTrans1D2">
-    <dgm:scene3d>
-      <a:camera prst="orthographicFront"/>
-      <a:lightRig rig="threePt" dir="t"/>
-    </dgm:scene3d>
-    <dgm:sp3d/>
-    <dgm:txPr/>
-    <dgm:style>
-      <a:lnRef idx="2">
-        <a:scrgbClr r="0" g="0" b="0"/>
-      </a:lnRef>
-      <a:fillRef idx="0">
-        <a:scrgbClr r="0" g="0" b="0"/>
-      </a:fillRef>
-      <a:effectRef idx="0">
-        <a:scrgbClr r="0" g="0" b="0"/>
-      </a:effectRef>
-      <a:fontRef idx="minor"/>
-    </dgm:style>
-  </dgm:styleLbl>
-  <dgm:styleLbl name="parChTrans1D3">
-    <dgm:scene3d>
-      <a:camera prst="orthographicFront"/>
-      <a:lightRig rig="threePt" dir="t"/>
-    </dgm:scene3d>
-    <dgm:sp3d/>
-    <dgm:txPr/>
-    <dgm:style>
-      <a:lnRef idx="2">
-        <a:scrgbClr r="0" g="0" b="0"/>
-      </a:lnRef>
-      <a:fillRef idx="0">
-        <a:scrgbClr r="0" g="0" b="0"/>
-      </a:fillRef>
-      <a:effectRef idx="0">
-        <a:scrgbClr r="0" g="0" b="0"/>
-      </a:effectRef>
-      <a:fontRef idx="minor"/>
-    </dgm:style>
-  </dgm:styleLbl>
-  <dgm:styleLbl name="parChTrans1D4">
-    <dgm:scene3d>
-      <a:camera prst="orthographicFront"/>
-      <a:lightRig rig="threePt" dir="t"/>
-    </dgm:scene3d>
-    <dgm:sp3d/>
-    <dgm:txPr/>
-    <dgm:style>
-      <a:lnRef idx="2">
-        <a:scrgbClr r="0" g="0" b="0"/>
-      </a:lnRef>
-      <a:fillRef idx="0">
-        <a:scrgbClr r="0" g="0" b="0"/>
-      </a:fillRef>
-      <a:effectRef idx="0">
-        <a:scrgbClr r="0" g="0" b="0"/>
-      </a:effectRef>
-      <a:fontRef idx="minor"/>
-    </dgm:style>
-  </dgm:styleLbl>
-  <dgm:styleLbl name="fgAcc1">
-    <dgm:scene3d>
-      <a:camera prst="orthographicFront"/>
-      <a:lightRig rig="threePt" dir="t"/>
-    </dgm:scene3d>
-    <dgm:sp3d/>
-    <dgm:txPr/>
-    <dgm:style>
-      <a:lnRef idx="2">
-        <a:scrgbClr r="0" g="0" b="0"/>
-      </a:lnRef>
-      <a:fillRef idx="1">
-        <a:scrgbClr r="0" g="0" b="0"/>
-      </a:fillRef>
-      <a:effectRef idx="0">
-        <a:scrgbClr r="0" g="0" b="0"/>
-      </a:effectRef>
-      <a:fontRef idx="minor"/>
-    </dgm:style>
-  </dgm:styleLbl>
-  <dgm:styleLbl name="conFgAcc1">
-    <dgm:scene3d>
-      <a:camera prst="orthographicFront"/>
-      <a:lightRig rig="threePt" dir="t"/>
-    </dgm:scene3d>
-    <dgm:sp3d/>
-    <dgm:txPr/>
-    <dgm:style>
-      <a:lnRef idx="2">
-        <a:scrgbClr r="0" g="0" b="0"/>
-      </a:lnRef>
-      <a:fillRef idx="1">
-        <a:scrgbClr r="0" g="0" b="0"/>
-      </a:fillRef>
-      <a:effectRef idx="0">
-        <a:scrgbClr r="0" g="0" b="0"/>
-      </a:effectRef>
-      <a:fontRef idx="minor"/>
-    </dgm:style>
-  </dgm:styleLbl>
-  <dgm:styleLbl name="alignAcc1">
-    <dgm:scene3d>
-      <a:camera prst="orthographicFront"/>
-      <a:lightRig rig="threePt" dir="t"/>
-    </dgm:scene3d>
-    <dgm:sp3d/>
-    <dgm:txPr/>
-    <dgm:style>
-      <a:lnRef idx="2">
-        <a:scrgbClr r="0" g="0" b="0"/>
-      </a:lnRef>
-      <a:fillRef idx="1">
-        <a:scrgbClr r="0" g="0" b="0"/>
-      </a:fillRef>
-      <a:effectRef idx="0">
-        <a:scrgbClr r="0" g="0" b="0"/>
-      </a:effectRef>
-      <a:fontRef idx="minor"/>
-    </dgm:style>
-  </dgm:styleLbl>
-  <dgm:styleLbl name="trAlignAcc1">
-    <dgm:scene3d>
-      <a:camera prst="orthographicFront"/>
-      <a:lightRig rig="threePt" dir="t"/>
-    </dgm:scene3d>
-    <dgm:sp3d/>
-    <dgm:txPr/>
-    <dgm:style>
-      <a:lnRef idx="1">
-        <a:scrgbClr r="0" g="0" b="0"/>
-      </a:lnRef>
-      <a:fillRef idx="1">
-        <a:scrgbClr r="0" g="0" b="0"/>
-      </a:fillRef>
-      <a:effectRef idx="0">
-        <a:scrgbClr r="0" g="0" b="0"/>
-      </a:effectRef>
-      <a:fontRef idx="minor"/>
-    </dgm:style>
-  </dgm:styleLbl>
-  <dgm:styleLbl name="bgAcc1">
-    <dgm:scene3d>
-      <a:camera prst="orthographicFront"/>
-      <a:lightRig rig="threePt" dir="t"/>
-    </dgm:scene3d>
-    <dgm:sp3d/>
-    <dgm:txPr/>
-    <dgm:style>
-      <a:lnRef idx="2">
-        <a:scrgbClr r="0" g="0" b="0"/>
-      </a:lnRef>
-      <a:fillRef idx="1">
-        <a:scrgbClr r="0" g="0" b="0"/>
-      </a:fillRef>
-      <a:effectRef idx="0">
-        <a:scrgbClr r="0" g="0" b="0"/>
-      </a:effectRef>
-      <a:fontRef idx="minor"/>
-    </dgm:style>
-  </dgm:styleLbl>
-  <dgm:styleLbl name="solidFgAcc1">
-    <dgm:scene3d>
-      <a:camera prst="orthographicFront"/>
-      <a:lightRig rig="threePt" dir="t"/>
-    </dgm:scene3d>
-    <dgm:sp3d/>
-    <dgm:txPr/>
-    <dgm:style>
-      <a:lnRef idx="2">
-        <a:scrgbClr r="0" g="0" b="0"/>
-      </a:lnRef>
-      <a:fillRef idx="1">
-        <a:scrgbClr r="0" g="0" b="0"/>
-      </a:fillRef>
-      <a:effectRef idx="0">
-        <a:scrgbClr r="0" g="0" b="0"/>
-      </a:effectRef>
-      <a:fontRef idx="minor"/>
-    </dgm:style>
-  </dgm:styleLbl>
-  <dgm:styleLbl name="solidAlignAcc1">
-    <dgm:scene3d>
-      <a:camera prst="orthographicFront"/>
-      <a:lightRig rig="threePt" dir="t"/>
-    </dgm:scene3d>
-    <dgm:sp3d/>
-    <dgm:txPr/>
-    <dgm:style>
-      <a:lnRef idx="2">
-        <a:scrgbClr r="0" g="0" b="0"/>
-      </a:lnRef>
-      <a:fillRef idx="1">
-        <a:scrgbClr r="0" g="0" b="0"/>
-      </a:fillRef>
-      <a:effectRef idx="0">
-        <a:scrgbClr r="0" g="0" b="0"/>
-      </a:effectRef>
-      <a:fontRef idx="minor"/>
-    </dgm:style>
-  </dgm:styleLbl>
-  <dgm:styleLbl name="solidBgAcc1">
-    <dgm:scene3d>
-      <a:camera prst="orthographicFront"/>
-      <a:lightRig rig="threePt" dir="t"/>
-    </dgm:scene3d>
-    <dgm:sp3d/>
-    <dgm:txPr/>
-    <dgm:style>
-      <a:lnRef idx="2">
-        <a:scrgbClr r="0" g="0" b="0"/>
-      </a:lnRef>
-      <a:fillRef idx="1">
-        <a:scrgbClr r="0" g="0" b="0"/>
-      </a:fillRef>
-      <a:effectRef idx="0">
-        <a:scrgbClr r="0" g="0" b="0"/>
-      </a:effectRef>
-      <a:fontRef idx="minor"/>
-    </dgm:style>
-  </dgm:styleLbl>
-  <dgm:styleLbl name="fgAccFollowNode1">
-    <dgm:scene3d>
-      <a:camera prst="orthographicFront"/>
-      <a:lightRig rig="threePt" dir="t"/>
-    </dgm:scene3d>
-    <dgm:sp3d/>
-    <dgm:txPr/>
-    <dgm:style>
-      <a:lnRef idx="2">
-        <a:scrgbClr r="0" g="0" b="0"/>
-      </a:lnRef>
-      <a:fillRef idx="1">
-        <a:scrgbClr r="0" g="0" b="0"/>
-      </a:fillRef>
-      <a:effectRef idx="0">
-        <a:scrgbClr r="0" g="0" b="0"/>
-      </a:effectRef>
-      <a:fontRef idx="minor"/>
-    </dgm:style>
-  </dgm:styleLbl>
-  <dgm:styleLbl name="alignAccFollowNode1">
-    <dgm:scene3d>
-      <a:camera prst="orthographicFront"/>
-      <a:lightRig rig="threePt" dir="t"/>
-    </dgm:scene3d>
-    <dgm:sp3d/>
-    <dgm:txPr/>
-    <dgm:style>
-      <a:lnRef idx="2">
-        <a:scrgbClr r="0" g="0" b="0"/>
-      </a:lnRef>
-      <a:fillRef idx="1">
-        <a:scrgbClr r="0" g="0" b="0"/>
-      </a:fillRef>
-      <a:effectRef idx="0">
-        <a:scrgbClr r="0" g="0" b="0"/>
-      </a:effectRef>
-      <a:fontRef idx="minor"/>
-    </dgm:style>
-  </dgm:styleLbl>
-  <dgm:styleLbl name="bgAccFollowNode1">
-    <dgm:scene3d>
-      <a:camera prst="orthographicFront"/>
-      <a:lightRig rig="threePt" dir="t"/>
-    </dgm:scene3d>
-    <dgm:sp3d/>
-    <dgm:txPr/>
-    <dgm:style>
-      <a:lnRef idx="2">
-        <a:scrgbClr r="0" g="0" b="0"/>
-      </a:lnRef>
-      <a:fillRef idx="1">
-        <a:scrgbClr r="0" g="0" b="0"/>
-      </a:fillRef>
-      <a:effectRef idx="0">
-        <a:scrgbClr r="0" g="0" b="0"/>
-      </a:effectRef>
-      <a:fontRef idx="minor"/>
-    </dgm:style>
-  </dgm:styleLbl>
-  <dgm:styleLbl name="fgAcc0">
-    <dgm:scene3d>
-      <a:camera prst="orthographicFront"/>
-      <a:lightRig rig="threePt" dir="t"/>
-    </dgm:scene3d>
-    <dgm:sp3d/>
-    <dgm:txPr/>
-    <dgm:style>
-      <a:lnRef idx="2">
-        <a:scrgbClr r="0" g="0" b="0"/>
-      </a:lnRef>
-      <a:fillRef idx="1">
-        <a:scrgbClr r="0" g="0" b="0"/>
-      </a:fillRef>
-      <a:effectRef idx="0">
-        <a:scrgbClr r="0" g="0" b="0"/>
-      </a:effectRef>
-      <a:fontRef idx="minor"/>
-    </dgm:style>
-  </dgm:styleLbl>
-  <dgm:styleLbl name="fgAcc2">
-    <dgm:scene3d>
-      <a:camera prst="orthographicFront"/>
-      <a:lightRig rig="threePt" dir="t"/>
-    </dgm:scene3d>
-    <dgm:sp3d/>
-    <dgm:txPr/>
-    <dgm:style>
-      <a:lnRef idx="2">
-        <a:scrgbClr r="0" g="0" b="0"/>
-      </a:lnRef>
-      <a:fillRef idx="1">
-        <a:scrgbClr r="0" g="0" b="0"/>
-      </a:fillRef>
-      <a:effectRef idx="0">
-        <a:scrgbClr r="0" g="0" b="0"/>
-      </a:effectRef>
-      <a:fontRef idx="minor"/>
-    </dgm:style>
-  </dgm:styleLbl>
-  <dgm:styleLbl name="fgAcc3">
-    <dgm:scene3d>
-      <a:camera prst="orthographicFront"/>
-      <a:lightRig rig="threePt" dir="t"/>
-    </dgm:scene3d>
-    <dgm:sp3d/>
-    <dgm:txPr/>
-    <dgm:style>
-      <a:lnRef idx="2">
-        <a:scrgbClr r="0" g="0" b="0"/>
-      </a:lnRef>
-      <a:fillRef idx="1">
-        <a:scrgbClr r="0" g="0" b="0"/>
-      </a:fillRef>
-      <a:effectRef idx="0">
-        <a:scrgbClr r="0" g="0" b="0"/>
-      </a:effectRef>
-      <a:fontRef idx="minor"/>
-    </dgm:style>
-  </dgm:styleLbl>
-  <dgm:styleLbl name="fgAcc4">
-    <dgm:scene3d>
-      <a:camera prst="orthographicFront"/>
-      <a:lightRig rig="threePt" dir="t"/>
-    </dgm:scene3d>
-    <dgm:sp3d/>
-    <dgm:txPr/>
-    <dgm:style>
-      <a:lnRef idx="2">
-        <a:scrgbClr r="0" g="0" b="0"/>
-      </a:lnRef>
-      <a:fillRef idx="1">
-        <a:scrgbClr r="0" g="0" b="0"/>
-      </a:fillRef>
-      <a:effectRef idx="0">
-        <a:scrgbClr r="0" g="0" b="0"/>
-      </a:effectRef>
-      <a:fontRef idx="minor"/>
-    </dgm:style>
-  </dgm:styleLbl>
-  <dgm:styleLbl name="bgShp">
-    <dgm:scene3d>
-      <a:camera prst="orthographicFront"/>
-      <a:lightRig rig="threePt" dir="t"/>
-    </dgm:scene3d>
-    <dgm:sp3d/>
-    <dgm:txPr/>
-    <dgm:style>
-      <a:lnRef idx="0">
-        <a:scrgbClr r="0" g="0" b="0"/>
-      </a:lnRef>
-      <a:fillRef idx="1">
-        <a:scrgbClr r="0" g="0" b="0"/>
-      </a:fillRef>
-      <a:effectRef idx="0">
-        <a:scrgbClr r="0" g="0" b="0"/>
-      </a:effectRef>
-      <a:fontRef idx="minor"/>
-    </dgm:style>
-  </dgm:styleLbl>
-  <dgm:styleLbl name="dkBgShp">
-    <dgm:scene3d>
-      <a:camera prst="orthographicFront"/>
-      <a:lightRig rig="threePt" dir="t"/>
-    </dgm:scene3d>
-    <dgm:sp3d/>
-    <dgm:txPr/>
-    <dgm:style>
-      <a:lnRef idx="0">
-        <a:scrgbClr r="0" g="0" b="0"/>
-      </a:lnRef>
-      <a:fillRef idx="1">
-        <a:scrgbClr r="0" g="0" b="0"/>
-      </a:fillRef>
-      <a:effectRef idx="0">
-        <a:scrgbClr r="0" g="0" b="0"/>
-      </a:effectRef>
-      <a:fontRef idx="minor"/>
-    </dgm:style>
-  </dgm:styleLbl>
-  <dgm:styleLbl name="trBgShp">
-    <dgm:scene3d>
-      <a:camera prst="orthographicFront"/>
-      <a:lightRig rig="threePt" dir="t"/>
-    </dgm:scene3d>
-    <dgm:sp3d/>
-    <dgm:txPr/>
-    <dgm:style>
-      <a:lnRef idx="0">
-        <a:scrgbClr r="0" g="0" b="0"/>
-      </a:lnRef>
-      <a:fillRef idx="1">
-        <a:scrgbClr r="0" g="0" b="0"/>
-      </a:fillRef>
-      <a:effectRef idx="0">
-        <a:scrgbClr r="0" g="0" b="0"/>
-      </a:effectRef>
-      <a:fontRef idx="minor"/>
-    </dgm:style>
-  </dgm:styleLbl>
-  <dgm:styleLbl name="fgShp">
-    <dgm:scene3d>
-      <a:camera prst="orthographicFront"/>
-      <a:lightRig rig="threePt" dir="t"/>
-    </dgm:scene3d>
-    <dgm:sp3d/>
-    <dgm:txPr/>
-    <dgm:style>
-      <a:lnRef idx="2">
-        <a:scrgbClr r="0" g="0" b="0"/>
-      </a:lnRef>
-      <a:fillRef idx="1">
-        <a:scrgbClr r="0" g="0" b="0"/>
-      </a:fillRef>
-      <a:effectRef idx="0">
-        <a:scrgbClr r="0" g="0" b="0"/>
-      </a:effectRef>
-      <a:fontRef idx="minor"/>
-    </dgm:style>
-  </dgm:styleLbl>
-  <dgm:styleLbl name="revTx">
-    <dgm:scene3d>
-      <a:camera prst="orthographicFront"/>
-      <a:lightRig rig="threePt" dir="t"/>
-    </dgm:scene3d>
-    <dgm:sp3d/>
-    <dgm:txPr/>
-    <dgm:style>
-      <a:lnRef idx="0">
-        <a:scrgbClr r="0" g="0" b="0"/>
-      </a:lnRef>
-      <a:fillRef idx="0">
-        <a:scrgbClr r="0" g="0" b="0"/>
-      </a:fillRef>
-      <a:effectRef idx="0">
-        <a:scrgbClr r="0" g="0" b="0"/>
-      </a:effectRef>
-      <a:fontRef idx="minor"/>
-    </dgm:style>
-  </dgm:styleLbl>
-</dgm:styleDef>
-</file>
-
-<file path=ppt/diagrams/quickStyle8.xml><?xml version="1.0" encoding="utf-8"?>
 <dgm:styleDef xmlns:dgm="http://schemas.openxmlformats.org/drawingml/2006/diagram" xmlns:a="http://schemas.openxmlformats.org/drawingml/2006/main" uniqueId="urn:microsoft.com/office/officeart/2005/8/quickstyle/simple1">
   <dgm:title val=""/>
   <dgm:desc val=""/>
@@ -23187,18 +21118,9 @@
         </p:nvSpPr>
         <p:spPr/>
         <p:txBody>
-          <a:bodyPr>
-            <a:normAutofit fontScale="90000"/>
-          </a:bodyPr>
+          <a:bodyPr/>
           <a:lstStyle/>
           <a:p>
-            <a:br>
-              <a:rPr lang="en-US" dirty="0">
-                <a:solidFill>
-                  <a:schemeClr val="tx1"/>
-                </a:solidFill>
-              </a:rPr>
-            </a:br>
             <a:r>
               <a:rPr lang="en-US" dirty="0"/>
               <a:t>Selecting a customer Acquisition channel</a:t>
@@ -23207,22 +21129,6 @@
               <a:rPr lang="fr-FR" dirty="0"/>
             </a:br>
             <a:r>
-              <a:rPr lang="en-US" b="1" dirty="0">
-                <a:solidFill>
-                  <a:schemeClr val="tx1"/>
-                </a:solidFill>
-              </a:rPr>
-              <a:t>1</a:t>
-            </a:r>
-            <a:r>
-              <a:rPr lang="en-US" dirty="0">
-                <a:solidFill>
-                  <a:schemeClr val="tx1"/>
-                </a:solidFill>
-              </a:rPr>
-              <a:t> </a:t>
-            </a:r>
-            <a:r>
               <a:rPr lang="en-US" b="0" i="0" dirty="0">
                 <a:solidFill>
                   <a:schemeClr val="tx1"/>
@@ -23230,7 +21136,7 @@
                 <a:effectLst/>
                 <a:latin typeface="Söhne"/>
               </a:rPr>
-              <a:t>Define Your Objectives</a:t>
+              <a:t>Identify Your Constraints</a:t>
             </a:r>
             <a:endParaRPr lang="fr-FR" dirty="0">
               <a:solidFill>
@@ -23256,176 +21162,7 @@
             <p:ph idx="1"/>
             <p:extLst>
               <p:ext uri="{D42A27DB-BD31-4B8C-83A1-F6EECF244321}">
-                <p14:modId xmlns:p14="http://schemas.microsoft.com/office/powerpoint/2010/main" val="2332022773"/>
-              </p:ext>
-            </p:extLst>
-          </p:nvPr>
-        </p:nvGraphicFramePr>
-        <p:xfrm>
-          <a:off x="1097280" y="1845734"/>
-          <a:ext cx="10058400" cy="4023360"/>
-        </p:xfrm>
-        <a:graphic>
-          <a:graphicData uri="http://schemas.openxmlformats.org/drawingml/2006/diagram">
-            <dgm:relIds xmlns:dgm="http://schemas.openxmlformats.org/drawingml/2006/diagram" xmlns:r="http://schemas.openxmlformats.org/officeDocument/2006/relationships" r:dm="rId2" r:lo="rId3" r:qs="rId4" r:cs="rId5"/>
-          </a:graphicData>
-        </a:graphic>
-      </p:graphicFrame>
-      <p:sp>
-        <p:nvSpPr>
-          <p:cNvPr id="7" name="TextBox 6">
-            <a:extLst>
-              <a:ext uri="{FF2B5EF4-FFF2-40B4-BE49-F238E27FC236}">
-                <a16:creationId xmlns:a16="http://schemas.microsoft.com/office/drawing/2014/main" id="{47C4D2BB-C617-4D6F-8C89-1E69FDB0903C}"/>
-              </a:ext>
-            </a:extLst>
-          </p:cNvPr>
-          <p:cNvSpPr txBox="1"/>
-          <p:nvPr/>
-        </p:nvSpPr>
-        <p:spPr>
-          <a:xfrm>
-            <a:off x="1097280" y="6409081"/>
-            <a:ext cx="7115542" cy="369332"/>
-          </a:xfrm>
-          <a:prstGeom prst="rect">
-            <a:avLst/>
-          </a:prstGeom>
-          <a:noFill/>
-        </p:spPr>
-        <p:txBody>
-          <a:bodyPr wrap="square">
-            <a:spAutoFit/>
-          </a:bodyPr>
-          <a:lstStyle/>
-          <a:p>
-            <a:r>
-              <a:rPr lang="en-GB" dirty="0">
-                <a:solidFill>
-                  <a:schemeClr val="accent1">
-                    <a:lumMod val="50000"/>
-                  </a:schemeClr>
-                </a:solidFill>
-              </a:rPr>
-              <a:t>SAAS </a:t>
-            </a:r>
-            <a:r>
-              <a:rPr lang="en-GB" dirty="0" err="1">
-                <a:solidFill>
-                  <a:schemeClr val="accent1">
-                    <a:lumMod val="50000"/>
-                  </a:schemeClr>
-                </a:solidFill>
-              </a:rPr>
-              <a:t>Startup</a:t>
-            </a:r>
-            <a:r>
-              <a:rPr lang="en-GB" dirty="0">
-                <a:solidFill>
-                  <a:schemeClr val="accent1">
-                    <a:lumMod val="50000"/>
-                  </a:schemeClr>
-                </a:solidFill>
-              </a:rPr>
-              <a:t> Session</a:t>
-            </a:r>
-            <a:endParaRPr lang="fr-FR" dirty="0"/>
-          </a:p>
-        </p:txBody>
-      </p:sp>
-    </p:spTree>
-    <p:extLst>
-      <p:ext uri="{BB962C8B-B14F-4D97-AF65-F5344CB8AC3E}">
-        <p14:creationId xmlns:p14="http://schemas.microsoft.com/office/powerpoint/2010/main" val="394569333"/>
-      </p:ext>
-    </p:extLst>
-  </p:cSld>
-  <p:clrMapOvr>
-    <a:masterClrMapping/>
-  </p:clrMapOvr>
-</p:sld>
-</file>
-
-<file path=ppt/slides/slide3.xml><?xml version="1.0" encoding="utf-8"?>
-<p:sld xmlns:a="http://schemas.openxmlformats.org/drawingml/2006/main" xmlns:r="http://schemas.openxmlformats.org/officeDocument/2006/relationships" xmlns:p="http://schemas.openxmlformats.org/presentationml/2006/main">
-  <p:cSld>
-    <p:spTree>
-      <p:nvGrpSpPr>
-        <p:cNvPr id="1" name=""/>
-        <p:cNvGrpSpPr/>
-        <p:nvPr/>
-      </p:nvGrpSpPr>
-      <p:grpSpPr>
-        <a:xfrm>
-          <a:off x="0" y="0"/>
-          <a:ext cx="0" cy="0"/>
-          <a:chOff x="0" y="0"/>
-          <a:chExt cx="0" cy="0"/>
-        </a:xfrm>
-      </p:grpSpPr>
-      <p:sp>
-        <p:nvSpPr>
-          <p:cNvPr id="2" name="Title 1">
-            <a:extLst>
-              <a:ext uri="{FF2B5EF4-FFF2-40B4-BE49-F238E27FC236}">
-                <a16:creationId xmlns:a16="http://schemas.microsoft.com/office/drawing/2014/main" id="{BBB435CB-D6E6-4C1D-93E6-79FA33C9B111}"/>
-              </a:ext>
-            </a:extLst>
-          </p:cNvPr>
-          <p:cNvSpPr>
-            <a:spLocks noGrp="1"/>
-          </p:cNvSpPr>
-          <p:nvPr>
-            <p:ph type="title"/>
-          </p:nvPr>
-        </p:nvSpPr>
-        <p:spPr/>
-        <p:txBody>
-          <a:bodyPr/>
-          <a:lstStyle/>
-          <a:p>
-            <a:r>
-              <a:rPr lang="en-US" dirty="0"/>
-              <a:t>Selecting a customer Acquisition channel</a:t>
-            </a:r>
-            <a:br>
-              <a:rPr lang="fr-FR" dirty="0"/>
-            </a:br>
-            <a:r>
-              <a:rPr lang="en-US" b="0" i="0" dirty="0">
-                <a:solidFill>
-                  <a:schemeClr val="tx1"/>
-                </a:solidFill>
-                <a:effectLst/>
-                <a:latin typeface="Söhne"/>
-              </a:rPr>
-              <a:t>2 Identify Your Constraints</a:t>
-            </a:r>
-            <a:endParaRPr lang="fr-FR" dirty="0">
-              <a:solidFill>
-                <a:schemeClr val="tx1"/>
-              </a:solidFill>
-            </a:endParaRPr>
-          </a:p>
-        </p:txBody>
-      </p:sp>
-      <p:graphicFrame>
-        <p:nvGraphicFramePr>
-          <p:cNvPr id="4" name="Content Placeholder 3">
-            <a:extLst>
-              <a:ext uri="{FF2B5EF4-FFF2-40B4-BE49-F238E27FC236}">
-                <a16:creationId xmlns:a16="http://schemas.microsoft.com/office/drawing/2014/main" id="{9B326CB2-D4A2-4B5C-8E3B-CCDFAF47BF16}"/>
-              </a:ext>
-            </a:extLst>
-          </p:cNvPr>
-          <p:cNvGraphicFramePr>
-            <a:graphicFrameLocks noGrp="1"/>
-          </p:cNvGraphicFramePr>
-          <p:nvPr>
-            <p:ph idx="1"/>
-            <p:extLst>
-              <p:ext uri="{D42A27DB-BD31-4B8C-83A1-F6EECF244321}">
-                <p14:modId xmlns:p14="http://schemas.microsoft.com/office/powerpoint/2010/main" val="1670545817"/>
+                <p14:modId xmlns:p14="http://schemas.microsoft.com/office/powerpoint/2010/main" val="3327996870"/>
               </p:ext>
             </p:extLst>
           </p:nvPr>
@@ -23515,371 +21252,7 @@
 </p:sld>
 </file>
 
-<file path=ppt/slides/slide4.xml><?xml version="1.0" encoding="utf-8"?>
-<p:sld xmlns:a="http://schemas.openxmlformats.org/drawingml/2006/main" xmlns:r="http://schemas.openxmlformats.org/officeDocument/2006/relationships" xmlns:p="http://schemas.openxmlformats.org/presentationml/2006/main">
-  <p:cSld>
-    <p:spTree>
-      <p:nvGrpSpPr>
-        <p:cNvPr id="1" name=""/>
-        <p:cNvGrpSpPr/>
-        <p:nvPr/>
-      </p:nvGrpSpPr>
-      <p:grpSpPr>
-        <a:xfrm>
-          <a:off x="0" y="0"/>
-          <a:ext cx="0" cy="0"/>
-          <a:chOff x="0" y="0"/>
-          <a:chExt cx="0" cy="0"/>
-        </a:xfrm>
-      </p:grpSpPr>
-      <p:sp>
-        <p:nvSpPr>
-          <p:cNvPr id="2" name="Title 1">
-            <a:extLst>
-              <a:ext uri="{FF2B5EF4-FFF2-40B4-BE49-F238E27FC236}">
-                <a16:creationId xmlns:a16="http://schemas.microsoft.com/office/drawing/2014/main" id="{BBB435CB-D6E6-4C1D-93E6-79FA33C9B111}"/>
-              </a:ext>
-            </a:extLst>
-          </p:cNvPr>
-          <p:cNvSpPr>
-            <a:spLocks noGrp="1"/>
-          </p:cNvSpPr>
-          <p:nvPr>
-            <p:ph type="title"/>
-          </p:nvPr>
-        </p:nvSpPr>
-        <p:spPr/>
-        <p:txBody>
-          <a:bodyPr/>
-          <a:lstStyle/>
-          <a:p>
-            <a:r>
-              <a:rPr lang="en-US" dirty="0"/>
-              <a:t>Selecting a customer Acquisition channel</a:t>
-            </a:r>
-            <a:br>
-              <a:rPr lang="fr-FR" dirty="0"/>
-            </a:br>
-            <a:r>
-              <a:rPr lang="fr-FR" b="0" i="0" dirty="0">
-                <a:solidFill>
-                  <a:schemeClr val="tx1"/>
-                </a:solidFill>
-                <a:effectLst/>
-                <a:latin typeface="Söhne"/>
-              </a:rPr>
-              <a:t>3 </a:t>
-            </a:r>
-            <a:r>
-              <a:rPr lang="fr-FR" b="0" i="0" dirty="0" err="1">
-                <a:solidFill>
-                  <a:schemeClr val="tx1"/>
-                </a:solidFill>
-                <a:effectLst/>
-                <a:latin typeface="Söhne"/>
-              </a:rPr>
-              <a:t>Create</a:t>
-            </a:r>
-            <a:r>
-              <a:rPr lang="fr-FR" b="0" i="0" dirty="0">
-                <a:solidFill>
-                  <a:schemeClr val="tx1"/>
-                </a:solidFill>
-                <a:effectLst/>
-                <a:latin typeface="Söhne"/>
-              </a:rPr>
-              <a:t> a Channel Matrix</a:t>
-            </a:r>
-            <a:endParaRPr lang="fr-FR" dirty="0">
-              <a:solidFill>
-                <a:schemeClr val="tx1"/>
-              </a:solidFill>
-            </a:endParaRPr>
-          </a:p>
-        </p:txBody>
-      </p:sp>
-      <p:graphicFrame>
-        <p:nvGraphicFramePr>
-          <p:cNvPr id="4" name="Content Placeholder 3">
-            <a:extLst>
-              <a:ext uri="{FF2B5EF4-FFF2-40B4-BE49-F238E27FC236}">
-                <a16:creationId xmlns:a16="http://schemas.microsoft.com/office/drawing/2014/main" id="{9B326CB2-D4A2-4B5C-8E3B-CCDFAF47BF16}"/>
-              </a:ext>
-            </a:extLst>
-          </p:cNvPr>
-          <p:cNvGraphicFramePr>
-            <a:graphicFrameLocks noGrp="1"/>
-          </p:cNvGraphicFramePr>
-          <p:nvPr>
-            <p:ph idx="1"/>
-            <p:extLst>
-              <p:ext uri="{D42A27DB-BD31-4B8C-83A1-F6EECF244321}">
-                <p14:modId xmlns:p14="http://schemas.microsoft.com/office/powerpoint/2010/main" val="805186377"/>
-              </p:ext>
-            </p:extLst>
-          </p:nvPr>
-        </p:nvGraphicFramePr>
-        <p:xfrm>
-          <a:off x="1097280" y="1845734"/>
-          <a:ext cx="10058400" cy="4023360"/>
-        </p:xfrm>
-        <a:graphic>
-          <a:graphicData uri="http://schemas.openxmlformats.org/drawingml/2006/diagram">
-            <dgm:relIds xmlns:dgm="http://schemas.openxmlformats.org/drawingml/2006/diagram" xmlns:r="http://schemas.openxmlformats.org/officeDocument/2006/relationships" r:dm="rId2" r:lo="rId3" r:qs="rId4" r:cs="rId5"/>
-          </a:graphicData>
-        </a:graphic>
-      </p:graphicFrame>
-      <p:sp>
-        <p:nvSpPr>
-          <p:cNvPr id="7" name="TextBox 6">
-            <a:extLst>
-              <a:ext uri="{FF2B5EF4-FFF2-40B4-BE49-F238E27FC236}">
-                <a16:creationId xmlns:a16="http://schemas.microsoft.com/office/drawing/2014/main" id="{47C4D2BB-C617-4D6F-8C89-1E69FDB0903C}"/>
-              </a:ext>
-            </a:extLst>
-          </p:cNvPr>
-          <p:cNvSpPr txBox="1"/>
-          <p:nvPr/>
-        </p:nvSpPr>
-        <p:spPr>
-          <a:xfrm>
-            <a:off x="1097280" y="6409081"/>
-            <a:ext cx="7115542" cy="369332"/>
-          </a:xfrm>
-          <a:prstGeom prst="rect">
-            <a:avLst/>
-          </a:prstGeom>
-          <a:noFill/>
-        </p:spPr>
-        <p:txBody>
-          <a:bodyPr wrap="square">
-            <a:spAutoFit/>
-          </a:bodyPr>
-          <a:lstStyle/>
-          <a:p>
-            <a:r>
-              <a:rPr lang="en-GB" dirty="0">
-                <a:solidFill>
-                  <a:schemeClr val="accent1">
-                    <a:lumMod val="50000"/>
-                  </a:schemeClr>
-                </a:solidFill>
-              </a:rPr>
-              <a:t>SAAS </a:t>
-            </a:r>
-            <a:r>
-              <a:rPr lang="en-GB" dirty="0" err="1">
-                <a:solidFill>
-                  <a:schemeClr val="accent1">
-                    <a:lumMod val="50000"/>
-                  </a:schemeClr>
-                </a:solidFill>
-              </a:rPr>
-              <a:t>Startup</a:t>
-            </a:r>
-            <a:r>
-              <a:rPr lang="en-GB" dirty="0">
-                <a:solidFill>
-                  <a:schemeClr val="accent1">
-                    <a:lumMod val="50000"/>
-                  </a:schemeClr>
-                </a:solidFill>
-              </a:rPr>
-              <a:t> Session</a:t>
-            </a:r>
-            <a:endParaRPr lang="fr-FR" dirty="0"/>
-          </a:p>
-        </p:txBody>
-      </p:sp>
-      <p:pic>
-        <p:nvPicPr>
-          <p:cNvPr id="5" name="Picture 4">
-            <a:extLst>
-              <a:ext uri="{FF2B5EF4-FFF2-40B4-BE49-F238E27FC236}">
-                <a16:creationId xmlns:a16="http://schemas.microsoft.com/office/drawing/2014/main" id="{80C3F808-C652-4FD9-AB7B-9760BEEF1E1A}"/>
-              </a:ext>
-            </a:extLst>
-          </p:cNvPr>
-          <p:cNvPicPr>
-            <a:picLocks noChangeAspect="1"/>
-          </p:cNvPicPr>
-          <p:nvPr/>
-        </p:nvPicPr>
-        <p:blipFill>
-          <a:blip r:embed="rId7">
-            <a:extLst>
-              <a:ext uri="{28A0092B-C50C-407E-A947-70E740481C1C}">
-                <a14:useLocalDpi xmlns:a14="http://schemas.microsoft.com/office/drawing/2010/main" val="0"/>
-              </a:ext>
-            </a:extLst>
-          </a:blip>
-          <a:stretch>
-            <a:fillRect/>
-          </a:stretch>
-        </p:blipFill>
-        <p:spPr>
-          <a:xfrm>
-            <a:off x="1290983" y="1737360"/>
-            <a:ext cx="6350000" cy="4762500"/>
-          </a:xfrm>
-          <a:prstGeom prst="rect">
-            <a:avLst/>
-          </a:prstGeom>
-        </p:spPr>
-      </p:pic>
-      <p:sp>
-        <p:nvSpPr>
-          <p:cNvPr id="8" name="TextBox 7">
-            <a:extLst>
-              <a:ext uri="{FF2B5EF4-FFF2-40B4-BE49-F238E27FC236}">
-                <a16:creationId xmlns:a16="http://schemas.microsoft.com/office/drawing/2014/main" id="{5881E5E4-1BA8-4958-8B0C-51278A76562C}"/>
-              </a:ext>
-            </a:extLst>
-          </p:cNvPr>
-          <p:cNvSpPr txBox="1"/>
-          <p:nvPr/>
-        </p:nvSpPr>
-        <p:spPr>
-          <a:xfrm>
-            <a:off x="4655051" y="6423568"/>
-            <a:ext cx="7668472" cy="369332"/>
-          </a:xfrm>
-          <a:prstGeom prst="rect">
-            <a:avLst/>
-          </a:prstGeom>
-          <a:noFill/>
-        </p:spPr>
-        <p:txBody>
-          <a:bodyPr wrap="square">
-            <a:spAutoFit/>
-          </a:bodyPr>
-          <a:lstStyle/>
-          <a:p>
-            <a:r>
-              <a:rPr lang="en-US" dirty="0">
-                <a:solidFill>
-                  <a:schemeClr val="accent1">
-                    <a:lumMod val="50000"/>
-                  </a:schemeClr>
-                </a:solidFill>
-                <a:hlinkClick r:id="rId8">
-                  <a:extLst>
-                    <a:ext uri="{A12FA001-AC4F-418D-AE19-62706E023703}">
-                      <ahyp:hlinkClr xmlns:ahyp="http://schemas.microsoft.com/office/drawing/2018/hyperlinkcolor" val="tx"/>
-                    </a:ext>
-                  </a:extLst>
-                </a:hlinkClick>
-              </a:rPr>
-              <a:t>5 Steps To Choose Your Customer Acquisition Channel — Brian Balfour</a:t>
-            </a:r>
-            <a:endParaRPr lang="fr-FR" dirty="0">
-              <a:solidFill>
-                <a:schemeClr val="accent1">
-                  <a:lumMod val="50000"/>
-                </a:schemeClr>
-              </a:solidFill>
-            </a:endParaRPr>
-          </a:p>
-        </p:txBody>
-      </p:sp>
-      <p:sp>
-        <p:nvSpPr>
-          <p:cNvPr id="10" name="TextBox 9">
-            <a:extLst>
-              <a:ext uri="{FF2B5EF4-FFF2-40B4-BE49-F238E27FC236}">
-                <a16:creationId xmlns:a16="http://schemas.microsoft.com/office/drawing/2014/main" id="{C341C51E-EC95-4E9E-A4E8-8C79FC313435}"/>
-              </a:ext>
-            </a:extLst>
-          </p:cNvPr>
-          <p:cNvSpPr txBox="1"/>
-          <p:nvPr/>
-        </p:nvSpPr>
-        <p:spPr>
-          <a:xfrm>
-            <a:off x="7819887" y="2128487"/>
-            <a:ext cx="3335793" cy="2585323"/>
-          </a:xfrm>
-          <a:prstGeom prst="rect">
-            <a:avLst/>
-          </a:prstGeom>
-          <a:noFill/>
-        </p:spPr>
-        <p:txBody>
-          <a:bodyPr wrap="square">
-            <a:spAutoFit/>
-          </a:bodyPr>
-          <a:lstStyle/>
-          <a:p>
-            <a:pPr algn="l"/>
-            <a:r>
-              <a:rPr lang="en-US" b="0" i="0" dirty="0">
-                <a:effectLst/>
-                <a:latin typeface="Söhne"/>
-              </a:rPr>
-              <a:t>Define a way to compare channels based on similar attributes based on constraints and objectives.</a:t>
-            </a:r>
-            <a:endParaRPr lang="en-US" b="0" i="0" dirty="0">
-              <a:solidFill>
-                <a:srgbClr val="333333"/>
-              </a:solidFill>
-              <a:effectLst/>
-              <a:latin typeface="Arial" panose="020B0604020202020204" pitchFamily="34" charset="0"/>
-            </a:endParaRPr>
-          </a:p>
-          <a:p>
-            <a:endParaRPr lang="en-US" dirty="0">
-              <a:solidFill>
-                <a:srgbClr val="333333"/>
-              </a:solidFill>
-              <a:latin typeface="Arial" panose="020B0604020202020204" pitchFamily="34" charset="0"/>
-            </a:endParaRPr>
-          </a:p>
-          <a:p>
-            <a:r>
-              <a:rPr lang="en-US" b="0" i="0" dirty="0">
-                <a:solidFill>
-                  <a:srgbClr val="333333"/>
-                </a:solidFill>
-                <a:effectLst/>
-                <a:latin typeface="Arial" panose="020B0604020202020204" pitchFamily="34" charset="0"/>
-              </a:rPr>
-              <a:t>”content marketing could be broken down into blogging, guest blogging, info graphics, webinars” </a:t>
-            </a:r>
-            <a:r>
-              <a:rPr lang="en-US" dirty="0">
-                <a:solidFill>
-                  <a:schemeClr val="accent1">
-                    <a:lumMod val="50000"/>
-                  </a:schemeClr>
-                </a:solidFill>
-                <a:hlinkClick r:id="rId8">
-                  <a:extLst>
-                    <a:ext uri="{A12FA001-AC4F-418D-AE19-62706E023703}">
-                      <ahyp:hlinkClr xmlns:ahyp="http://schemas.microsoft.com/office/drawing/2018/hyperlinkcolor" val="tx"/>
-                    </a:ext>
-                  </a:extLst>
-                </a:hlinkClick>
-              </a:rPr>
-              <a:t>Brian Balfour</a:t>
-            </a:r>
-            <a:endParaRPr lang="fr-FR" dirty="0"/>
-          </a:p>
-        </p:txBody>
-      </p:sp>
-    </p:spTree>
-    <p:extLst>
-      <p:ext uri="{BB962C8B-B14F-4D97-AF65-F5344CB8AC3E}">
-        <p14:creationId xmlns:p14="http://schemas.microsoft.com/office/powerpoint/2010/main" val="3337703748"/>
-      </p:ext>
-    </p:extLst>
-  </p:cSld>
-  <p:clrMapOvr>
-    <a:masterClrMapping/>
-  </p:clrMapOvr>
-</p:sld>
-</file>
-
-<file path=ppt/slides/slide5.xml><?xml version="1.0" encoding="utf-8"?>
+<file path=ppt/slides/slide3.xml><?xml version="1.0" encoding="utf-8"?>
 <p:sld xmlns:a="http://schemas.openxmlformats.org/drawingml/2006/main" xmlns:r="http://schemas.openxmlformats.org/officeDocument/2006/relationships" xmlns:p="http://schemas.openxmlformats.org/presentationml/2006/main">
   <p:cSld>
     <p:spTree>
@@ -24030,7 +21403,7 @@
           <p:nvPr>
             <p:extLst>
               <p:ext uri="{D42A27DB-BD31-4B8C-83A1-F6EECF244321}">
-                <p14:modId xmlns:p14="http://schemas.microsoft.com/office/powerpoint/2010/main" val="1080826829"/>
+                <p14:modId xmlns:p14="http://schemas.microsoft.com/office/powerpoint/2010/main" val="1921418121"/>
               </p:ext>
             </p:extLst>
           </p:nvPr>
@@ -24058,190 +21431,7 @@
 </p:sld>
 </file>
 
-<file path=ppt/slides/slide6.xml><?xml version="1.0" encoding="utf-8"?>
-<p:sld xmlns:a="http://schemas.openxmlformats.org/drawingml/2006/main" xmlns:r="http://schemas.openxmlformats.org/officeDocument/2006/relationships" xmlns:p="http://schemas.openxmlformats.org/presentationml/2006/main">
-  <p:cSld>
-    <p:spTree>
-      <p:nvGrpSpPr>
-        <p:cNvPr id="1" name=""/>
-        <p:cNvGrpSpPr/>
-        <p:nvPr/>
-      </p:nvGrpSpPr>
-      <p:grpSpPr>
-        <a:xfrm>
-          <a:off x="0" y="0"/>
-          <a:ext cx="0" cy="0"/>
-          <a:chOff x="0" y="0"/>
-          <a:chExt cx="0" cy="0"/>
-        </a:xfrm>
-      </p:grpSpPr>
-      <p:sp>
-        <p:nvSpPr>
-          <p:cNvPr id="2" name="Title 1">
-            <a:extLst>
-              <a:ext uri="{FF2B5EF4-FFF2-40B4-BE49-F238E27FC236}">
-                <a16:creationId xmlns:a16="http://schemas.microsoft.com/office/drawing/2014/main" id="{BBB435CB-D6E6-4C1D-93E6-79FA33C9B111}"/>
-              </a:ext>
-            </a:extLst>
-          </p:cNvPr>
-          <p:cNvSpPr>
-            <a:spLocks noGrp="1"/>
-          </p:cNvSpPr>
-          <p:nvPr>
-            <p:ph type="title"/>
-          </p:nvPr>
-        </p:nvSpPr>
-        <p:spPr/>
-        <p:txBody>
-          <a:bodyPr/>
-          <a:lstStyle/>
-          <a:p>
-            <a:r>
-              <a:rPr lang="en-GB" dirty="0">
-                <a:solidFill>
-                  <a:schemeClr val="tx1"/>
-                </a:solidFill>
-              </a:rPr>
-              <a:t>Improving a Business Plan  </a:t>
-            </a:r>
-            <a:endParaRPr lang="fr-FR" dirty="0">
-              <a:solidFill>
-                <a:schemeClr val="tx1"/>
-              </a:solidFill>
-            </a:endParaRPr>
-          </a:p>
-        </p:txBody>
-      </p:sp>
-      <p:graphicFrame>
-        <p:nvGraphicFramePr>
-          <p:cNvPr id="4" name="Content Placeholder 3">
-            <a:extLst>
-              <a:ext uri="{FF2B5EF4-FFF2-40B4-BE49-F238E27FC236}">
-                <a16:creationId xmlns:a16="http://schemas.microsoft.com/office/drawing/2014/main" id="{9B326CB2-D4A2-4B5C-8E3B-CCDFAF47BF16}"/>
-              </a:ext>
-            </a:extLst>
-          </p:cNvPr>
-          <p:cNvGraphicFramePr>
-            <a:graphicFrameLocks noGrp="1"/>
-          </p:cNvGraphicFramePr>
-          <p:nvPr>
-            <p:ph idx="1"/>
-          </p:nvPr>
-        </p:nvGraphicFramePr>
-        <p:xfrm>
-          <a:off x="1097280" y="1845734"/>
-          <a:ext cx="10058400" cy="4023360"/>
-        </p:xfrm>
-        <a:graphic>
-          <a:graphicData uri="http://schemas.openxmlformats.org/drawingml/2006/diagram">
-            <dgm:relIds xmlns:dgm="http://schemas.openxmlformats.org/drawingml/2006/diagram" xmlns:r="http://schemas.openxmlformats.org/officeDocument/2006/relationships" r:dm="rId2" r:lo="rId3" r:qs="rId4" r:cs="rId5"/>
-          </a:graphicData>
-        </a:graphic>
-      </p:graphicFrame>
-      <p:sp>
-        <p:nvSpPr>
-          <p:cNvPr id="7" name="TextBox 6">
-            <a:extLst>
-              <a:ext uri="{FF2B5EF4-FFF2-40B4-BE49-F238E27FC236}">
-                <a16:creationId xmlns:a16="http://schemas.microsoft.com/office/drawing/2014/main" id="{47C4D2BB-C617-4D6F-8C89-1E69FDB0903C}"/>
-              </a:ext>
-            </a:extLst>
-          </p:cNvPr>
-          <p:cNvSpPr txBox="1"/>
-          <p:nvPr/>
-        </p:nvSpPr>
-        <p:spPr>
-          <a:xfrm>
-            <a:off x="1097280" y="6409081"/>
-            <a:ext cx="7115542" cy="369332"/>
-          </a:xfrm>
-          <a:prstGeom prst="rect">
-            <a:avLst/>
-          </a:prstGeom>
-          <a:noFill/>
-        </p:spPr>
-        <p:txBody>
-          <a:bodyPr wrap="square">
-            <a:spAutoFit/>
-          </a:bodyPr>
-          <a:lstStyle/>
-          <a:p>
-            <a:r>
-              <a:rPr lang="en-GB" dirty="0">
-                <a:solidFill>
-                  <a:schemeClr val="accent1">
-                    <a:lumMod val="50000"/>
-                  </a:schemeClr>
-                </a:solidFill>
-              </a:rPr>
-              <a:t>SAAS </a:t>
-            </a:r>
-            <a:r>
-              <a:rPr lang="en-GB" dirty="0" err="1">
-                <a:solidFill>
-                  <a:schemeClr val="accent1">
-                    <a:lumMod val="50000"/>
-                  </a:schemeClr>
-                </a:solidFill>
-              </a:rPr>
-              <a:t>Startup</a:t>
-            </a:r>
-            <a:r>
-              <a:rPr lang="en-GB" dirty="0">
-                <a:solidFill>
-                  <a:schemeClr val="accent1">
-                    <a:lumMod val="50000"/>
-                  </a:schemeClr>
-                </a:solidFill>
-              </a:rPr>
-              <a:t> Session</a:t>
-            </a:r>
-            <a:endParaRPr lang="fr-FR" dirty="0"/>
-          </a:p>
-        </p:txBody>
-      </p:sp>
-      <p:graphicFrame>
-        <p:nvGraphicFramePr>
-          <p:cNvPr id="3" name="Diagram 2">
-            <a:extLst>
-              <a:ext uri="{FF2B5EF4-FFF2-40B4-BE49-F238E27FC236}">
-                <a16:creationId xmlns:a16="http://schemas.microsoft.com/office/drawing/2014/main" id="{41EFFADD-75C0-44A7-A416-68C79D3671A3}"/>
-              </a:ext>
-            </a:extLst>
-          </p:cNvPr>
-          <p:cNvGraphicFramePr/>
-          <p:nvPr>
-            <p:extLst>
-              <p:ext uri="{D42A27DB-BD31-4B8C-83A1-F6EECF244321}">
-                <p14:modId xmlns:p14="http://schemas.microsoft.com/office/powerpoint/2010/main" val="2465235274"/>
-              </p:ext>
-            </p:extLst>
-          </p:nvPr>
-        </p:nvGraphicFramePr>
-        <p:xfrm>
-          <a:off x="1097281" y="1737361"/>
-          <a:ext cx="10058400" cy="4477909"/>
-        </p:xfrm>
-        <a:graphic>
-          <a:graphicData uri="http://schemas.openxmlformats.org/drawingml/2006/diagram">
-            <dgm:relIds xmlns:dgm="http://schemas.openxmlformats.org/drawingml/2006/diagram" xmlns:r="http://schemas.openxmlformats.org/officeDocument/2006/relationships" r:dm="rId7" r:lo="rId8" r:qs="rId9" r:cs="rId10"/>
-          </a:graphicData>
-        </a:graphic>
-      </p:graphicFrame>
-    </p:spTree>
-    <p:extLst>
-      <p:ext uri="{BB962C8B-B14F-4D97-AF65-F5344CB8AC3E}">
-        <p14:creationId xmlns:p14="http://schemas.microsoft.com/office/powerpoint/2010/main" val="3598334352"/>
-      </p:ext>
-    </p:extLst>
-  </p:cSld>
-  <p:clrMapOvr>
-    <a:masterClrMapping/>
-  </p:clrMapOvr>
-</p:sld>
-</file>
-
-<file path=ppt/slides/slide7.xml><?xml version="1.0" encoding="utf-8"?>
+<file path=ppt/slides/slide4.xml><?xml version="1.0" encoding="utf-8"?>
 <p:sld xmlns:a="http://schemas.openxmlformats.org/drawingml/2006/main" xmlns:r="http://schemas.openxmlformats.org/officeDocument/2006/relationships" xmlns:p="http://schemas.openxmlformats.org/presentationml/2006/main">
   <p:cSld>
     <p:spTree>
@@ -24392,6 +21582,666 @@
     <p:extLst>
       <p:ext uri="{BB962C8B-B14F-4D97-AF65-F5344CB8AC3E}">
         <p14:creationId xmlns:p14="http://schemas.microsoft.com/office/powerpoint/2010/main" val="1787505228"/>
+      </p:ext>
+    </p:extLst>
+  </p:cSld>
+  <p:clrMapOvr>
+    <a:masterClrMapping/>
+  </p:clrMapOvr>
+</p:sld>
+</file>
+
+<file path=ppt/slides/slide5.xml><?xml version="1.0" encoding="utf-8"?>
+<p:sld xmlns:a="http://schemas.openxmlformats.org/drawingml/2006/main" xmlns:r="http://schemas.openxmlformats.org/officeDocument/2006/relationships" xmlns:p="http://schemas.openxmlformats.org/presentationml/2006/main">
+  <p:cSld>
+    <p:spTree>
+      <p:nvGrpSpPr>
+        <p:cNvPr id="1" name=""/>
+        <p:cNvGrpSpPr/>
+        <p:nvPr/>
+      </p:nvGrpSpPr>
+      <p:grpSpPr>
+        <a:xfrm>
+          <a:off x="0" y="0"/>
+          <a:ext cx="0" cy="0"/>
+          <a:chOff x="0" y="0"/>
+          <a:chExt cx="0" cy="0"/>
+        </a:xfrm>
+      </p:grpSpPr>
+      <p:sp>
+        <p:nvSpPr>
+          <p:cNvPr id="2" name="Title 1">
+            <a:extLst>
+              <a:ext uri="{FF2B5EF4-FFF2-40B4-BE49-F238E27FC236}">
+                <a16:creationId xmlns:a16="http://schemas.microsoft.com/office/drawing/2014/main" id="{BBB435CB-D6E6-4C1D-93E6-79FA33C9B111}"/>
+              </a:ext>
+            </a:extLst>
+          </p:cNvPr>
+          <p:cNvSpPr>
+            <a:spLocks noGrp="1"/>
+          </p:cNvSpPr>
+          <p:nvPr>
+            <p:ph type="title"/>
+          </p:nvPr>
+        </p:nvSpPr>
+        <p:spPr/>
+        <p:txBody>
+          <a:bodyPr/>
+          <a:lstStyle/>
+          <a:p>
+            <a:r>
+              <a:rPr lang="en-GB" dirty="0">
+                <a:solidFill>
+                  <a:schemeClr val="tx1"/>
+                </a:solidFill>
+              </a:rPr>
+              <a:t>Getting first 100 Customers – </a:t>
+            </a:r>
+            <a:br>
+              <a:rPr lang="en-GB" dirty="0">
+                <a:solidFill>
+                  <a:schemeClr val="tx1"/>
+                </a:solidFill>
+              </a:rPr>
+            </a:br>
+            <a:r>
+              <a:rPr lang="en-GB" dirty="0">
+                <a:solidFill>
+                  <a:schemeClr val="tx1"/>
+                </a:solidFill>
+              </a:rPr>
+              <a:t>Speed factors</a:t>
+            </a:r>
+            <a:endParaRPr lang="fr-FR" dirty="0">
+              <a:solidFill>
+                <a:schemeClr val="tx1"/>
+              </a:solidFill>
+            </a:endParaRPr>
+          </a:p>
+        </p:txBody>
+      </p:sp>
+      <p:graphicFrame>
+        <p:nvGraphicFramePr>
+          <p:cNvPr id="4" name="Content Placeholder 3">
+            <a:extLst>
+              <a:ext uri="{FF2B5EF4-FFF2-40B4-BE49-F238E27FC236}">
+                <a16:creationId xmlns:a16="http://schemas.microsoft.com/office/drawing/2014/main" id="{9B326CB2-D4A2-4B5C-8E3B-CCDFAF47BF16}"/>
+              </a:ext>
+            </a:extLst>
+          </p:cNvPr>
+          <p:cNvGraphicFramePr>
+            <a:graphicFrameLocks noGrp="1"/>
+          </p:cNvGraphicFramePr>
+          <p:nvPr>
+            <p:ph idx="1"/>
+            <p:extLst>
+              <p:ext uri="{D42A27DB-BD31-4B8C-83A1-F6EECF244321}">
+                <p14:modId xmlns:p14="http://schemas.microsoft.com/office/powerpoint/2010/main" val="2249807300"/>
+              </p:ext>
+            </p:extLst>
+          </p:nvPr>
+        </p:nvGraphicFramePr>
+        <p:xfrm>
+          <a:off x="1097280" y="1845733"/>
+          <a:ext cx="10058400" cy="4547223"/>
+        </p:xfrm>
+        <a:graphic>
+          <a:graphicData uri="http://schemas.openxmlformats.org/drawingml/2006/diagram">
+            <dgm:relIds xmlns:dgm="http://schemas.openxmlformats.org/drawingml/2006/diagram" xmlns:r="http://schemas.openxmlformats.org/officeDocument/2006/relationships" r:dm="rId2" r:lo="rId3" r:qs="rId4" r:cs="rId5"/>
+          </a:graphicData>
+        </a:graphic>
+      </p:graphicFrame>
+      <p:sp>
+        <p:nvSpPr>
+          <p:cNvPr id="7" name="TextBox 6">
+            <a:extLst>
+              <a:ext uri="{FF2B5EF4-FFF2-40B4-BE49-F238E27FC236}">
+                <a16:creationId xmlns:a16="http://schemas.microsoft.com/office/drawing/2014/main" id="{47C4D2BB-C617-4D6F-8C89-1E69FDB0903C}"/>
+              </a:ext>
+            </a:extLst>
+          </p:cNvPr>
+          <p:cNvSpPr txBox="1"/>
+          <p:nvPr/>
+        </p:nvSpPr>
+        <p:spPr>
+          <a:xfrm>
+            <a:off x="1097280" y="6409081"/>
+            <a:ext cx="7115542" cy="369332"/>
+          </a:xfrm>
+          <a:prstGeom prst="rect">
+            <a:avLst/>
+          </a:prstGeom>
+          <a:noFill/>
+        </p:spPr>
+        <p:txBody>
+          <a:bodyPr wrap="square">
+            <a:spAutoFit/>
+          </a:bodyPr>
+          <a:lstStyle/>
+          <a:p>
+            <a:r>
+              <a:rPr lang="en-GB" dirty="0">
+                <a:solidFill>
+                  <a:schemeClr val="accent1">
+                    <a:lumMod val="50000"/>
+                  </a:schemeClr>
+                </a:solidFill>
+              </a:rPr>
+              <a:t>SAAS </a:t>
+            </a:r>
+            <a:r>
+              <a:rPr lang="en-GB" dirty="0" err="1">
+                <a:solidFill>
+                  <a:schemeClr val="accent1">
+                    <a:lumMod val="50000"/>
+                  </a:schemeClr>
+                </a:solidFill>
+              </a:rPr>
+              <a:t>Startup</a:t>
+            </a:r>
+            <a:r>
+              <a:rPr lang="en-GB" dirty="0">
+                <a:solidFill>
+                  <a:schemeClr val="accent1">
+                    <a:lumMod val="50000"/>
+                  </a:schemeClr>
+                </a:solidFill>
+              </a:rPr>
+              <a:t> Session</a:t>
+            </a:r>
+            <a:endParaRPr lang="fr-FR" dirty="0"/>
+          </a:p>
+        </p:txBody>
+      </p:sp>
+      <p:sp>
+        <p:nvSpPr>
+          <p:cNvPr id="6" name="TextBox 5">
+            <a:extLst>
+              <a:ext uri="{FF2B5EF4-FFF2-40B4-BE49-F238E27FC236}">
+                <a16:creationId xmlns:a16="http://schemas.microsoft.com/office/drawing/2014/main" id="{45764736-9217-466B-89B7-1FBE5693CEB3}"/>
+              </a:ext>
+            </a:extLst>
+          </p:cNvPr>
+          <p:cNvSpPr txBox="1"/>
+          <p:nvPr/>
+        </p:nvSpPr>
+        <p:spPr>
+          <a:xfrm>
+            <a:off x="5489972" y="6401019"/>
+            <a:ext cx="6093618" cy="369332"/>
+          </a:xfrm>
+          <a:prstGeom prst="rect">
+            <a:avLst/>
+          </a:prstGeom>
+          <a:noFill/>
+        </p:spPr>
+        <p:txBody>
+          <a:bodyPr wrap="square">
+            <a:spAutoFit/>
+          </a:bodyPr>
+          <a:lstStyle/>
+          <a:p>
+            <a:r>
+              <a:rPr lang="en-US" dirty="0">
+                <a:solidFill>
+                  <a:schemeClr val="accent1">
+                    <a:lumMod val="50000"/>
+                  </a:schemeClr>
+                </a:solidFill>
+                <a:hlinkClick r:id="rId7">
+                  <a:extLst>
+                    <a:ext uri="{A12FA001-AC4F-418D-AE19-62706E023703}">
+                      <ahyp:hlinkClr xmlns:ahyp="http://schemas.microsoft.com/office/drawing/2018/hyperlinkcolor" val="tx"/>
+                    </a:ext>
+                  </a:extLst>
+                </a:hlinkClick>
+              </a:rPr>
+              <a:t>SaaS/B2B - How to Get Your First 100 Customers - YouTube</a:t>
+            </a:r>
+            <a:endParaRPr lang="fr-FR" dirty="0">
+              <a:solidFill>
+                <a:schemeClr val="accent1">
+                  <a:lumMod val="50000"/>
+                </a:schemeClr>
+              </a:solidFill>
+            </a:endParaRPr>
+          </a:p>
+        </p:txBody>
+      </p:sp>
+    </p:spTree>
+    <p:extLst>
+      <p:ext uri="{BB962C8B-B14F-4D97-AF65-F5344CB8AC3E}">
+        <p14:creationId xmlns:p14="http://schemas.microsoft.com/office/powerpoint/2010/main" val="2057339043"/>
+      </p:ext>
+    </p:extLst>
+  </p:cSld>
+  <p:clrMapOvr>
+    <a:masterClrMapping/>
+  </p:clrMapOvr>
+</p:sld>
+</file>
+
+<file path=ppt/slides/slide6.xml><?xml version="1.0" encoding="utf-8"?>
+<p:sld xmlns:a="http://schemas.openxmlformats.org/drawingml/2006/main" xmlns:r="http://schemas.openxmlformats.org/officeDocument/2006/relationships" xmlns:p="http://schemas.openxmlformats.org/presentationml/2006/main">
+  <p:cSld>
+    <p:spTree>
+      <p:nvGrpSpPr>
+        <p:cNvPr id="1" name=""/>
+        <p:cNvGrpSpPr/>
+        <p:nvPr/>
+      </p:nvGrpSpPr>
+      <p:grpSpPr>
+        <a:xfrm>
+          <a:off x="0" y="0"/>
+          <a:ext cx="0" cy="0"/>
+          <a:chOff x="0" y="0"/>
+          <a:chExt cx="0" cy="0"/>
+        </a:xfrm>
+      </p:grpSpPr>
+      <p:sp>
+        <p:nvSpPr>
+          <p:cNvPr id="2" name="Title 1">
+            <a:extLst>
+              <a:ext uri="{FF2B5EF4-FFF2-40B4-BE49-F238E27FC236}">
+                <a16:creationId xmlns:a16="http://schemas.microsoft.com/office/drawing/2014/main" id="{BBB435CB-D6E6-4C1D-93E6-79FA33C9B111}"/>
+              </a:ext>
+            </a:extLst>
+          </p:cNvPr>
+          <p:cNvSpPr>
+            <a:spLocks noGrp="1"/>
+          </p:cNvSpPr>
+          <p:nvPr>
+            <p:ph type="title"/>
+          </p:nvPr>
+        </p:nvSpPr>
+        <p:spPr/>
+        <p:txBody>
+          <a:bodyPr/>
+          <a:lstStyle/>
+          <a:p>
+            <a:r>
+              <a:rPr lang="en-GB" dirty="0">
+                <a:solidFill>
+                  <a:schemeClr val="tx1"/>
+                </a:solidFill>
+              </a:rPr>
+              <a:t>Pricing strategy</a:t>
+            </a:r>
+            <a:endParaRPr lang="fr-FR" dirty="0">
+              <a:solidFill>
+                <a:schemeClr val="tx1"/>
+              </a:solidFill>
+            </a:endParaRPr>
+          </a:p>
+        </p:txBody>
+      </p:sp>
+      <p:graphicFrame>
+        <p:nvGraphicFramePr>
+          <p:cNvPr id="4" name="Content Placeholder 3">
+            <a:extLst>
+              <a:ext uri="{FF2B5EF4-FFF2-40B4-BE49-F238E27FC236}">
+                <a16:creationId xmlns:a16="http://schemas.microsoft.com/office/drawing/2014/main" id="{9B326CB2-D4A2-4B5C-8E3B-CCDFAF47BF16}"/>
+              </a:ext>
+            </a:extLst>
+          </p:cNvPr>
+          <p:cNvGraphicFramePr>
+            <a:graphicFrameLocks noGrp="1"/>
+          </p:cNvGraphicFramePr>
+          <p:nvPr>
+            <p:ph idx="1"/>
+            <p:extLst>
+              <p:ext uri="{D42A27DB-BD31-4B8C-83A1-F6EECF244321}">
+                <p14:modId xmlns:p14="http://schemas.microsoft.com/office/powerpoint/2010/main" val="622492460"/>
+              </p:ext>
+            </p:extLst>
+          </p:nvPr>
+        </p:nvGraphicFramePr>
+        <p:xfrm>
+          <a:off x="1097280" y="1845733"/>
+          <a:ext cx="10058400" cy="4547223"/>
+        </p:xfrm>
+        <a:graphic>
+          <a:graphicData uri="http://schemas.openxmlformats.org/drawingml/2006/diagram">
+            <dgm:relIds xmlns:dgm="http://schemas.openxmlformats.org/drawingml/2006/diagram" xmlns:r="http://schemas.openxmlformats.org/officeDocument/2006/relationships" r:dm="rId2" r:lo="rId3" r:qs="rId4" r:cs="rId5"/>
+          </a:graphicData>
+        </a:graphic>
+      </p:graphicFrame>
+      <p:sp>
+        <p:nvSpPr>
+          <p:cNvPr id="7" name="TextBox 6">
+            <a:extLst>
+              <a:ext uri="{FF2B5EF4-FFF2-40B4-BE49-F238E27FC236}">
+                <a16:creationId xmlns:a16="http://schemas.microsoft.com/office/drawing/2014/main" id="{47C4D2BB-C617-4D6F-8C89-1E69FDB0903C}"/>
+              </a:ext>
+            </a:extLst>
+          </p:cNvPr>
+          <p:cNvSpPr txBox="1"/>
+          <p:nvPr/>
+        </p:nvSpPr>
+        <p:spPr>
+          <a:xfrm>
+            <a:off x="1097280" y="6409081"/>
+            <a:ext cx="7115542" cy="369332"/>
+          </a:xfrm>
+          <a:prstGeom prst="rect">
+            <a:avLst/>
+          </a:prstGeom>
+          <a:noFill/>
+        </p:spPr>
+        <p:txBody>
+          <a:bodyPr wrap="square">
+            <a:spAutoFit/>
+          </a:bodyPr>
+          <a:lstStyle/>
+          <a:p>
+            <a:r>
+              <a:rPr lang="en-GB" dirty="0">
+                <a:solidFill>
+                  <a:schemeClr val="accent1">
+                    <a:lumMod val="50000"/>
+                  </a:schemeClr>
+                </a:solidFill>
+              </a:rPr>
+              <a:t>SAAS </a:t>
+            </a:r>
+            <a:r>
+              <a:rPr lang="en-GB" dirty="0" err="1">
+                <a:solidFill>
+                  <a:schemeClr val="accent1">
+                    <a:lumMod val="50000"/>
+                  </a:schemeClr>
+                </a:solidFill>
+              </a:rPr>
+              <a:t>Startup</a:t>
+            </a:r>
+            <a:r>
+              <a:rPr lang="en-GB" dirty="0">
+                <a:solidFill>
+                  <a:schemeClr val="accent1">
+                    <a:lumMod val="50000"/>
+                  </a:schemeClr>
+                </a:solidFill>
+              </a:rPr>
+              <a:t> Session</a:t>
+            </a:r>
+            <a:endParaRPr lang="fr-FR" dirty="0"/>
+          </a:p>
+        </p:txBody>
+      </p:sp>
+      <p:sp>
+        <p:nvSpPr>
+          <p:cNvPr id="6" name="TextBox 5">
+            <a:extLst>
+              <a:ext uri="{FF2B5EF4-FFF2-40B4-BE49-F238E27FC236}">
+                <a16:creationId xmlns:a16="http://schemas.microsoft.com/office/drawing/2014/main" id="{45764736-9217-466B-89B7-1FBE5693CEB3}"/>
+              </a:ext>
+            </a:extLst>
+          </p:cNvPr>
+          <p:cNvSpPr txBox="1"/>
+          <p:nvPr/>
+        </p:nvSpPr>
+        <p:spPr>
+          <a:xfrm>
+            <a:off x="5489972" y="6401019"/>
+            <a:ext cx="6093618" cy="369332"/>
+          </a:xfrm>
+          <a:prstGeom prst="rect">
+            <a:avLst/>
+          </a:prstGeom>
+          <a:noFill/>
+        </p:spPr>
+        <p:txBody>
+          <a:bodyPr wrap="square">
+            <a:spAutoFit/>
+          </a:bodyPr>
+          <a:lstStyle/>
+          <a:p>
+            <a:r>
+              <a:rPr lang="en-US" dirty="0">
+                <a:solidFill>
+                  <a:schemeClr val="accent1">
+                    <a:lumMod val="50000"/>
+                  </a:schemeClr>
+                </a:solidFill>
+                <a:hlinkClick r:id="rId7">
+                  <a:extLst>
+                    <a:ext uri="{A12FA001-AC4F-418D-AE19-62706E023703}">
+                      <ahyp:hlinkClr xmlns:ahyp="http://schemas.microsoft.com/office/drawing/2018/hyperlinkcolor" val="tx"/>
+                    </a:ext>
+                  </a:extLst>
+                </a:hlinkClick>
+              </a:rPr>
+              <a:t>SaaS/B2B - How to Get Your First 100 Customers - YouTube</a:t>
+            </a:r>
+            <a:endParaRPr lang="fr-FR" dirty="0">
+              <a:solidFill>
+                <a:schemeClr val="accent1">
+                  <a:lumMod val="50000"/>
+                </a:schemeClr>
+              </a:solidFill>
+            </a:endParaRPr>
+          </a:p>
+        </p:txBody>
+      </p:sp>
+    </p:spTree>
+    <p:extLst>
+      <p:ext uri="{BB962C8B-B14F-4D97-AF65-F5344CB8AC3E}">
+        <p14:creationId xmlns:p14="http://schemas.microsoft.com/office/powerpoint/2010/main" val="376263446"/>
+      </p:ext>
+    </p:extLst>
+  </p:cSld>
+  <p:clrMapOvr>
+    <a:masterClrMapping/>
+  </p:clrMapOvr>
+</p:sld>
+</file>
+
+<file path=ppt/slides/slide7.xml><?xml version="1.0" encoding="utf-8"?>
+<p:sld xmlns:a="http://schemas.openxmlformats.org/drawingml/2006/main" xmlns:r="http://schemas.openxmlformats.org/officeDocument/2006/relationships" xmlns:p="http://schemas.openxmlformats.org/presentationml/2006/main">
+  <p:cSld>
+    <p:spTree>
+      <p:nvGrpSpPr>
+        <p:cNvPr id="1" name=""/>
+        <p:cNvGrpSpPr/>
+        <p:nvPr/>
+      </p:nvGrpSpPr>
+      <p:grpSpPr>
+        <a:xfrm>
+          <a:off x="0" y="0"/>
+          <a:ext cx="0" cy="0"/>
+          <a:chOff x="0" y="0"/>
+          <a:chExt cx="0" cy="0"/>
+        </a:xfrm>
+      </p:grpSpPr>
+      <p:sp>
+        <p:nvSpPr>
+          <p:cNvPr id="2" name="Title 1">
+            <a:extLst>
+              <a:ext uri="{FF2B5EF4-FFF2-40B4-BE49-F238E27FC236}">
+                <a16:creationId xmlns:a16="http://schemas.microsoft.com/office/drawing/2014/main" id="{BBB435CB-D6E6-4C1D-93E6-79FA33C9B111}"/>
+              </a:ext>
+            </a:extLst>
+          </p:cNvPr>
+          <p:cNvSpPr>
+            <a:spLocks noGrp="1"/>
+          </p:cNvSpPr>
+          <p:nvPr>
+            <p:ph type="title"/>
+          </p:nvPr>
+        </p:nvSpPr>
+        <p:spPr/>
+        <p:txBody>
+          <a:bodyPr/>
+          <a:lstStyle/>
+          <a:p>
+            <a:r>
+              <a:rPr lang="en-GB" dirty="0">
+                <a:solidFill>
+                  <a:schemeClr val="tx1"/>
+                </a:solidFill>
+              </a:rPr>
+              <a:t>Pitfalls to avoid with large target market/cheap price</a:t>
+            </a:r>
+            <a:endParaRPr lang="fr-FR" dirty="0">
+              <a:solidFill>
+                <a:schemeClr val="tx1"/>
+              </a:solidFill>
+            </a:endParaRPr>
+          </a:p>
+        </p:txBody>
+      </p:sp>
+      <p:graphicFrame>
+        <p:nvGraphicFramePr>
+          <p:cNvPr id="4" name="Content Placeholder 3">
+            <a:extLst>
+              <a:ext uri="{FF2B5EF4-FFF2-40B4-BE49-F238E27FC236}">
+                <a16:creationId xmlns:a16="http://schemas.microsoft.com/office/drawing/2014/main" id="{9B326CB2-D4A2-4B5C-8E3B-CCDFAF47BF16}"/>
+              </a:ext>
+            </a:extLst>
+          </p:cNvPr>
+          <p:cNvGraphicFramePr>
+            <a:graphicFrameLocks noGrp="1"/>
+          </p:cNvGraphicFramePr>
+          <p:nvPr>
+            <p:ph idx="1"/>
+            <p:extLst>
+              <p:ext uri="{D42A27DB-BD31-4B8C-83A1-F6EECF244321}">
+                <p14:modId xmlns:p14="http://schemas.microsoft.com/office/powerpoint/2010/main" val="458607667"/>
+              </p:ext>
+            </p:extLst>
+          </p:nvPr>
+        </p:nvGraphicFramePr>
+        <p:xfrm>
+          <a:off x="1097280" y="1845733"/>
+          <a:ext cx="10058400" cy="4547223"/>
+        </p:xfrm>
+        <a:graphic>
+          <a:graphicData uri="http://schemas.openxmlformats.org/drawingml/2006/diagram">
+            <dgm:relIds xmlns:dgm="http://schemas.openxmlformats.org/drawingml/2006/diagram" xmlns:r="http://schemas.openxmlformats.org/officeDocument/2006/relationships" r:dm="rId2" r:lo="rId3" r:qs="rId4" r:cs="rId5"/>
+          </a:graphicData>
+        </a:graphic>
+      </p:graphicFrame>
+      <p:sp>
+        <p:nvSpPr>
+          <p:cNvPr id="7" name="TextBox 6">
+            <a:extLst>
+              <a:ext uri="{FF2B5EF4-FFF2-40B4-BE49-F238E27FC236}">
+                <a16:creationId xmlns:a16="http://schemas.microsoft.com/office/drawing/2014/main" id="{47C4D2BB-C617-4D6F-8C89-1E69FDB0903C}"/>
+              </a:ext>
+            </a:extLst>
+          </p:cNvPr>
+          <p:cNvSpPr txBox="1"/>
+          <p:nvPr/>
+        </p:nvSpPr>
+        <p:spPr>
+          <a:xfrm>
+            <a:off x="1097280" y="6409081"/>
+            <a:ext cx="7115542" cy="369332"/>
+          </a:xfrm>
+          <a:prstGeom prst="rect">
+            <a:avLst/>
+          </a:prstGeom>
+          <a:noFill/>
+        </p:spPr>
+        <p:txBody>
+          <a:bodyPr wrap="square">
+            <a:spAutoFit/>
+          </a:bodyPr>
+          <a:lstStyle/>
+          <a:p>
+            <a:r>
+              <a:rPr lang="en-GB" dirty="0">
+                <a:solidFill>
+                  <a:schemeClr val="accent1">
+                    <a:lumMod val="50000"/>
+                  </a:schemeClr>
+                </a:solidFill>
+              </a:rPr>
+              <a:t>SAAS </a:t>
+            </a:r>
+            <a:r>
+              <a:rPr lang="en-GB" dirty="0" err="1">
+                <a:solidFill>
+                  <a:schemeClr val="accent1">
+                    <a:lumMod val="50000"/>
+                  </a:schemeClr>
+                </a:solidFill>
+              </a:rPr>
+              <a:t>Startup</a:t>
+            </a:r>
+            <a:r>
+              <a:rPr lang="en-GB" dirty="0">
+                <a:solidFill>
+                  <a:schemeClr val="accent1">
+                    <a:lumMod val="50000"/>
+                  </a:schemeClr>
+                </a:solidFill>
+              </a:rPr>
+              <a:t> Session</a:t>
+            </a:r>
+            <a:endParaRPr lang="fr-FR" dirty="0"/>
+          </a:p>
+        </p:txBody>
+      </p:sp>
+      <p:sp>
+        <p:nvSpPr>
+          <p:cNvPr id="6" name="TextBox 5">
+            <a:extLst>
+              <a:ext uri="{FF2B5EF4-FFF2-40B4-BE49-F238E27FC236}">
+                <a16:creationId xmlns:a16="http://schemas.microsoft.com/office/drawing/2014/main" id="{45764736-9217-466B-89B7-1FBE5693CEB3}"/>
+              </a:ext>
+            </a:extLst>
+          </p:cNvPr>
+          <p:cNvSpPr txBox="1"/>
+          <p:nvPr/>
+        </p:nvSpPr>
+        <p:spPr>
+          <a:xfrm>
+            <a:off x="5489972" y="6401019"/>
+            <a:ext cx="6093618" cy="369332"/>
+          </a:xfrm>
+          <a:prstGeom prst="rect">
+            <a:avLst/>
+          </a:prstGeom>
+          <a:noFill/>
+        </p:spPr>
+        <p:txBody>
+          <a:bodyPr wrap="square">
+            <a:spAutoFit/>
+          </a:bodyPr>
+          <a:lstStyle/>
+          <a:p>
+            <a:r>
+              <a:rPr lang="en-US" dirty="0">
+                <a:solidFill>
+                  <a:schemeClr val="accent1">
+                    <a:lumMod val="50000"/>
+                  </a:schemeClr>
+                </a:solidFill>
+                <a:hlinkClick r:id="rId7">
+                  <a:extLst>
+                    <a:ext uri="{A12FA001-AC4F-418D-AE19-62706E023703}">
+                      <ahyp:hlinkClr xmlns:ahyp="http://schemas.microsoft.com/office/drawing/2018/hyperlinkcolor" val="tx"/>
+                    </a:ext>
+                  </a:extLst>
+                </a:hlinkClick>
+              </a:rPr>
+              <a:t>SaaS/B2B - How to Get Your First 100 Customers - YouTube</a:t>
+            </a:r>
+            <a:endParaRPr lang="fr-FR" dirty="0">
+              <a:solidFill>
+                <a:schemeClr val="accent1">
+                  <a:lumMod val="50000"/>
+                </a:schemeClr>
+              </a:solidFill>
+            </a:endParaRPr>
+          </a:p>
+        </p:txBody>
+      </p:sp>
+    </p:spTree>
+    <p:extLst>
+      <p:ext uri="{BB962C8B-B14F-4D97-AF65-F5344CB8AC3E}">
+        <p14:creationId xmlns:p14="http://schemas.microsoft.com/office/powerpoint/2010/main" val="2488958167"/>
       </p:ext>
     </p:extLst>
   </p:cSld>
